--- a/УПИС_Задание_№10/Презентация Diceville.pptx
+++ b/УПИС_Задание_№10/Презентация Diceville.pptx
@@ -4,9 +4,14 @@
   <p:sldMasterIdLst>
     <p:sldMasterId id="2147483648" r:id="rId1"/>
   </p:sldMasterIdLst>
+  <p:notesMasterIdLst>
+    <p:notesMasterId r:id="rId6"/>
+  </p:notesMasterIdLst>
   <p:sldIdLst>
     <p:sldId id="256" r:id="rId2"/>
     <p:sldId id="257" r:id="rId3"/>
+    <p:sldId id="258" r:id="rId4"/>
+    <p:sldId id="259" r:id="rId5"/>
   </p:sldIdLst>
   <p:sldSz cx="12192000" cy="6858000"/>
   <p:notesSz cx="6858000" cy="9144000"/>
@@ -105,7 +110,445 @@
       </a:defRPr>
     </a:lvl9pPr>
   </p:defaultTextStyle>
+  <p:extLst>
+    <p:ext uri="{EFAFB233-063F-42B5-8137-9DF3F51BA10A}">
+      <p15:sldGuideLst xmlns:p15="http://schemas.microsoft.com/office/powerpoint/2012/main"/>
+    </p:ext>
+  </p:extLst>
 </p:presentation>
+</file>
+
+<file path=ppt/notesMasters/notesMaster1.xml><?xml version="1.0" encoding="utf-8"?>
+<p:notesMaster xmlns:a="http://schemas.openxmlformats.org/drawingml/2006/main" xmlns:r="http://schemas.openxmlformats.org/officeDocument/2006/relationships" xmlns:p="http://schemas.openxmlformats.org/presentationml/2006/main">
+  <p:cSld>
+    <p:bg>
+      <p:bgRef idx="1001">
+        <a:schemeClr val="bg1"/>
+      </p:bgRef>
+    </p:bg>
+    <p:spTree>
+      <p:nvGrpSpPr>
+        <p:cNvPr id="1" name=""/>
+        <p:cNvGrpSpPr/>
+        <p:nvPr/>
+      </p:nvGrpSpPr>
+      <p:grpSpPr>
+        <a:xfrm>
+          <a:off x="0" y="0"/>
+          <a:ext cx="0" cy="0"/>
+          <a:chOff x="0" y="0"/>
+          <a:chExt cx="0" cy="0"/>
+        </a:xfrm>
+      </p:grpSpPr>
+      <p:sp>
+        <p:nvSpPr>
+          <p:cNvPr id="2" name="Верхний колонтитул 1"/>
+          <p:cNvSpPr>
+            <a:spLocks noGrp="1"/>
+          </p:cNvSpPr>
+          <p:nvPr>
+            <p:ph type="hdr" sz="quarter"/>
+          </p:nvPr>
+        </p:nvSpPr>
+        <p:spPr>
+          <a:xfrm>
+            <a:off x="0" y="0"/>
+            <a:ext cx="2971800" cy="458788"/>
+          </a:xfrm>
+          <a:prstGeom prst="rect">
+            <a:avLst/>
+          </a:prstGeom>
+        </p:spPr>
+        <p:txBody>
+          <a:bodyPr vert="horz" lIns="91440" tIns="45720" rIns="91440" bIns="45720" rtlCol="0"/>
+          <a:lstStyle>
+            <a:lvl1pPr algn="l">
+              <a:defRPr sz="1200"/>
+            </a:lvl1pPr>
+          </a:lstStyle>
+          <a:p>
+            <a:endParaRPr lang="ru-RU"/>
+          </a:p>
+        </p:txBody>
+      </p:sp>
+      <p:sp>
+        <p:nvSpPr>
+          <p:cNvPr id="3" name="Дата 2"/>
+          <p:cNvSpPr>
+            <a:spLocks noGrp="1"/>
+          </p:cNvSpPr>
+          <p:nvPr>
+            <p:ph type="dt" idx="1"/>
+          </p:nvPr>
+        </p:nvSpPr>
+        <p:spPr>
+          <a:xfrm>
+            <a:off x="3884613" y="0"/>
+            <a:ext cx="2971800" cy="458788"/>
+          </a:xfrm>
+          <a:prstGeom prst="rect">
+            <a:avLst/>
+          </a:prstGeom>
+        </p:spPr>
+        <p:txBody>
+          <a:bodyPr vert="horz" lIns="91440" tIns="45720" rIns="91440" bIns="45720" rtlCol="0"/>
+          <a:lstStyle>
+            <a:lvl1pPr algn="r">
+              <a:defRPr sz="1200"/>
+            </a:lvl1pPr>
+          </a:lstStyle>
+          <a:p>
+            <a:fld id="{6AF649A8-3ADF-4919-BCDF-FC2B8C6D828D}" type="datetimeFigureOut">
+              <a:rPr lang="ru-RU" smtClean="0"/>
+              <a:t>17.12.2025</a:t>
+            </a:fld>
+            <a:endParaRPr lang="ru-RU"/>
+          </a:p>
+        </p:txBody>
+      </p:sp>
+      <p:sp>
+        <p:nvSpPr>
+          <p:cNvPr id="4" name="Образ слайда 3"/>
+          <p:cNvSpPr>
+            <a:spLocks noGrp="1" noRot="1" noChangeAspect="1"/>
+          </p:cNvSpPr>
+          <p:nvPr>
+            <p:ph type="sldImg" idx="2"/>
+          </p:nvPr>
+        </p:nvSpPr>
+        <p:spPr>
+          <a:xfrm>
+            <a:off x="685800" y="1143000"/>
+            <a:ext cx="5486400" cy="3086100"/>
+          </a:xfrm>
+          <a:prstGeom prst="rect">
+            <a:avLst/>
+          </a:prstGeom>
+          <a:noFill/>
+          <a:ln w="12700">
+            <a:solidFill>
+              <a:prstClr val="black"/>
+            </a:solidFill>
+          </a:ln>
+        </p:spPr>
+        <p:txBody>
+          <a:bodyPr vert="horz" lIns="91440" tIns="45720" rIns="91440" bIns="45720" rtlCol="0" anchor="ctr"/>
+          <a:lstStyle/>
+          <a:p>
+            <a:endParaRPr lang="ru-RU"/>
+          </a:p>
+        </p:txBody>
+      </p:sp>
+      <p:sp>
+        <p:nvSpPr>
+          <p:cNvPr id="5" name="Заметки 4"/>
+          <p:cNvSpPr>
+            <a:spLocks noGrp="1"/>
+          </p:cNvSpPr>
+          <p:nvPr>
+            <p:ph type="body" sz="quarter" idx="3"/>
+          </p:nvPr>
+        </p:nvSpPr>
+        <p:spPr>
+          <a:xfrm>
+            <a:off x="685800" y="4400550"/>
+            <a:ext cx="5486400" cy="3600450"/>
+          </a:xfrm>
+          <a:prstGeom prst="rect">
+            <a:avLst/>
+          </a:prstGeom>
+        </p:spPr>
+        <p:txBody>
+          <a:bodyPr vert="horz" lIns="91440" tIns="45720" rIns="91440" bIns="45720" rtlCol="0"/>
+          <a:lstStyle/>
+          <a:p>
+            <a:pPr lvl="0"/>
+            <a:r>
+              <a:rPr lang="ru-RU"/>
+              <a:t>Образец текста</a:t>
+            </a:r>
+          </a:p>
+          <a:p>
+            <a:pPr lvl="1"/>
+            <a:r>
+              <a:rPr lang="ru-RU"/>
+              <a:t>Второй уровень</a:t>
+            </a:r>
+          </a:p>
+          <a:p>
+            <a:pPr lvl="2"/>
+            <a:r>
+              <a:rPr lang="ru-RU"/>
+              <a:t>Третий уровень</a:t>
+            </a:r>
+          </a:p>
+          <a:p>
+            <a:pPr lvl="3"/>
+            <a:r>
+              <a:rPr lang="ru-RU"/>
+              <a:t>Четвертый уровень</a:t>
+            </a:r>
+          </a:p>
+          <a:p>
+            <a:pPr lvl="4"/>
+            <a:r>
+              <a:rPr lang="ru-RU"/>
+              <a:t>Пятый уровень</a:t>
+            </a:r>
+          </a:p>
+        </p:txBody>
+      </p:sp>
+      <p:sp>
+        <p:nvSpPr>
+          <p:cNvPr id="6" name="Нижний колонтитул 5"/>
+          <p:cNvSpPr>
+            <a:spLocks noGrp="1"/>
+          </p:cNvSpPr>
+          <p:nvPr>
+            <p:ph type="ftr" sz="quarter" idx="4"/>
+          </p:nvPr>
+        </p:nvSpPr>
+        <p:spPr>
+          <a:xfrm>
+            <a:off x="0" y="8685213"/>
+            <a:ext cx="2971800" cy="458787"/>
+          </a:xfrm>
+          <a:prstGeom prst="rect">
+            <a:avLst/>
+          </a:prstGeom>
+        </p:spPr>
+        <p:txBody>
+          <a:bodyPr vert="horz" lIns="91440" tIns="45720" rIns="91440" bIns="45720" rtlCol="0" anchor="b"/>
+          <a:lstStyle>
+            <a:lvl1pPr algn="l">
+              <a:defRPr sz="1200"/>
+            </a:lvl1pPr>
+          </a:lstStyle>
+          <a:p>
+            <a:endParaRPr lang="ru-RU"/>
+          </a:p>
+        </p:txBody>
+      </p:sp>
+      <p:sp>
+        <p:nvSpPr>
+          <p:cNvPr id="7" name="Номер слайда 6"/>
+          <p:cNvSpPr>
+            <a:spLocks noGrp="1"/>
+          </p:cNvSpPr>
+          <p:nvPr>
+            <p:ph type="sldNum" sz="quarter" idx="5"/>
+          </p:nvPr>
+        </p:nvSpPr>
+        <p:spPr>
+          <a:xfrm>
+            <a:off x="3884613" y="8685213"/>
+            <a:ext cx="2971800" cy="458787"/>
+          </a:xfrm>
+          <a:prstGeom prst="rect">
+            <a:avLst/>
+          </a:prstGeom>
+        </p:spPr>
+        <p:txBody>
+          <a:bodyPr vert="horz" lIns="91440" tIns="45720" rIns="91440" bIns="45720" rtlCol="0" anchor="b"/>
+          <a:lstStyle>
+            <a:lvl1pPr algn="r">
+              <a:defRPr sz="1200"/>
+            </a:lvl1pPr>
+          </a:lstStyle>
+          <a:p>
+            <a:fld id="{C2565D01-C0EA-4AC7-9B3B-E0E027DD3D13}" type="slidenum">
+              <a:rPr lang="ru-RU" smtClean="0"/>
+              <a:t>‹#›</a:t>
+            </a:fld>
+            <a:endParaRPr lang="ru-RU"/>
+          </a:p>
+        </p:txBody>
+      </p:sp>
+    </p:spTree>
+    <p:extLst>
+      <p:ext uri="{BB962C8B-B14F-4D97-AF65-F5344CB8AC3E}">
+        <p14:creationId xmlns:p14="http://schemas.microsoft.com/office/powerpoint/2010/main" val="2699375401"/>
+      </p:ext>
+    </p:extLst>
+  </p:cSld>
+  <p:clrMap bg1="lt1" tx1="dk1" bg2="lt2" tx2="dk2" accent1="accent1" accent2="accent2" accent3="accent3" accent4="accent4" accent5="accent5" accent6="accent6" hlink="hlink" folHlink="folHlink"/>
+  <p:notesStyle>
+    <a:lvl1pPr marL="0" algn="l" defTabSz="914400" rtl="0" eaLnBrk="1" latinLnBrk="0" hangingPunct="1">
+      <a:defRPr sz="1200" kern="1200">
+        <a:solidFill>
+          <a:schemeClr val="tx1"/>
+        </a:solidFill>
+        <a:latin typeface="+mn-lt"/>
+        <a:ea typeface="+mn-ea"/>
+        <a:cs typeface="+mn-cs"/>
+      </a:defRPr>
+    </a:lvl1pPr>
+    <a:lvl2pPr marL="457200" algn="l" defTabSz="914400" rtl="0" eaLnBrk="1" latinLnBrk="0" hangingPunct="1">
+      <a:defRPr sz="1200" kern="1200">
+        <a:solidFill>
+          <a:schemeClr val="tx1"/>
+        </a:solidFill>
+        <a:latin typeface="+mn-lt"/>
+        <a:ea typeface="+mn-ea"/>
+        <a:cs typeface="+mn-cs"/>
+      </a:defRPr>
+    </a:lvl2pPr>
+    <a:lvl3pPr marL="914400" algn="l" defTabSz="914400" rtl="0" eaLnBrk="1" latinLnBrk="0" hangingPunct="1">
+      <a:defRPr sz="1200" kern="1200">
+        <a:solidFill>
+          <a:schemeClr val="tx1"/>
+        </a:solidFill>
+        <a:latin typeface="+mn-lt"/>
+        <a:ea typeface="+mn-ea"/>
+        <a:cs typeface="+mn-cs"/>
+      </a:defRPr>
+    </a:lvl3pPr>
+    <a:lvl4pPr marL="1371600" algn="l" defTabSz="914400" rtl="0" eaLnBrk="1" latinLnBrk="0" hangingPunct="1">
+      <a:defRPr sz="1200" kern="1200">
+        <a:solidFill>
+          <a:schemeClr val="tx1"/>
+        </a:solidFill>
+        <a:latin typeface="+mn-lt"/>
+        <a:ea typeface="+mn-ea"/>
+        <a:cs typeface="+mn-cs"/>
+      </a:defRPr>
+    </a:lvl4pPr>
+    <a:lvl5pPr marL="1828800" algn="l" defTabSz="914400" rtl="0" eaLnBrk="1" latinLnBrk="0" hangingPunct="1">
+      <a:defRPr sz="1200" kern="1200">
+        <a:solidFill>
+          <a:schemeClr val="tx1"/>
+        </a:solidFill>
+        <a:latin typeface="+mn-lt"/>
+        <a:ea typeface="+mn-ea"/>
+        <a:cs typeface="+mn-cs"/>
+      </a:defRPr>
+    </a:lvl5pPr>
+    <a:lvl6pPr marL="2286000" algn="l" defTabSz="914400" rtl="0" eaLnBrk="1" latinLnBrk="0" hangingPunct="1">
+      <a:defRPr sz="1200" kern="1200">
+        <a:solidFill>
+          <a:schemeClr val="tx1"/>
+        </a:solidFill>
+        <a:latin typeface="+mn-lt"/>
+        <a:ea typeface="+mn-ea"/>
+        <a:cs typeface="+mn-cs"/>
+      </a:defRPr>
+    </a:lvl6pPr>
+    <a:lvl7pPr marL="2743200" algn="l" defTabSz="914400" rtl="0" eaLnBrk="1" latinLnBrk="0" hangingPunct="1">
+      <a:defRPr sz="1200" kern="1200">
+        <a:solidFill>
+          <a:schemeClr val="tx1"/>
+        </a:solidFill>
+        <a:latin typeface="+mn-lt"/>
+        <a:ea typeface="+mn-ea"/>
+        <a:cs typeface="+mn-cs"/>
+      </a:defRPr>
+    </a:lvl7pPr>
+    <a:lvl8pPr marL="3200400" algn="l" defTabSz="914400" rtl="0" eaLnBrk="1" latinLnBrk="0" hangingPunct="1">
+      <a:defRPr sz="1200" kern="1200">
+        <a:solidFill>
+          <a:schemeClr val="tx1"/>
+        </a:solidFill>
+        <a:latin typeface="+mn-lt"/>
+        <a:ea typeface="+mn-ea"/>
+        <a:cs typeface="+mn-cs"/>
+      </a:defRPr>
+    </a:lvl8pPr>
+    <a:lvl9pPr marL="3657600" algn="l" defTabSz="914400" rtl="0" eaLnBrk="1" latinLnBrk="0" hangingPunct="1">
+      <a:defRPr sz="1200" kern="1200">
+        <a:solidFill>
+          <a:schemeClr val="tx1"/>
+        </a:solidFill>
+        <a:latin typeface="+mn-lt"/>
+        <a:ea typeface="+mn-ea"/>
+        <a:cs typeface="+mn-cs"/>
+      </a:defRPr>
+    </a:lvl9pPr>
+  </p:notesStyle>
+</p:notesMaster>
+</file>
+
+<file path=ppt/notesSlides/notesSlide1.xml><?xml version="1.0" encoding="utf-8"?>
+<p:notes xmlns:a="http://schemas.openxmlformats.org/drawingml/2006/main" xmlns:r="http://schemas.openxmlformats.org/officeDocument/2006/relationships" xmlns:p="http://schemas.openxmlformats.org/presentationml/2006/main">
+  <p:cSld>
+    <p:spTree>
+      <p:nvGrpSpPr>
+        <p:cNvPr id="1" name=""/>
+        <p:cNvGrpSpPr/>
+        <p:nvPr/>
+      </p:nvGrpSpPr>
+      <p:grpSpPr>
+        <a:xfrm>
+          <a:off x="0" y="0"/>
+          <a:ext cx="0" cy="0"/>
+          <a:chOff x="0" y="0"/>
+          <a:chExt cx="0" cy="0"/>
+        </a:xfrm>
+      </p:grpSpPr>
+      <p:sp>
+        <p:nvSpPr>
+          <p:cNvPr id="2" name="Образ слайда 1"/>
+          <p:cNvSpPr>
+            <a:spLocks noGrp="1" noRot="1" noChangeAspect="1"/>
+          </p:cNvSpPr>
+          <p:nvPr>
+            <p:ph type="sldImg"/>
+          </p:nvPr>
+        </p:nvSpPr>
+        <p:spPr/>
+      </p:sp>
+      <p:sp>
+        <p:nvSpPr>
+          <p:cNvPr id="3" name="Заметки 2"/>
+          <p:cNvSpPr>
+            <a:spLocks noGrp="1"/>
+          </p:cNvSpPr>
+          <p:nvPr>
+            <p:ph type="body" idx="1"/>
+          </p:nvPr>
+        </p:nvSpPr>
+        <p:spPr/>
+        <p:txBody>
+          <a:bodyPr/>
+          <a:lstStyle/>
+          <a:p>
+            <a:endParaRPr lang="ru-RU" dirty="0"/>
+          </a:p>
+        </p:txBody>
+      </p:sp>
+      <p:sp>
+        <p:nvSpPr>
+          <p:cNvPr id="4" name="Номер слайда 3"/>
+          <p:cNvSpPr>
+            <a:spLocks noGrp="1"/>
+          </p:cNvSpPr>
+          <p:nvPr>
+            <p:ph type="sldNum" sz="quarter" idx="10"/>
+          </p:nvPr>
+        </p:nvSpPr>
+        <p:spPr/>
+        <p:txBody>
+          <a:bodyPr/>
+          <a:lstStyle/>
+          <a:p>
+            <a:fld id="{CDDAC318-8254-46BA-A728-CE0D5CF132E9}" type="slidenum">
+              <a:rPr lang="ru-RU" smtClean="0"/>
+              <a:t>4</a:t>
+            </a:fld>
+            <a:endParaRPr lang="ru-RU"/>
+          </a:p>
+        </p:txBody>
+      </p:sp>
+    </p:spTree>
+    <p:extLst>
+      <p:ext uri="{BB962C8B-B14F-4D97-AF65-F5344CB8AC3E}">
+        <p14:creationId xmlns:p14="http://schemas.microsoft.com/office/powerpoint/2010/main" val="4089350320"/>
+      </p:ext>
+    </p:extLst>
+  </p:cSld>
+  <p:clrMapOvr>
+    <a:masterClrMapping/>
+  </p:clrMapOvr>
+</p:notes>
 </file>
 
 <file path=ppt/slideLayouts/slideLayout1.xml><?xml version="1.0" encoding="utf-8"?>
@@ -3920,13 +4363,13 @@
         </p:nvSpPr>
         <p:spPr>
           <a:xfrm>
-            <a:off x="266007" y="1544609"/>
-            <a:ext cx="11571317" cy="3386455"/>
+            <a:off x="209203" y="1500159"/>
+            <a:ext cx="11773593" cy="4570441"/>
           </a:xfrm>
         </p:spPr>
         <p:txBody>
           <a:bodyPr vert="horz" lIns="91440" tIns="45720" rIns="91440" bIns="45720" rtlCol="0" anchor="t">
-            <a:normAutofit/>
+            <a:normAutofit fontScale="40000" lnSpcReduction="20000"/>
           </a:bodyPr>
           <a:lstStyle/>
           <a:p>
@@ -3945,13 +4388,70 @@
               <a:t>	</a:t>
             </a:r>
             <a:r>
-              <a:rPr lang="ru-RU" sz="2600" dirty="0">
+              <a:rPr lang="ru-RU" sz="5500" dirty="0">
                 <a:latin typeface="Times New Roman" panose="02020603050405020304" pitchFamily="18" charset="0"/>
                 <a:cs typeface="Times New Roman" panose="02020603050405020304" pitchFamily="18" charset="0"/>
               </a:rPr>
-              <a:t>Актуальность проекта обусловлена большим интересом к жанру карточных стратегий. Однако анализ рынка показал что большинство инди-проектов либо слишком просты, либо наоборот чрезмерно сложны в восприятии </a:t>
-            </a:r>
-            <a:endParaRPr lang="ru-RU" sz="2600" dirty="0">
+              <a:t>Актуальность темы обусловлена высоким интересом аудитории к жанру карточных стратегий. Однако анализ рынка показал существенный недостаток в сегменте инди-разработки: большинство проектов либо чрезмерно упрощены (</a:t>
+            </a:r>
+            <a:r>
+              <a:rPr lang="ru-RU" sz="5500" dirty="0" err="1">
+                <a:latin typeface="Times New Roman" panose="02020603050405020304" pitchFamily="18" charset="0"/>
+                <a:cs typeface="Times New Roman" panose="02020603050405020304" pitchFamily="18" charset="0"/>
+              </a:rPr>
+              <a:t>казуальны</a:t>
+            </a:r>
+            <a:r>
+              <a:rPr lang="ru-RU" sz="5500" dirty="0">
+                <a:latin typeface="Times New Roman" panose="02020603050405020304" pitchFamily="18" charset="0"/>
+                <a:cs typeface="Times New Roman" panose="02020603050405020304" pitchFamily="18" charset="0"/>
+              </a:rPr>
+              <a:t>), либо, напротив, обладают критически высоким порогом входа, требуя от игрока изучения десятков страниц правил.</a:t>
+            </a:r>
+          </a:p>
+          <a:p>
+            <a:pPr marL="0" indent="0" algn="just">
+              <a:lnSpc>
+                <a:spcPct val="150000"/>
+              </a:lnSpc>
+              <a:buNone/>
+            </a:pPr>
+            <a:r>
+              <a:rPr lang="ru-RU" sz="5500" dirty="0">
+                <a:latin typeface="Times New Roman" panose="02020603050405020304" pitchFamily="18" charset="0"/>
+                <a:cs typeface="Times New Roman" panose="02020603050405020304" pitchFamily="18" charset="0"/>
+              </a:rPr>
+              <a:t>Проект </a:t>
+            </a:r>
+            <a:r>
+              <a:rPr lang="ru-RU" sz="5500" dirty="0" err="1">
+                <a:latin typeface="Times New Roman" panose="02020603050405020304" pitchFamily="18" charset="0"/>
+                <a:cs typeface="Times New Roman" panose="02020603050405020304" pitchFamily="18" charset="0"/>
+              </a:rPr>
+              <a:t>Diceville</a:t>
+            </a:r>
+            <a:r>
+              <a:rPr lang="ru-RU" sz="5500" dirty="0">
+                <a:latin typeface="Times New Roman" panose="02020603050405020304" pitchFamily="18" charset="0"/>
+                <a:cs typeface="Times New Roman" panose="02020603050405020304" pitchFamily="18" charset="0"/>
+              </a:rPr>
+              <a:t> решает эту проблему, занимая свободную нишу. Мы совместили интуитивную понятность классических настольных игр (низкий порог входа) с глубокой вариативностью геймплея. Высокая </a:t>
+            </a:r>
+            <a:r>
+              <a:rPr lang="ru-RU" sz="5500" dirty="0" err="1">
+                <a:latin typeface="Times New Roman" panose="02020603050405020304" pitchFamily="18" charset="0"/>
+                <a:cs typeface="Times New Roman" panose="02020603050405020304" pitchFamily="18" charset="0"/>
+              </a:rPr>
+              <a:t>реиграбельность</a:t>
+            </a:r>
+            <a:r>
+              <a:rPr lang="ru-RU" sz="5500" dirty="0">
+                <a:latin typeface="Times New Roman" panose="02020603050405020304" pitchFamily="18" charset="0"/>
+                <a:cs typeface="Times New Roman" panose="02020603050405020304" pitchFamily="18" charset="0"/>
+              </a:rPr>
+              <a:t> достигается за счет гибридной механики: сочетания карточной колоды, генерации случайных чисел (кубиков) и умного ИИ-оппонента.</a:t>
+            </a:r>
+            <a:endParaRPr lang="ru-RU" sz="5500" dirty="0">
               <a:solidFill>
                 <a:srgbClr val="FF0000"/>
               </a:solidFill>
@@ -4000,6 +4500,2082 @@
         </p:nvPicPr>
         <p:blipFill>
           <a:blip r:embed="rId3" cstate="print">
+            <a:extLst>
+              <a:ext uri="{28A0092B-C50C-407E-A947-70E740481C1C}">
+                <a14:useLocalDpi xmlns:a14="http://schemas.microsoft.com/office/drawing/2010/main" val="0"/>
+              </a:ext>
+            </a:extLst>
+          </a:blip>
+          <a:stretch>
+            <a:fillRect/>
+          </a:stretch>
+        </p:blipFill>
+        <p:spPr>
+          <a:xfrm>
+            <a:off x="0" y="0"/>
+            <a:ext cx="2685011" cy="895703"/>
+          </a:xfrm>
+          <a:prstGeom prst="rect">
+            <a:avLst/>
+          </a:prstGeom>
+        </p:spPr>
+      </p:pic>
+    </p:spTree>
+  </p:cSld>
+  <p:clrMapOvr>
+    <a:masterClrMapping/>
+  </p:clrMapOvr>
+</p:sld>
+</file>
+
+<file path=ppt/slides/slide3.xml><?xml version="1.0" encoding="utf-8"?>
+<p:sld xmlns:a="http://schemas.openxmlformats.org/drawingml/2006/main" xmlns:r="http://schemas.openxmlformats.org/officeDocument/2006/relationships" xmlns:p="http://schemas.openxmlformats.org/presentationml/2006/main">
+  <p:cSld>
+    <p:spTree>
+      <p:nvGrpSpPr>
+        <p:cNvPr id="1" name=""/>
+        <p:cNvGrpSpPr/>
+        <p:nvPr/>
+      </p:nvGrpSpPr>
+      <p:grpSpPr>
+        <a:xfrm>
+          <a:off x="0" y="0"/>
+          <a:ext cx="0" cy="0"/>
+          <a:chOff x="0" y="0"/>
+          <a:chExt cx="0" cy="0"/>
+        </a:xfrm>
+      </p:grpSpPr>
+      <p:pic>
+        <p:nvPicPr>
+          <p:cNvPr id="5" name="Рисунок 4"/>
+          <p:cNvPicPr>
+            <a:picLocks noChangeAspect="1"/>
+          </p:cNvPicPr>
+          <p:nvPr/>
+        </p:nvPicPr>
+        <p:blipFill>
+          <a:blip r:embed="rId2">
+            <a:extLst>
+              <a:ext uri="{28A0092B-C50C-407E-A947-70E740481C1C}">
+                <a14:useLocalDpi xmlns:a14="http://schemas.microsoft.com/office/drawing/2010/main" val="0"/>
+              </a:ext>
+            </a:extLst>
+          </a:blip>
+          <a:stretch>
+            <a:fillRect/>
+          </a:stretch>
+        </p:blipFill>
+        <p:spPr>
+          <a:xfrm>
+            <a:off x="0" y="0"/>
+            <a:ext cx="12192000" cy="6858000"/>
+          </a:xfrm>
+          <a:prstGeom prst="rect">
+            <a:avLst/>
+          </a:prstGeom>
+        </p:spPr>
+      </p:pic>
+      <p:sp>
+        <p:nvSpPr>
+          <p:cNvPr id="2" name="Заголовок 1"/>
+          <p:cNvSpPr>
+            <a:spLocks noGrp="1"/>
+          </p:cNvSpPr>
+          <p:nvPr>
+            <p:ph type="title"/>
+          </p:nvPr>
+        </p:nvSpPr>
+        <p:spPr>
+          <a:xfrm>
+            <a:off x="0" y="1"/>
+            <a:ext cx="12192000" cy="1089162"/>
+          </a:xfrm>
+        </p:spPr>
+        <p:txBody>
+          <a:bodyPr/>
+          <a:lstStyle/>
+          <a:p>
+            <a:pPr algn="ctr"/>
+            <a:r>
+              <a:rPr lang="ru-RU" dirty="0">
+                <a:latin typeface="Times New Roman" panose="02020603050405020304"/>
+                <a:ea typeface="+mj-lt"/>
+                <a:cs typeface="+mj-lt"/>
+              </a:rPr>
+              <a:t>Цели и задачи</a:t>
+            </a:r>
+            <a:endParaRPr lang="ru-RU" dirty="0">
+              <a:latin typeface="Times New Roman" panose="02020603050405020304"/>
+            </a:endParaRPr>
+          </a:p>
+        </p:txBody>
+      </p:sp>
+      <p:sp>
+        <p:nvSpPr>
+          <p:cNvPr id="4" name="TextBox 3"/>
+          <p:cNvSpPr txBox="1"/>
+          <p:nvPr/>
+        </p:nvSpPr>
+        <p:spPr>
+          <a:xfrm>
+            <a:off x="631767" y="1093371"/>
+            <a:ext cx="11105804" cy="2308324"/>
+          </a:xfrm>
+          <a:prstGeom prst="rect">
+            <a:avLst/>
+          </a:prstGeom>
+          <a:noFill/>
+        </p:spPr>
+        <p:txBody>
+          <a:bodyPr rot="0" spcFirstLastPara="0" vertOverflow="overflow" horzOverflow="overflow" vert="horz" wrap="square" lIns="91440" tIns="45720" rIns="91440" bIns="45720" numCol="1" spcCol="0" rtlCol="0" fromWordArt="0" anchor="t" anchorCtr="0" forceAA="0" compatLnSpc="1">
+            <a:spAutoFit/>
+          </a:bodyPr>
+          <a:lstStyle/>
+          <a:p>
+            <a:pPr algn="just"/>
+            <a:r>
+              <a:rPr lang="ru-RU" sz="2400" b="1" dirty="0">
+                <a:latin typeface="Times New Roman" panose="02020603050405020304"/>
+                <a:cs typeface="Times New Roman" panose="02020603050405020304"/>
+              </a:rPr>
+              <a:t>Цель</a:t>
+            </a:r>
+            <a:r>
+              <a:rPr lang="ru-RU" sz="2400" dirty="0">
+                <a:latin typeface="Times New Roman" panose="02020603050405020304"/>
+                <a:cs typeface="Times New Roman" panose="02020603050405020304"/>
+              </a:rPr>
+              <a:t>: Разработать карточную игру </a:t>
+            </a:r>
+            <a:r>
+              <a:rPr lang="ru-RU" sz="2400" dirty="0">
+                <a:latin typeface="Times New Roman" panose="02020603050405020304" pitchFamily="18" charset="0"/>
+                <a:cs typeface="Times New Roman" panose="02020603050405020304" pitchFamily="18" charset="0"/>
+              </a:rPr>
+              <a:t>«</a:t>
+            </a:r>
+            <a:r>
+              <a:rPr lang="ru-RU" sz="2400" dirty="0" err="1">
+                <a:latin typeface="Times New Roman" panose="02020603050405020304" pitchFamily="18" charset="0"/>
+                <a:cs typeface="Times New Roman" panose="02020603050405020304" pitchFamily="18" charset="0"/>
+              </a:rPr>
+              <a:t>Diceville</a:t>
+            </a:r>
+            <a:r>
+              <a:rPr lang="ru-RU" sz="2400" dirty="0">
+                <a:latin typeface="Times New Roman" panose="02020603050405020304" pitchFamily="18" charset="0"/>
+                <a:cs typeface="Times New Roman" panose="02020603050405020304" pitchFamily="18" charset="0"/>
+              </a:rPr>
+              <a:t>» на движке </a:t>
+            </a:r>
+            <a:r>
+              <a:rPr lang="ru-RU" sz="2400" dirty="0" err="1">
+                <a:latin typeface="Times New Roman" panose="02020603050405020304" pitchFamily="18" charset="0"/>
+                <a:cs typeface="Times New Roman" panose="02020603050405020304" pitchFamily="18" charset="0"/>
+              </a:rPr>
+              <a:t>Unity</a:t>
+            </a:r>
+            <a:r>
+              <a:rPr lang="ru-RU" sz="2400" dirty="0">
+                <a:latin typeface="Times New Roman" panose="02020603050405020304" pitchFamily="18" charset="0"/>
+                <a:cs typeface="Times New Roman" panose="02020603050405020304" pitchFamily="18" charset="0"/>
+              </a:rPr>
+              <a:t>.</a:t>
+            </a:r>
+            <a:endParaRPr lang="ru-RU" sz="2400" dirty="0">
+              <a:latin typeface="Times New Roman" panose="02020603050405020304" pitchFamily="18" charset="0"/>
+              <a:ea typeface="+mn-lt"/>
+              <a:cs typeface="Times New Roman" panose="02020603050405020304" pitchFamily="18" charset="0"/>
+            </a:endParaRPr>
+          </a:p>
+          <a:p>
+            <a:pPr algn="just"/>
+            <a:r>
+              <a:rPr lang="ru-RU" sz="2400" b="1" dirty="0">
+                <a:latin typeface="Times New Roman" panose="02020603050405020304"/>
+                <a:cs typeface="Times New Roman" panose="02020603050405020304"/>
+              </a:rPr>
+              <a:t>Задачи</a:t>
+            </a:r>
+            <a:r>
+              <a:rPr lang="ru-RU" sz="2400" dirty="0">
+                <a:latin typeface="Times New Roman" panose="02020603050405020304"/>
+                <a:cs typeface="Times New Roman" panose="02020603050405020304"/>
+              </a:rPr>
+              <a:t>:</a:t>
+            </a:r>
+          </a:p>
+          <a:p>
+            <a:pPr marL="342900" indent="-342900" algn="just">
+              <a:buFont typeface="Arial" panose="020B0604020202020204"/>
+              <a:buChar char="•"/>
+            </a:pPr>
+            <a:r>
+              <a:rPr lang="ru-RU" sz="2400" dirty="0">
+                <a:latin typeface="Times New Roman" panose="02020603050405020304"/>
+                <a:ea typeface="+mn-lt"/>
+                <a:cs typeface="Times New Roman" panose="02020603050405020304"/>
+              </a:rPr>
+              <a:t>Провести обзор имеющихся аналогов</a:t>
+            </a:r>
+          </a:p>
+          <a:p>
+            <a:pPr marL="342900" indent="-342900" algn="just">
+              <a:buFont typeface="Arial" panose="020B0604020202020204"/>
+              <a:buChar char="•"/>
+            </a:pPr>
+            <a:r>
+              <a:rPr lang="ru-RU" sz="2400" dirty="0">
+                <a:latin typeface="Times New Roman" panose="02020603050405020304"/>
+                <a:ea typeface="+mn-lt"/>
+                <a:cs typeface="+mn-lt"/>
+              </a:rPr>
+              <a:t>Проектирование архитектуры (UML) и логики взаимодействия компонентов.</a:t>
+            </a:r>
+          </a:p>
+          <a:p>
+            <a:pPr marL="342900" indent="-342900" algn="just">
+              <a:buFont typeface="Arial" panose="020B0604020202020204"/>
+              <a:buChar char="•"/>
+            </a:pPr>
+            <a:r>
+              <a:rPr lang="ru-RU" sz="2400" dirty="0">
+                <a:latin typeface="Times New Roman" panose="02020603050405020304" pitchFamily="18" charset="0"/>
+                <a:cs typeface="Times New Roman" panose="02020603050405020304" pitchFamily="18" charset="0"/>
+              </a:rPr>
+              <a:t>Разработка модуля ИИ и игровых механик на движке </a:t>
+            </a:r>
+            <a:r>
+              <a:rPr lang="ru-RU" sz="2400" dirty="0" err="1">
+                <a:latin typeface="Times New Roman" panose="02020603050405020304" pitchFamily="18" charset="0"/>
+                <a:cs typeface="Times New Roman" panose="02020603050405020304" pitchFamily="18" charset="0"/>
+              </a:rPr>
+              <a:t>Unity</a:t>
+            </a:r>
+            <a:endParaRPr lang="ru-RU" sz="2400" dirty="0">
+              <a:latin typeface="Times New Roman" panose="02020603050405020304" pitchFamily="18" charset="0"/>
+              <a:cs typeface="Times New Roman" panose="02020603050405020304" pitchFamily="18" charset="0"/>
+            </a:endParaRPr>
+          </a:p>
+          <a:p>
+            <a:pPr marL="342900" indent="-342900" algn="just">
+              <a:buFont typeface="Arial" panose="020B0604020202020204"/>
+              <a:buChar char="•"/>
+            </a:pPr>
+            <a:r>
+              <a:rPr lang="ru-RU" sz="2400" dirty="0">
+                <a:latin typeface="Times New Roman" panose="02020603050405020304"/>
+                <a:ea typeface="+mn-lt"/>
+                <a:cs typeface="+mn-lt"/>
+              </a:rPr>
+              <a:t>Оптимизация UI/UX и проведение комплексного тестирования</a:t>
+            </a:r>
+          </a:p>
+        </p:txBody>
+      </p:sp>
+      <p:sp>
+        <p:nvSpPr>
+          <p:cNvPr id="3" name="Номер слайда 2"/>
+          <p:cNvSpPr>
+            <a:spLocks noGrp="1"/>
+          </p:cNvSpPr>
+          <p:nvPr>
+            <p:ph type="sldNum" sz="quarter" idx="12"/>
+          </p:nvPr>
+        </p:nvSpPr>
+        <p:spPr/>
+        <p:txBody>
+          <a:bodyPr vert="horz" lIns="91440" tIns="45720" rIns="91440" bIns="45720" rtlCol="0" anchor="ctr"/>
+          <a:lstStyle/>
+          <a:p>
+            <a:fld id="{285DC19C-03DA-4066-9FF7-D0BF1BC6D6F6}" type="slidenum">
+              <a:rPr lang="ru-RU" sz="2400">
+                <a:latin typeface="Times New Roman" panose="02020603050405020304" pitchFamily="18" charset="0"/>
+                <a:cs typeface="Times New Roman" panose="02020603050405020304" pitchFamily="18" charset="0"/>
+              </a:rPr>
+              <a:t>3</a:t>
+            </a:fld>
+            <a:endParaRPr lang="ru-RU" sz="2400">
+              <a:latin typeface="Times New Roman" panose="02020603050405020304" pitchFamily="18" charset="0"/>
+              <a:cs typeface="Times New Roman" panose="02020603050405020304" pitchFamily="18" charset="0"/>
+            </a:endParaRPr>
+          </a:p>
+        </p:txBody>
+      </p:sp>
+      <p:pic>
+        <p:nvPicPr>
+          <p:cNvPr id="6" name="Рисунок 5"/>
+          <p:cNvPicPr>
+            <a:picLocks noChangeAspect="1"/>
+          </p:cNvPicPr>
+          <p:nvPr/>
+        </p:nvPicPr>
+        <p:blipFill>
+          <a:blip r:embed="rId3" cstate="print">
+            <a:extLst>
+              <a:ext uri="{28A0092B-C50C-407E-A947-70E740481C1C}">
+                <a14:useLocalDpi xmlns:a14="http://schemas.microsoft.com/office/drawing/2010/main" val="0"/>
+              </a:ext>
+            </a:extLst>
+          </a:blip>
+          <a:stretch>
+            <a:fillRect/>
+          </a:stretch>
+        </p:blipFill>
+        <p:spPr>
+          <a:xfrm>
+            <a:off x="0" y="0"/>
+            <a:ext cx="2685011" cy="895703"/>
+          </a:xfrm>
+          <a:prstGeom prst="rect">
+            <a:avLst/>
+          </a:prstGeom>
+        </p:spPr>
+      </p:pic>
+    </p:spTree>
+  </p:cSld>
+  <p:clrMapOvr>
+    <a:masterClrMapping/>
+  </p:clrMapOvr>
+</p:sld>
+</file>
+
+<file path=ppt/slides/slide4.xml><?xml version="1.0" encoding="utf-8"?>
+<p:sld xmlns:a="http://schemas.openxmlformats.org/drawingml/2006/main" xmlns:r="http://schemas.openxmlformats.org/officeDocument/2006/relationships" xmlns:p="http://schemas.openxmlformats.org/presentationml/2006/main">
+  <p:cSld>
+    <p:spTree>
+      <p:nvGrpSpPr>
+        <p:cNvPr id="1" name=""/>
+        <p:cNvGrpSpPr/>
+        <p:nvPr/>
+      </p:nvGrpSpPr>
+      <p:grpSpPr>
+        <a:xfrm>
+          <a:off x="0" y="0"/>
+          <a:ext cx="0" cy="0"/>
+          <a:chOff x="0" y="0"/>
+          <a:chExt cx="0" cy="0"/>
+        </a:xfrm>
+      </p:grpSpPr>
+      <p:pic>
+        <p:nvPicPr>
+          <p:cNvPr id="5" name="Рисунок 4"/>
+          <p:cNvPicPr>
+            <a:picLocks noChangeAspect="1"/>
+          </p:cNvPicPr>
+          <p:nvPr/>
+        </p:nvPicPr>
+        <p:blipFill>
+          <a:blip r:embed="rId3">
+            <a:extLst>
+              <a:ext uri="{28A0092B-C50C-407E-A947-70E740481C1C}">
+                <a14:useLocalDpi xmlns:a14="http://schemas.microsoft.com/office/drawing/2010/main" val="0"/>
+              </a:ext>
+            </a:extLst>
+          </a:blip>
+          <a:stretch>
+            <a:fillRect/>
+          </a:stretch>
+        </p:blipFill>
+        <p:spPr>
+          <a:xfrm>
+            <a:off x="0" y="0"/>
+            <a:ext cx="12192000" cy="6858000"/>
+          </a:xfrm>
+          <a:prstGeom prst="rect">
+            <a:avLst/>
+          </a:prstGeom>
+        </p:spPr>
+      </p:pic>
+      <p:sp>
+        <p:nvSpPr>
+          <p:cNvPr id="2" name="Заголовок 1"/>
+          <p:cNvSpPr>
+            <a:spLocks noGrp="1"/>
+          </p:cNvSpPr>
+          <p:nvPr>
+            <p:ph type="title"/>
+          </p:nvPr>
+        </p:nvSpPr>
+        <p:spPr>
+          <a:xfrm>
+            <a:off x="0" y="1"/>
+            <a:ext cx="12192000" cy="837909"/>
+          </a:xfrm>
+        </p:spPr>
+        <p:txBody>
+          <a:bodyPr/>
+          <a:lstStyle/>
+          <a:p>
+            <a:pPr algn="ctr"/>
+            <a:r>
+              <a:rPr lang="ru-RU" dirty="0">
+                <a:latin typeface="Times New Roman" panose="02020603050405020304" charset="0"/>
+                <a:ea typeface="+mj-lt"/>
+                <a:cs typeface="Times New Roman" panose="02020603050405020304" charset="0"/>
+              </a:rPr>
+              <a:t>Сравнение аналогов</a:t>
+            </a:r>
+          </a:p>
+        </p:txBody>
+      </p:sp>
+      <p:sp>
+        <p:nvSpPr>
+          <p:cNvPr id="3" name="Номер слайда 2"/>
+          <p:cNvSpPr>
+            <a:spLocks noGrp="1"/>
+          </p:cNvSpPr>
+          <p:nvPr>
+            <p:ph type="sldNum" sz="quarter" idx="12"/>
+          </p:nvPr>
+        </p:nvSpPr>
+        <p:spPr>
+          <a:xfrm>
+            <a:off x="8610600" y="6393986"/>
+            <a:ext cx="2743200" cy="365125"/>
+          </a:xfrm>
+        </p:spPr>
+        <p:txBody>
+          <a:bodyPr vert="horz" lIns="91440" tIns="45720" rIns="91440" bIns="45720" rtlCol="0" anchor="ctr"/>
+          <a:lstStyle/>
+          <a:p>
+            <a:fld id="{285DC19C-03DA-4066-9FF7-D0BF1BC6D6F6}" type="slidenum">
+              <a:rPr lang="ru-RU" sz="2400">
+                <a:latin typeface="Times New Roman" panose="02020603050405020304" pitchFamily="18" charset="0"/>
+                <a:cs typeface="Times New Roman" panose="02020603050405020304" pitchFamily="18" charset="0"/>
+              </a:rPr>
+              <a:t>4</a:t>
+            </a:fld>
+            <a:endParaRPr lang="ru-RU" sz="2400" dirty="0">
+              <a:latin typeface="Times New Roman" panose="02020603050405020304" pitchFamily="18" charset="0"/>
+              <a:cs typeface="Times New Roman" panose="02020603050405020304" pitchFamily="18" charset="0"/>
+            </a:endParaRPr>
+          </a:p>
+        </p:txBody>
+      </p:sp>
+      <p:sp>
+        <p:nvSpPr>
+          <p:cNvPr id="8" name="Объект 7"/>
+          <p:cNvSpPr>
+            <a:spLocks noGrp="1"/>
+          </p:cNvSpPr>
+          <p:nvPr>
+            <p:ph idx="1"/>
+          </p:nvPr>
+        </p:nvSpPr>
+        <p:spPr/>
+        <p:txBody>
+          <a:bodyPr vert="horz" lIns="91440" tIns="45720" rIns="91440" bIns="45720" rtlCol="0" anchor="t">
+            <a:normAutofit/>
+          </a:bodyPr>
+          <a:lstStyle/>
+          <a:p>
+            <a:pPr marL="0" indent="0" algn="just">
+              <a:lnSpc>
+                <a:spcPct val="150000"/>
+              </a:lnSpc>
+              <a:buNone/>
+            </a:pPr>
+            <a:r>
+              <a:rPr lang="ru-RU" dirty="0">
+                <a:ea typeface="+mn-lt"/>
+                <a:cs typeface="+mn-lt"/>
+              </a:rPr>
+              <a:t> </a:t>
+            </a:r>
+            <a:endParaRPr lang="ru-RU" dirty="0">
+              <a:latin typeface="Times New Roman" panose="02020603050405020304"/>
+              <a:ea typeface="+mn-lt"/>
+              <a:cs typeface="+mn-lt"/>
+            </a:endParaRPr>
+          </a:p>
+        </p:txBody>
+      </p:sp>
+      <p:graphicFrame>
+        <p:nvGraphicFramePr>
+          <p:cNvPr id="4" name="Table 3"/>
+          <p:cNvGraphicFramePr/>
+          <p:nvPr/>
+        </p:nvGraphicFramePr>
+        <p:xfrm>
+          <a:off x="410547" y="1369677"/>
+          <a:ext cx="11555784" cy="4846418"/>
+        </p:xfrm>
+        <a:graphic>
+          <a:graphicData uri="http://schemas.openxmlformats.org/drawingml/2006/table">
+            <a:tbl>
+              <a:tblPr firstRow="1" bandRow="1">
+                <a:tableStyleId>{2D5ABB26-0587-4C30-8999-92F81FD0307C}</a:tableStyleId>
+              </a:tblPr>
+              <a:tblGrid>
+                <a:gridCol w="3221091">
+                  <a:extLst>
+                    <a:ext uri="{9D8B030D-6E8A-4147-A177-3AD203B41FA5}">
+                      <a16:colId xmlns:a16="http://schemas.microsoft.com/office/drawing/2014/main" val="20000"/>
+                    </a:ext>
+                  </a:extLst>
+                </a:gridCol>
+                <a:gridCol w="2556801">
+                  <a:extLst>
+                    <a:ext uri="{9D8B030D-6E8A-4147-A177-3AD203B41FA5}">
+                      <a16:colId xmlns:a16="http://schemas.microsoft.com/office/drawing/2014/main" val="20001"/>
+                    </a:ext>
+                  </a:extLst>
+                </a:gridCol>
+                <a:gridCol w="2888946">
+                  <a:extLst>
+                    <a:ext uri="{9D8B030D-6E8A-4147-A177-3AD203B41FA5}">
+                      <a16:colId xmlns:a16="http://schemas.microsoft.com/office/drawing/2014/main" val="20002"/>
+                    </a:ext>
+                  </a:extLst>
+                </a:gridCol>
+                <a:gridCol w="2888946">
+                  <a:extLst>
+                    <a:ext uri="{9D8B030D-6E8A-4147-A177-3AD203B41FA5}">
+                      <a16:colId xmlns:a16="http://schemas.microsoft.com/office/drawing/2014/main" val="20003"/>
+                    </a:ext>
+                  </a:extLst>
+                </a:gridCol>
+              </a:tblGrid>
+              <a:tr h="403543">
+                <a:tc>
+                  <a:txBody>
+                    <a:bodyPr/>
+                    <a:lstStyle/>
+                    <a:p>
+                      <a:pPr algn="ctr">
+                        <a:buNone/>
+                      </a:pPr>
+                      <a:endParaRPr lang="ru-RU" altLang="en-US" sz="2200" dirty="0">
+                        <a:latin typeface="Times New Roman" panose="02020603050405020304" pitchFamily="18" charset="0"/>
+                        <a:cs typeface="Times New Roman" panose="02020603050405020304" pitchFamily="18" charset="0"/>
+                      </a:endParaRPr>
+                    </a:p>
+                  </a:txBody>
+                  <a:tcPr anchor="ctr">
+                    <a:lnL w="12700" cap="flat" cmpd="sng" algn="ctr">
+                      <a:solidFill>
+                        <a:schemeClr val="tx1"/>
+                      </a:solidFill>
+                      <a:prstDash val="solid"/>
+                      <a:round/>
+                      <a:headEnd type="none" w="med" len="med"/>
+                      <a:tailEnd type="none" w="med" len="med"/>
+                    </a:lnL>
+                    <a:lnR w="12700" cap="flat" cmpd="sng" algn="ctr">
+                      <a:solidFill>
+                        <a:schemeClr val="tx1"/>
+                      </a:solidFill>
+                      <a:prstDash val="solid"/>
+                      <a:round/>
+                      <a:headEnd type="none" w="med" len="med"/>
+                      <a:tailEnd type="none" w="med" len="med"/>
+                    </a:lnR>
+                    <a:lnT w="12700" cap="flat" cmpd="sng" algn="ctr">
+                      <a:solidFill>
+                        <a:schemeClr val="tx1"/>
+                      </a:solidFill>
+                      <a:prstDash val="solid"/>
+                      <a:round/>
+                      <a:headEnd type="none" w="med" len="med"/>
+                      <a:tailEnd type="none" w="med" len="med"/>
+                    </a:lnT>
+                    <a:lnB w="12700" cap="flat" cmpd="sng" algn="ctr">
+                      <a:solidFill>
+                        <a:schemeClr val="tx1"/>
+                      </a:solidFill>
+                      <a:prstDash val="solid"/>
+                      <a:round/>
+                      <a:headEnd type="none" w="med" len="med"/>
+                      <a:tailEnd type="none" w="med" len="med"/>
+                    </a:lnB>
+                  </a:tcPr>
+                </a:tc>
+                <a:tc>
+                  <a:txBody>
+                    <a:bodyPr/>
+                    <a:lstStyle/>
+                    <a:p>
+                      <a:pPr indent="0" algn="ctr">
+                        <a:buNone/>
+                      </a:pPr>
+                      <a:r>
+                        <a:rPr lang="ru-RU" sz="2200" b="0" i="0" kern="1200" dirty="0" err="1">
+                          <a:solidFill>
+                            <a:schemeClr val="tx1"/>
+                          </a:solidFill>
+                          <a:effectLst/>
+                          <a:latin typeface="Times New Roman" panose="02020603050405020304" pitchFamily="18" charset="0"/>
+                          <a:ea typeface="+mn-ea"/>
+                          <a:cs typeface="Times New Roman" panose="02020603050405020304" pitchFamily="18" charset="0"/>
+                        </a:rPr>
+                        <a:t>ПроРодинки</a:t>
+                      </a:r>
+                      <a:endParaRPr lang="en-US" sz="2200" b="0" dirty="0">
+                        <a:latin typeface="Times New Roman" panose="02020603050405020304" pitchFamily="18" charset="0"/>
+                        <a:cs typeface="Times New Roman" panose="02020603050405020304" pitchFamily="18" charset="0"/>
+                      </a:endParaRPr>
+                    </a:p>
+                  </a:txBody>
+                  <a:tcPr marL="68580" marR="68580" marT="0" marB="0" anchor="ctr">
+                    <a:lnL w="12700" cap="flat" cmpd="sng" algn="ctr">
+                      <a:solidFill>
+                        <a:schemeClr val="tx1"/>
+                      </a:solidFill>
+                      <a:prstDash val="solid"/>
+                      <a:round/>
+                      <a:headEnd type="none" w="med" len="med"/>
+                      <a:tailEnd type="none" w="med" len="med"/>
+                    </a:lnL>
+                    <a:lnR w="12700" cap="flat" cmpd="sng" algn="ctr">
+                      <a:solidFill>
+                        <a:schemeClr val="tx1"/>
+                      </a:solidFill>
+                      <a:prstDash val="solid"/>
+                      <a:round/>
+                      <a:headEnd type="none" w="med" len="med"/>
+                      <a:tailEnd type="none" w="med" len="med"/>
+                    </a:lnR>
+                    <a:lnT w="12700" cap="flat" cmpd="sng" algn="ctr">
+                      <a:solidFill>
+                        <a:schemeClr val="tx1"/>
+                      </a:solidFill>
+                      <a:prstDash val="solid"/>
+                      <a:round/>
+                      <a:headEnd type="none" w="med" len="med"/>
+                      <a:tailEnd type="none" w="med" len="med"/>
+                    </a:lnT>
+                    <a:lnB w="12700" cap="flat" cmpd="sng" algn="ctr">
+                      <a:solidFill>
+                        <a:schemeClr val="tx1"/>
+                      </a:solidFill>
+                      <a:prstDash val="solid"/>
+                      <a:round/>
+                      <a:headEnd type="none" w="med" len="med"/>
+                      <a:tailEnd type="none" w="med" len="med"/>
+                    </a:lnB>
+                  </a:tcPr>
+                </a:tc>
+                <a:tc>
+                  <a:txBody>
+                    <a:bodyPr/>
+                    <a:lstStyle/>
+                    <a:p>
+                      <a:pPr indent="0" algn="ctr">
+                        <a:buNone/>
+                      </a:pPr>
+                      <a:r>
+                        <a:rPr lang="en-US" sz="2200" b="0" dirty="0" err="1">
+                          <a:latin typeface="Times New Roman" panose="02020603050405020304" pitchFamily="18" charset="0"/>
+                          <a:cs typeface="Times New Roman" panose="02020603050405020304" pitchFamily="18" charset="0"/>
+                        </a:rPr>
+                        <a:t>SkinVision</a:t>
+                      </a:r>
+                      <a:endParaRPr lang="en-US" sz="2200" b="0" dirty="0">
+                        <a:latin typeface="Times New Roman" panose="02020603050405020304" pitchFamily="18" charset="0"/>
+                        <a:cs typeface="Times New Roman" panose="02020603050405020304" pitchFamily="18" charset="0"/>
+                      </a:endParaRPr>
+                    </a:p>
+                  </a:txBody>
+                  <a:tcPr marL="68580" marR="68580" marT="0" marB="0" anchor="ctr">
+                    <a:lnL w="12700" cap="flat" cmpd="sng" algn="ctr">
+                      <a:solidFill>
+                        <a:schemeClr val="tx1"/>
+                      </a:solidFill>
+                      <a:prstDash val="solid"/>
+                      <a:round/>
+                      <a:headEnd type="none" w="med" len="med"/>
+                      <a:tailEnd type="none" w="med" len="med"/>
+                    </a:lnL>
+                    <a:lnR w="12700" cap="flat" cmpd="sng" algn="ctr">
+                      <a:solidFill>
+                        <a:schemeClr val="tx1"/>
+                      </a:solidFill>
+                      <a:prstDash val="solid"/>
+                      <a:round/>
+                      <a:headEnd type="none" w="med" len="med"/>
+                      <a:tailEnd type="none" w="med" len="med"/>
+                    </a:lnR>
+                    <a:lnT w="12700" cap="flat" cmpd="sng" algn="ctr">
+                      <a:solidFill>
+                        <a:schemeClr val="tx1"/>
+                      </a:solidFill>
+                      <a:prstDash val="solid"/>
+                      <a:round/>
+                      <a:headEnd type="none" w="med" len="med"/>
+                      <a:tailEnd type="none" w="med" len="med"/>
+                    </a:lnT>
+                    <a:lnB w="12700" cap="flat" cmpd="sng" algn="ctr">
+                      <a:solidFill>
+                        <a:schemeClr val="tx1"/>
+                      </a:solidFill>
+                      <a:prstDash val="solid"/>
+                      <a:round/>
+                      <a:headEnd type="none" w="med" len="med"/>
+                      <a:tailEnd type="none" w="med" len="med"/>
+                    </a:lnB>
+                  </a:tcPr>
+                </a:tc>
+                <a:tc>
+                  <a:txBody>
+                    <a:bodyPr/>
+                    <a:lstStyle/>
+                    <a:p>
+                      <a:pPr indent="0" algn="ctr">
+                        <a:buNone/>
+                      </a:pPr>
+                      <a:r>
+                        <a:rPr lang="en-US" sz="2200" b="0" dirty="0" err="1">
+                          <a:latin typeface="Times New Roman" panose="02020603050405020304" pitchFamily="18" charset="0"/>
+                          <a:cs typeface="Times New Roman" panose="02020603050405020304" pitchFamily="18" charset="0"/>
+                        </a:rPr>
+                        <a:t>Skinive</a:t>
+                      </a:r>
+                      <a:r>
+                        <a:rPr lang="en-US" sz="2200" b="0" dirty="0">
+                          <a:latin typeface="Times New Roman" panose="02020603050405020304" pitchFamily="18" charset="0"/>
+                          <a:cs typeface="Times New Roman" panose="02020603050405020304" pitchFamily="18" charset="0"/>
+                        </a:rPr>
+                        <a:t> AI</a:t>
+                      </a:r>
+                    </a:p>
+                  </a:txBody>
+                  <a:tcPr marL="68580" marR="68580" marT="0" marB="0" anchor="ctr">
+                    <a:lnL w="12700" cap="flat" cmpd="sng" algn="ctr">
+                      <a:solidFill>
+                        <a:schemeClr val="tx1"/>
+                      </a:solidFill>
+                      <a:prstDash val="solid"/>
+                      <a:round/>
+                      <a:headEnd type="none" w="med" len="med"/>
+                      <a:tailEnd type="none" w="med" len="med"/>
+                    </a:lnL>
+                    <a:lnR w="12700" cap="flat" cmpd="sng" algn="ctr">
+                      <a:solidFill>
+                        <a:schemeClr val="tx1"/>
+                      </a:solidFill>
+                      <a:prstDash val="solid"/>
+                      <a:round/>
+                      <a:headEnd type="none" w="med" len="med"/>
+                      <a:tailEnd type="none" w="med" len="med"/>
+                    </a:lnR>
+                    <a:lnT w="12700" cap="flat" cmpd="sng" algn="ctr">
+                      <a:solidFill>
+                        <a:schemeClr val="tx1"/>
+                      </a:solidFill>
+                      <a:prstDash val="solid"/>
+                      <a:round/>
+                      <a:headEnd type="none" w="med" len="med"/>
+                      <a:tailEnd type="none" w="med" len="med"/>
+                    </a:lnT>
+                    <a:lnB w="12700" cap="flat" cmpd="sng" algn="ctr">
+                      <a:solidFill>
+                        <a:schemeClr val="tx1"/>
+                      </a:solidFill>
+                      <a:prstDash val="solid"/>
+                      <a:round/>
+                      <a:headEnd type="none" w="med" len="med"/>
+                      <a:tailEnd type="none" w="med" len="med"/>
+                    </a:lnB>
+                  </a:tcPr>
+                </a:tc>
+                <a:extLst>
+                  <a:ext uri="{0D108BD9-81ED-4DB2-BD59-A6C34878D82A}">
+                    <a16:rowId xmlns:a16="http://schemas.microsoft.com/office/drawing/2014/main" val="10000"/>
+                  </a:ext>
+                </a:extLst>
+              </a:tr>
+              <a:tr h="634138">
+                <a:tc>
+                  <a:txBody>
+                    <a:bodyPr/>
+                    <a:lstStyle/>
+                    <a:p>
+                      <a:pPr indent="0" algn="ctr">
+                        <a:buNone/>
+                      </a:pPr>
+                      <a:r>
+                        <a:rPr lang="en-US" sz="2200" dirty="0" err="1">
+                          <a:latin typeface="Times New Roman" panose="02020603050405020304" pitchFamily="18" charset="0"/>
+                          <a:cs typeface="Times New Roman" panose="02020603050405020304" pitchFamily="18" charset="0"/>
+                        </a:rPr>
+                        <a:t>Поддержка</a:t>
+                      </a:r>
+                      <a:r>
+                        <a:rPr lang="en-US" sz="2200" dirty="0">
+                          <a:latin typeface="Times New Roman" panose="02020603050405020304" pitchFamily="18" charset="0"/>
+                          <a:cs typeface="Times New Roman" panose="02020603050405020304" pitchFamily="18" charset="0"/>
+                        </a:rPr>
+                        <a:t> </a:t>
+                      </a:r>
+                      <a:r>
+                        <a:rPr lang="en-US" sz="2200" dirty="0" err="1">
+                          <a:latin typeface="Times New Roman" panose="02020603050405020304" pitchFamily="18" charset="0"/>
+                          <a:cs typeface="Times New Roman" panose="02020603050405020304" pitchFamily="18" charset="0"/>
+                        </a:rPr>
+                        <a:t>русского</a:t>
+                      </a:r>
+                      <a:r>
+                        <a:rPr lang="en-US" sz="2200" dirty="0">
+                          <a:latin typeface="Times New Roman" panose="02020603050405020304" pitchFamily="18" charset="0"/>
+                          <a:cs typeface="Times New Roman" panose="02020603050405020304" pitchFamily="18" charset="0"/>
+                        </a:rPr>
+                        <a:t> </a:t>
+                      </a:r>
+                      <a:r>
+                        <a:rPr lang="en-US" sz="2200" dirty="0" err="1">
+                          <a:latin typeface="Times New Roman" panose="02020603050405020304" pitchFamily="18" charset="0"/>
+                          <a:cs typeface="Times New Roman" panose="02020603050405020304" pitchFamily="18" charset="0"/>
+                        </a:rPr>
+                        <a:t>языка</a:t>
+                      </a:r>
+                      <a:endParaRPr lang="en-US" sz="2200" dirty="0">
+                        <a:latin typeface="Times New Roman" panose="02020603050405020304" pitchFamily="18" charset="0"/>
+                        <a:cs typeface="Times New Roman" panose="02020603050405020304" pitchFamily="18" charset="0"/>
+                      </a:endParaRPr>
+                    </a:p>
+                  </a:txBody>
+                  <a:tcPr marL="68580" marR="68580" marT="0" marB="0" anchor="ctr">
+                    <a:lnL w="12700" cap="flat" cmpd="sng" algn="ctr">
+                      <a:solidFill>
+                        <a:schemeClr val="tx1"/>
+                      </a:solidFill>
+                      <a:prstDash val="solid"/>
+                      <a:round/>
+                      <a:headEnd type="none" w="med" len="med"/>
+                      <a:tailEnd type="none" w="med" len="med"/>
+                    </a:lnL>
+                    <a:lnR w="12700" cap="flat" cmpd="sng" algn="ctr">
+                      <a:solidFill>
+                        <a:schemeClr val="tx1"/>
+                      </a:solidFill>
+                      <a:prstDash val="solid"/>
+                      <a:round/>
+                      <a:headEnd type="none" w="med" len="med"/>
+                      <a:tailEnd type="none" w="med" len="med"/>
+                    </a:lnR>
+                    <a:lnT w="12700" cap="flat" cmpd="sng" algn="ctr">
+                      <a:solidFill>
+                        <a:schemeClr val="tx1"/>
+                      </a:solidFill>
+                      <a:prstDash val="solid"/>
+                      <a:round/>
+                      <a:headEnd type="none" w="med" len="med"/>
+                      <a:tailEnd type="none" w="med" len="med"/>
+                    </a:lnT>
+                    <a:lnB w="12700" cap="flat" cmpd="sng" algn="ctr">
+                      <a:solidFill>
+                        <a:schemeClr val="tx1"/>
+                      </a:solidFill>
+                      <a:prstDash val="solid"/>
+                      <a:round/>
+                      <a:headEnd type="none" w="med" len="med"/>
+                      <a:tailEnd type="none" w="med" len="med"/>
+                    </a:lnB>
+                  </a:tcPr>
+                </a:tc>
+                <a:tc>
+                  <a:txBody>
+                    <a:bodyPr/>
+                    <a:lstStyle/>
+                    <a:p>
+                      <a:pPr indent="0" algn="ctr">
+                        <a:buNone/>
+                      </a:pPr>
+                      <a:r>
+                        <a:rPr lang="en-US" sz="3600" b="1" dirty="0">
+                          <a:latin typeface="Times New Roman" panose="02020603050405020304" pitchFamily="18" charset="0"/>
+                          <a:cs typeface="Times New Roman" panose="02020603050405020304" pitchFamily="18" charset="0"/>
+                        </a:rPr>
+                        <a:t>+</a:t>
+                      </a:r>
+                    </a:p>
+                  </a:txBody>
+                  <a:tcPr marL="68580" marR="68580" marT="0" marB="0" anchor="ctr">
+                    <a:lnL w="12700" cap="flat" cmpd="sng" algn="ctr">
+                      <a:solidFill>
+                        <a:schemeClr val="tx1"/>
+                      </a:solidFill>
+                      <a:prstDash val="solid"/>
+                      <a:round/>
+                      <a:headEnd type="none" w="med" len="med"/>
+                      <a:tailEnd type="none" w="med" len="med"/>
+                    </a:lnL>
+                    <a:lnR w="12700" cap="flat" cmpd="sng" algn="ctr">
+                      <a:solidFill>
+                        <a:schemeClr val="tx1"/>
+                      </a:solidFill>
+                      <a:prstDash val="solid"/>
+                      <a:round/>
+                      <a:headEnd type="none" w="med" len="med"/>
+                      <a:tailEnd type="none" w="med" len="med"/>
+                    </a:lnR>
+                    <a:lnT w="12700" cap="flat" cmpd="sng" algn="ctr">
+                      <a:solidFill>
+                        <a:schemeClr val="tx1"/>
+                      </a:solidFill>
+                      <a:prstDash val="solid"/>
+                      <a:round/>
+                      <a:headEnd type="none" w="med" len="med"/>
+                      <a:tailEnd type="none" w="med" len="med"/>
+                    </a:lnT>
+                    <a:lnB w="12700" cap="flat" cmpd="sng" algn="ctr">
+                      <a:solidFill>
+                        <a:schemeClr val="tx1"/>
+                      </a:solidFill>
+                      <a:prstDash val="solid"/>
+                      <a:round/>
+                      <a:headEnd type="none" w="med" len="med"/>
+                      <a:tailEnd type="none" w="med" len="med"/>
+                    </a:lnB>
+                  </a:tcPr>
+                </a:tc>
+                <a:tc>
+                  <a:txBody>
+                    <a:bodyPr/>
+                    <a:lstStyle/>
+                    <a:p>
+                      <a:pPr indent="0" algn="ctr">
+                        <a:buNone/>
+                      </a:pPr>
+                      <a:r>
+                        <a:rPr lang="en-US" sz="3600" b="1" dirty="0">
+                          <a:latin typeface="Times New Roman" panose="02020603050405020304" pitchFamily="18" charset="0"/>
+                          <a:cs typeface="Times New Roman" panose="02020603050405020304" pitchFamily="18" charset="0"/>
+                        </a:rPr>
+                        <a:t>-</a:t>
+                      </a:r>
+                    </a:p>
+                  </a:txBody>
+                  <a:tcPr marL="68580" marR="68580" marT="0" marB="0" anchor="ctr">
+                    <a:lnL w="12700" cap="flat" cmpd="sng" algn="ctr">
+                      <a:solidFill>
+                        <a:schemeClr val="tx1"/>
+                      </a:solidFill>
+                      <a:prstDash val="solid"/>
+                      <a:round/>
+                      <a:headEnd type="none" w="med" len="med"/>
+                      <a:tailEnd type="none" w="med" len="med"/>
+                    </a:lnL>
+                    <a:lnR w="12700" cap="flat" cmpd="sng" algn="ctr">
+                      <a:solidFill>
+                        <a:schemeClr val="tx1"/>
+                      </a:solidFill>
+                      <a:prstDash val="solid"/>
+                      <a:round/>
+                      <a:headEnd type="none" w="med" len="med"/>
+                      <a:tailEnd type="none" w="med" len="med"/>
+                    </a:lnR>
+                    <a:lnT w="12700" cap="flat" cmpd="sng" algn="ctr">
+                      <a:solidFill>
+                        <a:schemeClr val="tx1"/>
+                      </a:solidFill>
+                      <a:prstDash val="solid"/>
+                      <a:round/>
+                      <a:headEnd type="none" w="med" len="med"/>
+                      <a:tailEnd type="none" w="med" len="med"/>
+                    </a:lnT>
+                    <a:lnB w="12700" cap="flat" cmpd="sng" algn="ctr">
+                      <a:solidFill>
+                        <a:schemeClr val="tx1"/>
+                      </a:solidFill>
+                      <a:prstDash val="solid"/>
+                      <a:round/>
+                      <a:headEnd type="none" w="med" len="med"/>
+                      <a:tailEnd type="none" w="med" len="med"/>
+                    </a:lnB>
+                  </a:tcPr>
+                </a:tc>
+                <a:tc>
+                  <a:txBody>
+                    <a:bodyPr/>
+                    <a:lstStyle/>
+                    <a:p>
+                      <a:pPr indent="0" algn="ctr">
+                        <a:buNone/>
+                      </a:pPr>
+                      <a:r>
+                        <a:rPr lang="en-US" sz="3600" b="1" dirty="0">
+                          <a:latin typeface="Times New Roman" panose="02020603050405020304" pitchFamily="18" charset="0"/>
+                          <a:cs typeface="Times New Roman" panose="02020603050405020304" pitchFamily="18" charset="0"/>
+                        </a:rPr>
+                        <a:t>+</a:t>
+                      </a:r>
+                    </a:p>
+                  </a:txBody>
+                  <a:tcPr marL="68580" marR="68580" marT="0" marB="0" anchor="ctr">
+                    <a:lnL w="12700" cap="flat" cmpd="sng" algn="ctr">
+                      <a:solidFill>
+                        <a:schemeClr val="tx1"/>
+                      </a:solidFill>
+                      <a:prstDash val="solid"/>
+                      <a:round/>
+                      <a:headEnd type="none" w="med" len="med"/>
+                      <a:tailEnd type="none" w="med" len="med"/>
+                    </a:lnL>
+                    <a:lnR w="12700" cap="flat" cmpd="sng" algn="ctr">
+                      <a:solidFill>
+                        <a:schemeClr val="tx1"/>
+                      </a:solidFill>
+                      <a:prstDash val="solid"/>
+                      <a:round/>
+                      <a:headEnd type="none" w="med" len="med"/>
+                      <a:tailEnd type="none" w="med" len="med"/>
+                    </a:lnR>
+                    <a:lnT w="12700" cap="flat" cmpd="sng" algn="ctr">
+                      <a:solidFill>
+                        <a:schemeClr val="tx1"/>
+                      </a:solidFill>
+                      <a:prstDash val="solid"/>
+                      <a:round/>
+                      <a:headEnd type="none" w="med" len="med"/>
+                      <a:tailEnd type="none" w="med" len="med"/>
+                    </a:lnT>
+                    <a:lnB w="12700" cap="flat" cmpd="sng" algn="ctr">
+                      <a:solidFill>
+                        <a:schemeClr val="tx1"/>
+                      </a:solidFill>
+                      <a:prstDash val="solid"/>
+                      <a:round/>
+                      <a:headEnd type="none" w="med" len="med"/>
+                      <a:tailEnd type="none" w="med" len="med"/>
+                    </a:lnB>
+                  </a:tcPr>
+                </a:tc>
+                <a:extLst>
+                  <a:ext uri="{0D108BD9-81ED-4DB2-BD59-A6C34878D82A}">
+                    <a16:rowId xmlns:a16="http://schemas.microsoft.com/office/drawing/2014/main" val="10001"/>
+                  </a:ext>
+                </a:extLst>
+              </a:tr>
+              <a:tr h="634138">
+                <a:tc>
+                  <a:txBody>
+                    <a:bodyPr/>
+                    <a:lstStyle/>
+                    <a:p>
+                      <a:pPr indent="0" algn="ctr">
+                        <a:buNone/>
+                      </a:pPr>
+                      <a:r>
+                        <a:rPr lang="ru-RU" sz="2200" b="0" i="0" kern="1200" dirty="0">
+                          <a:solidFill>
+                            <a:schemeClr val="tx1"/>
+                          </a:solidFill>
+                          <a:effectLst/>
+                          <a:latin typeface="Times New Roman" panose="02020603050405020304" pitchFamily="18" charset="0"/>
+                          <a:ea typeface="+mn-ea"/>
+                          <a:cs typeface="Times New Roman" panose="02020603050405020304" pitchFamily="18" charset="0"/>
+                        </a:rPr>
+                        <a:t>Бесплатный функционал</a:t>
+                      </a:r>
+                      <a:endParaRPr lang="ru-RU" altLang="en-US" sz="2200" b="0" dirty="0">
+                        <a:latin typeface="Times New Roman" panose="02020603050405020304" pitchFamily="18" charset="0"/>
+                        <a:cs typeface="Times New Roman" panose="02020603050405020304" pitchFamily="18" charset="0"/>
+                      </a:endParaRPr>
+                    </a:p>
+                  </a:txBody>
+                  <a:tcPr marL="68580" marR="68580" marT="0" marB="0" anchor="ctr">
+                    <a:lnL w="12700" cap="flat" cmpd="sng" algn="ctr">
+                      <a:solidFill>
+                        <a:schemeClr val="tx1"/>
+                      </a:solidFill>
+                      <a:prstDash val="solid"/>
+                      <a:round/>
+                      <a:headEnd type="none" w="med" len="med"/>
+                      <a:tailEnd type="none" w="med" len="med"/>
+                    </a:lnL>
+                    <a:lnR w="12700" cap="flat" cmpd="sng" algn="ctr">
+                      <a:solidFill>
+                        <a:schemeClr val="tx1"/>
+                      </a:solidFill>
+                      <a:prstDash val="solid"/>
+                      <a:round/>
+                      <a:headEnd type="none" w="med" len="med"/>
+                      <a:tailEnd type="none" w="med" len="med"/>
+                    </a:lnR>
+                    <a:lnT w="12700" cap="flat" cmpd="sng" algn="ctr">
+                      <a:solidFill>
+                        <a:schemeClr val="tx1"/>
+                      </a:solidFill>
+                      <a:prstDash val="solid"/>
+                      <a:round/>
+                      <a:headEnd type="none" w="med" len="med"/>
+                      <a:tailEnd type="none" w="med" len="med"/>
+                    </a:lnT>
+                    <a:lnB w="12700" cap="flat" cmpd="sng" algn="ctr">
+                      <a:solidFill>
+                        <a:schemeClr val="tx1"/>
+                      </a:solidFill>
+                      <a:prstDash val="solid"/>
+                      <a:round/>
+                      <a:headEnd type="none" w="med" len="med"/>
+                      <a:tailEnd type="none" w="med" len="med"/>
+                    </a:lnB>
+                  </a:tcPr>
+                </a:tc>
+                <a:tc>
+                  <a:txBody>
+                    <a:bodyPr/>
+                    <a:lstStyle/>
+                    <a:p>
+                      <a:pPr indent="0" algn="ctr">
+                        <a:buNone/>
+                      </a:pPr>
+                      <a:r>
+                        <a:rPr lang="en-US" sz="3600" b="1" dirty="0">
+                          <a:latin typeface="Times New Roman" panose="02020603050405020304" pitchFamily="18" charset="0"/>
+                          <a:cs typeface="Times New Roman" panose="02020603050405020304" pitchFamily="18" charset="0"/>
+                        </a:rPr>
+                        <a:t>+</a:t>
+                      </a:r>
+                    </a:p>
+                  </a:txBody>
+                  <a:tcPr marL="68580" marR="68580" marT="0" marB="0" anchor="ctr">
+                    <a:lnL w="12700" cap="flat" cmpd="sng" algn="ctr">
+                      <a:solidFill>
+                        <a:schemeClr val="tx1"/>
+                      </a:solidFill>
+                      <a:prstDash val="solid"/>
+                      <a:round/>
+                      <a:headEnd type="none" w="med" len="med"/>
+                      <a:tailEnd type="none" w="med" len="med"/>
+                    </a:lnL>
+                    <a:lnR w="12700" cap="flat" cmpd="sng" algn="ctr">
+                      <a:solidFill>
+                        <a:schemeClr val="tx1"/>
+                      </a:solidFill>
+                      <a:prstDash val="solid"/>
+                      <a:round/>
+                      <a:headEnd type="none" w="med" len="med"/>
+                      <a:tailEnd type="none" w="med" len="med"/>
+                    </a:lnR>
+                    <a:lnT w="12700" cap="flat" cmpd="sng" algn="ctr">
+                      <a:solidFill>
+                        <a:schemeClr val="tx1"/>
+                      </a:solidFill>
+                      <a:prstDash val="solid"/>
+                      <a:round/>
+                      <a:headEnd type="none" w="med" len="med"/>
+                      <a:tailEnd type="none" w="med" len="med"/>
+                    </a:lnT>
+                    <a:lnB w="12700" cap="flat" cmpd="sng" algn="ctr">
+                      <a:solidFill>
+                        <a:schemeClr val="tx1"/>
+                      </a:solidFill>
+                      <a:prstDash val="solid"/>
+                      <a:round/>
+                      <a:headEnd type="none" w="med" len="med"/>
+                      <a:tailEnd type="none" w="med" len="med"/>
+                    </a:lnB>
+                  </a:tcPr>
+                </a:tc>
+                <a:tc>
+                  <a:txBody>
+                    <a:bodyPr/>
+                    <a:lstStyle/>
+                    <a:p>
+                      <a:pPr indent="0" algn="ctr">
+                        <a:buNone/>
+                      </a:pPr>
+                      <a:r>
+                        <a:rPr lang="en-US" sz="3600" b="1" dirty="0">
+                          <a:latin typeface="Times New Roman" panose="02020603050405020304" pitchFamily="18" charset="0"/>
+                          <a:cs typeface="Times New Roman" panose="02020603050405020304" pitchFamily="18" charset="0"/>
+                        </a:rPr>
+                        <a:t>-</a:t>
+                      </a:r>
+                    </a:p>
+                  </a:txBody>
+                  <a:tcPr marL="68580" marR="68580" marT="0" marB="0" anchor="ctr">
+                    <a:lnL w="12700" cap="flat" cmpd="sng" algn="ctr">
+                      <a:solidFill>
+                        <a:schemeClr val="tx1"/>
+                      </a:solidFill>
+                      <a:prstDash val="solid"/>
+                      <a:round/>
+                      <a:headEnd type="none" w="med" len="med"/>
+                      <a:tailEnd type="none" w="med" len="med"/>
+                    </a:lnL>
+                    <a:lnR w="12700" cap="flat" cmpd="sng" algn="ctr">
+                      <a:solidFill>
+                        <a:schemeClr val="tx1"/>
+                      </a:solidFill>
+                      <a:prstDash val="solid"/>
+                      <a:round/>
+                      <a:headEnd type="none" w="med" len="med"/>
+                      <a:tailEnd type="none" w="med" len="med"/>
+                    </a:lnR>
+                    <a:lnT w="12700" cap="flat" cmpd="sng" algn="ctr">
+                      <a:solidFill>
+                        <a:schemeClr val="tx1"/>
+                      </a:solidFill>
+                      <a:prstDash val="solid"/>
+                      <a:round/>
+                      <a:headEnd type="none" w="med" len="med"/>
+                      <a:tailEnd type="none" w="med" len="med"/>
+                    </a:lnT>
+                    <a:lnB w="12700" cap="flat" cmpd="sng" algn="ctr">
+                      <a:solidFill>
+                        <a:schemeClr val="tx1"/>
+                      </a:solidFill>
+                      <a:prstDash val="solid"/>
+                      <a:round/>
+                      <a:headEnd type="none" w="med" len="med"/>
+                      <a:tailEnd type="none" w="med" len="med"/>
+                    </a:lnB>
+                  </a:tcPr>
+                </a:tc>
+                <a:tc>
+                  <a:txBody>
+                    <a:bodyPr/>
+                    <a:lstStyle/>
+                    <a:p>
+                      <a:pPr indent="0" algn="ctr">
+                        <a:buNone/>
+                      </a:pPr>
+                      <a:r>
+                        <a:rPr lang="en-US" sz="3600" b="1" dirty="0">
+                          <a:latin typeface="Times New Roman" panose="02020603050405020304" pitchFamily="18" charset="0"/>
+                          <a:cs typeface="Times New Roman" panose="02020603050405020304" pitchFamily="18" charset="0"/>
+                        </a:rPr>
+                        <a:t>-</a:t>
+                      </a:r>
+                    </a:p>
+                  </a:txBody>
+                  <a:tcPr marL="68580" marR="68580" marT="0" marB="0" anchor="ctr">
+                    <a:lnL w="12700" cap="flat" cmpd="sng" algn="ctr">
+                      <a:solidFill>
+                        <a:schemeClr val="tx1"/>
+                      </a:solidFill>
+                      <a:prstDash val="solid"/>
+                      <a:round/>
+                      <a:headEnd type="none" w="med" len="med"/>
+                      <a:tailEnd type="none" w="med" len="med"/>
+                    </a:lnL>
+                    <a:lnR w="12700" cap="flat" cmpd="sng" algn="ctr">
+                      <a:solidFill>
+                        <a:schemeClr val="tx1"/>
+                      </a:solidFill>
+                      <a:prstDash val="solid"/>
+                      <a:round/>
+                      <a:headEnd type="none" w="med" len="med"/>
+                      <a:tailEnd type="none" w="med" len="med"/>
+                    </a:lnR>
+                    <a:lnT w="12700" cap="flat" cmpd="sng" algn="ctr">
+                      <a:solidFill>
+                        <a:schemeClr val="tx1"/>
+                      </a:solidFill>
+                      <a:prstDash val="solid"/>
+                      <a:round/>
+                      <a:headEnd type="none" w="med" len="med"/>
+                      <a:tailEnd type="none" w="med" len="med"/>
+                    </a:lnT>
+                    <a:lnB w="12700" cap="flat" cmpd="sng" algn="ctr">
+                      <a:solidFill>
+                        <a:schemeClr val="tx1"/>
+                      </a:solidFill>
+                      <a:prstDash val="solid"/>
+                      <a:round/>
+                      <a:headEnd type="none" w="med" len="med"/>
+                      <a:tailEnd type="none" w="med" len="med"/>
+                    </a:lnB>
+                  </a:tcPr>
+                </a:tc>
+                <a:extLst>
+                  <a:ext uri="{0D108BD9-81ED-4DB2-BD59-A6C34878D82A}">
+                    <a16:rowId xmlns:a16="http://schemas.microsoft.com/office/drawing/2014/main" val="10002"/>
+                  </a:ext>
+                </a:extLst>
+              </a:tr>
+              <a:tr h="951207">
+                <a:tc>
+                  <a:txBody>
+                    <a:bodyPr/>
+                    <a:lstStyle/>
+                    <a:p>
+                      <a:pPr indent="0" algn="ctr">
+                        <a:buNone/>
+                      </a:pPr>
+                      <a:r>
+                        <a:rPr lang="ru-RU" altLang="en-US" sz="2200" dirty="0">
+                          <a:latin typeface="Times New Roman" panose="02020603050405020304" pitchFamily="18" charset="0"/>
+                          <a:cs typeface="Times New Roman" panose="02020603050405020304" pitchFamily="18" charset="0"/>
+                        </a:rPr>
+                        <a:t>Количество</a:t>
+                      </a:r>
+                      <a:r>
+                        <a:rPr lang="ru-RU" altLang="en-US" sz="2200" baseline="0" dirty="0">
+                          <a:latin typeface="Times New Roman" panose="02020603050405020304" pitchFamily="18" charset="0"/>
+                          <a:cs typeface="Times New Roman" panose="02020603050405020304" pitchFamily="18" charset="0"/>
+                        </a:rPr>
+                        <a:t> определяемых типов заболеваний</a:t>
+                      </a:r>
+                      <a:endParaRPr lang="ru-RU" altLang="en-US" sz="2200" dirty="0">
+                        <a:latin typeface="Times New Roman" panose="02020603050405020304" pitchFamily="18" charset="0"/>
+                        <a:cs typeface="Times New Roman" panose="02020603050405020304" pitchFamily="18" charset="0"/>
+                      </a:endParaRPr>
+                    </a:p>
+                  </a:txBody>
+                  <a:tcPr marL="68580" marR="68580" marT="0" marB="0" anchor="ctr">
+                    <a:lnL w="12700" cap="flat" cmpd="sng" algn="ctr">
+                      <a:solidFill>
+                        <a:schemeClr val="tx1"/>
+                      </a:solidFill>
+                      <a:prstDash val="solid"/>
+                      <a:round/>
+                      <a:headEnd type="none" w="med" len="med"/>
+                      <a:tailEnd type="none" w="med" len="med"/>
+                    </a:lnL>
+                    <a:lnR w="12700" cap="flat" cmpd="sng" algn="ctr">
+                      <a:solidFill>
+                        <a:schemeClr val="tx1"/>
+                      </a:solidFill>
+                      <a:prstDash val="solid"/>
+                      <a:round/>
+                      <a:headEnd type="none" w="med" len="med"/>
+                      <a:tailEnd type="none" w="med" len="med"/>
+                    </a:lnR>
+                    <a:lnT w="12700" cap="flat" cmpd="sng" algn="ctr">
+                      <a:solidFill>
+                        <a:schemeClr val="tx1"/>
+                      </a:solidFill>
+                      <a:prstDash val="solid"/>
+                      <a:round/>
+                      <a:headEnd type="none" w="med" len="med"/>
+                      <a:tailEnd type="none" w="med" len="med"/>
+                    </a:lnT>
+                    <a:lnB w="12700" cap="flat" cmpd="sng" algn="ctr">
+                      <a:solidFill>
+                        <a:schemeClr val="tx1"/>
+                      </a:solidFill>
+                      <a:prstDash val="solid"/>
+                      <a:round/>
+                      <a:headEnd type="none" w="med" len="med"/>
+                      <a:tailEnd type="none" w="med" len="med"/>
+                    </a:lnB>
+                  </a:tcPr>
+                </a:tc>
+                <a:tc>
+                  <a:txBody>
+                    <a:bodyPr/>
+                    <a:lstStyle/>
+                    <a:p>
+                      <a:pPr indent="0" algn="ctr">
+                        <a:buNone/>
+                      </a:pPr>
+                      <a:r>
+                        <a:rPr lang="en-US" sz="3200" b="1" dirty="0">
+                          <a:latin typeface="Times New Roman" panose="02020603050405020304" pitchFamily="18" charset="0"/>
+                          <a:cs typeface="Times New Roman" panose="02020603050405020304" pitchFamily="18" charset="0"/>
+                        </a:rPr>
+                        <a:t>1</a:t>
+                      </a:r>
+                    </a:p>
+                  </a:txBody>
+                  <a:tcPr marL="68580" marR="68580" marT="0" marB="0" anchor="ctr">
+                    <a:lnL w="12700" cap="flat" cmpd="sng" algn="ctr">
+                      <a:solidFill>
+                        <a:schemeClr val="tx1"/>
+                      </a:solidFill>
+                      <a:prstDash val="solid"/>
+                      <a:round/>
+                      <a:headEnd type="none" w="med" len="med"/>
+                      <a:tailEnd type="none" w="med" len="med"/>
+                    </a:lnL>
+                    <a:lnR w="12700" cap="flat" cmpd="sng" algn="ctr">
+                      <a:solidFill>
+                        <a:schemeClr val="tx1"/>
+                      </a:solidFill>
+                      <a:prstDash val="solid"/>
+                      <a:round/>
+                      <a:headEnd type="none" w="med" len="med"/>
+                      <a:tailEnd type="none" w="med" len="med"/>
+                    </a:lnR>
+                    <a:lnT w="12700" cap="flat" cmpd="sng" algn="ctr">
+                      <a:solidFill>
+                        <a:schemeClr val="tx1"/>
+                      </a:solidFill>
+                      <a:prstDash val="solid"/>
+                      <a:round/>
+                      <a:headEnd type="none" w="med" len="med"/>
+                      <a:tailEnd type="none" w="med" len="med"/>
+                    </a:lnT>
+                    <a:lnB w="12700" cap="flat" cmpd="sng" algn="ctr">
+                      <a:solidFill>
+                        <a:schemeClr val="tx1"/>
+                      </a:solidFill>
+                      <a:prstDash val="solid"/>
+                      <a:round/>
+                      <a:headEnd type="none" w="med" len="med"/>
+                      <a:tailEnd type="none" w="med" len="med"/>
+                    </a:lnB>
+                  </a:tcPr>
+                </a:tc>
+                <a:tc>
+                  <a:txBody>
+                    <a:bodyPr/>
+                    <a:lstStyle/>
+                    <a:p>
+                      <a:pPr indent="0" algn="ctr">
+                        <a:buNone/>
+                      </a:pPr>
+                      <a:r>
+                        <a:rPr lang="en-US" sz="3200" b="1" dirty="0">
+                          <a:latin typeface="Times New Roman" panose="02020603050405020304" pitchFamily="18" charset="0"/>
+                          <a:cs typeface="Times New Roman" panose="02020603050405020304" pitchFamily="18" charset="0"/>
+                        </a:rPr>
+                        <a:t>5</a:t>
+                      </a:r>
+                    </a:p>
+                  </a:txBody>
+                  <a:tcPr marL="68580" marR="68580" marT="0" marB="0" anchor="ctr">
+                    <a:lnL w="12700" cap="flat" cmpd="sng" algn="ctr">
+                      <a:solidFill>
+                        <a:schemeClr val="tx1"/>
+                      </a:solidFill>
+                      <a:prstDash val="solid"/>
+                      <a:round/>
+                      <a:headEnd type="none" w="med" len="med"/>
+                      <a:tailEnd type="none" w="med" len="med"/>
+                    </a:lnL>
+                    <a:lnR w="12700" cap="flat" cmpd="sng" algn="ctr">
+                      <a:solidFill>
+                        <a:schemeClr val="tx1"/>
+                      </a:solidFill>
+                      <a:prstDash val="solid"/>
+                      <a:round/>
+                      <a:headEnd type="none" w="med" len="med"/>
+                      <a:tailEnd type="none" w="med" len="med"/>
+                    </a:lnR>
+                    <a:lnT w="12700" cap="flat" cmpd="sng" algn="ctr">
+                      <a:solidFill>
+                        <a:schemeClr val="tx1"/>
+                      </a:solidFill>
+                      <a:prstDash val="solid"/>
+                      <a:round/>
+                      <a:headEnd type="none" w="med" len="med"/>
+                      <a:tailEnd type="none" w="med" len="med"/>
+                    </a:lnT>
+                    <a:lnB w="12700" cap="flat" cmpd="sng" algn="ctr">
+                      <a:solidFill>
+                        <a:schemeClr val="tx1"/>
+                      </a:solidFill>
+                      <a:prstDash val="solid"/>
+                      <a:round/>
+                      <a:headEnd type="none" w="med" len="med"/>
+                      <a:tailEnd type="none" w="med" len="med"/>
+                    </a:lnB>
+                  </a:tcPr>
+                </a:tc>
+                <a:tc>
+                  <a:txBody>
+                    <a:bodyPr/>
+                    <a:lstStyle/>
+                    <a:p>
+                      <a:pPr indent="0" algn="ctr">
+                        <a:buNone/>
+                      </a:pPr>
+                      <a:r>
+                        <a:rPr lang="en-US" sz="3200" b="1" dirty="0">
+                          <a:latin typeface="Times New Roman" panose="02020603050405020304" pitchFamily="18" charset="0"/>
+                          <a:cs typeface="Times New Roman" panose="02020603050405020304" pitchFamily="18" charset="0"/>
+                        </a:rPr>
+                        <a:t>20</a:t>
+                      </a:r>
+                    </a:p>
+                  </a:txBody>
+                  <a:tcPr marL="68580" marR="68580" marT="0" marB="0" anchor="ctr">
+                    <a:lnL w="12700" cap="flat" cmpd="sng" algn="ctr">
+                      <a:solidFill>
+                        <a:schemeClr val="tx1"/>
+                      </a:solidFill>
+                      <a:prstDash val="solid"/>
+                      <a:round/>
+                      <a:headEnd type="none" w="med" len="med"/>
+                      <a:tailEnd type="none" w="med" len="med"/>
+                    </a:lnL>
+                    <a:lnR w="12700" cap="flat" cmpd="sng" algn="ctr">
+                      <a:solidFill>
+                        <a:schemeClr val="tx1"/>
+                      </a:solidFill>
+                      <a:prstDash val="solid"/>
+                      <a:round/>
+                      <a:headEnd type="none" w="med" len="med"/>
+                      <a:tailEnd type="none" w="med" len="med"/>
+                    </a:lnR>
+                    <a:lnT w="12700" cap="flat" cmpd="sng" algn="ctr">
+                      <a:solidFill>
+                        <a:schemeClr val="tx1"/>
+                      </a:solidFill>
+                      <a:prstDash val="solid"/>
+                      <a:round/>
+                      <a:headEnd type="none" w="med" len="med"/>
+                      <a:tailEnd type="none" w="med" len="med"/>
+                    </a:lnT>
+                    <a:lnB w="12700" cap="flat" cmpd="sng" algn="ctr">
+                      <a:solidFill>
+                        <a:schemeClr val="tx1"/>
+                      </a:solidFill>
+                      <a:prstDash val="solid"/>
+                      <a:round/>
+                      <a:headEnd type="none" w="med" len="med"/>
+                      <a:tailEnd type="none" w="med" len="med"/>
+                    </a:lnB>
+                  </a:tcPr>
+                </a:tc>
+                <a:extLst>
+                  <a:ext uri="{0D108BD9-81ED-4DB2-BD59-A6C34878D82A}">
+                    <a16:rowId xmlns:a16="http://schemas.microsoft.com/office/drawing/2014/main" val="10003"/>
+                  </a:ext>
+                </a:extLst>
+              </a:tr>
+              <a:tr h="1268277">
+                <a:tc>
+                  <a:txBody>
+                    <a:bodyPr/>
+                    <a:lstStyle/>
+                    <a:p>
+                      <a:pPr indent="0" algn="ctr">
+                        <a:buNone/>
+                      </a:pPr>
+                      <a:r>
+                        <a:rPr lang="ru-RU" sz="2200" dirty="0">
+                          <a:latin typeface="Times New Roman" panose="02020603050405020304" pitchFamily="18" charset="0"/>
+                          <a:cs typeface="Times New Roman" panose="02020603050405020304" pitchFamily="18" charset="0"/>
+                        </a:rPr>
+                        <a:t>Интеграция карты для локализации мед. учреждений</a:t>
+                      </a:r>
+                      <a:endParaRPr lang="en-US" sz="2200" dirty="0">
+                        <a:latin typeface="Times New Roman" panose="02020603050405020304" pitchFamily="18" charset="0"/>
+                        <a:cs typeface="Times New Roman" panose="02020603050405020304" pitchFamily="18" charset="0"/>
+                      </a:endParaRPr>
+                    </a:p>
+                  </a:txBody>
+                  <a:tcPr marL="68580" marR="68580" marT="0" marB="0" anchor="ctr">
+                    <a:lnL w="12700" cap="flat" cmpd="sng" algn="ctr">
+                      <a:solidFill>
+                        <a:schemeClr val="tx1"/>
+                      </a:solidFill>
+                      <a:prstDash val="solid"/>
+                      <a:round/>
+                      <a:headEnd type="none" w="med" len="med"/>
+                      <a:tailEnd type="none" w="med" len="med"/>
+                    </a:lnL>
+                    <a:lnR w="12700" cap="flat" cmpd="sng" algn="ctr">
+                      <a:solidFill>
+                        <a:schemeClr val="tx1"/>
+                      </a:solidFill>
+                      <a:prstDash val="solid"/>
+                      <a:round/>
+                      <a:headEnd type="none" w="med" len="med"/>
+                      <a:tailEnd type="none" w="med" len="med"/>
+                    </a:lnR>
+                    <a:lnT w="12700" cap="flat" cmpd="sng" algn="ctr">
+                      <a:solidFill>
+                        <a:schemeClr val="tx1"/>
+                      </a:solidFill>
+                      <a:prstDash val="solid"/>
+                      <a:round/>
+                      <a:headEnd type="none" w="med" len="med"/>
+                      <a:tailEnd type="none" w="med" len="med"/>
+                    </a:lnT>
+                    <a:lnB w="12700" cap="flat" cmpd="sng" algn="ctr">
+                      <a:solidFill>
+                        <a:schemeClr val="tx1"/>
+                      </a:solidFill>
+                      <a:prstDash val="solid"/>
+                      <a:round/>
+                      <a:headEnd type="none" w="med" len="med"/>
+                      <a:tailEnd type="none" w="med" len="med"/>
+                    </a:lnB>
+                  </a:tcPr>
+                </a:tc>
+                <a:tc>
+                  <a:txBody>
+                    <a:bodyPr/>
+                    <a:lstStyle/>
+                    <a:p>
+                      <a:pPr indent="0" algn="ctr">
+                        <a:buNone/>
+                      </a:pPr>
+                      <a:r>
+                        <a:rPr lang="en-US" sz="3600" b="1" dirty="0">
+                          <a:latin typeface="Times New Roman" panose="02020603050405020304" pitchFamily="18" charset="0"/>
+                          <a:cs typeface="Times New Roman" panose="02020603050405020304" pitchFamily="18" charset="0"/>
+                        </a:rPr>
+                        <a:t>-</a:t>
+                      </a:r>
+                    </a:p>
+                  </a:txBody>
+                  <a:tcPr marL="68580" marR="68580" marT="0" marB="0" anchor="ctr">
+                    <a:lnL w="12700" cap="flat" cmpd="sng" algn="ctr">
+                      <a:solidFill>
+                        <a:schemeClr val="tx1"/>
+                      </a:solidFill>
+                      <a:prstDash val="solid"/>
+                      <a:round/>
+                      <a:headEnd type="none" w="med" len="med"/>
+                      <a:tailEnd type="none" w="med" len="med"/>
+                    </a:lnL>
+                    <a:lnR w="12700" cap="flat" cmpd="sng" algn="ctr">
+                      <a:solidFill>
+                        <a:schemeClr val="tx1"/>
+                      </a:solidFill>
+                      <a:prstDash val="solid"/>
+                      <a:round/>
+                      <a:headEnd type="none" w="med" len="med"/>
+                      <a:tailEnd type="none" w="med" len="med"/>
+                    </a:lnR>
+                    <a:lnT w="12700" cap="flat" cmpd="sng" algn="ctr">
+                      <a:solidFill>
+                        <a:schemeClr val="tx1"/>
+                      </a:solidFill>
+                      <a:prstDash val="solid"/>
+                      <a:round/>
+                      <a:headEnd type="none" w="med" len="med"/>
+                      <a:tailEnd type="none" w="med" len="med"/>
+                    </a:lnT>
+                    <a:lnB w="12700" cap="flat" cmpd="sng" algn="ctr">
+                      <a:solidFill>
+                        <a:schemeClr val="tx1"/>
+                      </a:solidFill>
+                      <a:prstDash val="solid"/>
+                      <a:round/>
+                      <a:headEnd type="none" w="med" len="med"/>
+                      <a:tailEnd type="none" w="med" len="med"/>
+                    </a:lnB>
+                  </a:tcPr>
+                </a:tc>
+                <a:tc>
+                  <a:txBody>
+                    <a:bodyPr/>
+                    <a:lstStyle/>
+                    <a:p>
+                      <a:pPr indent="0" algn="ctr">
+                        <a:buNone/>
+                      </a:pPr>
+                      <a:r>
+                        <a:rPr lang="en-US" sz="3600" b="1" dirty="0">
+                          <a:latin typeface="Times New Roman" panose="02020603050405020304" pitchFamily="18" charset="0"/>
+                          <a:cs typeface="Times New Roman" panose="02020603050405020304" pitchFamily="18" charset="0"/>
+                        </a:rPr>
+                        <a:t>-</a:t>
+                      </a:r>
+                    </a:p>
+                  </a:txBody>
+                  <a:tcPr marL="68580" marR="68580" marT="0" marB="0" anchor="ctr">
+                    <a:lnL w="12700" cap="flat" cmpd="sng" algn="ctr">
+                      <a:solidFill>
+                        <a:schemeClr val="tx1"/>
+                      </a:solidFill>
+                      <a:prstDash val="solid"/>
+                      <a:round/>
+                      <a:headEnd type="none" w="med" len="med"/>
+                      <a:tailEnd type="none" w="med" len="med"/>
+                    </a:lnL>
+                    <a:lnR w="12700" cap="flat" cmpd="sng" algn="ctr">
+                      <a:solidFill>
+                        <a:schemeClr val="tx1"/>
+                      </a:solidFill>
+                      <a:prstDash val="solid"/>
+                      <a:round/>
+                      <a:headEnd type="none" w="med" len="med"/>
+                      <a:tailEnd type="none" w="med" len="med"/>
+                    </a:lnR>
+                    <a:lnT w="12700" cap="flat" cmpd="sng" algn="ctr">
+                      <a:solidFill>
+                        <a:schemeClr val="tx1"/>
+                      </a:solidFill>
+                      <a:prstDash val="solid"/>
+                      <a:round/>
+                      <a:headEnd type="none" w="med" len="med"/>
+                      <a:tailEnd type="none" w="med" len="med"/>
+                    </a:lnT>
+                    <a:lnB w="12700" cap="flat" cmpd="sng" algn="ctr">
+                      <a:solidFill>
+                        <a:schemeClr val="tx1"/>
+                      </a:solidFill>
+                      <a:prstDash val="solid"/>
+                      <a:round/>
+                      <a:headEnd type="none" w="med" len="med"/>
+                      <a:tailEnd type="none" w="med" len="med"/>
+                    </a:lnB>
+                  </a:tcPr>
+                </a:tc>
+                <a:tc>
+                  <a:txBody>
+                    <a:bodyPr/>
+                    <a:lstStyle/>
+                    <a:p>
+                      <a:pPr indent="0" algn="ctr">
+                        <a:buNone/>
+                      </a:pPr>
+                      <a:r>
+                        <a:rPr lang="en-US" sz="3600" b="1" dirty="0">
+                          <a:latin typeface="Times New Roman" panose="02020603050405020304" pitchFamily="18" charset="0"/>
+                          <a:cs typeface="Times New Roman" panose="02020603050405020304" pitchFamily="18" charset="0"/>
+                        </a:rPr>
+                        <a:t>-</a:t>
+                      </a:r>
+                    </a:p>
+                  </a:txBody>
+                  <a:tcPr marL="68580" marR="68580" marT="0" marB="0" anchor="ctr">
+                    <a:lnL w="12700" cap="flat" cmpd="sng" algn="ctr">
+                      <a:solidFill>
+                        <a:schemeClr val="tx1"/>
+                      </a:solidFill>
+                      <a:prstDash val="solid"/>
+                      <a:round/>
+                      <a:headEnd type="none" w="med" len="med"/>
+                      <a:tailEnd type="none" w="med" len="med"/>
+                    </a:lnL>
+                    <a:lnR w="12700" cap="flat" cmpd="sng" algn="ctr">
+                      <a:solidFill>
+                        <a:schemeClr val="tx1"/>
+                      </a:solidFill>
+                      <a:prstDash val="solid"/>
+                      <a:round/>
+                      <a:headEnd type="none" w="med" len="med"/>
+                      <a:tailEnd type="none" w="med" len="med"/>
+                    </a:lnR>
+                    <a:lnT w="12700" cap="flat" cmpd="sng" algn="ctr">
+                      <a:solidFill>
+                        <a:schemeClr val="tx1"/>
+                      </a:solidFill>
+                      <a:prstDash val="solid"/>
+                      <a:round/>
+                      <a:headEnd type="none" w="med" len="med"/>
+                      <a:tailEnd type="none" w="med" len="med"/>
+                    </a:lnT>
+                    <a:lnB w="12700" cap="flat" cmpd="sng" algn="ctr">
+                      <a:solidFill>
+                        <a:schemeClr val="tx1"/>
+                      </a:solidFill>
+                      <a:prstDash val="solid"/>
+                      <a:round/>
+                      <a:headEnd type="none" w="med" len="med"/>
+                      <a:tailEnd type="none" w="med" len="med"/>
+                    </a:lnB>
+                  </a:tcPr>
+                </a:tc>
+                <a:extLst>
+                  <a:ext uri="{0D108BD9-81ED-4DB2-BD59-A6C34878D82A}">
+                    <a16:rowId xmlns:a16="http://schemas.microsoft.com/office/drawing/2014/main" val="10004"/>
+                  </a:ext>
+                </a:extLst>
+              </a:tr>
+              <a:tr h="840883">
+                <a:tc>
+                  <a:txBody>
+                    <a:bodyPr/>
+                    <a:lstStyle/>
+                    <a:p>
+                      <a:pPr indent="0" algn="ctr">
+                        <a:buNone/>
+                      </a:pPr>
+                      <a:r>
+                        <a:rPr lang="ru-RU" sz="2200" dirty="0">
+                          <a:latin typeface="Times New Roman" panose="02020603050405020304" pitchFamily="18" charset="0"/>
+                          <a:cs typeface="Times New Roman" panose="02020603050405020304" pitchFamily="18" charset="0"/>
+                        </a:rPr>
+                        <a:t>Работа в </a:t>
+                      </a:r>
+                      <a:r>
+                        <a:rPr lang="ru-RU" sz="2200" dirty="0" err="1">
+                          <a:latin typeface="Times New Roman" panose="02020603050405020304" pitchFamily="18" charset="0"/>
+                          <a:cs typeface="Times New Roman" panose="02020603050405020304" pitchFamily="18" charset="0"/>
+                        </a:rPr>
+                        <a:t>оффлайн</a:t>
+                      </a:r>
+                      <a:r>
+                        <a:rPr lang="ru-RU" sz="2200" dirty="0">
+                          <a:latin typeface="Times New Roman" panose="02020603050405020304" pitchFamily="18" charset="0"/>
+                          <a:cs typeface="Times New Roman" panose="02020603050405020304" pitchFamily="18" charset="0"/>
+                        </a:rPr>
+                        <a:t>-режиме</a:t>
+                      </a:r>
+                      <a:endParaRPr lang="en-US" sz="2200" dirty="0">
+                        <a:latin typeface="Times New Roman" panose="02020603050405020304" pitchFamily="18" charset="0"/>
+                        <a:cs typeface="Times New Roman" panose="02020603050405020304" pitchFamily="18" charset="0"/>
+                      </a:endParaRPr>
+                    </a:p>
+                  </a:txBody>
+                  <a:tcPr marL="68580" marR="68580" marT="0" marB="0" anchor="ctr">
+                    <a:lnL w="12700" cap="flat" cmpd="sng" algn="ctr">
+                      <a:solidFill>
+                        <a:schemeClr val="tx1"/>
+                      </a:solidFill>
+                      <a:prstDash val="solid"/>
+                      <a:round/>
+                      <a:headEnd type="none" w="med" len="med"/>
+                      <a:tailEnd type="none" w="med" len="med"/>
+                    </a:lnL>
+                    <a:lnR w="12700" cap="flat" cmpd="sng" algn="ctr">
+                      <a:solidFill>
+                        <a:schemeClr val="tx1"/>
+                      </a:solidFill>
+                      <a:prstDash val="solid"/>
+                      <a:round/>
+                      <a:headEnd type="none" w="med" len="med"/>
+                      <a:tailEnd type="none" w="med" len="med"/>
+                    </a:lnR>
+                    <a:lnT w="12700" cap="flat" cmpd="sng" algn="ctr">
+                      <a:solidFill>
+                        <a:schemeClr val="tx1"/>
+                      </a:solidFill>
+                      <a:prstDash val="solid"/>
+                      <a:round/>
+                      <a:headEnd type="none" w="med" len="med"/>
+                      <a:tailEnd type="none" w="med" len="med"/>
+                    </a:lnT>
+                    <a:lnB w="12700" cap="flat" cmpd="sng" algn="ctr">
+                      <a:solidFill>
+                        <a:schemeClr val="tx1"/>
+                      </a:solidFill>
+                      <a:prstDash val="solid"/>
+                      <a:round/>
+                      <a:headEnd type="none" w="med" len="med"/>
+                      <a:tailEnd type="none" w="med" len="med"/>
+                    </a:lnB>
+                  </a:tcPr>
+                </a:tc>
+                <a:tc>
+                  <a:txBody>
+                    <a:bodyPr/>
+                    <a:lstStyle/>
+                    <a:p>
+                      <a:pPr indent="0" algn="ctr">
+                        <a:buNone/>
+                      </a:pPr>
+                      <a:r>
+                        <a:rPr lang="ru-RU" sz="3600" b="1" dirty="0">
+                          <a:latin typeface="Times New Roman" panose="02020603050405020304" pitchFamily="18" charset="0"/>
+                          <a:cs typeface="Times New Roman" panose="02020603050405020304" pitchFamily="18" charset="0"/>
+                        </a:rPr>
+                        <a:t>-</a:t>
+                      </a:r>
+                      <a:endParaRPr lang="en-US" sz="3600" b="1" dirty="0">
+                        <a:latin typeface="Times New Roman" panose="02020603050405020304" pitchFamily="18" charset="0"/>
+                        <a:cs typeface="Times New Roman" panose="02020603050405020304" pitchFamily="18" charset="0"/>
+                      </a:endParaRPr>
+                    </a:p>
+                  </a:txBody>
+                  <a:tcPr marL="68580" marR="68580" marT="0" marB="0" anchor="ctr">
+                    <a:lnL w="12700" cap="flat" cmpd="sng" algn="ctr">
+                      <a:solidFill>
+                        <a:schemeClr val="tx1"/>
+                      </a:solidFill>
+                      <a:prstDash val="solid"/>
+                      <a:round/>
+                      <a:headEnd type="none" w="med" len="med"/>
+                      <a:tailEnd type="none" w="med" len="med"/>
+                    </a:lnL>
+                    <a:lnR w="12700" cap="flat" cmpd="sng" algn="ctr">
+                      <a:solidFill>
+                        <a:schemeClr val="tx1"/>
+                      </a:solidFill>
+                      <a:prstDash val="solid"/>
+                      <a:round/>
+                      <a:headEnd type="none" w="med" len="med"/>
+                      <a:tailEnd type="none" w="med" len="med"/>
+                    </a:lnR>
+                    <a:lnT w="12700" cap="flat" cmpd="sng" algn="ctr">
+                      <a:solidFill>
+                        <a:schemeClr val="tx1"/>
+                      </a:solidFill>
+                      <a:prstDash val="solid"/>
+                      <a:round/>
+                      <a:headEnd type="none" w="med" len="med"/>
+                      <a:tailEnd type="none" w="med" len="med"/>
+                    </a:lnT>
+                    <a:lnB w="12700" cap="flat" cmpd="sng" algn="ctr">
+                      <a:solidFill>
+                        <a:schemeClr val="tx1"/>
+                      </a:solidFill>
+                      <a:prstDash val="solid"/>
+                      <a:round/>
+                      <a:headEnd type="none" w="med" len="med"/>
+                      <a:tailEnd type="none" w="med" len="med"/>
+                    </a:lnB>
+                  </a:tcPr>
+                </a:tc>
+                <a:tc>
+                  <a:txBody>
+                    <a:bodyPr/>
+                    <a:lstStyle/>
+                    <a:p>
+                      <a:pPr indent="0" algn="ctr">
+                        <a:buNone/>
+                      </a:pPr>
+                      <a:r>
+                        <a:rPr lang="ru-RU" sz="3600" b="1" dirty="0">
+                          <a:latin typeface="Times New Roman" panose="02020603050405020304" pitchFamily="18" charset="0"/>
+                          <a:cs typeface="Times New Roman" panose="02020603050405020304" pitchFamily="18" charset="0"/>
+                        </a:rPr>
+                        <a:t>-</a:t>
+                      </a:r>
+                      <a:endParaRPr lang="en-US" sz="3600" b="1" dirty="0">
+                        <a:latin typeface="Times New Roman" panose="02020603050405020304" pitchFamily="18" charset="0"/>
+                        <a:cs typeface="Times New Roman" panose="02020603050405020304" pitchFamily="18" charset="0"/>
+                      </a:endParaRPr>
+                    </a:p>
+                  </a:txBody>
+                  <a:tcPr marL="68580" marR="68580" marT="0" marB="0" anchor="ctr">
+                    <a:lnL w="12700" cap="flat" cmpd="sng" algn="ctr">
+                      <a:solidFill>
+                        <a:schemeClr val="tx1"/>
+                      </a:solidFill>
+                      <a:prstDash val="solid"/>
+                      <a:round/>
+                      <a:headEnd type="none" w="med" len="med"/>
+                      <a:tailEnd type="none" w="med" len="med"/>
+                    </a:lnL>
+                    <a:lnR w="12700" cap="flat" cmpd="sng" algn="ctr">
+                      <a:solidFill>
+                        <a:schemeClr val="tx1"/>
+                      </a:solidFill>
+                      <a:prstDash val="solid"/>
+                      <a:round/>
+                      <a:headEnd type="none" w="med" len="med"/>
+                      <a:tailEnd type="none" w="med" len="med"/>
+                    </a:lnR>
+                    <a:lnT w="12700" cap="flat" cmpd="sng" algn="ctr">
+                      <a:solidFill>
+                        <a:schemeClr val="tx1"/>
+                      </a:solidFill>
+                      <a:prstDash val="solid"/>
+                      <a:round/>
+                      <a:headEnd type="none" w="med" len="med"/>
+                      <a:tailEnd type="none" w="med" len="med"/>
+                    </a:lnT>
+                    <a:lnB w="12700" cap="flat" cmpd="sng" algn="ctr">
+                      <a:solidFill>
+                        <a:schemeClr val="tx1"/>
+                      </a:solidFill>
+                      <a:prstDash val="solid"/>
+                      <a:round/>
+                      <a:headEnd type="none" w="med" len="med"/>
+                      <a:tailEnd type="none" w="med" len="med"/>
+                    </a:lnB>
+                  </a:tcPr>
+                </a:tc>
+                <a:tc>
+                  <a:txBody>
+                    <a:bodyPr/>
+                    <a:lstStyle/>
+                    <a:p>
+                      <a:pPr indent="0" algn="ctr">
+                        <a:buNone/>
+                      </a:pPr>
+                      <a:r>
+                        <a:rPr lang="ru-RU" sz="3600" b="1" dirty="0">
+                          <a:latin typeface="Times New Roman" panose="02020603050405020304" pitchFamily="18" charset="0"/>
+                          <a:cs typeface="Times New Roman" panose="02020603050405020304" pitchFamily="18" charset="0"/>
+                        </a:rPr>
+                        <a:t>-</a:t>
+                      </a:r>
+                      <a:endParaRPr lang="en-US" sz="3600" b="1" dirty="0">
+                        <a:latin typeface="Times New Roman" panose="02020603050405020304" pitchFamily="18" charset="0"/>
+                        <a:cs typeface="Times New Roman" panose="02020603050405020304" pitchFamily="18" charset="0"/>
+                      </a:endParaRPr>
+                    </a:p>
+                  </a:txBody>
+                  <a:tcPr marL="68580" marR="68580" marT="0" marB="0" anchor="ctr">
+                    <a:lnL w="12700" cap="flat" cmpd="sng" algn="ctr">
+                      <a:solidFill>
+                        <a:schemeClr val="tx1"/>
+                      </a:solidFill>
+                      <a:prstDash val="solid"/>
+                      <a:round/>
+                      <a:headEnd type="none" w="med" len="med"/>
+                      <a:tailEnd type="none" w="med" len="med"/>
+                    </a:lnL>
+                    <a:lnR w="12700" cap="flat" cmpd="sng" algn="ctr">
+                      <a:solidFill>
+                        <a:schemeClr val="tx1"/>
+                      </a:solidFill>
+                      <a:prstDash val="solid"/>
+                      <a:round/>
+                      <a:headEnd type="none" w="med" len="med"/>
+                      <a:tailEnd type="none" w="med" len="med"/>
+                    </a:lnR>
+                    <a:lnT w="12700" cap="flat" cmpd="sng" algn="ctr">
+                      <a:solidFill>
+                        <a:schemeClr val="tx1"/>
+                      </a:solidFill>
+                      <a:prstDash val="solid"/>
+                      <a:round/>
+                      <a:headEnd type="none" w="med" len="med"/>
+                      <a:tailEnd type="none" w="med" len="med"/>
+                    </a:lnT>
+                    <a:lnB w="12700" cap="flat" cmpd="sng" algn="ctr">
+                      <a:solidFill>
+                        <a:schemeClr val="tx1"/>
+                      </a:solidFill>
+                      <a:prstDash val="solid"/>
+                      <a:round/>
+                      <a:headEnd type="none" w="med" len="med"/>
+                      <a:tailEnd type="none" w="med" len="med"/>
+                    </a:lnB>
+                  </a:tcPr>
+                </a:tc>
+                <a:extLst>
+                  <a:ext uri="{0D108BD9-81ED-4DB2-BD59-A6C34878D82A}">
+                    <a16:rowId xmlns:a16="http://schemas.microsoft.com/office/drawing/2014/main" val="1523715870"/>
+                  </a:ext>
+                </a:extLst>
+              </a:tr>
+            </a:tbl>
+          </a:graphicData>
+        </a:graphic>
+      </p:graphicFrame>
+      <p:sp>
+        <p:nvSpPr>
+          <p:cNvPr id="6" name="Text Box 5"/>
+          <p:cNvSpPr txBox="1"/>
+          <p:nvPr/>
+        </p:nvSpPr>
+        <p:spPr>
+          <a:xfrm>
+            <a:off x="314648" y="997486"/>
+            <a:ext cx="7494335" cy="400110"/>
+          </a:xfrm>
+          <a:prstGeom prst="rect">
+            <a:avLst/>
+          </a:prstGeom>
+          <a:noFill/>
+        </p:spPr>
+        <p:txBody>
+          <a:bodyPr wrap="square" rtlCol="0">
+            <a:spAutoFit/>
+          </a:bodyPr>
+          <a:lstStyle/>
+          <a:p>
+            <a:r>
+              <a:rPr lang="ru-RU" altLang="en-US" sz="2000" dirty="0">
+                <a:latin typeface="Times New Roman" panose="02020603050405020304" charset="0"/>
+                <a:cs typeface="Times New Roman" panose="02020603050405020304" charset="0"/>
+              </a:rPr>
+              <a:t>Таблица 1. Сравнительный анализ мобильных приложений</a:t>
+            </a:r>
+            <a:r>
+              <a:rPr lang="ru-RU" altLang="en-US" sz="2000" dirty="0"/>
+              <a:t> </a:t>
+            </a:r>
+          </a:p>
+        </p:txBody>
+      </p:sp>
+      <p:pic>
+        <p:nvPicPr>
+          <p:cNvPr id="9" name="Рисунок 8"/>
+          <p:cNvPicPr>
+            <a:picLocks noChangeAspect="1"/>
+          </p:cNvPicPr>
+          <p:nvPr/>
+        </p:nvPicPr>
+        <p:blipFill>
+          <a:blip r:embed="rId4" cstate="print">
             <a:extLst>
               <a:ext uri="{28A0092B-C50C-407E-A947-70E740481C1C}">
                 <a14:useLocalDpi xmlns:a14="http://schemas.microsoft.com/office/drawing/2010/main" val="0"/>
@@ -4341,4 +6917,319 @@
     </a:ext>
   </a:extLst>
 </a:theme>
+</file>
+
+<file path=ppt/theme/theme2.xml><?xml version="1.0" encoding="utf-8"?>
+<a:theme xmlns:a="http://schemas.openxmlformats.org/drawingml/2006/main" name="Тема Office">
+  <a:themeElements>
+    <a:clrScheme name="Стандартная">
+      <a:dk1>
+        <a:sysClr val="windowText" lastClr="000000"/>
+      </a:dk1>
+      <a:lt1>
+        <a:sysClr val="window" lastClr="FFFFFF"/>
+      </a:lt1>
+      <a:dk2>
+        <a:srgbClr val="0E2841"/>
+      </a:dk2>
+      <a:lt2>
+        <a:srgbClr val="E8E8E8"/>
+      </a:lt2>
+      <a:accent1>
+        <a:srgbClr val="156082"/>
+      </a:accent1>
+      <a:accent2>
+        <a:srgbClr val="E97132"/>
+      </a:accent2>
+      <a:accent3>
+        <a:srgbClr val="196B24"/>
+      </a:accent3>
+      <a:accent4>
+        <a:srgbClr val="0F9ED5"/>
+      </a:accent4>
+      <a:accent5>
+        <a:srgbClr val="A02B93"/>
+      </a:accent5>
+      <a:accent6>
+        <a:srgbClr val="4EA72E"/>
+      </a:accent6>
+      <a:hlink>
+        <a:srgbClr val="467886"/>
+      </a:hlink>
+      <a:folHlink>
+        <a:srgbClr val="96607D"/>
+      </a:folHlink>
+    </a:clrScheme>
+    <a:fontScheme name="Стандартная">
+      <a:majorFont>
+        <a:latin typeface="Aptos Display" panose="02110004020202020204"/>
+        <a:ea typeface=""/>
+        <a:cs typeface=""/>
+        <a:font script="Jpan" typeface="游ゴシック Light"/>
+        <a:font script="Hang" typeface="맑은 고딕"/>
+        <a:font script="Hans" typeface="等线 Light"/>
+        <a:font script="Hant" typeface="新細明體"/>
+        <a:font script="Arab" typeface="Times New Roman"/>
+        <a:font script="Hebr" typeface="Times New Roman"/>
+        <a:font script="Thai" typeface="Angsana New"/>
+        <a:font script="Ethi" typeface="Nyala"/>
+        <a:font script="Beng" typeface="Vrinda"/>
+        <a:font script="Gujr" typeface="Shruti"/>
+        <a:font script="Khmr" typeface="MoolBoran"/>
+        <a:font script="Knda" typeface="Tunga"/>
+        <a:font script="Guru" typeface="Raavi"/>
+        <a:font script="Cans" typeface="Euphemia"/>
+        <a:font script="Cher" typeface="Plantagenet Cherokee"/>
+        <a:font script="Yiii" typeface="Microsoft Yi Baiti"/>
+        <a:font script="Tibt" typeface="Microsoft Himalaya"/>
+        <a:font script="Thaa" typeface="MV Boli"/>
+        <a:font script="Deva" typeface="Mangal"/>
+        <a:font script="Telu" typeface="Gautami"/>
+        <a:font script="Taml" typeface="Latha"/>
+        <a:font script="Syrc" typeface="Estrangelo Edessa"/>
+        <a:font script="Orya" typeface="Kalinga"/>
+        <a:font script="Mlym" typeface="Kartika"/>
+        <a:font script="Laoo" typeface="DokChampa"/>
+        <a:font script="Sinh" typeface="Iskoola Pota"/>
+        <a:font script="Mong" typeface="Mongolian Baiti"/>
+        <a:font script="Viet" typeface="Times New Roman"/>
+        <a:font script="Uigh" typeface="Microsoft Uighur"/>
+        <a:font script="Geor" typeface="Sylfaen"/>
+        <a:font script="Armn" typeface="Arial"/>
+        <a:font script="Bugi" typeface="Leelawadee UI"/>
+        <a:font script="Bopo" typeface="Microsoft JhengHei"/>
+        <a:font script="Java" typeface="Javanese Text"/>
+        <a:font script="Lisu" typeface="Segoe UI"/>
+        <a:font script="Mymr" typeface="Myanmar Text"/>
+        <a:font script="Nkoo" typeface="Ebrima"/>
+        <a:font script="Olck" typeface="Nirmala UI"/>
+        <a:font script="Osma" typeface="Ebrima"/>
+        <a:font script="Phag" typeface="Phagspa"/>
+        <a:font script="Syrn" typeface="Estrangelo Edessa"/>
+        <a:font script="Syrj" typeface="Estrangelo Edessa"/>
+        <a:font script="Syre" typeface="Estrangelo Edessa"/>
+        <a:font script="Sora" typeface="Nirmala UI"/>
+        <a:font script="Tale" typeface="Microsoft Tai Le"/>
+        <a:font script="Talu" typeface="Microsoft New Tai Lue"/>
+        <a:font script="Tfng" typeface="Ebrima"/>
+      </a:majorFont>
+      <a:minorFont>
+        <a:latin typeface="Aptos" panose="02110004020202020204"/>
+        <a:ea typeface=""/>
+        <a:cs typeface=""/>
+        <a:font script="Jpan" typeface="游ゴシック"/>
+        <a:font script="Hang" typeface="맑은 고딕"/>
+        <a:font script="Hans" typeface="等线"/>
+        <a:font script="Hant" typeface="新細明體"/>
+        <a:font script="Arab" typeface="Arial"/>
+        <a:font script="Hebr" typeface="Arial"/>
+        <a:font script="Thai" typeface="Cordia New"/>
+        <a:font script="Ethi" typeface="Nyala"/>
+        <a:font script="Beng" typeface="Vrinda"/>
+        <a:font script="Gujr" typeface="Shruti"/>
+        <a:font script="Khmr" typeface="DaunPenh"/>
+        <a:font script="Knda" typeface="Tunga"/>
+        <a:font script="Guru" typeface="Raavi"/>
+        <a:font script="Cans" typeface="Euphemia"/>
+        <a:font script="Cher" typeface="Plantagenet Cherokee"/>
+        <a:font script="Yiii" typeface="Microsoft Yi Baiti"/>
+        <a:font script="Tibt" typeface="Microsoft Himalaya"/>
+        <a:font script="Thaa" typeface="MV Boli"/>
+        <a:font script="Deva" typeface="Mangal"/>
+        <a:font script="Telu" typeface="Gautami"/>
+        <a:font script="Taml" typeface="Latha"/>
+        <a:font script="Syrc" typeface="Estrangelo Edessa"/>
+        <a:font script="Orya" typeface="Kalinga"/>
+        <a:font script="Mlym" typeface="Kartika"/>
+        <a:font script="Laoo" typeface="DokChampa"/>
+        <a:font script="Sinh" typeface="Iskoola Pota"/>
+        <a:font script="Mong" typeface="Mongolian Baiti"/>
+        <a:font script="Viet" typeface="Arial"/>
+        <a:font script="Uigh" typeface="Microsoft Uighur"/>
+        <a:font script="Geor" typeface="Sylfaen"/>
+        <a:font script="Armn" typeface="Arial"/>
+        <a:font script="Bugi" typeface="Leelawadee UI"/>
+        <a:font script="Bopo" typeface="Microsoft JhengHei"/>
+        <a:font script="Java" typeface="Javanese Text"/>
+        <a:font script="Lisu" typeface="Segoe UI"/>
+        <a:font script="Mymr" typeface="Myanmar Text"/>
+        <a:font script="Nkoo" typeface="Ebrima"/>
+        <a:font script="Olck" typeface="Nirmala UI"/>
+        <a:font script="Osma" typeface="Ebrima"/>
+        <a:font script="Phag" typeface="Phagspa"/>
+        <a:font script="Syrn" typeface="Estrangelo Edessa"/>
+        <a:font script="Syrj" typeface="Estrangelo Edessa"/>
+        <a:font script="Syre" typeface="Estrangelo Edessa"/>
+        <a:font script="Sora" typeface="Nirmala UI"/>
+        <a:font script="Tale" typeface="Microsoft Tai Le"/>
+        <a:font script="Talu" typeface="Microsoft New Tai Lue"/>
+        <a:font script="Tfng" typeface="Ebrima"/>
+      </a:minorFont>
+    </a:fontScheme>
+    <a:fmtScheme name="Стандартная">
+      <a:fillStyleLst>
+        <a:solidFill>
+          <a:schemeClr val="phClr"/>
+        </a:solidFill>
+        <a:gradFill rotWithShape="1">
+          <a:gsLst>
+            <a:gs pos="0">
+              <a:schemeClr val="phClr">
+                <a:lumMod val="110000"/>
+                <a:satMod val="105000"/>
+                <a:tint val="67000"/>
+              </a:schemeClr>
+            </a:gs>
+            <a:gs pos="50000">
+              <a:schemeClr val="phClr">
+                <a:lumMod val="105000"/>
+                <a:satMod val="103000"/>
+                <a:tint val="73000"/>
+              </a:schemeClr>
+            </a:gs>
+            <a:gs pos="100000">
+              <a:schemeClr val="phClr">
+                <a:lumMod val="105000"/>
+                <a:satMod val="109000"/>
+                <a:tint val="81000"/>
+              </a:schemeClr>
+            </a:gs>
+          </a:gsLst>
+          <a:lin ang="5400000" scaled="0"/>
+        </a:gradFill>
+        <a:gradFill rotWithShape="1">
+          <a:gsLst>
+            <a:gs pos="0">
+              <a:schemeClr val="phClr">
+                <a:satMod val="103000"/>
+                <a:lumMod val="102000"/>
+                <a:tint val="94000"/>
+              </a:schemeClr>
+            </a:gs>
+            <a:gs pos="50000">
+              <a:schemeClr val="phClr">
+                <a:satMod val="110000"/>
+                <a:lumMod val="100000"/>
+                <a:shade val="100000"/>
+              </a:schemeClr>
+            </a:gs>
+            <a:gs pos="100000">
+              <a:schemeClr val="phClr">
+                <a:lumMod val="99000"/>
+                <a:satMod val="120000"/>
+                <a:shade val="78000"/>
+              </a:schemeClr>
+            </a:gs>
+          </a:gsLst>
+          <a:lin ang="5400000" scaled="0"/>
+        </a:gradFill>
+      </a:fillStyleLst>
+      <a:lnStyleLst>
+        <a:ln w="12700" cap="flat" cmpd="sng" algn="ctr">
+          <a:solidFill>
+            <a:schemeClr val="phClr"/>
+          </a:solidFill>
+          <a:prstDash val="solid"/>
+          <a:miter lim="800000"/>
+        </a:ln>
+        <a:ln w="19050" cap="flat" cmpd="sng" algn="ctr">
+          <a:solidFill>
+            <a:schemeClr val="phClr"/>
+          </a:solidFill>
+          <a:prstDash val="solid"/>
+          <a:miter lim="800000"/>
+        </a:ln>
+        <a:ln w="25400" cap="flat" cmpd="sng" algn="ctr">
+          <a:solidFill>
+            <a:schemeClr val="phClr"/>
+          </a:solidFill>
+          <a:prstDash val="solid"/>
+          <a:miter lim="800000"/>
+        </a:ln>
+      </a:lnStyleLst>
+      <a:effectStyleLst>
+        <a:effectStyle>
+          <a:effectLst/>
+        </a:effectStyle>
+        <a:effectStyle>
+          <a:effectLst/>
+        </a:effectStyle>
+        <a:effectStyle>
+          <a:effectLst>
+            <a:outerShdw blurRad="57150" dist="19050" dir="5400000" algn="ctr" rotWithShape="0">
+              <a:srgbClr val="000000">
+                <a:alpha val="63000"/>
+              </a:srgbClr>
+            </a:outerShdw>
+          </a:effectLst>
+        </a:effectStyle>
+      </a:effectStyleLst>
+      <a:bgFillStyleLst>
+        <a:solidFill>
+          <a:schemeClr val="phClr"/>
+        </a:solidFill>
+        <a:solidFill>
+          <a:schemeClr val="phClr">
+            <a:tint val="95000"/>
+            <a:satMod val="170000"/>
+          </a:schemeClr>
+        </a:solidFill>
+        <a:gradFill rotWithShape="1">
+          <a:gsLst>
+            <a:gs pos="0">
+              <a:schemeClr val="phClr">
+                <a:tint val="93000"/>
+                <a:satMod val="150000"/>
+                <a:shade val="98000"/>
+                <a:lumMod val="102000"/>
+              </a:schemeClr>
+            </a:gs>
+            <a:gs pos="50000">
+              <a:schemeClr val="phClr">
+                <a:tint val="98000"/>
+                <a:satMod val="130000"/>
+                <a:shade val="90000"/>
+                <a:lumMod val="103000"/>
+              </a:schemeClr>
+            </a:gs>
+            <a:gs pos="100000">
+              <a:schemeClr val="phClr">
+                <a:shade val="63000"/>
+                <a:satMod val="120000"/>
+              </a:schemeClr>
+            </a:gs>
+          </a:gsLst>
+          <a:lin ang="5400000" scaled="0"/>
+        </a:gradFill>
+      </a:bgFillStyleLst>
+    </a:fmtScheme>
+  </a:themeElements>
+  <a:objectDefaults>
+    <a:lnDef>
+      <a:spPr/>
+      <a:bodyPr/>
+      <a:lstStyle/>
+      <a:style>
+        <a:lnRef idx="2">
+          <a:schemeClr val="accent1"/>
+        </a:lnRef>
+        <a:fillRef idx="0">
+          <a:schemeClr val="accent1"/>
+        </a:fillRef>
+        <a:effectRef idx="1">
+          <a:schemeClr val="accent1"/>
+        </a:effectRef>
+        <a:fontRef idx="minor">
+          <a:schemeClr val="tx1"/>
+        </a:fontRef>
+      </a:style>
+    </a:lnDef>
+  </a:objectDefaults>
+  <a:extraClrSchemeLst/>
+  <a:extLst>
+    <a:ext uri="{05A4C25C-085E-4340-85A3-A5531E510DB2}">
+      <thm15:themeFamily xmlns:thm15="http://schemas.microsoft.com/office/thememl/2012/main" name="Office Theme" id="{2E142A2C-CD16-42D6-873A-C26D2A0506FA}" vid="{1BDDFF52-6CD6-40A5-AB3C-68EB2F1E4D0A}"/>
+    </a:ext>
+  </a:extLst>
+</a:theme>
 </file>
--- a/УПИС_Задание_№10/Презентация Diceville.pptx
+++ b/УПИС_Задание_№10/Презентация Diceville.pptx
@@ -6557,12 +6557,9 @@
                 <a:latin typeface="Times New Roman" panose="02020603050405020304" charset="0"/>
                 <a:cs typeface="Times New Roman" panose="02020603050405020304" charset="0"/>
               </a:rPr>
-              <a:t>Таблица 1. Сравнительный анализ мобильных приложений</a:t>
-            </a:r>
-            <a:r>
-              <a:rPr lang="ru-RU" altLang="en-US" sz="2000" dirty="0"/>
-              <a:t> </a:t>
-            </a:r>
+              <a:t>Таблица 1. Сравнительный анализ</a:t>
+            </a:r>
+            <a:endParaRPr lang="ru-RU" altLang="en-US" sz="2000" dirty="0"/>
           </a:p>
         </p:txBody>
       </p:sp>

--- a/УПИС_Задание_№10/Презентация Diceville.pptx
+++ b/УПИС_Задание_№10/Презентация Diceville.pptx
@@ -5,13 +5,22 @@
     <p:sldMasterId id="2147483648" r:id="rId1"/>
   </p:sldMasterIdLst>
   <p:notesMasterIdLst>
-    <p:notesMasterId r:id="rId6"/>
+    <p:notesMasterId r:id="rId15"/>
   </p:notesMasterIdLst>
   <p:sldIdLst>
     <p:sldId id="256" r:id="rId2"/>
     <p:sldId id="257" r:id="rId3"/>
     <p:sldId id="258" r:id="rId4"/>
     <p:sldId id="259" r:id="rId5"/>
+    <p:sldId id="260" r:id="rId6"/>
+    <p:sldId id="318" r:id="rId7"/>
+    <p:sldId id="275" r:id="rId8"/>
+    <p:sldId id="262" r:id="rId9"/>
+    <p:sldId id="319" r:id="rId10"/>
+    <p:sldId id="320" r:id="rId11"/>
+    <p:sldId id="267" r:id="rId12"/>
+    <p:sldId id="268" r:id="rId13"/>
+    <p:sldId id="311" r:id="rId14"/>
   </p:sldIdLst>
   <p:sldSz cx="12192000" cy="6858000"/>
   <p:notesSz cx="6858000" cy="9144000"/>
@@ -4135,7 +4144,7 @@
         <p:spPr>
           <a:xfrm>
             <a:off x="162839" y="1471220"/>
-            <a:ext cx="11874673" cy="2123658"/>
+            <a:ext cx="11874673" cy="2154436"/>
           </a:xfrm>
           <a:prstGeom prst="rect">
             <a:avLst/>
@@ -4201,28 +4210,28 @@
           <a:p>
             <a:pPr algn="ctr"/>
             <a:r>
-              <a:rPr lang="ru-RU" sz="1600" dirty="0">
+              <a:rPr lang="ru-RU" dirty="0">
                 <a:latin typeface="Times New Roman" panose="02020603050405020304" charset="0"/>
                 <a:cs typeface="Times New Roman" panose="02020603050405020304" charset="0"/>
               </a:rPr>
               <a:t>на тему: </a:t>
             </a:r>
             <a:r>
-              <a:rPr lang="ru-RU" sz="1600" b="1" dirty="0">
+              <a:rPr lang="ru-RU" b="1" dirty="0">
                 <a:latin typeface="Times New Roman" panose="02020603050405020304" charset="0"/>
                 <a:cs typeface="Times New Roman" panose="02020603050405020304" charset="0"/>
               </a:rPr>
               <a:t>«Разработка карточной игры на </a:t>
             </a:r>
             <a:r>
-              <a:rPr lang="ru-RU" sz="1600" b="1" dirty="0" err="1">
+              <a:rPr lang="ru-RU" b="1" dirty="0" err="1">
                 <a:latin typeface="Times New Roman" panose="02020603050405020304" charset="0"/>
                 <a:cs typeface="Times New Roman" panose="02020603050405020304" charset="0"/>
               </a:rPr>
               <a:t>Unity</a:t>
             </a:r>
             <a:r>
-              <a:rPr lang="ru-RU" sz="1600" b="1" dirty="0">
+              <a:rPr lang="ru-RU" b="1" dirty="0">
                 <a:latin typeface="Times New Roman" panose="02020603050405020304" charset="0"/>
                 <a:cs typeface="Times New Roman" panose="02020603050405020304" charset="0"/>
               </a:rPr>
@@ -4260,6 +4269,845 @@
                 <a:cs typeface="Times New Roman" panose="02020603050405020304"/>
               </a:rPr>
               <a:t>Москва, 2025</a:t>
+            </a:r>
+          </a:p>
+        </p:txBody>
+      </p:sp>
+    </p:spTree>
+  </p:cSld>
+  <p:clrMapOvr>
+    <a:masterClrMapping/>
+  </p:clrMapOvr>
+</p:sld>
+</file>
+
+<file path=ppt/slides/slide10.xml><?xml version="1.0" encoding="utf-8"?>
+<p:sld xmlns:a="http://schemas.openxmlformats.org/drawingml/2006/main" xmlns:r="http://schemas.openxmlformats.org/officeDocument/2006/relationships" xmlns:p="http://schemas.openxmlformats.org/presentationml/2006/main">
+  <p:cSld>
+    <p:spTree>
+      <p:nvGrpSpPr>
+        <p:cNvPr id="1" name=""/>
+        <p:cNvGrpSpPr/>
+        <p:nvPr/>
+      </p:nvGrpSpPr>
+      <p:grpSpPr>
+        <a:xfrm>
+          <a:off x="0" y="0"/>
+          <a:ext cx="0" cy="0"/>
+          <a:chOff x="0" y="0"/>
+          <a:chExt cx="0" cy="0"/>
+        </a:xfrm>
+      </p:grpSpPr>
+      <p:pic>
+        <p:nvPicPr>
+          <p:cNvPr id="4" name="Рисунок 3"/>
+          <p:cNvPicPr>
+            <a:picLocks noChangeAspect="1"/>
+          </p:cNvPicPr>
+          <p:nvPr/>
+        </p:nvPicPr>
+        <p:blipFill>
+          <a:blip r:embed="rId2">
+            <a:extLst>
+              <a:ext uri="{28A0092B-C50C-407E-A947-70E740481C1C}">
+                <a14:useLocalDpi xmlns:a14="http://schemas.microsoft.com/office/drawing/2010/main" val="0"/>
+              </a:ext>
+            </a:extLst>
+          </a:blip>
+          <a:stretch>
+            <a:fillRect/>
+          </a:stretch>
+        </p:blipFill>
+        <p:spPr>
+          <a:xfrm>
+            <a:off x="-1" y="-1"/>
+            <a:ext cx="12191999" cy="6857999"/>
+          </a:xfrm>
+          <a:prstGeom prst="rect">
+            <a:avLst/>
+          </a:prstGeom>
+        </p:spPr>
+      </p:pic>
+      <p:sp>
+        <p:nvSpPr>
+          <p:cNvPr id="2" name="Заголовок 1"/>
+          <p:cNvSpPr>
+            <a:spLocks noGrp="1"/>
+          </p:cNvSpPr>
+          <p:nvPr>
+            <p:ph type="title"/>
+          </p:nvPr>
+        </p:nvSpPr>
+        <p:spPr>
+          <a:xfrm>
+            <a:off x="0" y="-4758"/>
+            <a:ext cx="12191999" cy="967217"/>
+          </a:xfrm>
+        </p:spPr>
+        <p:txBody>
+          <a:bodyPr/>
+          <a:lstStyle/>
+          <a:p>
+            <a:pPr algn="ctr"/>
+            <a:r>
+              <a:rPr lang="ru-RU" dirty="0">
+                <a:latin typeface="Times New Roman" panose="02020603050405020304"/>
+                <a:cs typeface="Times New Roman" panose="02020603050405020304"/>
+              </a:rPr>
+              <a:t>Диаграмма классов</a:t>
+            </a:r>
+          </a:p>
+        </p:txBody>
+      </p:sp>
+      <p:pic>
+        <p:nvPicPr>
+          <p:cNvPr id="5" name="Рисунок 4"/>
+          <p:cNvPicPr>
+            <a:picLocks noChangeAspect="1"/>
+          </p:cNvPicPr>
+          <p:nvPr/>
+        </p:nvPicPr>
+        <p:blipFill>
+          <a:blip r:embed="rId3" cstate="print">
+            <a:extLst>
+              <a:ext uri="{28A0092B-C50C-407E-A947-70E740481C1C}">
+                <a14:useLocalDpi xmlns:a14="http://schemas.microsoft.com/office/drawing/2010/main" val="0"/>
+              </a:ext>
+            </a:extLst>
+          </a:blip>
+          <a:stretch>
+            <a:fillRect/>
+          </a:stretch>
+        </p:blipFill>
+        <p:spPr>
+          <a:xfrm>
+            <a:off x="0" y="0"/>
+            <a:ext cx="2685011" cy="895703"/>
+          </a:xfrm>
+          <a:prstGeom prst="rect">
+            <a:avLst/>
+          </a:prstGeom>
+        </p:spPr>
+      </p:pic>
+      <p:pic>
+        <p:nvPicPr>
+          <p:cNvPr id="11" name="Рисунок 10">
+            <a:extLst>
+              <a:ext uri="{FF2B5EF4-FFF2-40B4-BE49-F238E27FC236}">
+                <a16:creationId xmlns:a16="http://schemas.microsoft.com/office/drawing/2014/main" id="{27E55D68-EE83-4581-9E0F-FC357AF41C2A}"/>
+              </a:ext>
+            </a:extLst>
+          </p:cNvPr>
+          <p:cNvPicPr>
+            <a:picLocks noChangeAspect="1"/>
+          </p:cNvPicPr>
+          <p:nvPr/>
+        </p:nvPicPr>
+        <p:blipFill rotWithShape="1">
+          <a:blip r:embed="rId4">
+            <a:extLst>
+              <a:ext uri="{28A0092B-C50C-407E-A947-70E740481C1C}">
+                <a14:useLocalDpi xmlns:a14="http://schemas.microsoft.com/office/drawing/2010/main" val="0"/>
+              </a:ext>
+            </a:extLst>
+          </a:blip>
+          <a:srcRect l="40882" b="15870"/>
+          <a:stretch/>
+        </p:blipFill>
+        <p:spPr>
+          <a:xfrm>
+            <a:off x="2219325" y="723457"/>
+            <a:ext cx="9086850" cy="6178494"/>
+          </a:xfrm>
+          <a:prstGeom prst="rect">
+            <a:avLst/>
+          </a:prstGeom>
+        </p:spPr>
+      </p:pic>
+      <p:sp>
+        <p:nvSpPr>
+          <p:cNvPr id="3" name="Номер слайда 2"/>
+          <p:cNvSpPr>
+            <a:spLocks noGrp="1"/>
+          </p:cNvSpPr>
+          <p:nvPr>
+            <p:ph type="sldNum" sz="quarter" idx="12"/>
+          </p:nvPr>
+        </p:nvSpPr>
+        <p:spPr>
+          <a:xfrm>
+            <a:off x="10801865" y="6281781"/>
+            <a:ext cx="593124" cy="365125"/>
+          </a:xfrm>
+        </p:spPr>
+        <p:txBody>
+          <a:bodyPr vert="horz" lIns="91440" tIns="45720" rIns="91440" bIns="45720" rtlCol="0" anchor="ctr"/>
+          <a:lstStyle/>
+          <a:p>
+            <a:fld id="{285DC19C-03DA-4066-9FF7-D0BF1BC6D6F6}" type="slidenum">
+              <a:rPr lang="ru-RU" sz="2400">
+                <a:latin typeface="Times New Roman" panose="02020603050405020304" pitchFamily="18" charset="0"/>
+                <a:cs typeface="Times New Roman" panose="02020603050405020304" pitchFamily="18" charset="0"/>
+              </a:rPr>
+              <a:t>10</a:t>
+            </a:fld>
+            <a:endParaRPr lang="ru-RU" sz="2400" dirty="0">
+              <a:latin typeface="Times New Roman" panose="02020603050405020304" pitchFamily="18" charset="0"/>
+              <a:cs typeface="Times New Roman" panose="02020603050405020304" pitchFamily="18" charset="0"/>
+            </a:endParaRPr>
+          </a:p>
+        </p:txBody>
+      </p:sp>
+      <p:sp>
+        <p:nvSpPr>
+          <p:cNvPr id="10" name="TextBox 9"/>
+          <p:cNvSpPr txBox="1"/>
+          <p:nvPr/>
+        </p:nvSpPr>
+        <p:spPr>
+          <a:xfrm>
+            <a:off x="7853728" y="4464007"/>
+            <a:ext cx="4237893" cy="369332"/>
+          </a:xfrm>
+          <a:prstGeom prst="rect">
+            <a:avLst/>
+          </a:prstGeom>
+          <a:noFill/>
+        </p:spPr>
+        <p:txBody>
+          <a:bodyPr wrap="square" rtlCol="0">
+            <a:spAutoFit/>
+          </a:bodyPr>
+          <a:lstStyle/>
+          <a:p>
+            <a:pPr algn="ctr"/>
+            <a:r>
+              <a:rPr lang="ru-RU" dirty="0">
+                <a:latin typeface="Times New Roman" panose="02020603050405020304" pitchFamily="18" charset="0"/>
+                <a:cs typeface="Times New Roman" panose="02020603050405020304" pitchFamily="18" charset="0"/>
+              </a:rPr>
+              <a:t>Рисунок 3 – Диаграмма классов</a:t>
+            </a:r>
+          </a:p>
+        </p:txBody>
+      </p:sp>
+    </p:spTree>
+    <p:extLst>
+      <p:ext uri="{BB962C8B-B14F-4D97-AF65-F5344CB8AC3E}">
+        <p14:creationId xmlns:p14="http://schemas.microsoft.com/office/powerpoint/2010/main" val="795547271"/>
+      </p:ext>
+    </p:extLst>
+  </p:cSld>
+  <p:clrMapOvr>
+    <a:masterClrMapping/>
+  </p:clrMapOvr>
+</p:sld>
+</file>
+
+<file path=ppt/slides/slide11.xml><?xml version="1.0" encoding="utf-8"?>
+<p:sld xmlns:a="http://schemas.openxmlformats.org/drawingml/2006/main" xmlns:r="http://schemas.openxmlformats.org/officeDocument/2006/relationships" xmlns:p="http://schemas.openxmlformats.org/presentationml/2006/main">
+  <p:cSld>
+    <p:spTree>
+      <p:nvGrpSpPr>
+        <p:cNvPr id="1" name=""/>
+        <p:cNvGrpSpPr/>
+        <p:nvPr/>
+      </p:nvGrpSpPr>
+      <p:grpSpPr>
+        <a:xfrm>
+          <a:off x="0" y="0"/>
+          <a:ext cx="0" cy="0"/>
+          <a:chOff x="0" y="0"/>
+          <a:chExt cx="0" cy="0"/>
+        </a:xfrm>
+      </p:grpSpPr>
+      <p:pic>
+        <p:nvPicPr>
+          <p:cNvPr id="6" name="Рисунок 5"/>
+          <p:cNvPicPr>
+            <a:picLocks noChangeAspect="1"/>
+          </p:cNvPicPr>
+          <p:nvPr/>
+        </p:nvPicPr>
+        <p:blipFill>
+          <a:blip r:embed="rId2">
+            <a:extLst>
+              <a:ext uri="{28A0092B-C50C-407E-A947-70E740481C1C}">
+                <a14:useLocalDpi xmlns:a14="http://schemas.microsoft.com/office/drawing/2010/main" val="0"/>
+              </a:ext>
+            </a:extLst>
+          </a:blip>
+          <a:stretch>
+            <a:fillRect/>
+          </a:stretch>
+        </p:blipFill>
+        <p:spPr>
+          <a:xfrm>
+            <a:off x="0" y="0"/>
+            <a:ext cx="12192000" cy="6858000"/>
+          </a:xfrm>
+          <a:prstGeom prst="rect">
+            <a:avLst/>
+          </a:prstGeom>
+        </p:spPr>
+      </p:pic>
+      <p:sp>
+        <p:nvSpPr>
+          <p:cNvPr id="2" name="Заголовок 1"/>
+          <p:cNvSpPr>
+            <a:spLocks noGrp="1"/>
+          </p:cNvSpPr>
+          <p:nvPr>
+            <p:ph type="title"/>
+          </p:nvPr>
+        </p:nvSpPr>
+        <p:spPr>
+          <a:xfrm>
+            <a:off x="0" y="1"/>
+            <a:ext cx="12192000" cy="1054100"/>
+          </a:xfrm>
+        </p:spPr>
+        <p:txBody>
+          <a:bodyPr/>
+          <a:lstStyle/>
+          <a:p>
+            <a:pPr algn="ctr"/>
+            <a:r>
+              <a:rPr lang="ru-RU" dirty="0">
+                <a:latin typeface="Times New Roman" panose="02020603050405020304" charset="0"/>
+                <a:ea typeface="+mj-lt"/>
+                <a:cs typeface="Times New Roman" panose="02020603050405020304" charset="0"/>
+              </a:rPr>
+              <a:t>Перспективы развития</a:t>
+            </a:r>
+            <a:endParaRPr lang="ru-RU" dirty="0">
+              <a:latin typeface="Times New Roman" panose="02020603050405020304" charset="0"/>
+              <a:cs typeface="Times New Roman" panose="02020603050405020304" charset="0"/>
+            </a:endParaRPr>
+          </a:p>
+        </p:txBody>
+      </p:sp>
+      <p:sp>
+        <p:nvSpPr>
+          <p:cNvPr id="3" name="Объект 2"/>
+          <p:cNvSpPr>
+            <a:spLocks noGrp="1"/>
+          </p:cNvSpPr>
+          <p:nvPr>
+            <p:ph idx="1"/>
+          </p:nvPr>
+        </p:nvSpPr>
+        <p:spPr>
+          <a:xfrm>
+            <a:off x="609600" y="1739839"/>
+            <a:ext cx="10972800" cy="3835523"/>
+          </a:xfrm>
+        </p:spPr>
+        <p:txBody>
+          <a:bodyPr vert="horz" lIns="91440" tIns="45720" rIns="91440" bIns="45720" rtlCol="0" anchor="t">
+            <a:normAutofit/>
+          </a:bodyPr>
+          <a:lstStyle/>
+          <a:p>
+            <a:pPr algn="just"/>
+            <a:r>
+              <a:rPr lang="ru-RU" sz="2400" dirty="0">
+                <a:latin typeface="Times New Roman" panose="02020603050405020304" pitchFamily="18" charset="0"/>
+                <a:cs typeface="Times New Roman" panose="02020603050405020304" pitchFamily="18" charset="0"/>
+              </a:rPr>
+              <a:t>Реализация многопользовательского режима (</a:t>
+            </a:r>
+            <a:r>
+              <a:rPr lang="ru-RU" sz="2400" dirty="0" err="1">
+                <a:latin typeface="Times New Roman" panose="02020603050405020304" pitchFamily="18" charset="0"/>
+                <a:cs typeface="Times New Roman" panose="02020603050405020304" pitchFamily="18" charset="0"/>
+              </a:rPr>
+              <a:t>PvP</a:t>
+            </a:r>
+            <a:r>
+              <a:rPr lang="ru-RU" sz="2400" dirty="0">
+                <a:latin typeface="Times New Roman" panose="02020603050405020304" pitchFamily="18" charset="0"/>
+                <a:cs typeface="Times New Roman" panose="02020603050405020304" pitchFamily="18" charset="0"/>
+              </a:rPr>
+              <a:t>).</a:t>
+            </a:r>
+          </a:p>
+          <a:p>
+            <a:pPr algn="just"/>
+            <a:r>
+              <a:rPr lang="ru-RU" sz="2400" dirty="0">
+                <a:latin typeface="Times New Roman" panose="02020603050405020304" pitchFamily="18" charset="0"/>
+                <a:cs typeface="Times New Roman" panose="02020603050405020304" pitchFamily="18" charset="0"/>
+              </a:rPr>
+              <a:t>Расширение пула фракций и типов местности.</a:t>
+            </a:r>
+          </a:p>
+          <a:p>
+            <a:pPr algn="just"/>
+            <a:r>
+              <a:rPr lang="ru-RU" sz="2400" dirty="0">
+                <a:latin typeface="Times New Roman" panose="02020603050405020304" pitchFamily="18" charset="0"/>
+                <a:cs typeface="Times New Roman" panose="02020603050405020304" pitchFamily="18" charset="0"/>
+              </a:rPr>
+              <a:t>Добавление новых карт зданий</a:t>
+            </a:r>
+          </a:p>
+          <a:p>
+            <a:pPr algn="just"/>
+            <a:r>
+              <a:rPr lang="ru-RU" sz="2400" dirty="0">
+                <a:latin typeface="Times New Roman" panose="02020603050405020304" pitchFamily="18" charset="0"/>
+                <a:cs typeface="Times New Roman" panose="02020603050405020304" pitchFamily="18" charset="0"/>
+              </a:rPr>
+              <a:t>Добавления магазина со скинами кубиков</a:t>
+            </a:r>
+          </a:p>
+          <a:p>
+            <a:pPr algn="just"/>
+            <a:r>
+              <a:rPr lang="ru-RU" sz="2400" dirty="0">
+                <a:latin typeface="Times New Roman" panose="02020603050405020304" pitchFamily="18" charset="0"/>
+                <a:cs typeface="Times New Roman" panose="02020603050405020304" pitchFamily="18" charset="0"/>
+              </a:rPr>
+              <a:t>Портирование на мобильные платформы.</a:t>
+            </a:r>
+          </a:p>
+          <a:p>
+            <a:pPr algn="just"/>
+            <a:endParaRPr lang="ru-RU" sz="2000" dirty="0">
+              <a:latin typeface="Times New Roman" panose="02020603050405020304" pitchFamily="18" charset="0"/>
+              <a:cs typeface="Times New Roman" panose="02020603050405020304" pitchFamily="18" charset="0"/>
+            </a:endParaRPr>
+          </a:p>
+        </p:txBody>
+      </p:sp>
+      <p:sp>
+        <p:nvSpPr>
+          <p:cNvPr id="4" name="Номер слайда 3"/>
+          <p:cNvSpPr>
+            <a:spLocks noGrp="1"/>
+          </p:cNvSpPr>
+          <p:nvPr>
+            <p:ph type="sldNum" sz="quarter" idx="12"/>
+          </p:nvPr>
+        </p:nvSpPr>
+        <p:spPr>
+          <a:xfrm>
+            <a:off x="8648700" y="6261100"/>
+            <a:ext cx="2743200" cy="365125"/>
+          </a:xfrm>
+        </p:spPr>
+        <p:txBody>
+          <a:bodyPr/>
+          <a:lstStyle/>
+          <a:p>
+            <a:fld id="{285DC19C-03DA-4066-9FF7-D0BF1BC6D6F6}" type="slidenum">
+              <a:rPr lang="ru-RU" sz="2400" smtClean="0">
+                <a:latin typeface="Times New Roman" panose="02020603050405020304" pitchFamily="18" charset="0"/>
+                <a:cs typeface="Times New Roman" panose="02020603050405020304" pitchFamily="18" charset="0"/>
+              </a:rPr>
+              <a:t>11</a:t>
+            </a:fld>
+            <a:endParaRPr lang="ru-RU" sz="1400" dirty="0">
+              <a:latin typeface="Times New Roman" panose="02020603050405020304" pitchFamily="18" charset="0"/>
+              <a:cs typeface="Times New Roman" panose="02020603050405020304" pitchFamily="18" charset="0"/>
+            </a:endParaRPr>
+          </a:p>
+        </p:txBody>
+      </p:sp>
+      <p:pic>
+        <p:nvPicPr>
+          <p:cNvPr id="5" name="Рисунок 4"/>
+          <p:cNvPicPr>
+            <a:picLocks noChangeAspect="1"/>
+          </p:cNvPicPr>
+          <p:nvPr/>
+        </p:nvPicPr>
+        <p:blipFill>
+          <a:blip r:embed="rId3" cstate="print">
+            <a:extLst>
+              <a:ext uri="{28A0092B-C50C-407E-A947-70E740481C1C}">
+                <a14:useLocalDpi xmlns:a14="http://schemas.microsoft.com/office/drawing/2010/main" val="0"/>
+              </a:ext>
+            </a:extLst>
+          </a:blip>
+          <a:stretch>
+            <a:fillRect/>
+          </a:stretch>
+        </p:blipFill>
+        <p:spPr>
+          <a:xfrm>
+            <a:off x="0" y="0"/>
+            <a:ext cx="2685011" cy="895703"/>
+          </a:xfrm>
+          <a:prstGeom prst="rect">
+            <a:avLst/>
+          </a:prstGeom>
+        </p:spPr>
+      </p:pic>
+    </p:spTree>
+  </p:cSld>
+  <p:clrMapOvr>
+    <a:masterClrMapping/>
+  </p:clrMapOvr>
+</p:sld>
+</file>
+
+<file path=ppt/slides/slide12.xml><?xml version="1.0" encoding="utf-8"?>
+<p:sld xmlns:a="http://schemas.openxmlformats.org/drawingml/2006/main" xmlns:r="http://schemas.openxmlformats.org/officeDocument/2006/relationships" xmlns:p="http://schemas.openxmlformats.org/presentationml/2006/main">
+  <p:cSld>
+    <p:spTree>
+      <p:nvGrpSpPr>
+        <p:cNvPr id="1" name=""/>
+        <p:cNvGrpSpPr/>
+        <p:nvPr/>
+      </p:nvGrpSpPr>
+      <p:grpSpPr>
+        <a:xfrm>
+          <a:off x="0" y="0"/>
+          <a:ext cx="0" cy="0"/>
+          <a:chOff x="0" y="0"/>
+          <a:chExt cx="0" cy="0"/>
+        </a:xfrm>
+      </p:grpSpPr>
+      <p:pic>
+        <p:nvPicPr>
+          <p:cNvPr id="6" name="Рисунок 5"/>
+          <p:cNvPicPr>
+            <a:picLocks noChangeAspect="1"/>
+          </p:cNvPicPr>
+          <p:nvPr/>
+        </p:nvPicPr>
+        <p:blipFill>
+          <a:blip r:embed="rId2">
+            <a:extLst>
+              <a:ext uri="{28A0092B-C50C-407E-A947-70E740481C1C}">
+                <a14:useLocalDpi xmlns:a14="http://schemas.microsoft.com/office/drawing/2010/main" val="0"/>
+              </a:ext>
+            </a:extLst>
+          </a:blip>
+          <a:stretch>
+            <a:fillRect/>
+          </a:stretch>
+        </p:blipFill>
+        <p:spPr>
+          <a:xfrm>
+            <a:off x="0" y="0"/>
+            <a:ext cx="12192000" cy="6858000"/>
+          </a:xfrm>
+          <a:prstGeom prst="rect">
+            <a:avLst/>
+          </a:prstGeom>
+        </p:spPr>
+      </p:pic>
+      <p:sp>
+        <p:nvSpPr>
+          <p:cNvPr id="2" name="Заголовок 1"/>
+          <p:cNvSpPr>
+            <a:spLocks noGrp="1"/>
+          </p:cNvSpPr>
+          <p:nvPr>
+            <p:ph type="title"/>
+          </p:nvPr>
+        </p:nvSpPr>
+        <p:spPr>
+          <a:xfrm>
+            <a:off x="0" y="1"/>
+            <a:ext cx="12192000" cy="1092200"/>
+          </a:xfrm>
+        </p:spPr>
+        <p:txBody>
+          <a:bodyPr/>
+          <a:lstStyle/>
+          <a:p>
+            <a:pPr algn="ctr"/>
+            <a:r>
+              <a:rPr lang="ru-RU" dirty="0">
+                <a:latin typeface="Times New Roman" panose="02020603050405020304"/>
+                <a:ea typeface="+mj-lt"/>
+                <a:cs typeface="+mj-lt"/>
+              </a:rPr>
+              <a:t>Заключение</a:t>
+            </a:r>
+            <a:endParaRPr lang="ru-RU" dirty="0">
+              <a:latin typeface="Times New Roman" panose="02020603050405020304"/>
+              <a:cs typeface="Times New Roman" panose="02020603050405020304"/>
+            </a:endParaRPr>
+          </a:p>
+        </p:txBody>
+      </p:sp>
+      <p:sp>
+        <p:nvSpPr>
+          <p:cNvPr id="3" name="Объект 2"/>
+          <p:cNvSpPr>
+            <a:spLocks noGrp="1"/>
+          </p:cNvSpPr>
+          <p:nvPr>
+            <p:ph idx="1"/>
+          </p:nvPr>
+        </p:nvSpPr>
+        <p:spPr>
+          <a:xfrm>
+            <a:off x="838200" y="1322388"/>
+            <a:ext cx="10515600" cy="4351338"/>
+          </a:xfrm>
+        </p:spPr>
+        <p:txBody>
+          <a:bodyPr vert="horz" lIns="91440" tIns="45720" rIns="91440" bIns="45720" rtlCol="0" anchor="t">
+            <a:noAutofit/>
+          </a:bodyPr>
+          <a:lstStyle/>
+          <a:p>
+            <a:pPr marL="0" indent="0" algn="just">
+              <a:buNone/>
+            </a:pPr>
+            <a:r>
+              <a:rPr lang="ru-RU" sz="2400" dirty="0">
+                <a:latin typeface="Times New Roman" panose="02020603050405020304" pitchFamily="18" charset="0"/>
+                <a:cs typeface="Times New Roman" panose="02020603050405020304" pitchFamily="18" charset="0"/>
+              </a:rPr>
+              <a:t>В ходе работы были выполнены все поставленные задачи:</a:t>
+            </a:r>
+          </a:p>
+          <a:p>
+            <a:pPr algn="just"/>
+            <a:r>
+              <a:rPr lang="ru-RU" sz="2400" dirty="0">
+                <a:latin typeface="Times New Roman" panose="02020603050405020304" pitchFamily="18" charset="0"/>
+                <a:cs typeface="Times New Roman" panose="02020603050405020304" pitchFamily="18" charset="0"/>
+              </a:rPr>
+              <a:t>Проведен анализ существующих аналогов</a:t>
+            </a:r>
+          </a:p>
+          <a:p>
+            <a:pPr algn="just"/>
+            <a:r>
+              <a:rPr lang="ru-RU" sz="2400" dirty="0">
+                <a:latin typeface="Times New Roman" panose="02020603050405020304" pitchFamily="18" charset="0"/>
+                <a:cs typeface="Times New Roman" panose="02020603050405020304" pitchFamily="18" charset="0"/>
+              </a:rPr>
+              <a:t>Спроектирована архитектура мобильного приложения</a:t>
+            </a:r>
+          </a:p>
+          <a:p>
+            <a:pPr algn="just"/>
+            <a:r>
+              <a:rPr lang="ru-RU" sz="2400" dirty="0">
+                <a:latin typeface="Times New Roman" panose="02020603050405020304" pitchFamily="18" charset="0"/>
+                <a:cs typeface="Times New Roman" panose="02020603050405020304" pitchFamily="18" charset="0"/>
+              </a:rPr>
+              <a:t>Сформирована обучающая выборка для модели глубокого обучения</a:t>
+            </a:r>
+          </a:p>
+          <a:p>
+            <a:pPr algn="just"/>
+            <a:r>
+              <a:rPr lang="ru-RU" sz="2400" dirty="0">
+                <a:latin typeface="Times New Roman" panose="02020603050405020304" pitchFamily="18" charset="0"/>
+                <a:cs typeface="Times New Roman" panose="02020603050405020304" pitchFamily="18" charset="0"/>
+              </a:rPr>
+              <a:t>Обучена нейронная сеть для распознавания кожных заболеваний с последующей оптимизацией под мобильные устройства.</a:t>
+            </a:r>
+          </a:p>
+          <a:p>
+            <a:pPr algn="just"/>
+            <a:r>
+              <a:rPr lang="ru-RU" sz="2400" dirty="0">
+                <a:latin typeface="Times New Roman" panose="02020603050405020304" pitchFamily="18" charset="0"/>
+                <a:cs typeface="Times New Roman" panose="02020603050405020304" pitchFamily="18" charset="0"/>
+              </a:rPr>
+              <a:t>Реализовано кроссплатформенное приложение на </a:t>
+            </a:r>
+            <a:r>
+              <a:rPr lang="ru-RU" sz="2400" dirty="0" err="1">
+                <a:latin typeface="Times New Roman" panose="02020603050405020304" pitchFamily="18" charset="0"/>
+                <a:cs typeface="Times New Roman" panose="02020603050405020304" pitchFamily="18" charset="0"/>
+              </a:rPr>
+              <a:t>Flutter</a:t>
+            </a:r>
+            <a:r>
+              <a:rPr lang="ru-RU" sz="2400" dirty="0">
+                <a:latin typeface="Times New Roman" panose="02020603050405020304" pitchFamily="18" charset="0"/>
+                <a:cs typeface="Times New Roman" panose="02020603050405020304" pitchFamily="18" charset="0"/>
+              </a:rPr>
+              <a:t> с возможностью сканирования и анализа новообразований.</a:t>
+            </a:r>
+          </a:p>
+          <a:p>
+            <a:pPr algn="just"/>
+            <a:r>
+              <a:rPr lang="ru-RU" sz="2400" dirty="0">
+                <a:latin typeface="Times New Roman" panose="02020603050405020304" pitchFamily="18" charset="0"/>
+                <a:cs typeface="Times New Roman" panose="02020603050405020304" pitchFamily="18" charset="0"/>
+              </a:rPr>
+              <a:t>Проведено тестирование, подтвердившее диагностическую точность и стабильность работы системы.</a:t>
+            </a:r>
+          </a:p>
+          <a:p>
+            <a:pPr algn="just">
+              <a:buNone/>
+            </a:pPr>
+            <a:endParaRPr lang="ru-RU" sz="3200" dirty="0">
+              <a:latin typeface="Times New Roman" panose="02020603050405020304" pitchFamily="18" charset="0"/>
+              <a:cs typeface="Times New Roman" panose="02020603050405020304" pitchFamily="18" charset="0"/>
+            </a:endParaRPr>
+          </a:p>
+          <a:p>
+            <a:pPr marL="0" indent="0" algn="just">
+              <a:buNone/>
+            </a:pPr>
+            <a:endParaRPr lang="ru-RU" sz="3200" dirty="0">
+              <a:latin typeface="Times New Roman" panose="02020603050405020304" pitchFamily="18" charset="0"/>
+              <a:cs typeface="Times New Roman" panose="02020603050405020304" pitchFamily="18" charset="0"/>
+            </a:endParaRPr>
+          </a:p>
+        </p:txBody>
+      </p:sp>
+      <p:sp>
+        <p:nvSpPr>
+          <p:cNvPr id="4" name="Номер слайда 3"/>
+          <p:cNvSpPr>
+            <a:spLocks noGrp="1"/>
+          </p:cNvSpPr>
+          <p:nvPr>
+            <p:ph type="sldNum" sz="quarter" idx="12"/>
+          </p:nvPr>
+        </p:nvSpPr>
+        <p:spPr>
+          <a:xfrm>
+            <a:off x="8610600" y="6284912"/>
+            <a:ext cx="2743200" cy="365125"/>
+          </a:xfrm>
+        </p:spPr>
+        <p:txBody>
+          <a:bodyPr vert="horz" lIns="91440" tIns="45720" rIns="91440" bIns="45720" rtlCol="0" anchor="ctr"/>
+          <a:lstStyle/>
+          <a:p>
+            <a:fld id="{285DC19C-03DA-4066-9FF7-D0BF1BC6D6F6}" type="slidenum">
+              <a:rPr lang="ru-RU" sz="2400">
+                <a:latin typeface="Times New Roman" panose="02020603050405020304" pitchFamily="18" charset="0"/>
+                <a:cs typeface="Times New Roman" panose="02020603050405020304" pitchFamily="18" charset="0"/>
+              </a:rPr>
+              <a:t>12</a:t>
+            </a:fld>
+            <a:endParaRPr lang="ru-RU" sz="2000" dirty="0">
+              <a:latin typeface="Times New Roman" panose="02020603050405020304" pitchFamily="18" charset="0"/>
+              <a:cs typeface="Times New Roman" panose="02020603050405020304" pitchFamily="18" charset="0"/>
+            </a:endParaRPr>
+          </a:p>
+        </p:txBody>
+      </p:sp>
+      <p:pic>
+        <p:nvPicPr>
+          <p:cNvPr id="5" name="Рисунок 4"/>
+          <p:cNvPicPr>
+            <a:picLocks noChangeAspect="1"/>
+          </p:cNvPicPr>
+          <p:nvPr/>
+        </p:nvPicPr>
+        <p:blipFill>
+          <a:blip r:embed="rId3" cstate="print">
+            <a:extLst>
+              <a:ext uri="{28A0092B-C50C-407E-A947-70E740481C1C}">
+                <a14:useLocalDpi xmlns:a14="http://schemas.microsoft.com/office/drawing/2010/main" val="0"/>
+              </a:ext>
+            </a:extLst>
+          </a:blip>
+          <a:stretch>
+            <a:fillRect/>
+          </a:stretch>
+        </p:blipFill>
+        <p:spPr>
+          <a:xfrm>
+            <a:off x="0" y="0"/>
+            <a:ext cx="2685011" cy="895703"/>
+          </a:xfrm>
+          <a:prstGeom prst="rect">
+            <a:avLst/>
+          </a:prstGeom>
+        </p:spPr>
+      </p:pic>
+    </p:spTree>
+  </p:cSld>
+  <p:clrMapOvr>
+    <a:masterClrMapping/>
+  </p:clrMapOvr>
+</p:sld>
+</file>
+
+<file path=ppt/slides/slide13.xml><?xml version="1.0" encoding="utf-8"?>
+<p:sld xmlns:a="http://schemas.openxmlformats.org/drawingml/2006/main" xmlns:r="http://schemas.openxmlformats.org/officeDocument/2006/relationships" xmlns:p="http://schemas.openxmlformats.org/presentationml/2006/main">
+  <p:cSld>
+    <p:spTree>
+      <p:nvGrpSpPr>
+        <p:cNvPr id="1" name=""/>
+        <p:cNvGrpSpPr/>
+        <p:nvPr/>
+      </p:nvGrpSpPr>
+      <p:grpSpPr>
+        <a:xfrm>
+          <a:off x="0" y="0"/>
+          <a:ext cx="0" cy="0"/>
+          <a:chOff x="0" y="0"/>
+          <a:chExt cx="0" cy="0"/>
+        </a:xfrm>
+      </p:grpSpPr>
+      <p:pic>
+        <p:nvPicPr>
+          <p:cNvPr id="3" name="Рисунок 2"/>
+          <p:cNvPicPr>
+            <a:picLocks noChangeAspect="1"/>
+          </p:cNvPicPr>
+          <p:nvPr/>
+        </p:nvPicPr>
+        <p:blipFill>
+          <a:blip r:embed="rId2">
+            <a:extLst>
+              <a:ext uri="{28A0092B-C50C-407E-A947-70E740481C1C}">
+                <a14:useLocalDpi xmlns:a14="http://schemas.microsoft.com/office/drawing/2010/main" val="0"/>
+              </a:ext>
+            </a:extLst>
+          </a:blip>
+          <a:stretch>
+            <a:fillRect/>
+          </a:stretch>
+        </p:blipFill>
+        <p:spPr>
+          <a:xfrm>
+            <a:off x="0" y="0"/>
+            <a:ext cx="12192000" cy="6858000"/>
+          </a:xfrm>
+          <a:prstGeom prst="rect">
+            <a:avLst/>
+          </a:prstGeom>
+        </p:spPr>
+      </p:pic>
+      <p:sp>
+        <p:nvSpPr>
+          <p:cNvPr id="2" name="Заголовок 1"/>
+          <p:cNvSpPr>
+            <a:spLocks noGrp="1"/>
+          </p:cNvSpPr>
+          <p:nvPr>
+            <p:ph type="title"/>
+          </p:nvPr>
+        </p:nvSpPr>
+        <p:spPr>
+          <a:xfrm>
+            <a:off x="0" y="1717589"/>
+            <a:ext cx="12192000" cy="2458995"/>
+          </a:xfrm>
+        </p:spPr>
+        <p:txBody>
+          <a:bodyPr>
+            <a:normAutofit/>
+          </a:bodyPr>
+          <a:lstStyle/>
+          <a:p>
+            <a:pPr algn="ctr"/>
+            <a:r>
+              <a:rPr lang="ru-RU" sz="8000" dirty="0"/>
+              <a:t>Спасибо за внимание!</a:t>
             </a:r>
           </a:p>
         </p:txBody>
@@ -4991,1545 +5839,6 @@
           </a:p>
         </p:txBody>
       </p:sp>
-      <p:graphicFrame>
-        <p:nvGraphicFramePr>
-          <p:cNvPr id="4" name="Table 3"/>
-          <p:cNvGraphicFramePr/>
-          <p:nvPr/>
-        </p:nvGraphicFramePr>
-        <p:xfrm>
-          <a:off x="410547" y="1369677"/>
-          <a:ext cx="11555784" cy="4846418"/>
-        </p:xfrm>
-        <a:graphic>
-          <a:graphicData uri="http://schemas.openxmlformats.org/drawingml/2006/table">
-            <a:tbl>
-              <a:tblPr firstRow="1" bandRow="1">
-                <a:tableStyleId>{2D5ABB26-0587-4C30-8999-92F81FD0307C}</a:tableStyleId>
-              </a:tblPr>
-              <a:tblGrid>
-                <a:gridCol w="3221091">
-                  <a:extLst>
-                    <a:ext uri="{9D8B030D-6E8A-4147-A177-3AD203B41FA5}">
-                      <a16:colId xmlns:a16="http://schemas.microsoft.com/office/drawing/2014/main" val="20000"/>
-                    </a:ext>
-                  </a:extLst>
-                </a:gridCol>
-                <a:gridCol w="2556801">
-                  <a:extLst>
-                    <a:ext uri="{9D8B030D-6E8A-4147-A177-3AD203B41FA5}">
-                      <a16:colId xmlns:a16="http://schemas.microsoft.com/office/drawing/2014/main" val="20001"/>
-                    </a:ext>
-                  </a:extLst>
-                </a:gridCol>
-                <a:gridCol w="2888946">
-                  <a:extLst>
-                    <a:ext uri="{9D8B030D-6E8A-4147-A177-3AD203B41FA5}">
-                      <a16:colId xmlns:a16="http://schemas.microsoft.com/office/drawing/2014/main" val="20002"/>
-                    </a:ext>
-                  </a:extLst>
-                </a:gridCol>
-                <a:gridCol w="2888946">
-                  <a:extLst>
-                    <a:ext uri="{9D8B030D-6E8A-4147-A177-3AD203B41FA5}">
-                      <a16:colId xmlns:a16="http://schemas.microsoft.com/office/drawing/2014/main" val="20003"/>
-                    </a:ext>
-                  </a:extLst>
-                </a:gridCol>
-              </a:tblGrid>
-              <a:tr h="403543">
-                <a:tc>
-                  <a:txBody>
-                    <a:bodyPr/>
-                    <a:lstStyle/>
-                    <a:p>
-                      <a:pPr algn="ctr">
-                        <a:buNone/>
-                      </a:pPr>
-                      <a:endParaRPr lang="ru-RU" altLang="en-US" sz="2200" dirty="0">
-                        <a:latin typeface="Times New Roman" panose="02020603050405020304" pitchFamily="18" charset="0"/>
-                        <a:cs typeface="Times New Roman" panose="02020603050405020304" pitchFamily="18" charset="0"/>
-                      </a:endParaRPr>
-                    </a:p>
-                  </a:txBody>
-                  <a:tcPr anchor="ctr">
-                    <a:lnL w="12700" cap="flat" cmpd="sng" algn="ctr">
-                      <a:solidFill>
-                        <a:schemeClr val="tx1"/>
-                      </a:solidFill>
-                      <a:prstDash val="solid"/>
-                      <a:round/>
-                      <a:headEnd type="none" w="med" len="med"/>
-                      <a:tailEnd type="none" w="med" len="med"/>
-                    </a:lnL>
-                    <a:lnR w="12700" cap="flat" cmpd="sng" algn="ctr">
-                      <a:solidFill>
-                        <a:schemeClr val="tx1"/>
-                      </a:solidFill>
-                      <a:prstDash val="solid"/>
-                      <a:round/>
-                      <a:headEnd type="none" w="med" len="med"/>
-                      <a:tailEnd type="none" w="med" len="med"/>
-                    </a:lnR>
-                    <a:lnT w="12700" cap="flat" cmpd="sng" algn="ctr">
-                      <a:solidFill>
-                        <a:schemeClr val="tx1"/>
-                      </a:solidFill>
-                      <a:prstDash val="solid"/>
-                      <a:round/>
-                      <a:headEnd type="none" w="med" len="med"/>
-                      <a:tailEnd type="none" w="med" len="med"/>
-                    </a:lnT>
-                    <a:lnB w="12700" cap="flat" cmpd="sng" algn="ctr">
-                      <a:solidFill>
-                        <a:schemeClr val="tx1"/>
-                      </a:solidFill>
-                      <a:prstDash val="solid"/>
-                      <a:round/>
-                      <a:headEnd type="none" w="med" len="med"/>
-                      <a:tailEnd type="none" w="med" len="med"/>
-                    </a:lnB>
-                  </a:tcPr>
-                </a:tc>
-                <a:tc>
-                  <a:txBody>
-                    <a:bodyPr/>
-                    <a:lstStyle/>
-                    <a:p>
-                      <a:pPr indent="0" algn="ctr">
-                        <a:buNone/>
-                      </a:pPr>
-                      <a:r>
-                        <a:rPr lang="ru-RU" sz="2200" b="0" i="0" kern="1200" dirty="0" err="1">
-                          <a:solidFill>
-                            <a:schemeClr val="tx1"/>
-                          </a:solidFill>
-                          <a:effectLst/>
-                          <a:latin typeface="Times New Roman" panose="02020603050405020304" pitchFamily="18" charset="0"/>
-                          <a:ea typeface="+mn-ea"/>
-                          <a:cs typeface="Times New Roman" panose="02020603050405020304" pitchFamily="18" charset="0"/>
-                        </a:rPr>
-                        <a:t>ПроРодинки</a:t>
-                      </a:r>
-                      <a:endParaRPr lang="en-US" sz="2200" b="0" dirty="0">
-                        <a:latin typeface="Times New Roman" panose="02020603050405020304" pitchFamily="18" charset="0"/>
-                        <a:cs typeface="Times New Roman" panose="02020603050405020304" pitchFamily="18" charset="0"/>
-                      </a:endParaRPr>
-                    </a:p>
-                  </a:txBody>
-                  <a:tcPr marL="68580" marR="68580" marT="0" marB="0" anchor="ctr">
-                    <a:lnL w="12700" cap="flat" cmpd="sng" algn="ctr">
-                      <a:solidFill>
-                        <a:schemeClr val="tx1"/>
-                      </a:solidFill>
-                      <a:prstDash val="solid"/>
-                      <a:round/>
-                      <a:headEnd type="none" w="med" len="med"/>
-                      <a:tailEnd type="none" w="med" len="med"/>
-                    </a:lnL>
-                    <a:lnR w="12700" cap="flat" cmpd="sng" algn="ctr">
-                      <a:solidFill>
-                        <a:schemeClr val="tx1"/>
-                      </a:solidFill>
-                      <a:prstDash val="solid"/>
-                      <a:round/>
-                      <a:headEnd type="none" w="med" len="med"/>
-                      <a:tailEnd type="none" w="med" len="med"/>
-                    </a:lnR>
-                    <a:lnT w="12700" cap="flat" cmpd="sng" algn="ctr">
-                      <a:solidFill>
-                        <a:schemeClr val="tx1"/>
-                      </a:solidFill>
-                      <a:prstDash val="solid"/>
-                      <a:round/>
-                      <a:headEnd type="none" w="med" len="med"/>
-                      <a:tailEnd type="none" w="med" len="med"/>
-                    </a:lnT>
-                    <a:lnB w="12700" cap="flat" cmpd="sng" algn="ctr">
-                      <a:solidFill>
-                        <a:schemeClr val="tx1"/>
-                      </a:solidFill>
-                      <a:prstDash val="solid"/>
-                      <a:round/>
-                      <a:headEnd type="none" w="med" len="med"/>
-                      <a:tailEnd type="none" w="med" len="med"/>
-                    </a:lnB>
-                  </a:tcPr>
-                </a:tc>
-                <a:tc>
-                  <a:txBody>
-                    <a:bodyPr/>
-                    <a:lstStyle/>
-                    <a:p>
-                      <a:pPr indent="0" algn="ctr">
-                        <a:buNone/>
-                      </a:pPr>
-                      <a:r>
-                        <a:rPr lang="en-US" sz="2200" b="0" dirty="0" err="1">
-                          <a:latin typeface="Times New Roman" panose="02020603050405020304" pitchFamily="18" charset="0"/>
-                          <a:cs typeface="Times New Roman" panose="02020603050405020304" pitchFamily="18" charset="0"/>
-                        </a:rPr>
-                        <a:t>SkinVision</a:t>
-                      </a:r>
-                      <a:endParaRPr lang="en-US" sz="2200" b="0" dirty="0">
-                        <a:latin typeface="Times New Roman" panose="02020603050405020304" pitchFamily="18" charset="0"/>
-                        <a:cs typeface="Times New Roman" panose="02020603050405020304" pitchFamily="18" charset="0"/>
-                      </a:endParaRPr>
-                    </a:p>
-                  </a:txBody>
-                  <a:tcPr marL="68580" marR="68580" marT="0" marB="0" anchor="ctr">
-                    <a:lnL w="12700" cap="flat" cmpd="sng" algn="ctr">
-                      <a:solidFill>
-                        <a:schemeClr val="tx1"/>
-                      </a:solidFill>
-                      <a:prstDash val="solid"/>
-                      <a:round/>
-                      <a:headEnd type="none" w="med" len="med"/>
-                      <a:tailEnd type="none" w="med" len="med"/>
-                    </a:lnL>
-                    <a:lnR w="12700" cap="flat" cmpd="sng" algn="ctr">
-                      <a:solidFill>
-                        <a:schemeClr val="tx1"/>
-                      </a:solidFill>
-                      <a:prstDash val="solid"/>
-                      <a:round/>
-                      <a:headEnd type="none" w="med" len="med"/>
-                      <a:tailEnd type="none" w="med" len="med"/>
-                    </a:lnR>
-                    <a:lnT w="12700" cap="flat" cmpd="sng" algn="ctr">
-                      <a:solidFill>
-                        <a:schemeClr val="tx1"/>
-                      </a:solidFill>
-                      <a:prstDash val="solid"/>
-                      <a:round/>
-                      <a:headEnd type="none" w="med" len="med"/>
-                      <a:tailEnd type="none" w="med" len="med"/>
-                    </a:lnT>
-                    <a:lnB w="12700" cap="flat" cmpd="sng" algn="ctr">
-                      <a:solidFill>
-                        <a:schemeClr val="tx1"/>
-                      </a:solidFill>
-                      <a:prstDash val="solid"/>
-                      <a:round/>
-                      <a:headEnd type="none" w="med" len="med"/>
-                      <a:tailEnd type="none" w="med" len="med"/>
-                    </a:lnB>
-                  </a:tcPr>
-                </a:tc>
-                <a:tc>
-                  <a:txBody>
-                    <a:bodyPr/>
-                    <a:lstStyle/>
-                    <a:p>
-                      <a:pPr indent="0" algn="ctr">
-                        <a:buNone/>
-                      </a:pPr>
-                      <a:r>
-                        <a:rPr lang="en-US" sz="2200" b="0" dirty="0" err="1">
-                          <a:latin typeface="Times New Roman" panose="02020603050405020304" pitchFamily="18" charset="0"/>
-                          <a:cs typeface="Times New Roman" panose="02020603050405020304" pitchFamily="18" charset="0"/>
-                        </a:rPr>
-                        <a:t>Skinive</a:t>
-                      </a:r>
-                      <a:r>
-                        <a:rPr lang="en-US" sz="2200" b="0" dirty="0">
-                          <a:latin typeface="Times New Roman" panose="02020603050405020304" pitchFamily="18" charset="0"/>
-                          <a:cs typeface="Times New Roman" panose="02020603050405020304" pitchFamily="18" charset="0"/>
-                        </a:rPr>
-                        <a:t> AI</a:t>
-                      </a:r>
-                    </a:p>
-                  </a:txBody>
-                  <a:tcPr marL="68580" marR="68580" marT="0" marB="0" anchor="ctr">
-                    <a:lnL w="12700" cap="flat" cmpd="sng" algn="ctr">
-                      <a:solidFill>
-                        <a:schemeClr val="tx1"/>
-                      </a:solidFill>
-                      <a:prstDash val="solid"/>
-                      <a:round/>
-                      <a:headEnd type="none" w="med" len="med"/>
-                      <a:tailEnd type="none" w="med" len="med"/>
-                    </a:lnL>
-                    <a:lnR w="12700" cap="flat" cmpd="sng" algn="ctr">
-                      <a:solidFill>
-                        <a:schemeClr val="tx1"/>
-                      </a:solidFill>
-                      <a:prstDash val="solid"/>
-                      <a:round/>
-                      <a:headEnd type="none" w="med" len="med"/>
-                      <a:tailEnd type="none" w="med" len="med"/>
-                    </a:lnR>
-                    <a:lnT w="12700" cap="flat" cmpd="sng" algn="ctr">
-                      <a:solidFill>
-                        <a:schemeClr val="tx1"/>
-                      </a:solidFill>
-                      <a:prstDash val="solid"/>
-                      <a:round/>
-                      <a:headEnd type="none" w="med" len="med"/>
-                      <a:tailEnd type="none" w="med" len="med"/>
-                    </a:lnT>
-                    <a:lnB w="12700" cap="flat" cmpd="sng" algn="ctr">
-                      <a:solidFill>
-                        <a:schemeClr val="tx1"/>
-                      </a:solidFill>
-                      <a:prstDash val="solid"/>
-                      <a:round/>
-                      <a:headEnd type="none" w="med" len="med"/>
-                      <a:tailEnd type="none" w="med" len="med"/>
-                    </a:lnB>
-                  </a:tcPr>
-                </a:tc>
-                <a:extLst>
-                  <a:ext uri="{0D108BD9-81ED-4DB2-BD59-A6C34878D82A}">
-                    <a16:rowId xmlns:a16="http://schemas.microsoft.com/office/drawing/2014/main" val="10000"/>
-                  </a:ext>
-                </a:extLst>
-              </a:tr>
-              <a:tr h="634138">
-                <a:tc>
-                  <a:txBody>
-                    <a:bodyPr/>
-                    <a:lstStyle/>
-                    <a:p>
-                      <a:pPr indent="0" algn="ctr">
-                        <a:buNone/>
-                      </a:pPr>
-                      <a:r>
-                        <a:rPr lang="en-US" sz="2200" dirty="0" err="1">
-                          <a:latin typeface="Times New Roman" panose="02020603050405020304" pitchFamily="18" charset="0"/>
-                          <a:cs typeface="Times New Roman" panose="02020603050405020304" pitchFamily="18" charset="0"/>
-                        </a:rPr>
-                        <a:t>Поддержка</a:t>
-                      </a:r>
-                      <a:r>
-                        <a:rPr lang="en-US" sz="2200" dirty="0">
-                          <a:latin typeface="Times New Roman" panose="02020603050405020304" pitchFamily="18" charset="0"/>
-                          <a:cs typeface="Times New Roman" panose="02020603050405020304" pitchFamily="18" charset="0"/>
-                        </a:rPr>
-                        <a:t> </a:t>
-                      </a:r>
-                      <a:r>
-                        <a:rPr lang="en-US" sz="2200" dirty="0" err="1">
-                          <a:latin typeface="Times New Roman" panose="02020603050405020304" pitchFamily="18" charset="0"/>
-                          <a:cs typeface="Times New Roman" panose="02020603050405020304" pitchFamily="18" charset="0"/>
-                        </a:rPr>
-                        <a:t>русского</a:t>
-                      </a:r>
-                      <a:r>
-                        <a:rPr lang="en-US" sz="2200" dirty="0">
-                          <a:latin typeface="Times New Roman" panose="02020603050405020304" pitchFamily="18" charset="0"/>
-                          <a:cs typeface="Times New Roman" panose="02020603050405020304" pitchFamily="18" charset="0"/>
-                        </a:rPr>
-                        <a:t> </a:t>
-                      </a:r>
-                      <a:r>
-                        <a:rPr lang="en-US" sz="2200" dirty="0" err="1">
-                          <a:latin typeface="Times New Roman" panose="02020603050405020304" pitchFamily="18" charset="0"/>
-                          <a:cs typeface="Times New Roman" panose="02020603050405020304" pitchFamily="18" charset="0"/>
-                        </a:rPr>
-                        <a:t>языка</a:t>
-                      </a:r>
-                      <a:endParaRPr lang="en-US" sz="2200" dirty="0">
-                        <a:latin typeface="Times New Roman" panose="02020603050405020304" pitchFamily="18" charset="0"/>
-                        <a:cs typeface="Times New Roman" panose="02020603050405020304" pitchFamily="18" charset="0"/>
-                      </a:endParaRPr>
-                    </a:p>
-                  </a:txBody>
-                  <a:tcPr marL="68580" marR="68580" marT="0" marB="0" anchor="ctr">
-                    <a:lnL w="12700" cap="flat" cmpd="sng" algn="ctr">
-                      <a:solidFill>
-                        <a:schemeClr val="tx1"/>
-                      </a:solidFill>
-                      <a:prstDash val="solid"/>
-                      <a:round/>
-                      <a:headEnd type="none" w="med" len="med"/>
-                      <a:tailEnd type="none" w="med" len="med"/>
-                    </a:lnL>
-                    <a:lnR w="12700" cap="flat" cmpd="sng" algn="ctr">
-                      <a:solidFill>
-                        <a:schemeClr val="tx1"/>
-                      </a:solidFill>
-                      <a:prstDash val="solid"/>
-                      <a:round/>
-                      <a:headEnd type="none" w="med" len="med"/>
-                      <a:tailEnd type="none" w="med" len="med"/>
-                    </a:lnR>
-                    <a:lnT w="12700" cap="flat" cmpd="sng" algn="ctr">
-                      <a:solidFill>
-                        <a:schemeClr val="tx1"/>
-                      </a:solidFill>
-                      <a:prstDash val="solid"/>
-                      <a:round/>
-                      <a:headEnd type="none" w="med" len="med"/>
-                      <a:tailEnd type="none" w="med" len="med"/>
-                    </a:lnT>
-                    <a:lnB w="12700" cap="flat" cmpd="sng" algn="ctr">
-                      <a:solidFill>
-                        <a:schemeClr val="tx1"/>
-                      </a:solidFill>
-                      <a:prstDash val="solid"/>
-                      <a:round/>
-                      <a:headEnd type="none" w="med" len="med"/>
-                      <a:tailEnd type="none" w="med" len="med"/>
-                    </a:lnB>
-                  </a:tcPr>
-                </a:tc>
-                <a:tc>
-                  <a:txBody>
-                    <a:bodyPr/>
-                    <a:lstStyle/>
-                    <a:p>
-                      <a:pPr indent="0" algn="ctr">
-                        <a:buNone/>
-                      </a:pPr>
-                      <a:r>
-                        <a:rPr lang="en-US" sz="3600" b="1" dirty="0">
-                          <a:latin typeface="Times New Roman" panose="02020603050405020304" pitchFamily="18" charset="0"/>
-                          <a:cs typeface="Times New Roman" panose="02020603050405020304" pitchFamily="18" charset="0"/>
-                        </a:rPr>
-                        <a:t>+</a:t>
-                      </a:r>
-                    </a:p>
-                  </a:txBody>
-                  <a:tcPr marL="68580" marR="68580" marT="0" marB="0" anchor="ctr">
-                    <a:lnL w="12700" cap="flat" cmpd="sng" algn="ctr">
-                      <a:solidFill>
-                        <a:schemeClr val="tx1"/>
-                      </a:solidFill>
-                      <a:prstDash val="solid"/>
-                      <a:round/>
-                      <a:headEnd type="none" w="med" len="med"/>
-                      <a:tailEnd type="none" w="med" len="med"/>
-                    </a:lnL>
-                    <a:lnR w="12700" cap="flat" cmpd="sng" algn="ctr">
-                      <a:solidFill>
-                        <a:schemeClr val="tx1"/>
-                      </a:solidFill>
-                      <a:prstDash val="solid"/>
-                      <a:round/>
-                      <a:headEnd type="none" w="med" len="med"/>
-                      <a:tailEnd type="none" w="med" len="med"/>
-                    </a:lnR>
-                    <a:lnT w="12700" cap="flat" cmpd="sng" algn="ctr">
-                      <a:solidFill>
-                        <a:schemeClr val="tx1"/>
-                      </a:solidFill>
-                      <a:prstDash val="solid"/>
-                      <a:round/>
-                      <a:headEnd type="none" w="med" len="med"/>
-                      <a:tailEnd type="none" w="med" len="med"/>
-                    </a:lnT>
-                    <a:lnB w="12700" cap="flat" cmpd="sng" algn="ctr">
-                      <a:solidFill>
-                        <a:schemeClr val="tx1"/>
-                      </a:solidFill>
-                      <a:prstDash val="solid"/>
-                      <a:round/>
-                      <a:headEnd type="none" w="med" len="med"/>
-                      <a:tailEnd type="none" w="med" len="med"/>
-                    </a:lnB>
-                  </a:tcPr>
-                </a:tc>
-                <a:tc>
-                  <a:txBody>
-                    <a:bodyPr/>
-                    <a:lstStyle/>
-                    <a:p>
-                      <a:pPr indent="0" algn="ctr">
-                        <a:buNone/>
-                      </a:pPr>
-                      <a:r>
-                        <a:rPr lang="en-US" sz="3600" b="1" dirty="0">
-                          <a:latin typeface="Times New Roman" panose="02020603050405020304" pitchFamily="18" charset="0"/>
-                          <a:cs typeface="Times New Roman" panose="02020603050405020304" pitchFamily="18" charset="0"/>
-                        </a:rPr>
-                        <a:t>-</a:t>
-                      </a:r>
-                    </a:p>
-                  </a:txBody>
-                  <a:tcPr marL="68580" marR="68580" marT="0" marB="0" anchor="ctr">
-                    <a:lnL w="12700" cap="flat" cmpd="sng" algn="ctr">
-                      <a:solidFill>
-                        <a:schemeClr val="tx1"/>
-                      </a:solidFill>
-                      <a:prstDash val="solid"/>
-                      <a:round/>
-                      <a:headEnd type="none" w="med" len="med"/>
-                      <a:tailEnd type="none" w="med" len="med"/>
-                    </a:lnL>
-                    <a:lnR w="12700" cap="flat" cmpd="sng" algn="ctr">
-                      <a:solidFill>
-                        <a:schemeClr val="tx1"/>
-                      </a:solidFill>
-                      <a:prstDash val="solid"/>
-                      <a:round/>
-                      <a:headEnd type="none" w="med" len="med"/>
-                      <a:tailEnd type="none" w="med" len="med"/>
-                    </a:lnR>
-                    <a:lnT w="12700" cap="flat" cmpd="sng" algn="ctr">
-                      <a:solidFill>
-                        <a:schemeClr val="tx1"/>
-                      </a:solidFill>
-                      <a:prstDash val="solid"/>
-                      <a:round/>
-                      <a:headEnd type="none" w="med" len="med"/>
-                      <a:tailEnd type="none" w="med" len="med"/>
-                    </a:lnT>
-                    <a:lnB w="12700" cap="flat" cmpd="sng" algn="ctr">
-                      <a:solidFill>
-                        <a:schemeClr val="tx1"/>
-                      </a:solidFill>
-                      <a:prstDash val="solid"/>
-                      <a:round/>
-                      <a:headEnd type="none" w="med" len="med"/>
-                      <a:tailEnd type="none" w="med" len="med"/>
-                    </a:lnB>
-                  </a:tcPr>
-                </a:tc>
-                <a:tc>
-                  <a:txBody>
-                    <a:bodyPr/>
-                    <a:lstStyle/>
-                    <a:p>
-                      <a:pPr indent="0" algn="ctr">
-                        <a:buNone/>
-                      </a:pPr>
-                      <a:r>
-                        <a:rPr lang="en-US" sz="3600" b="1" dirty="0">
-                          <a:latin typeface="Times New Roman" panose="02020603050405020304" pitchFamily="18" charset="0"/>
-                          <a:cs typeface="Times New Roman" panose="02020603050405020304" pitchFamily="18" charset="0"/>
-                        </a:rPr>
-                        <a:t>+</a:t>
-                      </a:r>
-                    </a:p>
-                  </a:txBody>
-                  <a:tcPr marL="68580" marR="68580" marT="0" marB="0" anchor="ctr">
-                    <a:lnL w="12700" cap="flat" cmpd="sng" algn="ctr">
-                      <a:solidFill>
-                        <a:schemeClr val="tx1"/>
-                      </a:solidFill>
-                      <a:prstDash val="solid"/>
-                      <a:round/>
-                      <a:headEnd type="none" w="med" len="med"/>
-                      <a:tailEnd type="none" w="med" len="med"/>
-                    </a:lnL>
-                    <a:lnR w="12700" cap="flat" cmpd="sng" algn="ctr">
-                      <a:solidFill>
-                        <a:schemeClr val="tx1"/>
-                      </a:solidFill>
-                      <a:prstDash val="solid"/>
-                      <a:round/>
-                      <a:headEnd type="none" w="med" len="med"/>
-                      <a:tailEnd type="none" w="med" len="med"/>
-                    </a:lnR>
-                    <a:lnT w="12700" cap="flat" cmpd="sng" algn="ctr">
-                      <a:solidFill>
-                        <a:schemeClr val="tx1"/>
-                      </a:solidFill>
-                      <a:prstDash val="solid"/>
-                      <a:round/>
-                      <a:headEnd type="none" w="med" len="med"/>
-                      <a:tailEnd type="none" w="med" len="med"/>
-                    </a:lnT>
-                    <a:lnB w="12700" cap="flat" cmpd="sng" algn="ctr">
-                      <a:solidFill>
-                        <a:schemeClr val="tx1"/>
-                      </a:solidFill>
-                      <a:prstDash val="solid"/>
-                      <a:round/>
-                      <a:headEnd type="none" w="med" len="med"/>
-                      <a:tailEnd type="none" w="med" len="med"/>
-                    </a:lnB>
-                  </a:tcPr>
-                </a:tc>
-                <a:extLst>
-                  <a:ext uri="{0D108BD9-81ED-4DB2-BD59-A6C34878D82A}">
-                    <a16:rowId xmlns:a16="http://schemas.microsoft.com/office/drawing/2014/main" val="10001"/>
-                  </a:ext>
-                </a:extLst>
-              </a:tr>
-              <a:tr h="634138">
-                <a:tc>
-                  <a:txBody>
-                    <a:bodyPr/>
-                    <a:lstStyle/>
-                    <a:p>
-                      <a:pPr indent="0" algn="ctr">
-                        <a:buNone/>
-                      </a:pPr>
-                      <a:r>
-                        <a:rPr lang="ru-RU" sz="2200" b="0" i="0" kern="1200" dirty="0">
-                          <a:solidFill>
-                            <a:schemeClr val="tx1"/>
-                          </a:solidFill>
-                          <a:effectLst/>
-                          <a:latin typeface="Times New Roman" panose="02020603050405020304" pitchFamily="18" charset="0"/>
-                          <a:ea typeface="+mn-ea"/>
-                          <a:cs typeface="Times New Roman" panose="02020603050405020304" pitchFamily="18" charset="0"/>
-                        </a:rPr>
-                        <a:t>Бесплатный функционал</a:t>
-                      </a:r>
-                      <a:endParaRPr lang="ru-RU" altLang="en-US" sz="2200" b="0" dirty="0">
-                        <a:latin typeface="Times New Roman" panose="02020603050405020304" pitchFamily="18" charset="0"/>
-                        <a:cs typeface="Times New Roman" panose="02020603050405020304" pitchFamily="18" charset="0"/>
-                      </a:endParaRPr>
-                    </a:p>
-                  </a:txBody>
-                  <a:tcPr marL="68580" marR="68580" marT="0" marB="0" anchor="ctr">
-                    <a:lnL w="12700" cap="flat" cmpd="sng" algn="ctr">
-                      <a:solidFill>
-                        <a:schemeClr val="tx1"/>
-                      </a:solidFill>
-                      <a:prstDash val="solid"/>
-                      <a:round/>
-                      <a:headEnd type="none" w="med" len="med"/>
-                      <a:tailEnd type="none" w="med" len="med"/>
-                    </a:lnL>
-                    <a:lnR w="12700" cap="flat" cmpd="sng" algn="ctr">
-                      <a:solidFill>
-                        <a:schemeClr val="tx1"/>
-                      </a:solidFill>
-                      <a:prstDash val="solid"/>
-                      <a:round/>
-                      <a:headEnd type="none" w="med" len="med"/>
-                      <a:tailEnd type="none" w="med" len="med"/>
-                    </a:lnR>
-                    <a:lnT w="12700" cap="flat" cmpd="sng" algn="ctr">
-                      <a:solidFill>
-                        <a:schemeClr val="tx1"/>
-                      </a:solidFill>
-                      <a:prstDash val="solid"/>
-                      <a:round/>
-                      <a:headEnd type="none" w="med" len="med"/>
-                      <a:tailEnd type="none" w="med" len="med"/>
-                    </a:lnT>
-                    <a:lnB w="12700" cap="flat" cmpd="sng" algn="ctr">
-                      <a:solidFill>
-                        <a:schemeClr val="tx1"/>
-                      </a:solidFill>
-                      <a:prstDash val="solid"/>
-                      <a:round/>
-                      <a:headEnd type="none" w="med" len="med"/>
-                      <a:tailEnd type="none" w="med" len="med"/>
-                    </a:lnB>
-                  </a:tcPr>
-                </a:tc>
-                <a:tc>
-                  <a:txBody>
-                    <a:bodyPr/>
-                    <a:lstStyle/>
-                    <a:p>
-                      <a:pPr indent="0" algn="ctr">
-                        <a:buNone/>
-                      </a:pPr>
-                      <a:r>
-                        <a:rPr lang="en-US" sz="3600" b="1" dirty="0">
-                          <a:latin typeface="Times New Roman" panose="02020603050405020304" pitchFamily="18" charset="0"/>
-                          <a:cs typeface="Times New Roman" panose="02020603050405020304" pitchFamily="18" charset="0"/>
-                        </a:rPr>
-                        <a:t>+</a:t>
-                      </a:r>
-                    </a:p>
-                  </a:txBody>
-                  <a:tcPr marL="68580" marR="68580" marT="0" marB="0" anchor="ctr">
-                    <a:lnL w="12700" cap="flat" cmpd="sng" algn="ctr">
-                      <a:solidFill>
-                        <a:schemeClr val="tx1"/>
-                      </a:solidFill>
-                      <a:prstDash val="solid"/>
-                      <a:round/>
-                      <a:headEnd type="none" w="med" len="med"/>
-                      <a:tailEnd type="none" w="med" len="med"/>
-                    </a:lnL>
-                    <a:lnR w="12700" cap="flat" cmpd="sng" algn="ctr">
-                      <a:solidFill>
-                        <a:schemeClr val="tx1"/>
-                      </a:solidFill>
-                      <a:prstDash val="solid"/>
-                      <a:round/>
-                      <a:headEnd type="none" w="med" len="med"/>
-                      <a:tailEnd type="none" w="med" len="med"/>
-                    </a:lnR>
-                    <a:lnT w="12700" cap="flat" cmpd="sng" algn="ctr">
-                      <a:solidFill>
-                        <a:schemeClr val="tx1"/>
-                      </a:solidFill>
-                      <a:prstDash val="solid"/>
-                      <a:round/>
-                      <a:headEnd type="none" w="med" len="med"/>
-                      <a:tailEnd type="none" w="med" len="med"/>
-                    </a:lnT>
-                    <a:lnB w="12700" cap="flat" cmpd="sng" algn="ctr">
-                      <a:solidFill>
-                        <a:schemeClr val="tx1"/>
-                      </a:solidFill>
-                      <a:prstDash val="solid"/>
-                      <a:round/>
-                      <a:headEnd type="none" w="med" len="med"/>
-                      <a:tailEnd type="none" w="med" len="med"/>
-                    </a:lnB>
-                  </a:tcPr>
-                </a:tc>
-                <a:tc>
-                  <a:txBody>
-                    <a:bodyPr/>
-                    <a:lstStyle/>
-                    <a:p>
-                      <a:pPr indent="0" algn="ctr">
-                        <a:buNone/>
-                      </a:pPr>
-                      <a:r>
-                        <a:rPr lang="en-US" sz="3600" b="1" dirty="0">
-                          <a:latin typeface="Times New Roman" panose="02020603050405020304" pitchFamily="18" charset="0"/>
-                          <a:cs typeface="Times New Roman" panose="02020603050405020304" pitchFamily="18" charset="0"/>
-                        </a:rPr>
-                        <a:t>-</a:t>
-                      </a:r>
-                    </a:p>
-                  </a:txBody>
-                  <a:tcPr marL="68580" marR="68580" marT="0" marB="0" anchor="ctr">
-                    <a:lnL w="12700" cap="flat" cmpd="sng" algn="ctr">
-                      <a:solidFill>
-                        <a:schemeClr val="tx1"/>
-                      </a:solidFill>
-                      <a:prstDash val="solid"/>
-                      <a:round/>
-                      <a:headEnd type="none" w="med" len="med"/>
-                      <a:tailEnd type="none" w="med" len="med"/>
-                    </a:lnL>
-                    <a:lnR w="12700" cap="flat" cmpd="sng" algn="ctr">
-                      <a:solidFill>
-                        <a:schemeClr val="tx1"/>
-                      </a:solidFill>
-                      <a:prstDash val="solid"/>
-                      <a:round/>
-                      <a:headEnd type="none" w="med" len="med"/>
-                      <a:tailEnd type="none" w="med" len="med"/>
-                    </a:lnR>
-                    <a:lnT w="12700" cap="flat" cmpd="sng" algn="ctr">
-                      <a:solidFill>
-                        <a:schemeClr val="tx1"/>
-                      </a:solidFill>
-                      <a:prstDash val="solid"/>
-                      <a:round/>
-                      <a:headEnd type="none" w="med" len="med"/>
-                      <a:tailEnd type="none" w="med" len="med"/>
-                    </a:lnT>
-                    <a:lnB w="12700" cap="flat" cmpd="sng" algn="ctr">
-                      <a:solidFill>
-                        <a:schemeClr val="tx1"/>
-                      </a:solidFill>
-                      <a:prstDash val="solid"/>
-                      <a:round/>
-                      <a:headEnd type="none" w="med" len="med"/>
-                      <a:tailEnd type="none" w="med" len="med"/>
-                    </a:lnB>
-                  </a:tcPr>
-                </a:tc>
-                <a:tc>
-                  <a:txBody>
-                    <a:bodyPr/>
-                    <a:lstStyle/>
-                    <a:p>
-                      <a:pPr indent="0" algn="ctr">
-                        <a:buNone/>
-                      </a:pPr>
-                      <a:r>
-                        <a:rPr lang="en-US" sz="3600" b="1" dirty="0">
-                          <a:latin typeface="Times New Roman" panose="02020603050405020304" pitchFamily="18" charset="0"/>
-                          <a:cs typeface="Times New Roman" panose="02020603050405020304" pitchFamily="18" charset="0"/>
-                        </a:rPr>
-                        <a:t>-</a:t>
-                      </a:r>
-                    </a:p>
-                  </a:txBody>
-                  <a:tcPr marL="68580" marR="68580" marT="0" marB="0" anchor="ctr">
-                    <a:lnL w="12700" cap="flat" cmpd="sng" algn="ctr">
-                      <a:solidFill>
-                        <a:schemeClr val="tx1"/>
-                      </a:solidFill>
-                      <a:prstDash val="solid"/>
-                      <a:round/>
-                      <a:headEnd type="none" w="med" len="med"/>
-                      <a:tailEnd type="none" w="med" len="med"/>
-                    </a:lnL>
-                    <a:lnR w="12700" cap="flat" cmpd="sng" algn="ctr">
-                      <a:solidFill>
-                        <a:schemeClr val="tx1"/>
-                      </a:solidFill>
-                      <a:prstDash val="solid"/>
-                      <a:round/>
-                      <a:headEnd type="none" w="med" len="med"/>
-                      <a:tailEnd type="none" w="med" len="med"/>
-                    </a:lnR>
-                    <a:lnT w="12700" cap="flat" cmpd="sng" algn="ctr">
-                      <a:solidFill>
-                        <a:schemeClr val="tx1"/>
-                      </a:solidFill>
-                      <a:prstDash val="solid"/>
-                      <a:round/>
-                      <a:headEnd type="none" w="med" len="med"/>
-                      <a:tailEnd type="none" w="med" len="med"/>
-                    </a:lnT>
-                    <a:lnB w="12700" cap="flat" cmpd="sng" algn="ctr">
-                      <a:solidFill>
-                        <a:schemeClr val="tx1"/>
-                      </a:solidFill>
-                      <a:prstDash val="solid"/>
-                      <a:round/>
-                      <a:headEnd type="none" w="med" len="med"/>
-                      <a:tailEnd type="none" w="med" len="med"/>
-                    </a:lnB>
-                  </a:tcPr>
-                </a:tc>
-                <a:extLst>
-                  <a:ext uri="{0D108BD9-81ED-4DB2-BD59-A6C34878D82A}">
-                    <a16:rowId xmlns:a16="http://schemas.microsoft.com/office/drawing/2014/main" val="10002"/>
-                  </a:ext>
-                </a:extLst>
-              </a:tr>
-              <a:tr h="951207">
-                <a:tc>
-                  <a:txBody>
-                    <a:bodyPr/>
-                    <a:lstStyle/>
-                    <a:p>
-                      <a:pPr indent="0" algn="ctr">
-                        <a:buNone/>
-                      </a:pPr>
-                      <a:r>
-                        <a:rPr lang="ru-RU" altLang="en-US" sz="2200" dirty="0">
-                          <a:latin typeface="Times New Roman" panose="02020603050405020304" pitchFamily="18" charset="0"/>
-                          <a:cs typeface="Times New Roman" panose="02020603050405020304" pitchFamily="18" charset="0"/>
-                        </a:rPr>
-                        <a:t>Количество</a:t>
-                      </a:r>
-                      <a:r>
-                        <a:rPr lang="ru-RU" altLang="en-US" sz="2200" baseline="0" dirty="0">
-                          <a:latin typeface="Times New Roman" panose="02020603050405020304" pitchFamily="18" charset="0"/>
-                          <a:cs typeface="Times New Roman" panose="02020603050405020304" pitchFamily="18" charset="0"/>
-                        </a:rPr>
-                        <a:t> определяемых типов заболеваний</a:t>
-                      </a:r>
-                      <a:endParaRPr lang="ru-RU" altLang="en-US" sz="2200" dirty="0">
-                        <a:latin typeface="Times New Roman" panose="02020603050405020304" pitchFamily="18" charset="0"/>
-                        <a:cs typeface="Times New Roman" panose="02020603050405020304" pitchFamily="18" charset="0"/>
-                      </a:endParaRPr>
-                    </a:p>
-                  </a:txBody>
-                  <a:tcPr marL="68580" marR="68580" marT="0" marB="0" anchor="ctr">
-                    <a:lnL w="12700" cap="flat" cmpd="sng" algn="ctr">
-                      <a:solidFill>
-                        <a:schemeClr val="tx1"/>
-                      </a:solidFill>
-                      <a:prstDash val="solid"/>
-                      <a:round/>
-                      <a:headEnd type="none" w="med" len="med"/>
-                      <a:tailEnd type="none" w="med" len="med"/>
-                    </a:lnL>
-                    <a:lnR w="12700" cap="flat" cmpd="sng" algn="ctr">
-                      <a:solidFill>
-                        <a:schemeClr val="tx1"/>
-                      </a:solidFill>
-                      <a:prstDash val="solid"/>
-                      <a:round/>
-                      <a:headEnd type="none" w="med" len="med"/>
-                      <a:tailEnd type="none" w="med" len="med"/>
-                    </a:lnR>
-                    <a:lnT w="12700" cap="flat" cmpd="sng" algn="ctr">
-                      <a:solidFill>
-                        <a:schemeClr val="tx1"/>
-                      </a:solidFill>
-                      <a:prstDash val="solid"/>
-                      <a:round/>
-                      <a:headEnd type="none" w="med" len="med"/>
-                      <a:tailEnd type="none" w="med" len="med"/>
-                    </a:lnT>
-                    <a:lnB w="12700" cap="flat" cmpd="sng" algn="ctr">
-                      <a:solidFill>
-                        <a:schemeClr val="tx1"/>
-                      </a:solidFill>
-                      <a:prstDash val="solid"/>
-                      <a:round/>
-                      <a:headEnd type="none" w="med" len="med"/>
-                      <a:tailEnd type="none" w="med" len="med"/>
-                    </a:lnB>
-                  </a:tcPr>
-                </a:tc>
-                <a:tc>
-                  <a:txBody>
-                    <a:bodyPr/>
-                    <a:lstStyle/>
-                    <a:p>
-                      <a:pPr indent="0" algn="ctr">
-                        <a:buNone/>
-                      </a:pPr>
-                      <a:r>
-                        <a:rPr lang="en-US" sz="3200" b="1" dirty="0">
-                          <a:latin typeface="Times New Roman" panose="02020603050405020304" pitchFamily="18" charset="0"/>
-                          <a:cs typeface="Times New Roman" panose="02020603050405020304" pitchFamily="18" charset="0"/>
-                        </a:rPr>
-                        <a:t>1</a:t>
-                      </a:r>
-                    </a:p>
-                  </a:txBody>
-                  <a:tcPr marL="68580" marR="68580" marT="0" marB="0" anchor="ctr">
-                    <a:lnL w="12700" cap="flat" cmpd="sng" algn="ctr">
-                      <a:solidFill>
-                        <a:schemeClr val="tx1"/>
-                      </a:solidFill>
-                      <a:prstDash val="solid"/>
-                      <a:round/>
-                      <a:headEnd type="none" w="med" len="med"/>
-                      <a:tailEnd type="none" w="med" len="med"/>
-                    </a:lnL>
-                    <a:lnR w="12700" cap="flat" cmpd="sng" algn="ctr">
-                      <a:solidFill>
-                        <a:schemeClr val="tx1"/>
-                      </a:solidFill>
-                      <a:prstDash val="solid"/>
-                      <a:round/>
-                      <a:headEnd type="none" w="med" len="med"/>
-                      <a:tailEnd type="none" w="med" len="med"/>
-                    </a:lnR>
-                    <a:lnT w="12700" cap="flat" cmpd="sng" algn="ctr">
-                      <a:solidFill>
-                        <a:schemeClr val="tx1"/>
-                      </a:solidFill>
-                      <a:prstDash val="solid"/>
-                      <a:round/>
-                      <a:headEnd type="none" w="med" len="med"/>
-                      <a:tailEnd type="none" w="med" len="med"/>
-                    </a:lnT>
-                    <a:lnB w="12700" cap="flat" cmpd="sng" algn="ctr">
-                      <a:solidFill>
-                        <a:schemeClr val="tx1"/>
-                      </a:solidFill>
-                      <a:prstDash val="solid"/>
-                      <a:round/>
-                      <a:headEnd type="none" w="med" len="med"/>
-                      <a:tailEnd type="none" w="med" len="med"/>
-                    </a:lnB>
-                  </a:tcPr>
-                </a:tc>
-                <a:tc>
-                  <a:txBody>
-                    <a:bodyPr/>
-                    <a:lstStyle/>
-                    <a:p>
-                      <a:pPr indent="0" algn="ctr">
-                        <a:buNone/>
-                      </a:pPr>
-                      <a:r>
-                        <a:rPr lang="en-US" sz="3200" b="1" dirty="0">
-                          <a:latin typeface="Times New Roman" panose="02020603050405020304" pitchFamily="18" charset="0"/>
-                          <a:cs typeface="Times New Roman" panose="02020603050405020304" pitchFamily="18" charset="0"/>
-                        </a:rPr>
-                        <a:t>5</a:t>
-                      </a:r>
-                    </a:p>
-                  </a:txBody>
-                  <a:tcPr marL="68580" marR="68580" marT="0" marB="0" anchor="ctr">
-                    <a:lnL w="12700" cap="flat" cmpd="sng" algn="ctr">
-                      <a:solidFill>
-                        <a:schemeClr val="tx1"/>
-                      </a:solidFill>
-                      <a:prstDash val="solid"/>
-                      <a:round/>
-                      <a:headEnd type="none" w="med" len="med"/>
-                      <a:tailEnd type="none" w="med" len="med"/>
-                    </a:lnL>
-                    <a:lnR w="12700" cap="flat" cmpd="sng" algn="ctr">
-                      <a:solidFill>
-                        <a:schemeClr val="tx1"/>
-                      </a:solidFill>
-                      <a:prstDash val="solid"/>
-                      <a:round/>
-                      <a:headEnd type="none" w="med" len="med"/>
-                      <a:tailEnd type="none" w="med" len="med"/>
-                    </a:lnR>
-                    <a:lnT w="12700" cap="flat" cmpd="sng" algn="ctr">
-                      <a:solidFill>
-                        <a:schemeClr val="tx1"/>
-                      </a:solidFill>
-                      <a:prstDash val="solid"/>
-                      <a:round/>
-                      <a:headEnd type="none" w="med" len="med"/>
-                      <a:tailEnd type="none" w="med" len="med"/>
-                    </a:lnT>
-                    <a:lnB w="12700" cap="flat" cmpd="sng" algn="ctr">
-                      <a:solidFill>
-                        <a:schemeClr val="tx1"/>
-                      </a:solidFill>
-                      <a:prstDash val="solid"/>
-                      <a:round/>
-                      <a:headEnd type="none" w="med" len="med"/>
-                      <a:tailEnd type="none" w="med" len="med"/>
-                    </a:lnB>
-                  </a:tcPr>
-                </a:tc>
-                <a:tc>
-                  <a:txBody>
-                    <a:bodyPr/>
-                    <a:lstStyle/>
-                    <a:p>
-                      <a:pPr indent="0" algn="ctr">
-                        <a:buNone/>
-                      </a:pPr>
-                      <a:r>
-                        <a:rPr lang="en-US" sz="3200" b="1" dirty="0">
-                          <a:latin typeface="Times New Roman" panose="02020603050405020304" pitchFamily="18" charset="0"/>
-                          <a:cs typeface="Times New Roman" panose="02020603050405020304" pitchFamily="18" charset="0"/>
-                        </a:rPr>
-                        <a:t>20</a:t>
-                      </a:r>
-                    </a:p>
-                  </a:txBody>
-                  <a:tcPr marL="68580" marR="68580" marT="0" marB="0" anchor="ctr">
-                    <a:lnL w="12700" cap="flat" cmpd="sng" algn="ctr">
-                      <a:solidFill>
-                        <a:schemeClr val="tx1"/>
-                      </a:solidFill>
-                      <a:prstDash val="solid"/>
-                      <a:round/>
-                      <a:headEnd type="none" w="med" len="med"/>
-                      <a:tailEnd type="none" w="med" len="med"/>
-                    </a:lnL>
-                    <a:lnR w="12700" cap="flat" cmpd="sng" algn="ctr">
-                      <a:solidFill>
-                        <a:schemeClr val="tx1"/>
-                      </a:solidFill>
-                      <a:prstDash val="solid"/>
-                      <a:round/>
-                      <a:headEnd type="none" w="med" len="med"/>
-                      <a:tailEnd type="none" w="med" len="med"/>
-                    </a:lnR>
-                    <a:lnT w="12700" cap="flat" cmpd="sng" algn="ctr">
-                      <a:solidFill>
-                        <a:schemeClr val="tx1"/>
-                      </a:solidFill>
-                      <a:prstDash val="solid"/>
-                      <a:round/>
-                      <a:headEnd type="none" w="med" len="med"/>
-                      <a:tailEnd type="none" w="med" len="med"/>
-                    </a:lnT>
-                    <a:lnB w="12700" cap="flat" cmpd="sng" algn="ctr">
-                      <a:solidFill>
-                        <a:schemeClr val="tx1"/>
-                      </a:solidFill>
-                      <a:prstDash val="solid"/>
-                      <a:round/>
-                      <a:headEnd type="none" w="med" len="med"/>
-                      <a:tailEnd type="none" w="med" len="med"/>
-                    </a:lnB>
-                  </a:tcPr>
-                </a:tc>
-                <a:extLst>
-                  <a:ext uri="{0D108BD9-81ED-4DB2-BD59-A6C34878D82A}">
-                    <a16:rowId xmlns:a16="http://schemas.microsoft.com/office/drawing/2014/main" val="10003"/>
-                  </a:ext>
-                </a:extLst>
-              </a:tr>
-              <a:tr h="1268277">
-                <a:tc>
-                  <a:txBody>
-                    <a:bodyPr/>
-                    <a:lstStyle/>
-                    <a:p>
-                      <a:pPr indent="0" algn="ctr">
-                        <a:buNone/>
-                      </a:pPr>
-                      <a:r>
-                        <a:rPr lang="ru-RU" sz="2200" dirty="0">
-                          <a:latin typeface="Times New Roman" panose="02020603050405020304" pitchFamily="18" charset="0"/>
-                          <a:cs typeface="Times New Roman" panose="02020603050405020304" pitchFamily="18" charset="0"/>
-                        </a:rPr>
-                        <a:t>Интеграция карты для локализации мед. учреждений</a:t>
-                      </a:r>
-                      <a:endParaRPr lang="en-US" sz="2200" dirty="0">
-                        <a:latin typeface="Times New Roman" panose="02020603050405020304" pitchFamily="18" charset="0"/>
-                        <a:cs typeface="Times New Roman" panose="02020603050405020304" pitchFamily="18" charset="0"/>
-                      </a:endParaRPr>
-                    </a:p>
-                  </a:txBody>
-                  <a:tcPr marL="68580" marR="68580" marT="0" marB="0" anchor="ctr">
-                    <a:lnL w="12700" cap="flat" cmpd="sng" algn="ctr">
-                      <a:solidFill>
-                        <a:schemeClr val="tx1"/>
-                      </a:solidFill>
-                      <a:prstDash val="solid"/>
-                      <a:round/>
-                      <a:headEnd type="none" w="med" len="med"/>
-                      <a:tailEnd type="none" w="med" len="med"/>
-                    </a:lnL>
-                    <a:lnR w="12700" cap="flat" cmpd="sng" algn="ctr">
-                      <a:solidFill>
-                        <a:schemeClr val="tx1"/>
-                      </a:solidFill>
-                      <a:prstDash val="solid"/>
-                      <a:round/>
-                      <a:headEnd type="none" w="med" len="med"/>
-                      <a:tailEnd type="none" w="med" len="med"/>
-                    </a:lnR>
-                    <a:lnT w="12700" cap="flat" cmpd="sng" algn="ctr">
-                      <a:solidFill>
-                        <a:schemeClr val="tx1"/>
-                      </a:solidFill>
-                      <a:prstDash val="solid"/>
-                      <a:round/>
-                      <a:headEnd type="none" w="med" len="med"/>
-                      <a:tailEnd type="none" w="med" len="med"/>
-                    </a:lnT>
-                    <a:lnB w="12700" cap="flat" cmpd="sng" algn="ctr">
-                      <a:solidFill>
-                        <a:schemeClr val="tx1"/>
-                      </a:solidFill>
-                      <a:prstDash val="solid"/>
-                      <a:round/>
-                      <a:headEnd type="none" w="med" len="med"/>
-                      <a:tailEnd type="none" w="med" len="med"/>
-                    </a:lnB>
-                  </a:tcPr>
-                </a:tc>
-                <a:tc>
-                  <a:txBody>
-                    <a:bodyPr/>
-                    <a:lstStyle/>
-                    <a:p>
-                      <a:pPr indent="0" algn="ctr">
-                        <a:buNone/>
-                      </a:pPr>
-                      <a:r>
-                        <a:rPr lang="en-US" sz="3600" b="1" dirty="0">
-                          <a:latin typeface="Times New Roman" panose="02020603050405020304" pitchFamily="18" charset="0"/>
-                          <a:cs typeface="Times New Roman" panose="02020603050405020304" pitchFamily="18" charset="0"/>
-                        </a:rPr>
-                        <a:t>-</a:t>
-                      </a:r>
-                    </a:p>
-                  </a:txBody>
-                  <a:tcPr marL="68580" marR="68580" marT="0" marB="0" anchor="ctr">
-                    <a:lnL w="12700" cap="flat" cmpd="sng" algn="ctr">
-                      <a:solidFill>
-                        <a:schemeClr val="tx1"/>
-                      </a:solidFill>
-                      <a:prstDash val="solid"/>
-                      <a:round/>
-                      <a:headEnd type="none" w="med" len="med"/>
-                      <a:tailEnd type="none" w="med" len="med"/>
-                    </a:lnL>
-                    <a:lnR w="12700" cap="flat" cmpd="sng" algn="ctr">
-                      <a:solidFill>
-                        <a:schemeClr val="tx1"/>
-                      </a:solidFill>
-                      <a:prstDash val="solid"/>
-                      <a:round/>
-                      <a:headEnd type="none" w="med" len="med"/>
-                      <a:tailEnd type="none" w="med" len="med"/>
-                    </a:lnR>
-                    <a:lnT w="12700" cap="flat" cmpd="sng" algn="ctr">
-                      <a:solidFill>
-                        <a:schemeClr val="tx1"/>
-                      </a:solidFill>
-                      <a:prstDash val="solid"/>
-                      <a:round/>
-                      <a:headEnd type="none" w="med" len="med"/>
-                      <a:tailEnd type="none" w="med" len="med"/>
-                    </a:lnT>
-                    <a:lnB w="12700" cap="flat" cmpd="sng" algn="ctr">
-                      <a:solidFill>
-                        <a:schemeClr val="tx1"/>
-                      </a:solidFill>
-                      <a:prstDash val="solid"/>
-                      <a:round/>
-                      <a:headEnd type="none" w="med" len="med"/>
-                      <a:tailEnd type="none" w="med" len="med"/>
-                    </a:lnB>
-                  </a:tcPr>
-                </a:tc>
-                <a:tc>
-                  <a:txBody>
-                    <a:bodyPr/>
-                    <a:lstStyle/>
-                    <a:p>
-                      <a:pPr indent="0" algn="ctr">
-                        <a:buNone/>
-                      </a:pPr>
-                      <a:r>
-                        <a:rPr lang="en-US" sz="3600" b="1" dirty="0">
-                          <a:latin typeface="Times New Roman" panose="02020603050405020304" pitchFamily="18" charset="0"/>
-                          <a:cs typeface="Times New Roman" panose="02020603050405020304" pitchFamily="18" charset="0"/>
-                        </a:rPr>
-                        <a:t>-</a:t>
-                      </a:r>
-                    </a:p>
-                  </a:txBody>
-                  <a:tcPr marL="68580" marR="68580" marT="0" marB="0" anchor="ctr">
-                    <a:lnL w="12700" cap="flat" cmpd="sng" algn="ctr">
-                      <a:solidFill>
-                        <a:schemeClr val="tx1"/>
-                      </a:solidFill>
-                      <a:prstDash val="solid"/>
-                      <a:round/>
-                      <a:headEnd type="none" w="med" len="med"/>
-                      <a:tailEnd type="none" w="med" len="med"/>
-                    </a:lnL>
-                    <a:lnR w="12700" cap="flat" cmpd="sng" algn="ctr">
-                      <a:solidFill>
-                        <a:schemeClr val="tx1"/>
-                      </a:solidFill>
-                      <a:prstDash val="solid"/>
-                      <a:round/>
-                      <a:headEnd type="none" w="med" len="med"/>
-                      <a:tailEnd type="none" w="med" len="med"/>
-                    </a:lnR>
-                    <a:lnT w="12700" cap="flat" cmpd="sng" algn="ctr">
-                      <a:solidFill>
-                        <a:schemeClr val="tx1"/>
-                      </a:solidFill>
-                      <a:prstDash val="solid"/>
-                      <a:round/>
-                      <a:headEnd type="none" w="med" len="med"/>
-                      <a:tailEnd type="none" w="med" len="med"/>
-                    </a:lnT>
-                    <a:lnB w="12700" cap="flat" cmpd="sng" algn="ctr">
-                      <a:solidFill>
-                        <a:schemeClr val="tx1"/>
-                      </a:solidFill>
-                      <a:prstDash val="solid"/>
-                      <a:round/>
-                      <a:headEnd type="none" w="med" len="med"/>
-                      <a:tailEnd type="none" w="med" len="med"/>
-                    </a:lnB>
-                  </a:tcPr>
-                </a:tc>
-                <a:tc>
-                  <a:txBody>
-                    <a:bodyPr/>
-                    <a:lstStyle/>
-                    <a:p>
-                      <a:pPr indent="0" algn="ctr">
-                        <a:buNone/>
-                      </a:pPr>
-                      <a:r>
-                        <a:rPr lang="en-US" sz="3600" b="1" dirty="0">
-                          <a:latin typeface="Times New Roman" panose="02020603050405020304" pitchFamily="18" charset="0"/>
-                          <a:cs typeface="Times New Roman" panose="02020603050405020304" pitchFamily="18" charset="0"/>
-                        </a:rPr>
-                        <a:t>-</a:t>
-                      </a:r>
-                    </a:p>
-                  </a:txBody>
-                  <a:tcPr marL="68580" marR="68580" marT="0" marB="0" anchor="ctr">
-                    <a:lnL w="12700" cap="flat" cmpd="sng" algn="ctr">
-                      <a:solidFill>
-                        <a:schemeClr val="tx1"/>
-                      </a:solidFill>
-                      <a:prstDash val="solid"/>
-                      <a:round/>
-                      <a:headEnd type="none" w="med" len="med"/>
-                      <a:tailEnd type="none" w="med" len="med"/>
-                    </a:lnL>
-                    <a:lnR w="12700" cap="flat" cmpd="sng" algn="ctr">
-                      <a:solidFill>
-                        <a:schemeClr val="tx1"/>
-                      </a:solidFill>
-                      <a:prstDash val="solid"/>
-                      <a:round/>
-                      <a:headEnd type="none" w="med" len="med"/>
-                      <a:tailEnd type="none" w="med" len="med"/>
-                    </a:lnR>
-                    <a:lnT w="12700" cap="flat" cmpd="sng" algn="ctr">
-                      <a:solidFill>
-                        <a:schemeClr val="tx1"/>
-                      </a:solidFill>
-                      <a:prstDash val="solid"/>
-                      <a:round/>
-                      <a:headEnd type="none" w="med" len="med"/>
-                      <a:tailEnd type="none" w="med" len="med"/>
-                    </a:lnT>
-                    <a:lnB w="12700" cap="flat" cmpd="sng" algn="ctr">
-                      <a:solidFill>
-                        <a:schemeClr val="tx1"/>
-                      </a:solidFill>
-                      <a:prstDash val="solid"/>
-                      <a:round/>
-                      <a:headEnd type="none" w="med" len="med"/>
-                      <a:tailEnd type="none" w="med" len="med"/>
-                    </a:lnB>
-                  </a:tcPr>
-                </a:tc>
-                <a:extLst>
-                  <a:ext uri="{0D108BD9-81ED-4DB2-BD59-A6C34878D82A}">
-                    <a16:rowId xmlns:a16="http://schemas.microsoft.com/office/drawing/2014/main" val="10004"/>
-                  </a:ext>
-                </a:extLst>
-              </a:tr>
-              <a:tr h="840883">
-                <a:tc>
-                  <a:txBody>
-                    <a:bodyPr/>
-                    <a:lstStyle/>
-                    <a:p>
-                      <a:pPr indent="0" algn="ctr">
-                        <a:buNone/>
-                      </a:pPr>
-                      <a:r>
-                        <a:rPr lang="ru-RU" sz="2200" dirty="0">
-                          <a:latin typeface="Times New Roman" panose="02020603050405020304" pitchFamily="18" charset="0"/>
-                          <a:cs typeface="Times New Roman" panose="02020603050405020304" pitchFamily="18" charset="0"/>
-                        </a:rPr>
-                        <a:t>Работа в </a:t>
-                      </a:r>
-                      <a:r>
-                        <a:rPr lang="ru-RU" sz="2200" dirty="0" err="1">
-                          <a:latin typeface="Times New Roman" panose="02020603050405020304" pitchFamily="18" charset="0"/>
-                          <a:cs typeface="Times New Roman" panose="02020603050405020304" pitchFamily="18" charset="0"/>
-                        </a:rPr>
-                        <a:t>оффлайн</a:t>
-                      </a:r>
-                      <a:r>
-                        <a:rPr lang="ru-RU" sz="2200" dirty="0">
-                          <a:latin typeface="Times New Roman" panose="02020603050405020304" pitchFamily="18" charset="0"/>
-                          <a:cs typeface="Times New Roman" panose="02020603050405020304" pitchFamily="18" charset="0"/>
-                        </a:rPr>
-                        <a:t>-режиме</a:t>
-                      </a:r>
-                      <a:endParaRPr lang="en-US" sz="2200" dirty="0">
-                        <a:latin typeface="Times New Roman" panose="02020603050405020304" pitchFamily="18" charset="0"/>
-                        <a:cs typeface="Times New Roman" panose="02020603050405020304" pitchFamily="18" charset="0"/>
-                      </a:endParaRPr>
-                    </a:p>
-                  </a:txBody>
-                  <a:tcPr marL="68580" marR="68580" marT="0" marB="0" anchor="ctr">
-                    <a:lnL w="12700" cap="flat" cmpd="sng" algn="ctr">
-                      <a:solidFill>
-                        <a:schemeClr val="tx1"/>
-                      </a:solidFill>
-                      <a:prstDash val="solid"/>
-                      <a:round/>
-                      <a:headEnd type="none" w="med" len="med"/>
-                      <a:tailEnd type="none" w="med" len="med"/>
-                    </a:lnL>
-                    <a:lnR w="12700" cap="flat" cmpd="sng" algn="ctr">
-                      <a:solidFill>
-                        <a:schemeClr val="tx1"/>
-                      </a:solidFill>
-                      <a:prstDash val="solid"/>
-                      <a:round/>
-                      <a:headEnd type="none" w="med" len="med"/>
-                      <a:tailEnd type="none" w="med" len="med"/>
-                    </a:lnR>
-                    <a:lnT w="12700" cap="flat" cmpd="sng" algn="ctr">
-                      <a:solidFill>
-                        <a:schemeClr val="tx1"/>
-                      </a:solidFill>
-                      <a:prstDash val="solid"/>
-                      <a:round/>
-                      <a:headEnd type="none" w="med" len="med"/>
-                      <a:tailEnd type="none" w="med" len="med"/>
-                    </a:lnT>
-                    <a:lnB w="12700" cap="flat" cmpd="sng" algn="ctr">
-                      <a:solidFill>
-                        <a:schemeClr val="tx1"/>
-                      </a:solidFill>
-                      <a:prstDash val="solid"/>
-                      <a:round/>
-                      <a:headEnd type="none" w="med" len="med"/>
-                      <a:tailEnd type="none" w="med" len="med"/>
-                    </a:lnB>
-                  </a:tcPr>
-                </a:tc>
-                <a:tc>
-                  <a:txBody>
-                    <a:bodyPr/>
-                    <a:lstStyle/>
-                    <a:p>
-                      <a:pPr indent="0" algn="ctr">
-                        <a:buNone/>
-                      </a:pPr>
-                      <a:r>
-                        <a:rPr lang="ru-RU" sz="3600" b="1" dirty="0">
-                          <a:latin typeface="Times New Roman" panose="02020603050405020304" pitchFamily="18" charset="0"/>
-                          <a:cs typeface="Times New Roman" panose="02020603050405020304" pitchFamily="18" charset="0"/>
-                        </a:rPr>
-                        <a:t>-</a:t>
-                      </a:r>
-                      <a:endParaRPr lang="en-US" sz="3600" b="1" dirty="0">
-                        <a:latin typeface="Times New Roman" panose="02020603050405020304" pitchFamily="18" charset="0"/>
-                        <a:cs typeface="Times New Roman" panose="02020603050405020304" pitchFamily="18" charset="0"/>
-                      </a:endParaRPr>
-                    </a:p>
-                  </a:txBody>
-                  <a:tcPr marL="68580" marR="68580" marT="0" marB="0" anchor="ctr">
-                    <a:lnL w="12700" cap="flat" cmpd="sng" algn="ctr">
-                      <a:solidFill>
-                        <a:schemeClr val="tx1"/>
-                      </a:solidFill>
-                      <a:prstDash val="solid"/>
-                      <a:round/>
-                      <a:headEnd type="none" w="med" len="med"/>
-                      <a:tailEnd type="none" w="med" len="med"/>
-                    </a:lnL>
-                    <a:lnR w="12700" cap="flat" cmpd="sng" algn="ctr">
-                      <a:solidFill>
-                        <a:schemeClr val="tx1"/>
-                      </a:solidFill>
-                      <a:prstDash val="solid"/>
-                      <a:round/>
-                      <a:headEnd type="none" w="med" len="med"/>
-                      <a:tailEnd type="none" w="med" len="med"/>
-                    </a:lnR>
-                    <a:lnT w="12700" cap="flat" cmpd="sng" algn="ctr">
-                      <a:solidFill>
-                        <a:schemeClr val="tx1"/>
-                      </a:solidFill>
-                      <a:prstDash val="solid"/>
-                      <a:round/>
-                      <a:headEnd type="none" w="med" len="med"/>
-                      <a:tailEnd type="none" w="med" len="med"/>
-                    </a:lnT>
-                    <a:lnB w="12700" cap="flat" cmpd="sng" algn="ctr">
-                      <a:solidFill>
-                        <a:schemeClr val="tx1"/>
-                      </a:solidFill>
-                      <a:prstDash val="solid"/>
-                      <a:round/>
-                      <a:headEnd type="none" w="med" len="med"/>
-                      <a:tailEnd type="none" w="med" len="med"/>
-                    </a:lnB>
-                  </a:tcPr>
-                </a:tc>
-                <a:tc>
-                  <a:txBody>
-                    <a:bodyPr/>
-                    <a:lstStyle/>
-                    <a:p>
-                      <a:pPr indent="0" algn="ctr">
-                        <a:buNone/>
-                      </a:pPr>
-                      <a:r>
-                        <a:rPr lang="ru-RU" sz="3600" b="1" dirty="0">
-                          <a:latin typeface="Times New Roman" panose="02020603050405020304" pitchFamily="18" charset="0"/>
-                          <a:cs typeface="Times New Roman" panose="02020603050405020304" pitchFamily="18" charset="0"/>
-                        </a:rPr>
-                        <a:t>-</a:t>
-                      </a:r>
-                      <a:endParaRPr lang="en-US" sz="3600" b="1" dirty="0">
-                        <a:latin typeface="Times New Roman" panose="02020603050405020304" pitchFamily="18" charset="0"/>
-                        <a:cs typeface="Times New Roman" panose="02020603050405020304" pitchFamily="18" charset="0"/>
-                      </a:endParaRPr>
-                    </a:p>
-                  </a:txBody>
-                  <a:tcPr marL="68580" marR="68580" marT="0" marB="0" anchor="ctr">
-                    <a:lnL w="12700" cap="flat" cmpd="sng" algn="ctr">
-                      <a:solidFill>
-                        <a:schemeClr val="tx1"/>
-                      </a:solidFill>
-                      <a:prstDash val="solid"/>
-                      <a:round/>
-                      <a:headEnd type="none" w="med" len="med"/>
-                      <a:tailEnd type="none" w="med" len="med"/>
-                    </a:lnL>
-                    <a:lnR w="12700" cap="flat" cmpd="sng" algn="ctr">
-                      <a:solidFill>
-                        <a:schemeClr val="tx1"/>
-                      </a:solidFill>
-                      <a:prstDash val="solid"/>
-                      <a:round/>
-                      <a:headEnd type="none" w="med" len="med"/>
-                      <a:tailEnd type="none" w="med" len="med"/>
-                    </a:lnR>
-                    <a:lnT w="12700" cap="flat" cmpd="sng" algn="ctr">
-                      <a:solidFill>
-                        <a:schemeClr val="tx1"/>
-                      </a:solidFill>
-                      <a:prstDash val="solid"/>
-                      <a:round/>
-                      <a:headEnd type="none" w="med" len="med"/>
-                      <a:tailEnd type="none" w="med" len="med"/>
-                    </a:lnT>
-                    <a:lnB w="12700" cap="flat" cmpd="sng" algn="ctr">
-                      <a:solidFill>
-                        <a:schemeClr val="tx1"/>
-                      </a:solidFill>
-                      <a:prstDash val="solid"/>
-                      <a:round/>
-                      <a:headEnd type="none" w="med" len="med"/>
-                      <a:tailEnd type="none" w="med" len="med"/>
-                    </a:lnB>
-                  </a:tcPr>
-                </a:tc>
-                <a:tc>
-                  <a:txBody>
-                    <a:bodyPr/>
-                    <a:lstStyle/>
-                    <a:p>
-                      <a:pPr indent="0" algn="ctr">
-                        <a:buNone/>
-                      </a:pPr>
-                      <a:r>
-                        <a:rPr lang="ru-RU" sz="3600" b="1" dirty="0">
-                          <a:latin typeface="Times New Roman" panose="02020603050405020304" pitchFamily="18" charset="0"/>
-                          <a:cs typeface="Times New Roman" panose="02020603050405020304" pitchFamily="18" charset="0"/>
-                        </a:rPr>
-                        <a:t>-</a:t>
-                      </a:r>
-                      <a:endParaRPr lang="en-US" sz="3600" b="1" dirty="0">
-                        <a:latin typeface="Times New Roman" panose="02020603050405020304" pitchFamily="18" charset="0"/>
-                        <a:cs typeface="Times New Roman" panose="02020603050405020304" pitchFamily="18" charset="0"/>
-                      </a:endParaRPr>
-                    </a:p>
-                  </a:txBody>
-                  <a:tcPr marL="68580" marR="68580" marT="0" marB="0" anchor="ctr">
-                    <a:lnL w="12700" cap="flat" cmpd="sng" algn="ctr">
-                      <a:solidFill>
-                        <a:schemeClr val="tx1"/>
-                      </a:solidFill>
-                      <a:prstDash val="solid"/>
-                      <a:round/>
-                      <a:headEnd type="none" w="med" len="med"/>
-                      <a:tailEnd type="none" w="med" len="med"/>
-                    </a:lnL>
-                    <a:lnR w="12700" cap="flat" cmpd="sng" algn="ctr">
-                      <a:solidFill>
-                        <a:schemeClr val="tx1"/>
-                      </a:solidFill>
-                      <a:prstDash val="solid"/>
-                      <a:round/>
-                      <a:headEnd type="none" w="med" len="med"/>
-                      <a:tailEnd type="none" w="med" len="med"/>
-                    </a:lnR>
-                    <a:lnT w="12700" cap="flat" cmpd="sng" algn="ctr">
-                      <a:solidFill>
-                        <a:schemeClr val="tx1"/>
-                      </a:solidFill>
-                      <a:prstDash val="solid"/>
-                      <a:round/>
-                      <a:headEnd type="none" w="med" len="med"/>
-                      <a:tailEnd type="none" w="med" len="med"/>
-                    </a:lnT>
-                    <a:lnB w="12700" cap="flat" cmpd="sng" algn="ctr">
-                      <a:solidFill>
-                        <a:schemeClr val="tx1"/>
-                      </a:solidFill>
-                      <a:prstDash val="solid"/>
-                      <a:round/>
-                      <a:headEnd type="none" w="med" len="med"/>
-                      <a:tailEnd type="none" w="med" len="med"/>
-                    </a:lnB>
-                  </a:tcPr>
-                </a:tc>
-                <a:extLst>
-                  <a:ext uri="{0D108BD9-81ED-4DB2-BD59-A6C34878D82A}">
-                    <a16:rowId xmlns:a16="http://schemas.microsoft.com/office/drawing/2014/main" val="1523715870"/>
-                  </a:ext>
-                </a:extLst>
-              </a:tr>
-            </a:tbl>
-          </a:graphicData>
-        </a:graphic>
-      </p:graphicFrame>
       <p:sp>
         <p:nvSpPr>
           <p:cNvPr id="6" name="Text Box 5"/>
@@ -6538,7 +5847,7 @@
         </p:nvSpPr>
         <p:spPr>
           <a:xfrm>
-            <a:off x="314648" y="997486"/>
+            <a:off x="314648" y="656085"/>
             <a:ext cx="7494335" cy="400110"/>
           </a:xfrm>
           <a:prstGeom prst="rect">
@@ -6593,7 +5902,3455 @@
           </a:prstGeom>
         </p:spPr>
       </p:pic>
+      <p:graphicFrame>
+        <p:nvGraphicFramePr>
+          <p:cNvPr id="10" name="Table 3">
+            <a:extLst>
+              <a:ext uri="{FF2B5EF4-FFF2-40B4-BE49-F238E27FC236}">
+                <a16:creationId xmlns:a16="http://schemas.microsoft.com/office/drawing/2014/main" id="{63D66644-FDF0-41BC-A8FD-A37444898A50}"/>
+              </a:ext>
+            </a:extLst>
+          </p:cNvPr>
+          <p:cNvGraphicFramePr/>
+          <p:nvPr>
+            <p:extLst>
+              <p:ext uri="{D42A27DB-BD31-4B8C-83A1-F6EECF244321}">
+                <p14:modId xmlns:p14="http://schemas.microsoft.com/office/powerpoint/2010/main" val="2374821882"/>
+              </p:ext>
+            </p:extLst>
+          </p:nvPr>
+        </p:nvGraphicFramePr>
+        <p:xfrm>
+          <a:off x="381972" y="1085175"/>
+          <a:ext cx="11276627" cy="5475544"/>
+        </p:xfrm>
+        <a:graphic>
+          <a:graphicData uri="http://schemas.openxmlformats.org/drawingml/2006/table">
+            <a:tbl>
+              <a:tblPr firstRow="1" bandRow="1">
+                <a:tableStyleId>{2D5ABB26-0587-4C30-8999-92F81FD0307C}</a:tableStyleId>
+              </a:tblPr>
+              <a:tblGrid>
+                <a:gridCol w="2514623">
+                  <a:extLst>
+                    <a:ext uri="{9D8B030D-6E8A-4147-A177-3AD203B41FA5}">
+                      <a16:colId xmlns:a16="http://schemas.microsoft.com/office/drawing/2014/main" val="20000"/>
+                    </a:ext>
+                  </a:extLst>
+                </a:gridCol>
+                <a:gridCol w="1996029">
+                  <a:extLst>
+                    <a:ext uri="{9D8B030D-6E8A-4147-A177-3AD203B41FA5}">
+                      <a16:colId xmlns:a16="http://schemas.microsoft.com/office/drawing/2014/main" val="20001"/>
+                    </a:ext>
+                  </a:extLst>
+                </a:gridCol>
+                <a:gridCol w="2255325">
+                  <a:extLst>
+                    <a:ext uri="{9D8B030D-6E8A-4147-A177-3AD203B41FA5}">
+                      <a16:colId xmlns:a16="http://schemas.microsoft.com/office/drawing/2014/main" val="20002"/>
+                    </a:ext>
+                  </a:extLst>
+                </a:gridCol>
+                <a:gridCol w="2255325">
+                  <a:extLst>
+                    <a:ext uri="{9D8B030D-6E8A-4147-A177-3AD203B41FA5}">
+                      <a16:colId xmlns:a16="http://schemas.microsoft.com/office/drawing/2014/main" val="20003"/>
+                    </a:ext>
+                  </a:extLst>
+                </a:gridCol>
+                <a:gridCol w="2255325">
+                  <a:extLst>
+                    <a:ext uri="{9D8B030D-6E8A-4147-A177-3AD203B41FA5}">
+                      <a16:colId xmlns:a16="http://schemas.microsoft.com/office/drawing/2014/main" val="3034312804"/>
+                    </a:ext>
+                  </a:extLst>
+                </a:gridCol>
+              </a:tblGrid>
+              <a:tr h="456998">
+                <a:tc>
+                  <a:txBody>
+                    <a:bodyPr/>
+                    <a:lstStyle/>
+                    <a:p>
+                      <a:pPr algn="ctr">
+                        <a:buNone/>
+                      </a:pPr>
+                      <a:endParaRPr lang="ru-RU" altLang="en-US" sz="2200" dirty="0">
+                        <a:latin typeface="Times New Roman" panose="02020603050405020304" pitchFamily="18" charset="0"/>
+                        <a:cs typeface="Times New Roman" panose="02020603050405020304" pitchFamily="18" charset="0"/>
+                      </a:endParaRPr>
+                    </a:p>
+                  </a:txBody>
+                  <a:tcPr anchor="ctr">
+                    <a:lnL w="12700" cap="flat" cmpd="sng" algn="ctr">
+                      <a:solidFill>
+                        <a:schemeClr val="tx1"/>
+                      </a:solidFill>
+                      <a:prstDash val="solid"/>
+                      <a:round/>
+                      <a:headEnd type="none" w="med" len="med"/>
+                      <a:tailEnd type="none" w="med" len="med"/>
+                    </a:lnL>
+                    <a:lnR w="12700" cap="flat" cmpd="sng" algn="ctr">
+                      <a:solidFill>
+                        <a:schemeClr val="tx1"/>
+                      </a:solidFill>
+                      <a:prstDash val="solid"/>
+                      <a:round/>
+                      <a:headEnd type="none" w="med" len="med"/>
+                      <a:tailEnd type="none" w="med" len="med"/>
+                    </a:lnR>
+                    <a:lnT w="12700" cap="flat" cmpd="sng" algn="ctr">
+                      <a:solidFill>
+                        <a:schemeClr val="tx1"/>
+                      </a:solidFill>
+                      <a:prstDash val="solid"/>
+                      <a:round/>
+                      <a:headEnd type="none" w="med" len="med"/>
+                      <a:tailEnd type="none" w="med" len="med"/>
+                    </a:lnT>
+                    <a:lnB w="12700" cap="flat" cmpd="sng" algn="ctr">
+                      <a:solidFill>
+                        <a:schemeClr val="tx1"/>
+                      </a:solidFill>
+                      <a:prstDash val="solid"/>
+                      <a:round/>
+                      <a:headEnd type="none" w="med" len="med"/>
+                      <a:tailEnd type="none" w="med" len="med"/>
+                    </a:lnB>
+                  </a:tcPr>
+                </a:tc>
+                <a:tc>
+                  <a:txBody>
+                    <a:bodyPr/>
+                    <a:lstStyle/>
+                    <a:p>
+                      <a:pPr indent="0" algn="ctr">
+                        <a:buNone/>
+                      </a:pPr>
+                      <a:r>
+                        <a:rPr lang="en-US" sz="2200" b="0" i="0" kern="1200" dirty="0" err="1">
+                          <a:solidFill>
+                            <a:schemeClr val="tx1"/>
+                          </a:solidFill>
+                          <a:effectLst/>
+                          <a:latin typeface="Times New Roman" panose="02020603050405020304" pitchFamily="18" charset="0"/>
+                          <a:ea typeface="+mn-ea"/>
+                          <a:cs typeface="Times New Roman" panose="02020603050405020304" pitchFamily="18" charset="0"/>
+                        </a:rPr>
+                        <a:t>Balatro</a:t>
+                      </a:r>
+                      <a:endParaRPr lang="en-US" sz="2200" b="0" dirty="0">
+                        <a:latin typeface="Times New Roman" panose="02020603050405020304" pitchFamily="18" charset="0"/>
+                        <a:cs typeface="Times New Roman" panose="02020603050405020304" pitchFamily="18" charset="0"/>
+                      </a:endParaRPr>
+                    </a:p>
+                  </a:txBody>
+                  <a:tcPr marL="68580" marR="68580" marT="0" marB="0" anchor="ctr">
+                    <a:lnL w="12700" cap="flat" cmpd="sng" algn="ctr">
+                      <a:solidFill>
+                        <a:schemeClr val="tx1"/>
+                      </a:solidFill>
+                      <a:prstDash val="solid"/>
+                      <a:round/>
+                      <a:headEnd type="none" w="med" len="med"/>
+                      <a:tailEnd type="none" w="med" len="med"/>
+                    </a:lnL>
+                    <a:lnR w="12700" cap="flat" cmpd="sng" algn="ctr">
+                      <a:solidFill>
+                        <a:schemeClr val="tx1"/>
+                      </a:solidFill>
+                      <a:prstDash val="solid"/>
+                      <a:round/>
+                      <a:headEnd type="none" w="med" len="med"/>
+                      <a:tailEnd type="none" w="med" len="med"/>
+                    </a:lnR>
+                    <a:lnT w="12700" cap="flat" cmpd="sng" algn="ctr">
+                      <a:solidFill>
+                        <a:schemeClr val="tx1"/>
+                      </a:solidFill>
+                      <a:prstDash val="solid"/>
+                      <a:round/>
+                      <a:headEnd type="none" w="med" len="med"/>
+                      <a:tailEnd type="none" w="med" len="med"/>
+                    </a:lnT>
+                    <a:lnB w="12700" cap="flat" cmpd="sng" algn="ctr">
+                      <a:solidFill>
+                        <a:schemeClr val="tx1"/>
+                      </a:solidFill>
+                      <a:prstDash val="solid"/>
+                      <a:round/>
+                      <a:headEnd type="none" w="med" len="med"/>
+                      <a:tailEnd type="none" w="med" len="med"/>
+                    </a:lnB>
+                  </a:tcPr>
+                </a:tc>
+                <a:tc>
+                  <a:txBody>
+                    <a:bodyPr/>
+                    <a:lstStyle/>
+                    <a:p>
+                      <a:pPr marL="0" marR="0" lvl="0" indent="0" algn="ctr" defTabSz="914400" rtl="0" eaLnBrk="1" fontAlgn="auto" latinLnBrk="0" hangingPunct="1">
+                        <a:lnSpc>
+                          <a:spcPct val="100000"/>
+                        </a:lnSpc>
+                        <a:spcBef>
+                          <a:spcPts val="0"/>
+                        </a:spcBef>
+                        <a:spcAft>
+                          <a:spcPts val="0"/>
+                        </a:spcAft>
+                        <a:buClrTx/>
+                        <a:buSzTx/>
+                        <a:buFontTx/>
+                        <a:buNone/>
+                        <a:tabLst/>
+                        <a:defRPr/>
+                      </a:pPr>
+                      <a:r>
+                        <a:rPr lang="en-US" sz="1800" b="0" kern="1200" dirty="0">
+                          <a:solidFill>
+                            <a:schemeClr val="tx1"/>
+                          </a:solidFill>
+                          <a:effectLst/>
+                          <a:latin typeface="+mn-lt"/>
+                          <a:ea typeface="+mn-ea"/>
+                          <a:cs typeface="+mn-cs"/>
+                        </a:rPr>
+                        <a:t>The Battle of </a:t>
+                      </a:r>
+                      <a:r>
+                        <a:rPr lang="en-US" sz="1800" b="0" kern="1200" dirty="0" err="1">
+                          <a:solidFill>
+                            <a:schemeClr val="tx1"/>
+                          </a:solidFill>
+                          <a:effectLst/>
+                          <a:latin typeface="+mn-lt"/>
+                          <a:ea typeface="+mn-ea"/>
+                          <a:cs typeface="+mn-cs"/>
+                        </a:rPr>
+                        <a:t>Polytopia</a:t>
+                      </a:r>
+                      <a:endParaRPr lang="en-US" sz="1800" b="0" kern="1200" dirty="0">
+                        <a:solidFill>
+                          <a:schemeClr val="tx1"/>
+                        </a:solidFill>
+                        <a:effectLst/>
+                        <a:latin typeface="+mn-lt"/>
+                        <a:ea typeface="+mn-ea"/>
+                        <a:cs typeface="+mn-cs"/>
+                      </a:endParaRPr>
+                    </a:p>
+                  </a:txBody>
+                  <a:tcPr marL="68580" marR="68580" marT="0" marB="0" anchor="ctr">
+                    <a:lnL w="12700" cap="flat" cmpd="sng" algn="ctr">
+                      <a:solidFill>
+                        <a:schemeClr val="tx1"/>
+                      </a:solidFill>
+                      <a:prstDash val="solid"/>
+                      <a:round/>
+                      <a:headEnd type="none" w="med" len="med"/>
+                      <a:tailEnd type="none" w="med" len="med"/>
+                    </a:lnL>
+                    <a:lnR w="12700" cap="flat" cmpd="sng" algn="ctr">
+                      <a:solidFill>
+                        <a:schemeClr val="tx1"/>
+                      </a:solidFill>
+                      <a:prstDash val="solid"/>
+                      <a:round/>
+                      <a:headEnd type="none" w="med" len="med"/>
+                      <a:tailEnd type="none" w="med" len="med"/>
+                    </a:lnR>
+                    <a:lnT w="12700" cap="flat" cmpd="sng" algn="ctr">
+                      <a:solidFill>
+                        <a:schemeClr val="tx1"/>
+                      </a:solidFill>
+                      <a:prstDash val="solid"/>
+                      <a:round/>
+                      <a:headEnd type="none" w="med" len="med"/>
+                      <a:tailEnd type="none" w="med" len="med"/>
+                    </a:lnT>
+                    <a:lnB w="12700" cap="flat" cmpd="sng" algn="ctr">
+                      <a:solidFill>
+                        <a:schemeClr val="tx1"/>
+                      </a:solidFill>
+                      <a:prstDash val="solid"/>
+                      <a:round/>
+                      <a:headEnd type="none" w="med" len="med"/>
+                      <a:tailEnd type="none" w="med" len="med"/>
+                    </a:lnB>
+                  </a:tcPr>
+                </a:tc>
+                <a:tc>
+                  <a:txBody>
+                    <a:bodyPr/>
+                    <a:lstStyle/>
+                    <a:p>
+                      <a:pPr algn="ctr"/>
+                      <a:r>
+                        <a:rPr lang="en-US" sz="1800" b="0" kern="1200" dirty="0">
+                          <a:solidFill>
+                            <a:schemeClr val="tx1"/>
+                          </a:solidFill>
+                          <a:effectLst/>
+                          <a:latin typeface="+mn-lt"/>
+                          <a:ea typeface="+mn-ea"/>
+                          <a:cs typeface="+mn-cs"/>
+                        </a:rPr>
+                        <a:t>Victoria 3</a:t>
+                      </a:r>
+                    </a:p>
+                  </a:txBody>
+                  <a:tcPr marL="68580" marR="68580" marT="0" marB="0" anchor="ctr">
+                    <a:lnL w="12700" cap="flat" cmpd="sng" algn="ctr">
+                      <a:solidFill>
+                        <a:schemeClr val="tx1"/>
+                      </a:solidFill>
+                      <a:prstDash val="solid"/>
+                      <a:round/>
+                      <a:headEnd type="none" w="med" len="med"/>
+                      <a:tailEnd type="none" w="med" len="med"/>
+                    </a:lnL>
+                    <a:lnR w="12700" cap="flat" cmpd="sng" algn="ctr">
+                      <a:solidFill>
+                        <a:schemeClr val="tx1"/>
+                      </a:solidFill>
+                      <a:prstDash val="solid"/>
+                      <a:round/>
+                      <a:headEnd type="none" w="med" len="med"/>
+                      <a:tailEnd type="none" w="med" len="med"/>
+                    </a:lnR>
+                    <a:lnT w="12700" cap="flat" cmpd="sng" algn="ctr">
+                      <a:solidFill>
+                        <a:schemeClr val="tx1"/>
+                      </a:solidFill>
+                      <a:prstDash val="solid"/>
+                      <a:round/>
+                      <a:headEnd type="none" w="med" len="med"/>
+                      <a:tailEnd type="none" w="med" len="med"/>
+                    </a:lnT>
+                    <a:lnB w="12700" cap="flat" cmpd="sng" algn="ctr">
+                      <a:solidFill>
+                        <a:schemeClr val="tx1"/>
+                      </a:solidFill>
+                      <a:prstDash val="solid"/>
+                      <a:round/>
+                      <a:headEnd type="none" w="med" len="med"/>
+                      <a:tailEnd type="none" w="med" len="med"/>
+                    </a:lnB>
+                  </a:tcPr>
+                </a:tc>
+                <a:tc>
+                  <a:txBody>
+                    <a:bodyPr/>
+                    <a:lstStyle/>
+                    <a:p>
+                      <a:pPr algn="ctr"/>
+                      <a:r>
+                        <a:rPr lang="en-US" sz="1800" b="0" kern="1200" dirty="0" err="1">
+                          <a:solidFill>
+                            <a:schemeClr val="tx1"/>
+                          </a:solidFill>
+                          <a:effectLst/>
+                          <a:latin typeface="+mn-lt"/>
+                          <a:ea typeface="+mn-ea"/>
+                          <a:cs typeface="+mn-cs"/>
+                        </a:rPr>
+                        <a:t>Diceville</a:t>
+                      </a:r>
+                      <a:endParaRPr lang="en-US" sz="1800" b="0" kern="1200" dirty="0">
+                        <a:solidFill>
+                          <a:schemeClr val="tx1"/>
+                        </a:solidFill>
+                        <a:effectLst/>
+                        <a:latin typeface="+mn-lt"/>
+                        <a:ea typeface="+mn-ea"/>
+                        <a:cs typeface="+mn-cs"/>
+                      </a:endParaRPr>
+                    </a:p>
+                  </a:txBody>
+                  <a:tcPr marL="68580" marR="68580" marT="0" marB="0" anchor="ctr">
+                    <a:lnL w="12700" cap="flat" cmpd="sng" algn="ctr">
+                      <a:solidFill>
+                        <a:schemeClr val="tx1"/>
+                      </a:solidFill>
+                      <a:prstDash val="solid"/>
+                      <a:round/>
+                      <a:headEnd type="none" w="med" len="med"/>
+                      <a:tailEnd type="none" w="med" len="med"/>
+                    </a:lnL>
+                    <a:lnR w="12700" cap="flat" cmpd="sng" algn="ctr">
+                      <a:solidFill>
+                        <a:schemeClr val="tx1"/>
+                      </a:solidFill>
+                      <a:prstDash val="solid"/>
+                      <a:round/>
+                      <a:headEnd type="none" w="med" len="med"/>
+                      <a:tailEnd type="none" w="med" len="med"/>
+                    </a:lnR>
+                    <a:lnT w="12700" cap="flat" cmpd="sng" algn="ctr">
+                      <a:solidFill>
+                        <a:schemeClr val="tx1"/>
+                      </a:solidFill>
+                      <a:prstDash val="solid"/>
+                      <a:round/>
+                      <a:headEnd type="none" w="med" len="med"/>
+                      <a:tailEnd type="none" w="med" len="med"/>
+                    </a:lnT>
+                    <a:lnB w="12700" cap="flat" cmpd="sng" algn="ctr">
+                      <a:solidFill>
+                        <a:schemeClr val="tx1"/>
+                      </a:solidFill>
+                      <a:prstDash val="solid"/>
+                      <a:round/>
+                      <a:headEnd type="none" w="med" len="med"/>
+                      <a:tailEnd type="none" w="med" len="med"/>
+                    </a:lnB>
+                  </a:tcPr>
+                </a:tc>
+                <a:extLst>
+                  <a:ext uri="{0D108BD9-81ED-4DB2-BD59-A6C34878D82A}">
+                    <a16:rowId xmlns:a16="http://schemas.microsoft.com/office/drawing/2014/main" val="10000"/>
+                  </a:ext>
+                </a:extLst>
+              </a:tr>
+              <a:tr h="558553">
+                <a:tc>
+                  <a:txBody>
+                    <a:bodyPr/>
+                    <a:lstStyle/>
+                    <a:p>
+                      <a:pPr indent="0" algn="ctr">
+                        <a:buNone/>
+                      </a:pPr>
+                      <a:r>
+                        <a:rPr lang="ru-RU" sz="2200" dirty="0">
+                          <a:latin typeface="Times New Roman" panose="02020603050405020304" pitchFamily="18" charset="0"/>
+                          <a:cs typeface="Times New Roman" panose="02020603050405020304" pitchFamily="18" charset="0"/>
+                        </a:rPr>
+                        <a:t>Основная роль случайности в </a:t>
+                      </a:r>
+                      <a:r>
+                        <a:rPr lang="ru-RU" sz="2200" dirty="0" err="1">
+                          <a:latin typeface="Times New Roman" panose="02020603050405020304" pitchFamily="18" charset="0"/>
+                          <a:cs typeface="Times New Roman" panose="02020603050405020304" pitchFamily="18" charset="0"/>
+                        </a:rPr>
+                        <a:t>реиграбельности</a:t>
+                      </a:r>
+                      <a:r>
+                        <a:rPr lang="ru-RU" sz="2200" dirty="0">
+                          <a:latin typeface="Times New Roman" panose="02020603050405020304" pitchFamily="18" charset="0"/>
+                          <a:cs typeface="Times New Roman" panose="02020603050405020304" pitchFamily="18" charset="0"/>
+                        </a:rPr>
+                        <a:t> игры</a:t>
+                      </a:r>
+                      <a:endParaRPr lang="en-US" sz="2200" dirty="0">
+                        <a:latin typeface="Times New Roman" panose="02020603050405020304" pitchFamily="18" charset="0"/>
+                        <a:cs typeface="Times New Roman" panose="02020603050405020304" pitchFamily="18" charset="0"/>
+                      </a:endParaRPr>
+                    </a:p>
+                  </a:txBody>
+                  <a:tcPr marL="68580" marR="68580" marT="0" marB="0" anchor="ctr">
+                    <a:lnL w="12700" cap="flat" cmpd="sng" algn="ctr">
+                      <a:solidFill>
+                        <a:schemeClr val="tx1"/>
+                      </a:solidFill>
+                      <a:prstDash val="solid"/>
+                      <a:round/>
+                      <a:headEnd type="none" w="med" len="med"/>
+                      <a:tailEnd type="none" w="med" len="med"/>
+                    </a:lnL>
+                    <a:lnR w="12700" cap="flat" cmpd="sng" algn="ctr">
+                      <a:solidFill>
+                        <a:schemeClr val="tx1"/>
+                      </a:solidFill>
+                      <a:prstDash val="solid"/>
+                      <a:round/>
+                      <a:headEnd type="none" w="med" len="med"/>
+                      <a:tailEnd type="none" w="med" len="med"/>
+                    </a:lnR>
+                    <a:lnT w="12700" cap="flat" cmpd="sng" algn="ctr">
+                      <a:solidFill>
+                        <a:schemeClr val="tx1"/>
+                      </a:solidFill>
+                      <a:prstDash val="solid"/>
+                      <a:round/>
+                      <a:headEnd type="none" w="med" len="med"/>
+                      <a:tailEnd type="none" w="med" len="med"/>
+                    </a:lnT>
+                    <a:lnB w="12700" cap="flat" cmpd="sng" algn="ctr">
+                      <a:solidFill>
+                        <a:schemeClr val="tx1"/>
+                      </a:solidFill>
+                      <a:prstDash val="solid"/>
+                      <a:round/>
+                      <a:headEnd type="none" w="med" len="med"/>
+                      <a:tailEnd type="none" w="med" len="med"/>
+                    </a:lnB>
+                  </a:tcPr>
+                </a:tc>
+                <a:tc>
+                  <a:txBody>
+                    <a:bodyPr/>
+                    <a:lstStyle/>
+                    <a:p>
+                      <a:pPr indent="0" algn="ctr">
+                        <a:buNone/>
+                      </a:pPr>
+                      <a:r>
+                        <a:rPr lang="en-US" sz="3600" b="1" dirty="0">
+                          <a:latin typeface="Times New Roman" panose="02020603050405020304" pitchFamily="18" charset="0"/>
+                          <a:cs typeface="Times New Roman" panose="02020603050405020304" pitchFamily="18" charset="0"/>
+                        </a:rPr>
+                        <a:t>+</a:t>
+                      </a:r>
+                    </a:p>
+                  </a:txBody>
+                  <a:tcPr marL="68580" marR="68580" marT="0" marB="0" anchor="ctr">
+                    <a:lnL w="12700" cap="flat" cmpd="sng" algn="ctr">
+                      <a:solidFill>
+                        <a:schemeClr val="tx1"/>
+                      </a:solidFill>
+                      <a:prstDash val="solid"/>
+                      <a:round/>
+                      <a:headEnd type="none" w="med" len="med"/>
+                      <a:tailEnd type="none" w="med" len="med"/>
+                    </a:lnL>
+                    <a:lnR w="12700" cap="flat" cmpd="sng" algn="ctr">
+                      <a:solidFill>
+                        <a:schemeClr val="tx1"/>
+                      </a:solidFill>
+                      <a:prstDash val="solid"/>
+                      <a:round/>
+                      <a:headEnd type="none" w="med" len="med"/>
+                      <a:tailEnd type="none" w="med" len="med"/>
+                    </a:lnR>
+                    <a:lnT w="12700" cap="flat" cmpd="sng" algn="ctr">
+                      <a:solidFill>
+                        <a:schemeClr val="tx1"/>
+                      </a:solidFill>
+                      <a:prstDash val="solid"/>
+                      <a:round/>
+                      <a:headEnd type="none" w="med" len="med"/>
+                      <a:tailEnd type="none" w="med" len="med"/>
+                    </a:lnT>
+                    <a:lnB w="12700" cap="flat" cmpd="sng" algn="ctr">
+                      <a:solidFill>
+                        <a:schemeClr val="tx1"/>
+                      </a:solidFill>
+                      <a:prstDash val="solid"/>
+                      <a:round/>
+                      <a:headEnd type="none" w="med" len="med"/>
+                      <a:tailEnd type="none" w="med" len="med"/>
+                    </a:lnB>
+                  </a:tcPr>
+                </a:tc>
+                <a:tc>
+                  <a:txBody>
+                    <a:bodyPr/>
+                    <a:lstStyle/>
+                    <a:p>
+                      <a:pPr indent="0" algn="ctr">
+                        <a:buNone/>
+                      </a:pPr>
+                      <a:r>
+                        <a:rPr lang="en-US" sz="3600" b="1" dirty="0">
+                          <a:latin typeface="Times New Roman" panose="02020603050405020304" pitchFamily="18" charset="0"/>
+                          <a:cs typeface="Times New Roman" panose="02020603050405020304" pitchFamily="18" charset="0"/>
+                        </a:rPr>
+                        <a:t>-</a:t>
+                      </a:r>
+                    </a:p>
+                  </a:txBody>
+                  <a:tcPr marL="68580" marR="68580" marT="0" marB="0" anchor="ctr">
+                    <a:lnL w="12700" cap="flat" cmpd="sng" algn="ctr">
+                      <a:solidFill>
+                        <a:schemeClr val="tx1"/>
+                      </a:solidFill>
+                      <a:prstDash val="solid"/>
+                      <a:round/>
+                      <a:headEnd type="none" w="med" len="med"/>
+                      <a:tailEnd type="none" w="med" len="med"/>
+                    </a:lnL>
+                    <a:lnR w="12700" cap="flat" cmpd="sng" algn="ctr">
+                      <a:solidFill>
+                        <a:schemeClr val="tx1"/>
+                      </a:solidFill>
+                      <a:prstDash val="solid"/>
+                      <a:round/>
+                      <a:headEnd type="none" w="med" len="med"/>
+                      <a:tailEnd type="none" w="med" len="med"/>
+                    </a:lnR>
+                    <a:lnT w="12700" cap="flat" cmpd="sng" algn="ctr">
+                      <a:solidFill>
+                        <a:schemeClr val="tx1"/>
+                      </a:solidFill>
+                      <a:prstDash val="solid"/>
+                      <a:round/>
+                      <a:headEnd type="none" w="med" len="med"/>
+                      <a:tailEnd type="none" w="med" len="med"/>
+                    </a:lnT>
+                    <a:lnB w="12700" cap="flat" cmpd="sng" algn="ctr">
+                      <a:solidFill>
+                        <a:schemeClr val="tx1"/>
+                      </a:solidFill>
+                      <a:prstDash val="solid"/>
+                      <a:round/>
+                      <a:headEnd type="none" w="med" len="med"/>
+                      <a:tailEnd type="none" w="med" len="med"/>
+                    </a:lnB>
+                  </a:tcPr>
+                </a:tc>
+                <a:tc>
+                  <a:txBody>
+                    <a:bodyPr/>
+                    <a:lstStyle/>
+                    <a:p>
+                      <a:pPr indent="0" algn="ctr">
+                        <a:buNone/>
+                      </a:pPr>
+                      <a:r>
+                        <a:rPr lang="en-US" sz="3600" b="1" dirty="0">
+                          <a:latin typeface="Times New Roman" panose="02020603050405020304" pitchFamily="18" charset="0"/>
+                          <a:cs typeface="Times New Roman" panose="02020603050405020304" pitchFamily="18" charset="0"/>
+                        </a:rPr>
+                        <a:t>-</a:t>
+                      </a:r>
+                    </a:p>
+                  </a:txBody>
+                  <a:tcPr marL="68580" marR="68580" marT="0" marB="0" anchor="ctr">
+                    <a:lnL w="12700" cap="flat" cmpd="sng" algn="ctr">
+                      <a:solidFill>
+                        <a:schemeClr val="tx1"/>
+                      </a:solidFill>
+                      <a:prstDash val="solid"/>
+                      <a:round/>
+                      <a:headEnd type="none" w="med" len="med"/>
+                      <a:tailEnd type="none" w="med" len="med"/>
+                    </a:lnL>
+                    <a:lnR w="12700" cap="flat" cmpd="sng" algn="ctr">
+                      <a:solidFill>
+                        <a:schemeClr val="tx1"/>
+                      </a:solidFill>
+                      <a:prstDash val="solid"/>
+                      <a:round/>
+                      <a:headEnd type="none" w="med" len="med"/>
+                      <a:tailEnd type="none" w="med" len="med"/>
+                    </a:lnR>
+                    <a:lnT w="12700" cap="flat" cmpd="sng" algn="ctr">
+                      <a:solidFill>
+                        <a:schemeClr val="tx1"/>
+                      </a:solidFill>
+                      <a:prstDash val="solid"/>
+                      <a:round/>
+                      <a:headEnd type="none" w="med" len="med"/>
+                      <a:tailEnd type="none" w="med" len="med"/>
+                    </a:lnT>
+                    <a:lnB w="12700" cap="flat" cmpd="sng" algn="ctr">
+                      <a:solidFill>
+                        <a:schemeClr val="tx1"/>
+                      </a:solidFill>
+                      <a:prstDash val="solid"/>
+                      <a:round/>
+                      <a:headEnd type="none" w="med" len="med"/>
+                      <a:tailEnd type="none" w="med" len="med"/>
+                    </a:lnB>
+                  </a:tcPr>
+                </a:tc>
+                <a:tc>
+                  <a:txBody>
+                    <a:bodyPr/>
+                    <a:lstStyle/>
+                    <a:p>
+                      <a:pPr marL="0" marR="0" lvl="0" indent="0" algn="ctr" defTabSz="914400" rtl="0" eaLnBrk="1" fontAlgn="auto" latinLnBrk="0" hangingPunct="1">
+                        <a:lnSpc>
+                          <a:spcPct val="100000"/>
+                        </a:lnSpc>
+                        <a:spcBef>
+                          <a:spcPts val="0"/>
+                        </a:spcBef>
+                        <a:spcAft>
+                          <a:spcPts val="0"/>
+                        </a:spcAft>
+                        <a:buClrTx/>
+                        <a:buSzTx/>
+                        <a:buFontTx/>
+                        <a:buNone/>
+                        <a:tabLst/>
+                        <a:defRPr/>
+                      </a:pPr>
+                      <a:r>
+                        <a:rPr lang="en-US" sz="3600" b="1" dirty="0">
+                          <a:latin typeface="Times New Roman" panose="02020603050405020304" pitchFamily="18" charset="0"/>
+                          <a:cs typeface="Times New Roman" panose="02020603050405020304" pitchFamily="18" charset="0"/>
+                        </a:rPr>
+                        <a:t>+</a:t>
+                      </a:r>
+                    </a:p>
+                  </a:txBody>
+                  <a:tcPr marL="68580" marR="68580" marT="0" marB="0" anchor="ctr">
+                    <a:lnL w="12700" cap="flat" cmpd="sng" algn="ctr">
+                      <a:solidFill>
+                        <a:schemeClr val="tx1"/>
+                      </a:solidFill>
+                      <a:prstDash val="solid"/>
+                      <a:round/>
+                      <a:headEnd type="none" w="med" len="med"/>
+                      <a:tailEnd type="none" w="med" len="med"/>
+                    </a:lnL>
+                    <a:lnR w="12700" cap="flat" cmpd="sng" algn="ctr">
+                      <a:solidFill>
+                        <a:schemeClr val="tx1"/>
+                      </a:solidFill>
+                      <a:prstDash val="solid"/>
+                      <a:round/>
+                      <a:headEnd type="none" w="med" len="med"/>
+                      <a:tailEnd type="none" w="med" len="med"/>
+                    </a:lnR>
+                    <a:lnT w="12700" cap="flat" cmpd="sng" algn="ctr">
+                      <a:solidFill>
+                        <a:schemeClr val="tx1"/>
+                      </a:solidFill>
+                      <a:prstDash val="solid"/>
+                      <a:round/>
+                      <a:headEnd type="none" w="med" len="med"/>
+                      <a:tailEnd type="none" w="med" len="med"/>
+                    </a:lnT>
+                    <a:lnB w="12700" cap="flat" cmpd="sng" algn="ctr">
+                      <a:solidFill>
+                        <a:schemeClr val="tx1"/>
+                      </a:solidFill>
+                      <a:prstDash val="solid"/>
+                      <a:round/>
+                      <a:headEnd type="none" w="med" len="med"/>
+                      <a:tailEnd type="none" w="med" len="med"/>
+                    </a:lnB>
+                  </a:tcPr>
+                </a:tc>
+                <a:extLst>
+                  <a:ext uri="{0D108BD9-81ED-4DB2-BD59-A6C34878D82A}">
+                    <a16:rowId xmlns:a16="http://schemas.microsoft.com/office/drawing/2014/main" val="10001"/>
+                  </a:ext>
+                </a:extLst>
+              </a:tr>
+              <a:tr h="558553">
+                <a:tc>
+                  <a:txBody>
+                    <a:bodyPr/>
+                    <a:lstStyle/>
+                    <a:p>
+                      <a:pPr indent="0" algn="ctr">
+                        <a:buNone/>
+                      </a:pPr>
+                      <a:r>
+                        <a:rPr lang="ru-RU" sz="2400" dirty="0">
+                          <a:latin typeface="Times New Roman" panose="02020603050405020304" pitchFamily="18" charset="0"/>
+                          <a:cs typeface="Times New Roman" panose="02020603050405020304" pitchFamily="18" charset="0"/>
+                        </a:rPr>
+                        <a:t>Доступный порог входа</a:t>
+                      </a:r>
+                      <a:endParaRPr lang="ru-RU" altLang="en-US" sz="2200" b="0" dirty="0">
+                        <a:latin typeface="Times New Roman" panose="02020603050405020304" pitchFamily="18" charset="0"/>
+                        <a:cs typeface="Times New Roman" panose="02020603050405020304" pitchFamily="18" charset="0"/>
+                      </a:endParaRPr>
+                    </a:p>
+                  </a:txBody>
+                  <a:tcPr marL="68580" marR="68580" marT="0" marB="0" anchor="ctr">
+                    <a:lnL w="12700" cap="flat" cmpd="sng" algn="ctr">
+                      <a:solidFill>
+                        <a:schemeClr val="tx1"/>
+                      </a:solidFill>
+                      <a:prstDash val="solid"/>
+                      <a:round/>
+                      <a:headEnd type="none" w="med" len="med"/>
+                      <a:tailEnd type="none" w="med" len="med"/>
+                    </a:lnL>
+                    <a:lnR w="12700" cap="flat" cmpd="sng" algn="ctr">
+                      <a:solidFill>
+                        <a:schemeClr val="tx1"/>
+                      </a:solidFill>
+                      <a:prstDash val="solid"/>
+                      <a:round/>
+                      <a:headEnd type="none" w="med" len="med"/>
+                      <a:tailEnd type="none" w="med" len="med"/>
+                    </a:lnR>
+                    <a:lnT w="12700" cap="flat" cmpd="sng" algn="ctr">
+                      <a:solidFill>
+                        <a:schemeClr val="tx1"/>
+                      </a:solidFill>
+                      <a:prstDash val="solid"/>
+                      <a:round/>
+                      <a:headEnd type="none" w="med" len="med"/>
+                      <a:tailEnd type="none" w="med" len="med"/>
+                    </a:lnT>
+                    <a:lnB w="12700" cap="flat" cmpd="sng" algn="ctr">
+                      <a:solidFill>
+                        <a:schemeClr val="tx1"/>
+                      </a:solidFill>
+                      <a:prstDash val="solid"/>
+                      <a:round/>
+                      <a:headEnd type="none" w="med" len="med"/>
+                      <a:tailEnd type="none" w="med" len="med"/>
+                    </a:lnB>
+                  </a:tcPr>
+                </a:tc>
+                <a:tc>
+                  <a:txBody>
+                    <a:bodyPr/>
+                    <a:lstStyle/>
+                    <a:p>
+                      <a:pPr indent="0" algn="ctr">
+                        <a:buNone/>
+                      </a:pPr>
+                      <a:r>
+                        <a:rPr lang="en-US" sz="3600" b="1" dirty="0">
+                          <a:latin typeface="Times New Roman" panose="02020603050405020304" pitchFamily="18" charset="0"/>
+                          <a:cs typeface="Times New Roman" panose="02020603050405020304" pitchFamily="18" charset="0"/>
+                        </a:rPr>
+                        <a:t>+</a:t>
+                      </a:r>
+                    </a:p>
+                  </a:txBody>
+                  <a:tcPr marL="68580" marR="68580" marT="0" marB="0" anchor="ctr">
+                    <a:lnL w="12700" cap="flat" cmpd="sng" algn="ctr">
+                      <a:solidFill>
+                        <a:schemeClr val="tx1"/>
+                      </a:solidFill>
+                      <a:prstDash val="solid"/>
+                      <a:round/>
+                      <a:headEnd type="none" w="med" len="med"/>
+                      <a:tailEnd type="none" w="med" len="med"/>
+                    </a:lnL>
+                    <a:lnR w="12700" cap="flat" cmpd="sng" algn="ctr">
+                      <a:solidFill>
+                        <a:schemeClr val="tx1"/>
+                      </a:solidFill>
+                      <a:prstDash val="solid"/>
+                      <a:round/>
+                      <a:headEnd type="none" w="med" len="med"/>
+                      <a:tailEnd type="none" w="med" len="med"/>
+                    </a:lnR>
+                    <a:lnT w="12700" cap="flat" cmpd="sng" algn="ctr">
+                      <a:solidFill>
+                        <a:schemeClr val="tx1"/>
+                      </a:solidFill>
+                      <a:prstDash val="solid"/>
+                      <a:round/>
+                      <a:headEnd type="none" w="med" len="med"/>
+                      <a:tailEnd type="none" w="med" len="med"/>
+                    </a:lnT>
+                    <a:lnB w="12700" cap="flat" cmpd="sng" algn="ctr">
+                      <a:solidFill>
+                        <a:schemeClr val="tx1"/>
+                      </a:solidFill>
+                      <a:prstDash val="solid"/>
+                      <a:round/>
+                      <a:headEnd type="none" w="med" len="med"/>
+                      <a:tailEnd type="none" w="med" len="med"/>
+                    </a:lnB>
+                  </a:tcPr>
+                </a:tc>
+                <a:tc>
+                  <a:txBody>
+                    <a:bodyPr/>
+                    <a:lstStyle/>
+                    <a:p>
+                      <a:pPr indent="0" algn="ctr">
+                        <a:buNone/>
+                      </a:pPr>
+                      <a:r>
+                        <a:rPr lang="en-US" sz="3600" b="1" dirty="0">
+                          <a:latin typeface="Times New Roman" panose="02020603050405020304" pitchFamily="18" charset="0"/>
+                          <a:cs typeface="Times New Roman" panose="02020603050405020304" pitchFamily="18" charset="0"/>
+                        </a:rPr>
+                        <a:t>+</a:t>
+                      </a:r>
+                    </a:p>
+                  </a:txBody>
+                  <a:tcPr marL="68580" marR="68580" marT="0" marB="0" anchor="ctr">
+                    <a:lnL w="12700" cap="flat" cmpd="sng" algn="ctr">
+                      <a:solidFill>
+                        <a:schemeClr val="tx1"/>
+                      </a:solidFill>
+                      <a:prstDash val="solid"/>
+                      <a:round/>
+                      <a:headEnd type="none" w="med" len="med"/>
+                      <a:tailEnd type="none" w="med" len="med"/>
+                    </a:lnL>
+                    <a:lnR w="12700" cap="flat" cmpd="sng" algn="ctr">
+                      <a:solidFill>
+                        <a:schemeClr val="tx1"/>
+                      </a:solidFill>
+                      <a:prstDash val="solid"/>
+                      <a:round/>
+                      <a:headEnd type="none" w="med" len="med"/>
+                      <a:tailEnd type="none" w="med" len="med"/>
+                    </a:lnR>
+                    <a:lnT w="12700" cap="flat" cmpd="sng" algn="ctr">
+                      <a:solidFill>
+                        <a:schemeClr val="tx1"/>
+                      </a:solidFill>
+                      <a:prstDash val="solid"/>
+                      <a:round/>
+                      <a:headEnd type="none" w="med" len="med"/>
+                      <a:tailEnd type="none" w="med" len="med"/>
+                    </a:lnT>
+                    <a:lnB w="12700" cap="flat" cmpd="sng" algn="ctr">
+                      <a:solidFill>
+                        <a:schemeClr val="tx1"/>
+                      </a:solidFill>
+                      <a:prstDash val="solid"/>
+                      <a:round/>
+                      <a:headEnd type="none" w="med" len="med"/>
+                      <a:tailEnd type="none" w="med" len="med"/>
+                    </a:lnB>
+                  </a:tcPr>
+                </a:tc>
+                <a:tc>
+                  <a:txBody>
+                    <a:bodyPr/>
+                    <a:lstStyle/>
+                    <a:p>
+                      <a:pPr indent="0" algn="ctr">
+                        <a:buNone/>
+                      </a:pPr>
+                      <a:r>
+                        <a:rPr lang="en-US" sz="3600" b="1" dirty="0">
+                          <a:latin typeface="Times New Roman" panose="02020603050405020304" pitchFamily="18" charset="0"/>
+                          <a:cs typeface="Times New Roman" panose="02020603050405020304" pitchFamily="18" charset="0"/>
+                        </a:rPr>
+                        <a:t>-</a:t>
+                      </a:r>
+                    </a:p>
+                  </a:txBody>
+                  <a:tcPr marL="68580" marR="68580" marT="0" marB="0" anchor="ctr">
+                    <a:lnL w="12700" cap="flat" cmpd="sng" algn="ctr">
+                      <a:solidFill>
+                        <a:schemeClr val="tx1"/>
+                      </a:solidFill>
+                      <a:prstDash val="solid"/>
+                      <a:round/>
+                      <a:headEnd type="none" w="med" len="med"/>
+                      <a:tailEnd type="none" w="med" len="med"/>
+                    </a:lnL>
+                    <a:lnR w="12700" cap="flat" cmpd="sng" algn="ctr">
+                      <a:solidFill>
+                        <a:schemeClr val="tx1"/>
+                      </a:solidFill>
+                      <a:prstDash val="solid"/>
+                      <a:round/>
+                      <a:headEnd type="none" w="med" len="med"/>
+                      <a:tailEnd type="none" w="med" len="med"/>
+                    </a:lnR>
+                    <a:lnT w="12700" cap="flat" cmpd="sng" algn="ctr">
+                      <a:solidFill>
+                        <a:schemeClr val="tx1"/>
+                      </a:solidFill>
+                      <a:prstDash val="solid"/>
+                      <a:round/>
+                      <a:headEnd type="none" w="med" len="med"/>
+                      <a:tailEnd type="none" w="med" len="med"/>
+                    </a:lnT>
+                    <a:lnB w="12700" cap="flat" cmpd="sng" algn="ctr">
+                      <a:solidFill>
+                        <a:schemeClr val="tx1"/>
+                      </a:solidFill>
+                      <a:prstDash val="solid"/>
+                      <a:round/>
+                      <a:headEnd type="none" w="med" len="med"/>
+                      <a:tailEnd type="none" w="med" len="med"/>
+                    </a:lnB>
+                  </a:tcPr>
+                </a:tc>
+                <a:tc>
+                  <a:txBody>
+                    <a:bodyPr/>
+                    <a:lstStyle/>
+                    <a:p>
+                      <a:pPr marL="0" marR="0" lvl="0" indent="0" algn="ctr" defTabSz="914400" rtl="0" eaLnBrk="1" fontAlgn="auto" latinLnBrk="0" hangingPunct="1">
+                        <a:lnSpc>
+                          <a:spcPct val="100000"/>
+                        </a:lnSpc>
+                        <a:spcBef>
+                          <a:spcPts val="0"/>
+                        </a:spcBef>
+                        <a:spcAft>
+                          <a:spcPts val="0"/>
+                        </a:spcAft>
+                        <a:buClrTx/>
+                        <a:buSzTx/>
+                        <a:buFontTx/>
+                        <a:buNone/>
+                        <a:tabLst/>
+                        <a:defRPr/>
+                      </a:pPr>
+                      <a:r>
+                        <a:rPr lang="en-US" sz="3600" b="1" dirty="0">
+                          <a:latin typeface="Times New Roman" panose="02020603050405020304" pitchFamily="18" charset="0"/>
+                          <a:cs typeface="Times New Roman" panose="02020603050405020304" pitchFamily="18" charset="0"/>
+                        </a:rPr>
+                        <a:t>+</a:t>
+                      </a:r>
+                    </a:p>
+                  </a:txBody>
+                  <a:tcPr marL="68580" marR="68580" marT="0" marB="0" anchor="ctr">
+                    <a:lnL w="12700" cap="flat" cmpd="sng" algn="ctr">
+                      <a:solidFill>
+                        <a:schemeClr val="tx1"/>
+                      </a:solidFill>
+                      <a:prstDash val="solid"/>
+                      <a:round/>
+                      <a:headEnd type="none" w="med" len="med"/>
+                      <a:tailEnd type="none" w="med" len="med"/>
+                    </a:lnL>
+                    <a:lnR w="12700" cap="flat" cmpd="sng" algn="ctr">
+                      <a:solidFill>
+                        <a:schemeClr val="tx1"/>
+                      </a:solidFill>
+                      <a:prstDash val="solid"/>
+                      <a:round/>
+                      <a:headEnd type="none" w="med" len="med"/>
+                      <a:tailEnd type="none" w="med" len="med"/>
+                    </a:lnR>
+                    <a:lnT w="12700" cap="flat" cmpd="sng" algn="ctr">
+                      <a:solidFill>
+                        <a:schemeClr val="tx1"/>
+                      </a:solidFill>
+                      <a:prstDash val="solid"/>
+                      <a:round/>
+                      <a:headEnd type="none" w="med" len="med"/>
+                      <a:tailEnd type="none" w="med" len="med"/>
+                    </a:lnT>
+                    <a:lnB w="12700" cap="flat" cmpd="sng" algn="ctr">
+                      <a:solidFill>
+                        <a:schemeClr val="tx1"/>
+                      </a:solidFill>
+                      <a:prstDash val="solid"/>
+                      <a:round/>
+                      <a:headEnd type="none" w="med" len="med"/>
+                      <a:tailEnd type="none" w="med" len="med"/>
+                    </a:lnB>
+                  </a:tcPr>
+                </a:tc>
+                <a:extLst>
+                  <a:ext uri="{0D108BD9-81ED-4DB2-BD59-A6C34878D82A}">
+                    <a16:rowId xmlns:a16="http://schemas.microsoft.com/office/drawing/2014/main" val="10002"/>
+                  </a:ext>
+                </a:extLst>
+              </a:tr>
+              <a:tr h="1117106">
+                <a:tc>
+                  <a:txBody>
+                    <a:bodyPr/>
+                    <a:lstStyle/>
+                    <a:p>
+                      <a:pPr indent="0" algn="ctr">
+                        <a:buNone/>
+                      </a:pPr>
+                      <a:r>
+                        <a:rPr lang="ru-RU" altLang="en-US" sz="2200" baseline="0" dirty="0">
+                          <a:latin typeface="Times New Roman" panose="02020603050405020304" pitchFamily="18" charset="0"/>
+                          <a:cs typeface="Times New Roman" panose="02020603050405020304" pitchFamily="18" charset="0"/>
+                        </a:rPr>
+                        <a:t>Реализация ИИ-оппонента</a:t>
+                      </a:r>
+                      <a:endParaRPr lang="ru-RU" altLang="en-US" sz="2200" dirty="0">
+                        <a:latin typeface="Times New Roman" panose="02020603050405020304" pitchFamily="18" charset="0"/>
+                        <a:cs typeface="Times New Roman" panose="02020603050405020304" pitchFamily="18" charset="0"/>
+                      </a:endParaRPr>
+                    </a:p>
+                  </a:txBody>
+                  <a:tcPr marL="68580" marR="68580" marT="0" marB="0" anchor="ctr">
+                    <a:lnL w="12700" cap="flat" cmpd="sng" algn="ctr">
+                      <a:solidFill>
+                        <a:schemeClr val="tx1"/>
+                      </a:solidFill>
+                      <a:prstDash val="solid"/>
+                      <a:round/>
+                      <a:headEnd type="none" w="med" len="med"/>
+                      <a:tailEnd type="none" w="med" len="med"/>
+                    </a:lnL>
+                    <a:lnR w="12700" cap="flat" cmpd="sng" algn="ctr">
+                      <a:solidFill>
+                        <a:schemeClr val="tx1"/>
+                      </a:solidFill>
+                      <a:prstDash val="solid"/>
+                      <a:round/>
+                      <a:headEnd type="none" w="med" len="med"/>
+                      <a:tailEnd type="none" w="med" len="med"/>
+                    </a:lnR>
+                    <a:lnT w="12700" cap="flat" cmpd="sng" algn="ctr">
+                      <a:solidFill>
+                        <a:schemeClr val="tx1"/>
+                      </a:solidFill>
+                      <a:prstDash val="solid"/>
+                      <a:round/>
+                      <a:headEnd type="none" w="med" len="med"/>
+                      <a:tailEnd type="none" w="med" len="med"/>
+                    </a:lnT>
+                    <a:lnB w="12700" cap="flat" cmpd="sng" algn="ctr">
+                      <a:solidFill>
+                        <a:schemeClr val="tx1"/>
+                      </a:solidFill>
+                      <a:prstDash val="solid"/>
+                      <a:round/>
+                      <a:headEnd type="none" w="med" len="med"/>
+                      <a:tailEnd type="none" w="med" len="med"/>
+                    </a:lnB>
+                  </a:tcPr>
+                </a:tc>
+                <a:tc>
+                  <a:txBody>
+                    <a:bodyPr/>
+                    <a:lstStyle/>
+                    <a:p>
+                      <a:pPr indent="0" algn="ctr">
+                        <a:buNone/>
+                      </a:pPr>
+                      <a:r>
+                        <a:rPr lang="ru-RU" sz="2400" b="1" dirty="0">
+                          <a:latin typeface="Times New Roman" panose="02020603050405020304" pitchFamily="18" charset="0"/>
+                          <a:cs typeface="Times New Roman" panose="02020603050405020304" pitchFamily="18" charset="0"/>
+                        </a:rPr>
+                        <a:t>Отсутствует</a:t>
+                      </a:r>
+                      <a:endParaRPr lang="en-US" sz="2400" b="1" dirty="0">
+                        <a:latin typeface="Times New Roman" panose="02020603050405020304" pitchFamily="18" charset="0"/>
+                        <a:cs typeface="Times New Roman" panose="02020603050405020304" pitchFamily="18" charset="0"/>
+                      </a:endParaRPr>
+                    </a:p>
+                  </a:txBody>
+                  <a:tcPr marL="68580" marR="68580" marT="0" marB="0" anchor="ctr">
+                    <a:lnL w="12700" cap="flat" cmpd="sng" algn="ctr">
+                      <a:solidFill>
+                        <a:schemeClr val="tx1"/>
+                      </a:solidFill>
+                      <a:prstDash val="solid"/>
+                      <a:round/>
+                      <a:headEnd type="none" w="med" len="med"/>
+                      <a:tailEnd type="none" w="med" len="med"/>
+                    </a:lnL>
+                    <a:lnR w="12700" cap="flat" cmpd="sng" algn="ctr">
+                      <a:solidFill>
+                        <a:schemeClr val="tx1"/>
+                      </a:solidFill>
+                      <a:prstDash val="solid"/>
+                      <a:round/>
+                      <a:headEnd type="none" w="med" len="med"/>
+                      <a:tailEnd type="none" w="med" len="med"/>
+                    </a:lnR>
+                    <a:lnT w="12700" cap="flat" cmpd="sng" algn="ctr">
+                      <a:solidFill>
+                        <a:schemeClr val="tx1"/>
+                      </a:solidFill>
+                      <a:prstDash val="solid"/>
+                      <a:round/>
+                      <a:headEnd type="none" w="med" len="med"/>
+                      <a:tailEnd type="none" w="med" len="med"/>
+                    </a:lnT>
+                    <a:lnB w="12700" cap="flat" cmpd="sng" algn="ctr">
+                      <a:solidFill>
+                        <a:schemeClr val="tx1"/>
+                      </a:solidFill>
+                      <a:prstDash val="solid"/>
+                      <a:round/>
+                      <a:headEnd type="none" w="med" len="med"/>
+                      <a:tailEnd type="none" w="med" len="med"/>
+                    </a:lnB>
+                  </a:tcPr>
+                </a:tc>
+                <a:tc>
+                  <a:txBody>
+                    <a:bodyPr/>
+                    <a:lstStyle/>
+                    <a:p>
+                      <a:pPr indent="0" algn="ctr">
+                        <a:buNone/>
+                      </a:pPr>
+                      <a:r>
+                        <a:rPr lang="ru-RU" sz="2400" b="1" dirty="0">
+                          <a:latin typeface="Times New Roman" panose="02020603050405020304" pitchFamily="18" charset="0"/>
+                          <a:cs typeface="Times New Roman" panose="02020603050405020304" pitchFamily="18" charset="0"/>
+                        </a:rPr>
+                        <a:t>Базовый алгоритм экспансии</a:t>
+                      </a:r>
+                      <a:endParaRPr lang="en-US" sz="2400" b="1" dirty="0">
+                        <a:latin typeface="Times New Roman" panose="02020603050405020304" pitchFamily="18" charset="0"/>
+                        <a:cs typeface="Times New Roman" panose="02020603050405020304" pitchFamily="18" charset="0"/>
+                      </a:endParaRPr>
+                    </a:p>
+                  </a:txBody>
+                  <a:tcPr marL="68580" marR="68580" marT="0" marB="0" anchor="ctr">
+                    <a:lnL w="12700" cap="flat" cmpd="sng" algn="ctr">
+                      <a:solidFill>
+                        <a:schemeClr val="tx1"/>
+                      </a:solidFill>
+                      <a:prstDash val="solid"/>
+                      <a:round/>
+                      <a:headEnd type="none" w="med" len="med"/>
+                      <a:tailEnd type="none" w="med" len="med"/>
+                    </a:lnL>
+                    <a:lnR w="12700" cap="flat" cmpd="sng" algn="ctr">
+                      <a:solidFill>
+                        <a:schemeClr val="tx1"/>
+                      </a:solidFill>
+                      <a:prstDash val="solid"/>
+                      <a:round/>
+                      <a:headEnd type="none" w="med" len="med"/>
+                      <a:tailEnd type="none" w="med" len="med"/>
+                    </a:lnR>
+                    <a:lnT w="12700" cap="flat" cmpd="sng" algn="ctr">
+                      <a:solidFill>
+                        <a:schemeClr val="tx1"/>
+                      </a:solidFill>
+                      <a:prstDash val="solid"/>
+                      <a:round/>
+                      <a:headEnd type="none" w="med" len="med"/>
+                      <a:tailEnd type="none" w="med" len="med"/>
+                    </a:lnT>
+                    <a:lnB w="12700" cap="flat" cmpd="sng" algn="ctr">
+                      <a:solidFill>
+                        <a:schemeClr val="tx1"/>
+                      </a:solidFill>
+                      <a:prstDash val="solid"/>
+                      <a:round/>
+                      <a:headEnd type="none" w="med" len="med"/>
+                      <a:tailEnd type="none" w="med" len="med"/>
+                    </a:lnB>
+                  </a:tcPr>
+                </a:tc>
+                <a:tc>
+                  <a:txBody>
+                    <a:bodyPr/>
+                    <a:lstStyle/>
+                    <a:p>
+                      <a:pPr indent="0" algn="ctr">
+                        <a:buNone/>
+                      </a:pPr>
+                      <a:r>
+                        <a:rPr lang="ru-RU" sz="2400" b="1" dirty="0">
+                          <a:latin typeface="Times New Roman" panose="02020603050405020304" pitchFamily="18" charset="0"/>
+                          <a:cs typeface="Times New Roman" panose="02020603050405020304" pitchFamily="18" charset="0"/>
+                        </a:rPr>
+                        <a:t>Сложная симуляция государств</a:t>
+                      </a:r>
+                      <a:endParaRPr lang="en-US" sz="2400" b="1" dirty="0">
+                        <a:latin typeface="Times New Roman" panose="02020603050405020304" pitchFamily="18" charset="0"/>
+                        <a:cs typeface="Times New Roman" panose="02020603050405020304" pitchFamily="18" charset="0"/>
+                      </a:endParaRPr>
+                    </a:p>
+                  </a:txBody>
+                  <a:tcPr marL="68580" marR="68580" marT="0" marB="0" anchor="ctr">
+                    <a:lnL w="12700" cap="flat" cmpd="sng" algn="ctr">
+                      <a:solidFill>
+                        <a:schemeClr val="tx1"/>
+                      </a:solidFill>
+                      <a:prstDash val="solid"/>
+                      <a:round/>
+                      <a:headEnd type="none" w="med" len="med"/>
+                      <a:tailEnd type="none" w="med" len="med"/>
+                    </a:lnL>
+                    <a:lnR w="12700" cap="flat" cmpd="sng" algn="ctr">
+                      <a:solidFill>
+                        <a:schemeClr val="tx1"/>
+                      </a:solidFill>
+                      <a:prstDash val="solid"/>
+                      <a:round/>
+                      <a:headEnd type="none" w="med" len="med"/>
+                      <a:tailEnd type="none" w="med" len="med"/>
+                    </a:lnR>
+                    <a:lnT w="12700" cap="flat" cmpd="sng" algn="ctr">
+                      <a:solidFill>
+                        <a:schemeClr val="tx1"/>
+                      </a:solidFill>
+                      <a:prstDash val="solid"/>
+                      <a:round/>
+                      <a:headEnd type="none" w="med" len="med"/>
+                      <a:tailEnd type="none" w="med" len="med"/>
+                    </a:lnT>
+                    <a:lnB w="12700" cap="flat" cmpd="sng" algn="ctr">
+                      <a:solidFill>
+                        <a:schemeClr val="tx1"/>
+                      </a:solidFill>
+                      <a:prstDash val="solid"/>
+                      <a:round/>
+                      <a:headEnd type="none" w="med" len="med"/>
+                      <a:tailEnd type="none" w="med" len="med"/>
+                    </a:lnB>
+                  </a:tcPr>
+                </a:tc>
+                <a:tc>
+                  <a:txBody>
+                    <a:bodyPr/>
+                    <a:lstStyle/>
+                    <a:p>
+                      <a:pPr indent="0" algn="ctr">
+                        <a:buNone/>
+                      </a:pPr>
+                      <a:r>
+                        <a:rPr lang="ru-RU" sz="2400" b="1" dirty="0">
+                          <a:latin typeface="Times New Roman" panose="02020603050405020304" pitchFamily="18" charset="0"/>
+                          <a:cs typeface="Times New Roman" panose="02020603050405020304" pitchFamily="18" charset="0"/>
+                        </a:rPr>
+                        <a:t>Гибридный ИИ</a:t>
+                      </a:r>
+                      <a:endParaRPr lang="en-US" sz="2400" b="1" dirty="0">
+                        <a:latin typeface="Times New Roman" panose="02020603050405020304" pitchFamily="18" charset="0"/>
+                        <a:cs typeface="Times New Roman" panose="02020603050405020304" pitchFamily="18" charset="0"/>
+                      </a:endParaRPr>
+                    </a:p>
+                  </a:txBody>
+                  <a:tcPr marL="68580" marR="68580" marT="0" marB="0" anchor="ctr">
+                    <a:lnL w="12700" cap="flat" cmpd="sng" algn="ctr">
+                      <a:solidFill>
+                        <a:schemeClr val="tx1"/>
+                      </a:solidFill>
+                      <a:prstDash val="solid"/>
+                      <a:round/>
+                      <a:headEnd type="none" w="med" len="med"/>
+                      <a:tailEnd type="none" w="med" len="med"/>
+                    </a:lnL>
+                    <a:lnR w="12700" cap="flat" cmpd="sng" algn="ctr">
+                      <a:solidFill>
+                        <a:schemeClr val="tx1"/>
+                      </a:solidFill>
+                      <a:prstDash val="solid"/>
+                      <a:round/>
+                      <a:headEnd type="none" w="med" len="med"/>
+                      <a:tailEnd type="none" w="med" len="med"/>
+                    </a:lnR>
+                    <a:lnT w="12700" cap="flat" cmpd="sng" algn="ctr">
+                      <a:solidFill>
+                        <a:schemeClr val="tx1"/>
+                      </a:solidFill>
+                      <a:prstDash val="solid"/>
+                      <a:round/>
+                      <a:headEnd type="none" w="med" len="med"/>
+                      <a:tailEnd type="none" w="med" len="med"/>
+                    </a:lnT>
+                    <a:lnB w="12700" cap="flat" cmpd="sng" algn="ctr">
+                      <a:solidFill>
+                        <a:schemeClr val="tx1"/>
+                      </a:solidFill>
+                      <a:prstDash val="solid"/>
+                      <a:round/>
+                      <a:headEnd type="none" w="med" len="med"/>
+                      <a:tailEnd type="none" w="med" len="med"/>
+                    </a:lnB>
+                  </a:tcPr>
+                </a:tc>
+                <a:extLst>
+                  <a:ext uri="{0D108BD9-81ED-4DB2-BD59-A6C34878D82A}">
+                    <a16:rowId xmlns:a16="http://schemas.microsoft.com/office/drawing/2014/main" val="10003"/>
+                  </a:ext>
+                </a:extLst>
+              </a:tr>
+              <a:tr h="1396382">
+                <a:tc>
+                  <a:txBody>
+                    <a:bodyPr/>
+                    <a:lstStyle/>
+                    <a:p>
+                      <a:pPr indent="0" algn="ctr">
+                        <a:buNone/>
+                      </a:pPr>
+                      <a:r>
+                        <a:rPr lang="ru-RU" sz="2200" dirty="0">
+                          <a:latin typeface="Times New Roman" panose="02020603050405020304" pitchFamily="18" charset="0"/>
+                          <a:cs typeface="Times New Roman" panose="02020603050405020304" pitchFamily="18" charset="0"/>
+                        </a:rPr>
+                        <a:t>Визуальная эргономика (</a:t>
+                      </a:r>
+                      <a:r>
+                        <a:rPr lang="en-US" sz="2200" dirty="0">
+                          <a:latin typeface="Times New Roman" panose="02020603050405020304" pitchFamily="18" charset="0"/>
+                          <a:cs typeface="Times New Roman" panose="02020603050405020304" pitchFamily="18" charset="0"/>
+                        </a:rPr>
+                        <a:t>UI)</a:t>
+                      </a:r>
+                    </a:p>
+                  </a:txBody>
+                  <a:tcPr marL="68580" marR="68580" marT="0" marB="0" anchor="ctr">
+                    <a:lnL w="12700" cap="flat" cmpd="sng" algn="ctr">
+                      <a:solidFill>
+                        <a:schemeClr val="tx1"/>
+                      </a:solidFill>
+                      <a:prstDash val="solid"/>
+                      <a:round/>
+                      <a:headEnd type="none" w="med" len="med"/>
+                      <a:tailEnd type="none" w="med" len="med"/>
+                    </a:lnL>
+                    <a:lnR w="12700" cap="flat" cmpd="sng" algn="ctr">
+                      <a:solidFill>
+                        <a:schemeClr val="tx1"/>
+                      </a:solidFill>
+                      <a:prstDash val="solid"/>
+                      <a:round/>
+                      <a:headEnd type="none" w="med" len="med"/>
+                      <a:tailEnd type="none" w="med" len="med"/>
+                    </a:lnR>
+                    <a:lnT w="12700" cap="flat" cmpd="sng" algn="ctr">
+                      <a:solidFill>
+                        <a:schemeClr val="tx1"/>
+                      </a:solidFill>
+                      <a:prstDash val="solid"/>
+                      <a:round/>
+                      <a:headEnd type="none" w="med" len="med"/>
+                      <a:tailEnd type="none" w="med" len="med"/>
+                    </a:lnT>
+                    <a:lnB w="12700" cap="flat" cmpd="sng" algn="ctr">
+                      <a:solidFill>
+                        <a:schemeClr val="tx1"/>
+                      </a:solidFill>
+                      <a:prstDash val="solid"/>
+                      <a:round/>
+                      <a:headEnd type="none" w="med" len="med"/>
+                      <a:tailEnd type="none" w="med" len="med"/>
+                    </a:lnB>
+                  </a:tcPr>
+                </a:tc>
+                <a:tc>
+                  <a:txBody>
+                    <a:bodyPr/>
+                    <a:lstStyle/>
+                    <a:p>
+                      <a:pPr indent="0" algn="ctr">
+                        <a:buNone/>
+                      </a:pPr>
+                      <a:r>
+                        <a:rPr lang="ru-RU" sz="2400" b="1" dirty="0">
+                          <a:latin typeface="Times New Roman" panose="02020603050405020304" pitchFamily="18" charset="0"/>
+                          <a:cs typeface="Times New Roman" panose="02020603050405020304" pitchFamily="18" charset="0"/>
+                        </a:rPr>
+                        <a:t>Стилизация под ретро, простой и понятный</a:t>
+                      </a:r>
+                      <a:endParaRPr lang="en-US" sz="2400" b="1" dirty="0">
+                        <a:latin typeface="Times New Roman" panose="02020603050405020304" pitchFamily="18" charset="0"/>
+                        <a:cs typeface="Times New Roman" panose="02020603050405020304" pitchFamily="18" charset="0"/>
+                      </a:endParaRPr>
+                    </a:p>
+                  </a:txBody>
+                  <a:tcPr marL="68580" marR="68580" marT="0" marB="0" anchor="ctr">
+                    <a:lnL w="12700" cap="flat" cmpd="sng" algn="ctr">
+                      <a:solidFill>
+                        <a:schemeClr val="tx1"/>
+                      </a:solidFill>
+                      <a:prstDash val="solid"/>
+                      <a:round/>
+                      <a:headEnd type="none" w="med" len="med"/>
+                      <a:tailEnd type="none" w="med" len="med"/>
+                    </a:lnL>
+                    <a:lnR w="12700" cap="flat" cmpd="sng" algn="ctr">
+                      <a:solidFill>
+                        <a:schemeClr val="tx1"/>
+                      </a:solidFill>
+                      <a:prstDash val="solid"/>
+                      <a:round/>
+                      <a:headEnd type="none" w="med" len="med"/>
+                      <a:tailEnd type="none" w="med" len="med"/>
+                    </a:lnR>
+                    <a:lnT w="12700" cap="flat" cmpd="sng" algn="ctr">
+                      <a:solidFill>
+                        <a:schemeClr val="tx1"/>
+                      </a:solidFill>
+                      <a:prstDash val="solid"/>
+                      <a:round/>
+                      <a:headEnd type="none" w="med" len="med"/>
+                      <a:tailEnd type="none" w="med" len="med"/>
+                    </a:lnT>
+                    <a:lnB w="12700" cap="flat" cmpd="sng" algn="ctr">
+                      <a:solidFill>
+                        <a:schemeClr val="tx1"/>
+                      </a:solidFill>
+                      <a:prstDash val="solid"/>
+                      <a:round/>
+                      <a:headEnd type="none" w="med" len="med"/>
+                      <a:tailEnd type="none" w="med" len="med"/>
+                    </a:lnB>
+                  </a:tcPr>
+                </a:tc>
+                <a:tc>
+                  <a:txBody>
+                    <a:bodyPr/>
+                    <a:lstStyle/>
+                    <a:p>
+                      <a:pPr indent="0" algn="ctr">
+                        <a:buNone/>
+                      </a:pPr>
+                      <a:r>
+                        <a:rPr lang="ru-RU" sz="2400" b="1" dirty="0">
+                          <a:latin typeface="Times New Roman" panose="02020603050405020304" pitchFamily="18" charset="0"/>
+                          <a:cs typeface="Times New Roman" panose="02020603050405020304" pitchFamily="18" charset="0"/>
+                        </a:rPr>
+                        <a:t>Минималистичный </a:t>
+                      </a:r>
+                      <a:r>
+                        <a:rPr lang="en-US" sz="2400" b="1" dirty="0">
+                          <a:latin typeface="Times New Roman" panose="02020603050405020304" pitchFamily="18" charset="0"/>
+                          <a:cs typeface="Times New Roman" panose="02020603050405020304" pitchFamily="18" charset="0"/>
+                        </a:rPr>
+                        <a:t>Low-poly</a:t>
+                      </a:r>
+                    </a:p>
+                  </a:txBody>
+                  <a:tcPr marL="68580" marR="68580" marT="0" marB="0" anchor="ctr">
+                    <a:lnL w="12700" cap="flat" cmpd="sng" algn="ctr">
+                      <a:solidFill>
+                        <a:schemeClr val="tx1"/>
+                      </a:solidFill>
+                      <a:prstDash val="solid"/>
+                      <a:round/>
+                      <a:headEnd type="none" w="med" len="med"/>
+                      <a:tailEnd type="none" w="med" len="med"/>
+                    </a:lnL>
+                    <a:lnR w="12700" cap="flat" cmpd="sng" algn="ctr">
+                      <a:solidFill>
+                        <a:schemeClr val="tx1"/>
+                      </a:solidFill>
+                      <a:prstDash val="solid"/>
+                      <a:round/>
+                      <a:headEnd type="none" w="med" len="med"/>
+                      <a:tailEnd type="none" w="med" len="med"/>
+                    </a:lnR>
+                    <a:lnT w="12700" cap="flat" cmpd="sng" algn="ctr">
+                      <a:solidFill>
+                        <a:schemeClr val="tx1"/>
+                      </a:solidFill>
+                      <a:prstDash val="solid"/>
+                      <a:round/>
+                      <a:headEnd type="none" w="med" len="med"/>
+                      <a:tailEnd type="none" w="med" len="med"/>
+                    </a:lnT>
+                    <a:lnB w="12700" cap="flat" cmpd="sng" algn="ctr">
+                      <a:solidFill>
+                        <a:schemeClr val="tx1"/>
+                      </a:solidFill>
+                      <a:prstDash val="solid"/>
+                      <a:round/>
+                      <a:headEnd type="none" w="med" len="med"/>
+                      <a:tailEnd type="none" w="med" len="med"/>
+                    </a:lnB>
+                  </a:tcPr>
+                </a:tc>
+                <a:tc>
+                  <a:txBody>
+                    <a:bodyPr/>
+                    <a:lstStyle/>
+                    <a:p>
+                      <a:pPr indent="0" algn="ctr">
+                        <a:buNone/>
+                      </a:pPr>
+                      <a:r>
+                        <a:rPr lang="ru-RU" sz="2400" b="1" dirty="0">
+                          <a:latin typeface="Times New Roman" panose="02020603050405020304" pitchFamily="18" charset="0"/>
+                          <a:cs typeface="Times New Roman" panose="02020603050405020304" pitchFamily="18" charset="0"/>
+                        </a:rPr>
+                        <a:t>Перегруженность вложенными меню</a:t>
+                      </a:r>
+                      <a:endParaRPr lang="en-US" sz="2400" b="1" dirty="0">
+                        <a:latin typeface="Times New Roman" panose="02020603050405020304" pitchFamily="18" charset="0"/>
+                        <a:cs typeface="Times New Roman" panose="02020603050405020304" pitchFamily="18" charset="0"/>
+                      </a:endParaRPr>
+                    </a:p>
+                  </a:txBody>
+                  <a:tcPr marL="68580" marR="68580" marT="0" marB="0" anchor="ctr">
+                    <a:lnL w="12700" cap="flat" cmpd="sng" algn="ctr">
+                      <a:solidFill>
+                        <a:schemeClr val="tx1"/>
+                      </a:solidFill>
+                      <a:prstDash val="solid"/>
+                      <a:round/>
+                      <a:headEnd type="none" w="med" len="med"/>
+                      <a:tailEnd type="none" w="med" len="med"/>
+                    </a:lnL>
+                    <a:lnR w="12700" cap="flat" cmpd="sng" algn="ctr">
+                      <a:solidFill>
+                        <a:schemeClr val="tx1"/>
+                      </a:solidFill>
+                      <a:prstDash val="solid"/>
+                      <a:round/>
+                      <a:headEnd type="none" w="med" len="med"/>
+                      <a:tailEnd type="none" w="med" len="med"/>
+                    </a:lnR>
+                    <a:lnT w="12700" cap="flat" cmpd="sng" algn="ctr">
+                      <a:solidFill>
+                        <a:schemeClr val="tx1"/>
+                      </a:solidFill>
+                      <a:prstDash val="solid"/>
+                      <a:round/>
+                      <a:headEnd type="none" w="med" len="med"/>
+                      <a:tailEnd type="none" w="med" len="med"/>
+                    </a:lnT>
+                    <a:lnB w="12700" cap="flat" cmpd="sng" algn="ctr">
+                      <a:solidFill>
+                        <a:schemeClr val="tx1"/>
+                      </a:solidFill>
+                      <a:prstDash val="solid"/>
+                      <a:round/>
+                      <a:headEnd type="none" w="med" len="med"/>
+                      <a:tailEnd type="none" w="med" len="med"/>
+                    </a:lnB>
+                  </a:tcPr>
+                </a:tc>
+                <a:tc>
+                  <a:txBody>
+                    <a:bodyPr/>
+                    <a:lstStyle/>
+                    <a:p>
+                      <a:pPr indent="0" algn="ctr">
+                        <a:buNone/>
+                      </a:pPr>
+                      <a:r>
+                        <a:rPr lang="ru-RU" sz="2400" b="1" dirty="0">
+                          <a:latin typeface="Times New Roman" panose="02020603050405020304" pitchFamily="18" charset="0"/>
+                          <a:cs typeface="Times New Roman" panose="02020603050405020304" pitchFamily="18" charset="0"/>
+                        </a:rPr>
+                        <a:t>Простой интерфейс понятными цветовыми индикациями</a:t>
+                      </a:r>
+                      <a:endParaRPr lang="en-US" sz="2400" b="1" dirty="0">
+                        <a:latin typeface="Times New Roman" panose="02020603050405020304" pitchFamily="18" charset="0"/>
+                        <a:cs typeface="Times New Roman" panose="02020603050405020304" pitchFamily="18" charset="0"/>
+                      </a:endParaRPr>
+                    </a:p>
+                  </a:txBody>
+                  <a:tcPr marL="68580" marR="68580" marT="0" marB="0" anchor="ctr">
+                    <a:lnL w="12700" cap="flat" cmpd="sng" algn="ctr">
+                      <a:solidFill>
+                        <a:schemeClr val="tx1"/>
+                      </a:solidFill>
+                      <a:prstDash val="solid"/>
+                      <a:round/>
+                      <a:headEnd type="none" w="med" len="med"/>
+                      <a:tailEnd type="none" w="med" len="med"/>
+                    </a:lnL>
+                    <a:lnR w="12700" cap="flat" cmpd="sng" algn="ctr">
+                      <a:solidFill>
+                        <a:schemeClr val="tx1"/>
+                      </a:solidFill>
+                      <a:prstDash val="solid"/>
+                      <a:round/>
+                      <a:headEnd type="none" w="med" len="med"/>
+                      <a:tailEnd type="none" w="med" len="med"/>
+                    </a:lnR>
+                    <a:lnT w="12700" cap="flat" cmpd="sng" algn="ctr">
+                      <a:solidFill>
+                        <a:schemeClr val="tx1"/>
+                      </a:solidFill>
+                      <a:prstDash val="solid"/>
+                      <a:round/>
+                      <a:headEnd type="none" w="med" len="med"/>
+                      <a:tailEnd type="none" w="med" len="med"/>
+                    </a:lnT>
+                    <a:lnB w="12700" cap="flat" cmpd="sng" algn="ctr">
+                      <a:solidFill>
+                        <a:schemeClr val="tx1"/>
+                      </a:solidFill>
+                      <a:prstDash val="solid"/>
+                      <a:round/>
+                      <a:headEnd type="none" w="med" len="med"/>
+                      <a:tailEnd type="none" w="med" len="med"/>
+                    </a:lnB>
+                  </a:tcPr>
+                </a:tc>
+                <a:extLst>
+                  <a:ext uri="{0D108BD9-81ED-4DB2-BD59-A6C34878D82A}">
+                    <a16:rowId xmlns:a16="http://schemas.microsoft.com/office/drawing/2014/main" val="10004"/>
+                  </a:ext>
+                </a:extLst>
+              </a:tr>
+            </a:tbl>
+          </a:graphicData>
+        </a:graphic>
+      </p:graphicFrame>
     </p:spTree>
+  </p:cSld>
+  <p:clrMapOvr>
+    <a:masterClrMapping/>
+  </p:clrMapOvr>
+</p:sld>
+</file>
+
+<file path=ppt/slides/slide5.xml><?xml version="1.0" encoding="utf-8"?>
+<p:sld xmlns:a="http://schemas.openxmlformats.org/drawingml/2006/main" xmlns:r="http://schemas.openxmlformats.org/officeDocument/2006/relationships" xmlns:p="http://schemas.openxmlformats.org/presentationml/2006/main">
+  <p:cSld>
+    <p:spTree>
+      <p:nvGrpSpPr>
+        <p:cNvPr id="1" name=""/>
+        <p:cNvGrpSpPr/>
+        <p:nvPr/>
+      </p:nvGrpSpPr>
+      <p:grpSpPr>
+        <a:xfrm>
+          <a:off x="0" y="0"/>
+          <a:ext cx="0" cy="0"/>
+          <a:chOff x="0" y="0"/>
+          <a:chExt cx="0" cy="0"/>
+        </a:xfrm>
+      </p:grpSpPr>
+      <p:pic>
+        <p:nvPicPr>
+          <p:cNvPr id="6" name="Рисунок 5"/>
+          <p:cNvPicPr>
+            <a:picLocks noChangeAspect="1"/>
+          </p:cNvPicPr>
+          <p:nvPr/>
+        </p:nvPicPr>
+        <p:blipFill>
+          <a:blip r:embed="rId2">
+            <a:extLst>
+              <a:ext uri="{28A0092B-C50C-407E-A947-70E740481C1C}">
+                <a14:useLocalDpi xmlns:a14="http://schemas.microsoft.com/office/drawing/2010/main" val="0"/>
+              </a:ext>
+            </a:extLst>
+          </a:blip>
+          <a:stretch>
+            <a:fillRect/>
+          </a:stretch>
+        </p:blipFill>
+        <p:spPr>
+          <a:xfrm>
+            <a:off x="0" y="-136525"/>
+            <a:ext cx="12192000" cy="6858000"/>
+          </a:xfrm>
+          <a:prstGeom prst="rect">
+            <a:avLst/>
+          </a:prstGeom>
+        </p:spPr>
+      </p:pic>
+      <p:sp>
+        <p:nvSpPr>
+          <p:cNvPr id="2" name="Заголовок 1"/>
+          <p:cNvSpPr>
+            <a:spLocks noGrp="1"/>
+          </p:cNvSpPr>
+          <p:nvPr>
+            <p:ph type="title"/>
+          </p:nvPr>
+        </p:nvSpPr>
+        <p:spPr>
+          <a:xfrm>
+            <a:off x="0" y="48"/>
+            <a:ext cx="12192000" cy="1046434"/>
+          </a:xfrm>
+        </p:spPr>
+        <p:txBody>
+          <a:bodyPr/>
+          <a:lstStyle/>
+          <a:p>
+            <a:pPr algn="ctr"/>
+            <a:r>
+              <a:rPr lang="ru-RU" dirty="0">
+                <a:latin typeface="Times New Roman" panose="02020603050405020304"/>
+                <a:ea typeface="+mj-lt"/>
+                <a:cs typeface="+mj-lt"/>
+              </a:rPr>
+              <a:t>Используемые технологии</a:t>
+            </a:r>
+            <a:endParaRPr lang="ru-RU" dirty="0">
+              <a:latin typeface="Times New Roman" panose="02020603050405020304"/>
+            </a:endParaRPr>
+          </a:p>
+        </p:txBody>
+      </p:sp>
+      <p:graphicFrame>
+        <p:nvGraphicFramePr>
+          <p:cNvPr id="4" name="Объект 3"/>
+          <p:cNvGraphicFramePr>
+            <a:graphicFrameLocks noGrp="1"/>
+          </p:cNvGraphicFramePr>
+          <p:nvPr>
+            <p:ph idx="1"/>
+            <p:extLst>
+              <p:ext uri="{D42A27DB-BD31-4B8C-83A1-F6EECF244321}">
+                <p14:modId xmlns:p14="http://schemas.microsoft.com/office/powerpoint/2010/main" val="820182783"/>
+              </p:ext>
+            </p:extLst>
+          </p:nvPr>
+        </p:nvGraphicFramePr>
+        <p:xfrm>
+          <a:off x="444497" y="1414781"/>
+          <a:ext cx="11315702" cy="3200396"/>
+        </p:xfrm>
+        <a:graphic>
+          <a:graphicData uri="http://schemas.openxmlformats.org/drawingml/2006/table">
+            <a:tbl>
+              <a:tblPr firstRow="1" bandRow="1">
+                <a:tableStyleId>{2D5ABB26-0587-4C30-8999-92F81FD0307C}</a:tableStyleId>
+              </a:tblPr>
+              <a:tblGrid>
+                <a:gridCol w="5657851">
+                  <a:extLst>
+                    <a:ext uri="{9D8B030D-6E8A-4147-A177-3AD203B41FA5}">
+                      <a16:colId xmlns:a16="http://schemas.microsoft.com/office/drawing/2014/main" val="20000"/>
+                    </a:ext>
+                  </a:extLst>
+                </a:gridCol>
+                <a:gridCol w="5657851">
+                  <a:extLst>
+                    <a:ext uri="{9D8B030D-6E8A-4147-A177-3AD203B41FA5}">
+                      <a16:colId xmlns:a16="http://schemas.microsoft.com/office/drawing/2014/main" val="20001"/>
+                    </a:ext>
+                  </a:extLst>
+                </a:gridCol>
+              </a:tblGrid>
+              <a:tr h="608392">
+                <a:tc>
+                  <a:txBody>
+                    <a:bodyPr/>
+                    <a:lstStyle/>
+                    <a:p>
+                      <a:pPr lvl="0" algn="ctr">
+                        <a:buNone/>
+                      </a:pPr>
+                      <a:r>
+                        <a:rPr lang="ru-RU" sz="1800" b="1" u="none" strike="noStrike" noProof="0" dirty="0">
+                          <a:latin typeface="Times New Roman" panose="02020603050405020304" pitchFamily="18" charset="0"/>
+                          <a:cs typeface="Times New Roman" panose="02020603050405020304" pitchFamily="18" charset="0"/>
+                        </a:rPr>
+                        <a:t>Инструмент</a:t>
+                      </a:r>
+                      <a:endParaRPr lang="ru-RU" sz="1800" b="1" i="0" u="none" strike="noStrike" noProof="0" dirty="0">
+                        <a:solidFill>
+                          <a:srgbClr val="FFFFFF"/>
+                        </a:solidFill>
+                        <a:latin typeface="Times New Roman" panose="02020603050405020304" pitchFamily="18" charset="0"/>
+                        <a:cs typeface="Times New Roman" panose="02020603050405020304" pitchFamily="18" charset="0"/>
+                      </a:endParaRPr>
+                    </a:p>
+                  </a:txBody>
+                  <a:tcPr marT="182879" marB="182880">
+                    <a:lnL w="12700" cap="flat" cmpd="sng" algn="ctr">
+                      <a:solidFill>
+                        <a:schemeClr val="tx1"/>
+                      </a:solidFill>
+                      <a:prstDash val="solid"/>
+                      <a:round/>
+                      <a:headEnd type="none" w="med" len="med"/>
+                      <a:tailEnd type="none" w="med" len="med"/>
+                    </a:lnL>
+                    <a:lnR w="12700" cap="flat" cmpd="sng" algn="ctr">
+                      <a:solidFill>
+                        <a:schemeClr val="tx1"/>
+                      </a:solidFill>
+                      <a:prstDash val="solid"/>
+                      <a:round/>
+                      <a:headEnd type="none" w="med" len="med"/>
+                      <a:tailEnd type="none" w="med" len="med"/>
+                    </a:lnR>
+                    <a:lnT w="12700" cap="flat" cmpd="sng" algn="ctr">
+                      <a:solidFill>
+                        <a:schemeClr val="tx1"/>
+                      </a:solidFill>
+                      <a:prstDash val="solid"/>
+                      <a:round/>
+                      <a:headEnd type="none" w="med" len="med"/>
+                      <a:tailEnd type="none" w="med" len="med"/>
+                    </a:lnT>
+                    <a:lnB w="12700" cap="flat" cmpd="sng" algn="ctr">
+                      <a:solidFill>
+                        <a:schemeClr val="tx1"/>
+                      </a:solidFill>
+                      <a:prstDash val="solid"/>
+                      <a:round/>
+                      <a:headEnd type="none" w="med" len="med"/>
+                      <a:tailEnd type="none" w="med" len="med"/>
+                    </a:lnB>
+                  </a:tcPr>
+                </a:tc>
+                <a:tc>
+                  <a:txBody>
+                    <a:bodyPr/>
+                    <a:lstStyle/>
+                    <a:p>
+                      <a:pPr algn="ctr"/>
+                      <a:r>
+                        <a:rPr lang="ru-RU" sz="1800" b="1" dirty="0">
+                          <a:latin typeface="Times New Roman" panose="02020603050405020304" pitchFamily="18" charset="0"/>
+                          <a:cs typeface="Times New Roman" panose="02020603050405020304" pitchFamily="18" charset="0"/>
+                        </a:rPr>
+                        <a:t>Используемая технология</a:t>
+                      </a:r>
+                    </a:p>
+                  </a:txBody>
+                  <a:tcPr marT="182879" marB="182880">
+                    <a:lnL w="12700" cap="flat" cmpd="sng" algn="ctr">
+                      <a:solidFill>
+                        <a:schemeClr val="tx1"/>
+                      </a:solidFill>
+                      <a:prstDash val="solid"/>
+                      <a:round/>
+                      <a:headEnd type="none" w="med" len="med"/>
+                      <a:tailEnd type="none" w="med" len="med"/>
+                    </a:lnL>
+                    <a:lnR w="12700" cap="flat" cmpd="sng" algn="ctr">
+                      <a:solidFill>
+                        <a:schemeClr val="tx1"/>
+                      </a:solidFill>
+                      <a:prstDash val="solid"/>
+                      <a:round/>
+                      <a:headEnd type="none" w="med" len="med"/>
+                      <a:tailEnd type="none" w="med" len="med"/>
+                    </a:lnR>
+                    <a:lnT w="12700" cap="flat" cmpd="sng" algn="ctr">
+                      <a:solidFill>
+                        <a:schemeClr val="tx1"/>
+                      </a:solidFill>
+                      <a:prstDash val="solid"/>
+                      <a:round/>
+                      <a:headEnd type="none" w="med" len="med"/>
+                      <a:tailEnd type="none" w="med" len="med"/>
+                    </a:lnT>
+                    <a:lnB w="12700" cap="flat" cmpd="sng" algn="ctr">
+                      <a:solidFill>
+                        <a:schemeClr val="tx1"/>
+                      </a:solidFill>
+                      <a:prstDash val="solid"/>
+                      <a:round/>
+                      <a:headEnd type="none" w="med" len="med"/>
+                      <a:tailEnd type="none" w="med" len="med"/>
+                    </a:lnB>
+                  </a:tcPr>
+                </a:tc>
+                <a:extLst>
+                  <a:ext uri="{0D108BD9-81ED-4DB2-BD59-A6C34878D82A}">
+                    <a16:rowId xmlns:a16="http://schemas.microsoft.com/office/drawing/2014/main" val="10000"/>
+                  </a:ext>
+                </a:extLst>
+              </a:tr>
+              <a:tr h="608392">
+                <a:tc>
+                  <a:txBody>
+                    <a:bodyPr/>
+                    <a:lstStyle/>
+                    <a:p>
+                      <a:pPr lvl="0" algn="ctr">
+                        <a:buNone/>
+                      </a:pPr>
+                      <a:r>
+                        <a:rPr lang="ru-RU" sz="1800" b="0" dirty="0">
+                          <a:latin typeface="Times New Roman" panose="02020603050405020304" pitchFamily="18" charset="0"/>
+                          <a:cs typeface="Times New Roman" panose="02020603050405020304" pitchFamily="18" charset="0"/>
+                        </a:rPr>
+                        <a:t>Игровой движок</a:t>
+                      </a:r>
+                      <a:endParaRPr lang="ru-RU" sz="1800" b="1" i="0" u="none" strike="noStrike" noProof="0" dirty="0">
+                        <a:solidFill>
+                          <a:srgbClr val="FFFFFF"/>
+                        </a:solidFill>
+                        <a:latin typeface="Times New Roman" panose="02020603050405020304" pitchFamily="18" charset="0"/>
+                        <a:cs typeface="Times New Roman" panose="02020603050405020304" pitchFamily="18" charset="0"/>
+                      </a:endParaRPr>
+                    </a:p>
+                  </a:txBody>
+                  <a:tcPr marT="182879" marB="182880">
+                    <a:lnL w="12700" cap="flat" cmpd="sng" algn="ctr">
+                      <a:solidFill>
+                        <a:schemeClr val="tx1"/>
+                      </a:solidFill>
+                      <a:prstDash val="solid"/>
+                      <a:round/>
+                      <a:headEnd type="none" w="med" len="med"/>
+                      <a:tailEnd type="none" w="med" len="med"/>
+                    </a:lnL>
+                    <a:lnR w="12700" cap="flat" cmpd="sng" algn="ctr">
+                      <a:solidFill>
+                        <a:schemeClr val="tx1"/>
+                      </a:solidFill>
+                      <a:prstDash val="solid"/>
+                      <a:round/>
+                      <a:headEnd type="none" w="med" len="med"/>
+                      <a:tailEnd type="none" w="med" len="med"/>
+                    </a:lnR>
+                    <a:lnT w="12700" cap="flat" cmpd="sng" algn="ctr">
+                      <a:solidFill>
+                        <a:schemeClr val="tx1"/>
+                      </a:solidFill>
+                      <a:prstDash val="solid"/>
+                      <a:round/>
+                      <a:headEnd type="none" w="med" len="med"/>
+                      <a:tailEnd type="none" w="med" len="med"/>
+                    </a:lnT>
+                    <a:lnB w="12700" cap="flat" cmpd="sng" algn="ctr">
+                      <a:solidFill>
+                        <a:schemeClr val="tx1"/>
+                      </a:solidFill>
+                      <a:prstDash val="solid"/>
+                      <a:round/>
+                      <a:headEnd type="none" w="med" len="med"/>
+                      <a:tailEnd type="none" w="med" len="med"/>
+                    </a:lnB>
+                  </a:tcPr>
+                </a:tc>
+                <a:tc>
+                  <a:txBody>
+                    <a:bodyPr/>
+                    <a:lstStyle/>
+                    <a:p>
+                      <a:pPr algn="ctr"/>
+                      <a:r>
+                        <a:rPr lang="en-US" sz="1800" b="0" dirty="0">
+                          <a:latin typeface="Times New Roman" panose="02020603050405020304" pitchFamily="18" charset="0"/>
+                          <a:cs typeface="Times New Roman" panose="02020603050405020304" pitchFamily="18" charset="0"/>
+                        </a:rPr>
+                        <a:t>Unity</a:t>
+                      </a:r>
+                      <a:endParaRPr lang="ru-RU" sz="1800" dirty="0">
+                        <a:latin typeface="Times New Roman" panose="02020603050405020304" pitchFamily="18" charset="0"/>
+                        <a:cs typeface="Times New Roman" panose="02020603050405020304" pitchFamily="18" charset="0"/>
+                      </a:endParaRPr>
+                    </a:p>
+                  </a:txBody>
+                  <a:tcPr marT="182879" marB="182880">
+                    <a:lnL w="12700" cap="flat" cmpd="sng" algn="ctr">
+                      <a:solidFill>
+                        <a:schemeClr val="tx1"/>
+                      </a:solidFill>
+                      <a:prstDash val="solid"/>
+                      <a:round/>
+                      <a:headEnd type="none" w="med" len="med"/>
+                      <a:tailEnd type="none" w="med" len="med"/>
+                    </a:lnL>
+                    <a:lnR w="12700" cap="flat" cmpd="sng" algn="ctr">
+                      <a:solidFill>
+                        <a:schemeClr val="tx1"/>
+                      </a:solidFill>
+                      <a:prstDash val="solid"/>
+                      <a:round/>
+                      <a:headEnd type="none" w="med" len="med"/>
+                      <a:tailEnd type="none" w="med" len="med"/>
+                    </a:lnR>
+                    <a:lnT w="12700" cap="flat" cmpd="sng" algn="ctr">
+                      <a:solidFill>
+                        <a:schemeClr val="tx1"/>
+                      </a:solidFill>
+                      <a:prstDash val="solid"/>
+                      <a:round/>
+                      <a:headEnd type="none" w="med" len="med"/>
+                      <a:tailEnd type="none" w="med" len="med"/>
+                    </a:lnT>
+                    <a:lnB w="12700" cap="flat" cmpd="sng" algn="ctr">
+                      <a:solidFill>
+                        <a:schemeClr val="tx1"/>
+                      </a:solidFill>
+                      <a:prstDash val="solid"/>
+                      <a:round/>
+                      <a:headEnd type="none" w="med" len="med"/>
+                      <a:tailEnd type="none" w="med" len="med"/>
+                    </a:lnB>
+                  </a:tcPr>
+                </a:tc>
+                <a:extLst>
+                  <a:ext uri="{0D108BD9-81ED-4DB2-BD59-A6C34878D82A}">
+                    <a16:rowId xmlns:a16="http://schemas.microsoft.com/office/drawing/2014/main" val="1831690621"/>
+                  </a:ext>
+                </a:extLst>
+              </a:tr>
+              <a:tr h="608392">
+                <a:tc>
+                  <a:txBody>
+                    <a:bodyPr/>
+                    <a:lstStyle/>
+                    <a:p>
+                      <a:pPr algn="ctr"/>
+                      <a:r>
+                        <a:rPr lang="ru-RU" sz="1800" dirty="0">
+                          <a:latin typeface="Times New Roman" panose="02020603050405020304" pitchFamily="18" charset="0"/>
+                          <a:cs typeface="Times New Roman" panose="02020603050405020304" pitchFamily="18" charset="0"/>
+                        </a:rPr>
+                        <a:t>Фреймворк</a:t>
+                      </a:r>
+                      <a:endParaRPr lang="ru-RU" sz="1800" b="1" dirty="0">
+                        <a:latin typeface="Times New Roman" panose="02020603050405020304" pitchFamily="18" charset="0"/>
+                        <a:cs typeface="Times New Roman" panose="02020603050405020304" pitchFamily="18" charset="0"/>
+                      </a:endParaRPr>
+                    </a:p>
+                  </a:txBody>
+                  <a:tcPr marT="182879" marB="182880">
+                    <a:lnL w="12700" cap="flat" cmpd="sng" algn="ctr">
+                      <a:solidFill>
+                        <a:schemeClr val="tx1"/>
+                      </a:solidFill>
+                      <a:prstDash val="solid"/>
+                      <a:round/>
+                      <a:headEnd type="none" w="med" len="med"/>
+                      <a:tailEnd type="none" w="med" len="med"/>
+                    </a:lnL>
+                    <a:lnR w="12700" cap="flat" cmpd="sng" algn="ctr">
+                      <a:solidFill>
+                        <a:schemeClr val="tx1"/>
+                      </a:solidFill>
+                      <a:prstDash val="solid"/>
+                      <a:round/>
+                      <a:headEnd type="none" w="med" len="med"/>
+                      <a:tailEnd type="none" w="med" len="med"/>
+                    </a:lnR>
+                    <a:lnT w="12700" cap="flat" cmpd="sng" algn="ctr">
+                      <a:solidFill>
+                        <a:schemeClr val="tx1"/>
+                      </a:solidFill>
+                      <a:prstDash val="solid"/>
+                      <a:round/>
+                      <a:headEnd type="none" w="med" len="med"/>
+                      <a:tailEnd type="none" w="med" len="med"/>
+                    </a:lnT>
+                    <a:lnB w="12700" cap="flat" cmpd="sng" algn="ctr">
+                      <a:solidFill>
+                        <a:schemeClr val="tx1"/>
+                      </a:solidFill>
+                      <a:prstDash val="solid"/>
+                      <a:round/>
+                      <a:headEnd type="none" w="med" len="med"/>
+                      <a:tailEnd type="none" w="med" len="med"/>
+                    </a:lnB>
+                  </a:tcPr>
+                </a:tc>
+                <a:tc>
+                  <a:txBody>
+                    <a:bodyPr/>
+                    <a:lstStyle/>
+                    <a:p>
+                      <a:pPr algn="ctr"/>
+                      <a:r>
+                        <a:rPr lang="en-US" sz="1800" dirty="0" err="1">
+                          <a:latin typeface="Times New Roman" panose="02020603050405020304" pitchFamily="18" charset="0"/>
+                          <a:cs typeface="Times New Roman" panose="02020603050405020304" pitchFamily="18" charset="0"/>
+                        </a:rPr>
+                        <a:t>Zenject</a:t>
+                      </a:r>
+                      <a:endParaRPr lang="ru-RU" sz="1800" dirty="0" err="1">
+                        <a:latin typeface="Times New Roman" panose="02020603050405020304" pitchFamily="18" charset="0"/>
+                        <a:cs typeface="Times New Roman" panose="02020603050405020304" pitchFamily="18" charset="0"/>
+                      </a:endParaRPr>
+                    </a:p>
+                  </a:txBody>
+                  <a:tcPr marT="182879" marB="182880">
+                    <a:lnL w="12700" cap="flat" cmpd="sng" algn="ctr">
+                      <a:solidFill>
+                        <a:schemeClr val="tx1"/>
+                      </a:solidFill>
+                      <a:prstDash val="solid"/>
+                      <a:round/>
+                      <a:headEnd type="none" w="med" len="med"/>
+                      <a:tailEnd type="none" w="med" len="med"/>
+                    </a:lnL>
+                    <a:lnR w="12700" cap="flat" cmpd="sng" algn="ctr">
+                      <a:solidFill>
+                        <a:schemeClr val="tx1"/>
+                      </a:solidFill>
+                      <a:prstDash val="solid"/>
+                      <a:round/>
+                      <a:headEnd type="none" w="med" len="med"/>
+                      <a:tailEnd type="none" w="med" len="med"/>
+                    </a:lnR>
+                    <a:lnT w="12700" cap="flat" cmpd="sng" algn="ctr">
+                      <a:solidFill>
+                        <a:schemeClr val="tx1"/>
+                      </a:solidFill>
+                      <a:prstDash val="solid"/>
+                      <a:round/>
+                      <a:headEnd type="none" w="med" len="med"/>
+                      <a:tailEnd type="none" w="med" len="med"/>
+                    </a:lnT>
+                    <a:lnB w="12700" cap="flat" cmpd="sng" algn="ctr">
+                      <a:solidFill>
+                        <a:schemeClr val="tx1"/>
+                      </a:solidFill>
+                      <a:prstDash val="solid"/>
+                      <a:round/>
+                      <a:headEnd type="none" w="med" len="med"/>
+                      <a:tailEnd type="none" w="med" len="med"/>
+                    </a:lnB>
+                  </a:tcPr>
+                </a:tc>
+                <a:extLst>
+                  <a:ext uri="{0D108BD9-81ED-4DB2-BD59-A6C34878D82A}">
+                    <a16:rowId xmlns:a16="http://schemas.microsoft.com/office/drawing/2014/main" val="10001"/>
+                  </a:ext>
+                </a:extLst>
+              </a:tr>
+              <a:tr h="608392">
+                <a:tc>
+                  <a:txBody>
+                    <a:bodyPr/>
+                    <a:lstStyle/>
+                    <a:p>
+                      <a:pPr algn="ctr"/>
+                      <a:r>
+                        <a:rPr lang="ru-RU" sz="1800" dirty="0">
+                          <a:latin typeface="Times New Roman" panose="02020603050405020304" pitchFamily="18" charset="0"/>
+                          <a:cs typeface="Times New Roman" panose="02020603050405020304" pitchFamily="18" charset="0"/>
+                        </a:rPr>
+                        <a:t>Язык программирования</a:t>
+                      </a:r>
+                      <a:endParaRPr lang="ru-RU" sz="1800" b="1" dirty="0">
+                        <a:latin typeface="Times New Roman" panose="02020603050405020304" pitchFamily="18" charset="0"/>
+                        <a:cs typeface="Times New Roman" panose="02020603050405020304" pitchFamily="18" charset="0"/>
+                      </a:endParaRPr>
+                    </a:p>
+                  </a:txBody>
+                  <a:tcPr marT="182879" marB="182880">
+                    <a:lnL w="12700" cap="flat" cmpd="sng" algn="ctr">
+                      <a:solidFill>
+                        <a:schemeClr val="tx1"/>
+                      </a:solidFill>
+                      <a:prstDash val="solid"/>
+                      <a:round/>
+                      <a:headEnd type="none" w="med" len="med"/>
+                      <a:tailEnd type="none" w="med" len="med"/>
+                    </a:lnL>
+                    <a:lnR w="12700" cap="flat" cmpd="sng" algn="ctr">
+                      <a:solidFill>
+                        <a:schemeClr val="tx1"/>
+                      </a:solidFill>
+                      <a:prstDash val="solid"/>
+                      <a:round/>
+                      <a:headEnd type="none" w="med" len="med"/>
+                      <a:tailEnd type="none" w="med" len="med"/>
+                    </a:lnR>
+                    <a:lnT w="12700" cap="flat" cmpd="sng" algn="ctr">
+                      <a:solidFill>
+                        <a:schemeClr val="tx1"/>
+                      </a:solidFill>
+                      <a:prstDash val="solid"/>
+                      <a:round/>
+                      <a:headEnd type="none" w="med" len="med"/>
+                      <a:tailEnd type="none" w="med" len="med"/>
+                    </a:lnT>
+                    <a:lnB w="12700" cap="flat" cmpd="sng" algn="ctr">
+                      <a:solidFill>
+                        <a:schemeClr val="tx1"/>
+                      </a:solidFill>
+                      <a:prstDash val="solid"/>
+                      <a:round/>
+                      <a:headEnd type="none" w="med" len="med"/>
+                      <a:tailEnd type="none" w="med" len="med"/>
+                    </a:lnB>
+                  </a:tcPr>
+                </a:tc>
+                <a:tc>
+                  <a:txBody>
+                    <a:bodyPr/>
+                    <a:lstStyle/>
+                    <a:p>
+                      <a:pPr algn="ctr"/>
+                      <a:r>
+                        <a:rPr lang="en-US" sz="1800" b="0" i="0" kern="1200" dirty="0">
+                          <a:solidFill>
+                            <a:schemeClr val="tx1"/>
+                          </a:solidFill>
+                          <a:effectLst/>
+                          <a:latin typeface="Times New Roman" panose="02020603050405020304" pitchFamily="18" charset="0"/>
+                          <a:ea typeface="+mn-ea"/>
+                          <a:cs typeface="Times New Roman" panose="02020603050405020304" pitchFamily="18" charset="0"/>
+                        </a:rPr>
+                        <a:t>C#</a:t>
+                      </a:r>
+                      <a:endParaRPr lang="ru-RU" sz="1800" dirty="0" err="1">
+                        <a:latin typeface="Times New Roman" panose="02020603050405020304" pitchFamily="18" charset="0"/>
+                        <a:cs typeface="Times New Roman" panose="02020603050405020304" pitchFamily="18" charset="0"/>
+                      </a:endParaRPr>
+                    </a:p>
+                  </a:txBody>
+                  <a:tcPr marT="182879" marB="182880">
+                    <a:lnL w="12700" cap="flat" cmpd="sng" algn="ctr">
+                      <a:solidFill>
+                        <a:schemeClr val="tx1"/>
+                      </a:solidFill>
+                      <a:prstDash val="solid"/>
+                      <a:round/>
+                      <a:headEnd type="none" w="med" len="med"/>
+                      <a:tailEnd type="none" w="med" len="med"/>
+                    </a:lnL>
+                    <a:lnR w="12700" cap="flat" cmpd="sng" algn="ctr">
+                      <a:solidFill>
+                        <a:schemeClr val="tx1"/>
+                      </a:solidFill>
+                      <a:prstDash val="solid"/>
+                      <a:round/>
+                      <a:headEnd type="none" w="med" len="med"/>
+                      <a:tailEnd type="none" w="med" len="med"/>
+                    </a:lnR>
+                    <a:lnT w="12700" cap="flat" cmpd="sng" algn="ctr">
+                      <a:solidFill>
+                        <a:schemeClr val="tx1"/>
+                      </a:solidFill>
+                      <a:prstDash val="solid"/>
+                      <a:round/>
+                      <a:headEnd type="none" w="med" len="med"/>
+                      <a:tailEnd type="none" w="med" len="med"/>
+                    </a:lnT>
+                    <a:lnB w="12700" cap="flat" cmpd="sng" algn="ctr">
+                      <a:solidFill>
+                        <a:schemeClr val="tx1"/>
+                      </a:solidFill>
+                      <a:prstDash val="solid"/>
+                      <a:round/>
+                      <a:headEnd type="none" w="med" len="med"/>
+                      <a:tailEnd type="none" w="med" len="med"/>
+                    </a:lnB>
+                  </a:tcPr>
+                </a:tc>
+                <a:extLst>
+                  <a:ext uri="{0D108BD9-81ED-4DB2-BD59-A6C34878D82A}">
+                    <a16:rowId xmlns:a16="http://schemas.microsoft.com/office/drawing/2014/main" val="10002"/>
+                  </a:ext>
+                </a:extLst>
+              </a:tr>
+              <a:tr h="608393">
+                <a:tc>
+                  <a:txBody>
+                    <a:bodyPr/>
+                    <a:lstStyle/>
+                    <a:p>
+                      <a:pPr algn="ctr"/>
+                      <a:r>
+                        <a:rPr lang="ru-RU" sz="1800" dirty="0">
+                          <a:latin typeface="Times New Roman" panose="02020603050405020304" pitchFamily="18" charset="0"/>
+                          <a:cs typeface="Times New Roman" panose="02020603050405020304" pitchFamily="18" charset="0"/>
+                        </a:rPr>
+                        <a:t>IDE</a:t>
+                      </a:r>
+                      <a:endParaRPr lang="ru-RU" sz="1800" b="1" dirty="0">
+                        <a:latin typeface="Times New Roman" panose="02020603050405020304" pitchFamily="18" charset="0"/>
+                        <a:cs typeface="Times New Roman" panose="02020603050405020304" pitchFamily="18" charset="0"/>
+                      </a:endParaRPr>
+                    </a:p>
+                  </a:txBody>
+                  <a:tcPr marT="182879" marB="182880">
+                    <a:lnL w="12700" cap="flat" cmpd="sng" algn="ctr">
+                      <a:solidFill>
+                        <a:schemeClr val="tx1"/>
+                      </a:solidFill>
+                      <a:prstDash val="solid"/>
+                      <a:round/>
+                      <a:headEnd type="none" w="med" len="med"/>
+                      <a:tailEnd type="none" w="med" len="med"/>
+                    </a:lnL>
+                    <a:lnR w="12700" cap="flat" cmpd="sng" algn="ctr">
+                      <a:solidFill>
+                        <a:schemeClr val="tx1"/>
+                      </a:solidFill>
+                      <a:prstDash val="solid"/>
+                      <a:round/>
+                      <a:headEnd type="none" w="med" len="med"/>
+                      <a:tailEnd type="none" w="med" len="med"/>
+                    </a:lnR>
+                    <a:lnT w="12700" cap="flat" cmpd="sng" algn="ctr">
+                      <a:solidFill>
+                        <a:schemeClr val="tx1"/>
+                      </a:solidFill>
+                      <a:prstDash val="solid"/>
+                      <a:round/>
+                      <a:headEnd type="none" w="med" len="med"/>
+                      <a:tailEnd type="none" w="med" len="med"/>
+                    </a:lnT>
+                    <a:lnB w="12700" cap="flat" cmpd="sng" algn="ctr">
+                      <a:solidFill>
+                        <a:schemeClr val="tx1"/>
+                      </a:solidFill>
+                      <a:prstDash val="solid"/>
+                      <a:round/>
+                      <a:headEnd type="none" w="med" len="med"/>
+                      <a:tailEnd type="none" w="med" len="med"/>
+                    </a:lnB>
+                  </a:tcPr>
+                </a:tc>
+                <a:tc>
+                  <a:txBody>
+                    <a:bodyPr/>
+                    <a:lstStyle/>
+                    <a:p>
+                      <a:pPr algn="ctr"/>
+                      <a:r>
+                        <a:rPr lang="en-US" sz="1800" dirty="0">
+                          <a:solidFill>
+                            <a:schemeClr val="tx1"/>
+                          </a:solidFill>
+                          <a:latin typeface="Times New Roman" panose="02020603050405020304" pitchFamily="18" charset="0"/>
+                          <a:cs typeface="Times New Roman" panose="02020603050405020304" pitchFamily="18" charset="0"/>
+                        </a:rPr>
+                        <a:t>Visual Studio/Visual Studio Code</a:t>
+                      </a:r>
+                      <a:endParaRPr lang="ru-RU" sz="1800" dirty="0">
+                        <a:solidFill>
+                          <a:schemeClr val="tx1"/>
+                        </a:solidFill>
+                        <a:latin typeface="Times New Roman" panose="02020603050405020304" pitchFamily="18" charset="0"/>
+                        <a:cs typeface="Times New Roman" panose="02020603050405020304" pitchFamily="18" charset="0"/>
+                      </a:endParaRPr>
+                    </a:p>
+                  </a:txBody>
+                  <a:tcPr marT="182880" marB="182880">
+                    <a:lnL w="12700" cap="flat" cmpd="sng" algn="ctr">
+                      <a:solidFill>
+                        <a:schemeClr val="tx1"/>
+                      </a:solidFill>
+                      <a:prstDash val="solid"/>
+                      <a:round/>
+                      <a:headEnd type="none" w="med" len="med"/>
+                      <a:tailEnd type="none" w="med" len="med"/>
+                    </a:lnL>
+                    <a:lnR w="12700" cap="flat" cmpd="sng" algn="ctr">
+                      <a:solidFill>
+                        <a:schemeClr val="tx1"/>
+                      </a:solidFill>
+                      <a:prstDash val="solid"/>
+                      <a:round/>
+                      <a:headEnd type="none" w="med" len="med"/>
+                      <a:tailEnd type="none" w="med" len="med"/>
+                    </a:lnR>
+                    <a:lnT w="12700" cap="flat" cmpd="sng" algn="ctr">
+                      <a:solidFill>
+                        <a:schemeClr val="tx1"/>
+                      </a:solidFill>
+                      <a:prstDash val="solid"/>
+                      <a:round/>
+                      <a:headEnd type="none" w="med" len="med"/>
+                      <a:tailEnd type="none" w="med" len="med"/>
+                    </a:lnT>
+                    <a:lnB w="12700" cap="flat" cmpd="sng" algn="ctr">
+                      <a:solidFill>
+                        <a:schemeClr val="tx1"/>
+                      </a:solidFill>
+                      <a:prstDash val="solid"/>
+                      <a:round/>
+                      <a:headEnd type="none" w="med" len="med"/>
+                      <a:tailEnd type="none" w="med" len="med"/>
+                    </a:lnB>
+                  </a:tcPr>
+                </a:tc>
+                <a:extLst>
+                  <a:ext uri="{0D108BD9-81ED-4DB2-BD59-A6C34878D82A}">
+                    <a16:rowId xmlns:a16="http://schemas.microsoft.com/office/drawing/2014/main" val="10003"/>
+                  </a:ext>
+                </a:extLst>
+              </a:tr>
+            </a:tbl>
+          </a:graphicData>
+        </a:graphic>
+      </p:graphicFrame>
+      <p:sp>
+        <p:nvSpPr>
+          <p:cNvPr id="3" name="Номер слайда 2"/>
+          <p:cNvSpPr>
+            <a:spLocks noGrp="1"/>
+          </p:cNvSpPr>
+          <p:nvPr>
+            <p:ph type="sldNum" sz="quarter" idx="12"/>
+          </p:nvPr>
+        </p:nvSpPr>
+        <p:spPr/>
+        <p:txBody>
+          <a:bodyPr vert="horz" lIns="91440" tIns="45720" rIns="91440" bIns="45720" rtlCol="0" anchor="ctr"/>
+          <a:lstStyle/>
+          <a:p>
+            <a:fld id="{285DC19C-03DA-4066-9FF7-D0BF1BC6D6F6}" type="slidenum">
+              <a:rPr lang="ru-RU" sz="2400">
+                <a:latin typeface="Times New Roman" panose="02020603050405020304" pitchFamily="18" charset="0"/>
+                <a:cs typeface="Times New Roman" panose="02020603050405020304" pitchFamily="18" charset="0"/>
+              </a:rPr>
+              <a:t>5</a:t>
+            </a:fld>
+            <a:endParaRPr lang="ru-RU" sz="2400" dirty="0">
+              <a:latin typeface="Times New Roman" panose="02020603050405020304" pitchFamily="18" charset="0"/>
+              <a:cs typeface="Times New Roman" panose="02020603050405020304" pitchFamily="18" charset="0"/>
+            </a:endParaRPr>
+          </a:p>
+        </p:txBody>
+      </p:sp>
+      <p:sp>
+        <p:nvSpPr>
+          <p:cNvPr id="5" name="Text Box 4"/>
+          <p:cNvSpPr txBox="1"/>
+          <p:nvPr/>
+        </p:nvSpPr>
+        <p:spPr>
+          <a:xfrm>
+            <a:off x="353268" y="1030577"/>
+            <a:ext cx="8016875" cy="400110"/>
+          </a:xfrm>
+          <a:prstGeom prst="rect">
+            <a:avLst/>
+          </a:prstGeom>
+          <a:noFill/>
+        </p:spPr>
+        <p:txBody>
+          <a:bodyPr wrap="square" rtlCol="0">
+            <a:spAutoFit/>
+          </a:bodyPr>
+          <a:lstStyle/>
+          <a:p>
+            <a:r>
+              <a:rPr lang="en-US" sz="2000" dirty="0" err="1">
+                <a:latin typeface="Times New Roman" panose="02020603050405020304" charset="0"/>
+                <a:cs typeface="Times New Roman" panose="02020603050405020304" charset="0"/>
+              </a:rPr>
+              <a:t>Таблица</a:t>
+            </a:r>
+            <a:r>
+              <a:rPr lang="en-US" sz="2000" dirty="0">
+                <a:latin typeface="Times New Roman" panose="02020603050405020304" charset="0"/>
+                <a:cs typeface="Times New Roman" panose="02020603050405020304" charset="0"/>
+              </a:rPr>
+              <a:t> </a:t>
+            </a:r>
+            <a:r>
+              <a:rPr lang="ru-RU" altLang="en-US" sz="2000" dirty="0">
+                <a:latin typeface="Times New Roman" panose="02020603050405020304" charset="0"/>
+                <a:cs typeface="Times New Roman" panose="02020603050405020304" charset="0"/>
+              </a:rPr>
+              <a:t>2</a:t>
+            </a:r>
+            <a:r>
+              <a:rPr lang="en-US" sz="2000" dirty="0">
+                <a:latin typeface="Times New Roman" panose="02020603050405020304" charset="0"/>
+                <a:cs typeface="Times New Roman" panose="02020603050405020304" charset="0"/>
+              </a:rPr>
+              <a:t>. </a:t>
+            </a:r>
+            <a:r>
+              <a:rPr lang="ru-RU" altLang="en-US" sz="2000" dirty="0">
+                <a:latin typeface="Times New Roman" panose="02020603050405020304" charset="0"/>
+                <a:cs typeface="Times New Roman" panose="02020603050405020304" charset="0"/>
+              </a:rPr>
+              <a:t>Перечень используемых инструментов</a:t>
+            </a:r>
+          </a:p>
+        </p:txBody>
+      </p:sp>
+      <p:pic>
+        <p:nvPicPr>
+          <p:cNvPr id="7" name="Рисунок 6"/>
+          <p:cNvPicPr>
+            <a:picLocks noChangeAspect="1"/>
+          </p:cNvPicPr>
+          <p:nvPr/>
+        </p:nvPicPr>
+        <p:blipFill>
+          <a:blip r:embed="rId3" cstate="print">
+            <a:extLst>
+              <a:ext uri="{28A0092B-C50C-407E-A947-70E740481C1C}">
+                <a14:useLocalDpi xmlns:a14="http://schemas.microsoft.com/office/drawing/2010/main" val="0"/>
+              </a:ext>
+            </a:extLst>
+          </a:blip>
+          <a:stretch>
+            <a:fillRect/>
+          </a:stretch>
+        </p:blipFill>
+        <p:spPr>
+          <a:xfrm>
+            <a:off x="0" y="0"/>
+            <a:ext cx="2685011" cy="895703"/>
+          </a:xfrm>
+          <a:prstGeom prst="rect">
+            <a:avLst/>
+          </a:prstGeom>
+        </p:spPr>
+      </p:pic>
+    </p:spTree>
+  </p:cSld>
+  <p:clrMapOvr>
+    <a:masterClrMapping/>
+  </p:clrMapOvr>
+</p:sld>
+</file>
+
+<file path=ppt/slides/slide6.xml><?xml version="1.0" encoding="utf-8"?>
+<p:sld xmlns:a="http://schemas.openxmlformats.org/drawingml/2006/main" xmlns:r="http://schemas.openxmlformats.org/officeDocument/2006/relationships" xmlns:p="http://schemas.openxmlformats.org/presentationml/2006/main">
+  <p:cSld>
+    <p:spTree>
+      <p:nvGrpSpPr>
+        <p:cNvPr id="1" name=""/>
+        <p:cNvGrpSpPr/>
+        <p:nvPr/>
+      </p:nvGrpSpPr>
+      <p:grpSpPr>
+        <a:xfrm>
+          <a:off x="0" y="0"/>
+          <a:ext cx="0" cy="0"/>
+          <a:chOff x="0" y="0"/>
+          <a:chExt cx="0" cy="0"/>
+        </a:xfrm>
+      </p:grpSpPr>
+      <p:pic>
+        <p:nvPicPr>
+          <p:cNvPr id="4" name="Рисунок 3"/>
+          <p:cNvPicPr>
+            <a:picLocks noChangeAspect="1"/>
+          </p:cNvPicPr>
+          <p:nvPr/>
+        </p:nvPicPr>
+        <p:blipFill>
+          <a:blip r:embed="rId2">
+            <a:extLst>
+              <a:ext uri="{28A0092B-C50C-407E-A947-70E740481C1C}">
+                <a14:useLocalDpi xmlns:a14="http://schemas.microsoft.com/office/drawing/2010/main" val="0"/>
+              </a:ext>
+            </a:extLst>
+          </a:blip>
+          <a:stretch>
+            <a:fillRect/>
+          </a:stretch>
+        </p:blipFill>
+        <p:spPr>
+          <a:xfrm>
+            <a:off x="0" y="0"/>
+            <a:ext cx="12192000" cy="6858000"/>
+          </a:xfrm>
+          <a:prstGeom prst="rect">
+            <a:avLst/>
+          </a:prstGeom>
+        </p:spPr>
+      </p:pic>
+      <p:sp>
+        <p:nvSpPr>
+          <p:cNvPr id="2" name="Заголовок 1"/>
+          <p:cNvSpPr>
+            <a:spLocks noGrp="1"/>
+          </p:cNvSpPr>
+          <p:nvPr>
+            <p:ph type="title"/>
+          </p:nvPr>
+        </p:nvSpPr>
+        <p:spPr>
+          <a:xfrm>
+            <a:off x="0" y="34033"/>
+            <a:ext cx="12191999" cy="967217"/>
+          </a:xfrm>
+        </p:spPr>
+        <p:txBody>
+          <a:bodyPr>
+            <a:normAutofit fontScale="90000"/>
+          </a:bodyPr>
+          <a:lstStyle/>
+          <a:p>
+            <a:pPr algn="ctr"/>
+            <a:r>
+              <a:rPr lang="ru-RU" dirty="0">
+                <a:latin typeface="Times New Roman" panose="02020603050405020304"/>
+                <a:cs typeface="Times New Roman" panose="02020603050405020304"/>
+              </a:rPr>
+              <a:t>Диаграмма вариантов </a:t>
+            </a:r>
+            <a:br>
+              <a:rPr lang="ru-RU" dirty="0">
+                <a:latin typeface="Times New Roman" panose="02020603050405020304"/>
+                <a:cs typeface="Times New Roman" panose="02020603050405020304"/>
+              </a:rPr>
+            </a:br>
+            <a:r>
+              <a:rPr lang="ru-RU" dirty="0">
+                <a:latin typeface="Times New Roman" panose="02020603050405020304"/>
+                <a:cs typeface="Times New Roman" panose="02020603050405020304"/>
+              </a:rPr>
+              <a:t>использования</a:t>
+            </a:r>
+          </a:p>
+        </p:txBody>
+      </p:sp>
+      <p:sp>
+        <p:nvSpPr>
+          <p:cNvPr id="3" name="Номер слайда 2"/>
+          <p:cNvSpPr>
+            <a:spLocks noGrp="1"/>
+          </p:cNvSpPr>
+          <p:nvPr>
+            <p:ph type="sldNum" sz="quarter" idx="12"/>
+          </p:nvPr>
+        </p:nvSpPr>
+        <p:spPr>
+          <a:xfrm>
+            <a:off x="10801865" y="6281781"/>
+            <a:ext cx="593124" cy="365125"/>
+          </a:xfrm>
+        </p:spPr>
+        <p:txBody>
+          <a:bodyPr vert="horz" lIns="91440" tIns="45720" rIns="91440" bIns="45720" rtlCol="0" anchor="ctr"/>
+          <a:lstStyle/>
+          <a:p>
+            <a:fld id="{285DC19C-03DA-4066-9FF7-D0BF1BC6D6F6}" type="slidenum">
+              <a:rPr lang="ru-RU" sz="2400">
+                <a:latin typeface="Times New Roman" panose="02020603050405020304" pitchFamily="18" charset="0"/>
+                <a:cs typeface="Times New Roman" panose="02020603050405020304" pitchFamily="18" charset="0"/>
+              </a:rPr>
+              <a:t>6</a:t>
+            </a:fld>
+            <a:endParaRPr lang="ru-RU" sz="2400" dirty="0">
+              <a:latin typeface="Times New Roman" panose="02020603050405020304" pitchFamily="18" charset="0"/>
+              <a:cs typeface="Times New Roman" panose="02020603050405020304" pitchFamily="18" charset="0"/>
+            </a:endParaRPr>
+          </a:p>
+        </p:txBody>
+      </p:sp>
+      <p:pic>
+        <p:nvPicPr>
+          <p:cNvPr id="6" name="Рисунок 5"/>
+          <p:cNvPicPr>
+            <a:picLocks noChangeAspect="1"/>
+          </p:cNvPicPr>
+          <p:nvPr/>
+        </p:nvPicPr>
+        <p:blipFill>
+          <a:blip r:embed="rId3" cstate="print">
+            <a:extLst>
+              <a:ext uri="{28A0092B-C50C-407E-A947-70E740481C1C}">
+                <a14:useLocalDpi xmlns:a14="http://schemas.microsoft.com/office/drawing/2010/main" val="0"/>
+              </a:ext>
+            </a:extLst>
+          </a:blip>
+          <a:stretch>
+            <a:fillRect/>
+          </a:stretch>
+        </p:blipFill>
+        <p:spPr>
+          <a:xfrm>
+            <a:off x="0" y="0"/>
+            <a:ext cx="2685011" cy="895703"/>
+          </a:xfrm>
+          <a:prstGeom prst="rect">
+            <a:avLst/>
+          </a:prstGeom>
+        </p:spPr>
+      </p:pic>
+      <p:sp>
+        <p:nvSpPr>
+          <p:cNvPr id="9" name="TextBox 8"/>
+          <p:cNvSpPr txBox="1"/>
+          <p:nvPr/>
+        </p:nvSpPr>
+        <p:spPr>
+          <a:xfrm>
+            <a:off x="3439257" y="5991225"/>
+            <a:ext cx="5313483" cy="369332"/>
+          </a:xfrm>
+          <a:prstGeom prst="rect">
+            <a:avLst/>
+          </a:prstGeom>
+          <a:noFill/>
+        </p:spPr>
+        <p:txBody>
+          <a:bodyPr wrap="square" rtlCol="0">
+            <a:spAutoFit/>
+          </a:bodyPr>
+          <a:lstStyle/>
+          <a:p>
+            <a:pPr algn="ctr"/>
+            <a:r>
+              <a:rPr lang="ru-RU" dirty="0">
+                <a:latin typeface="Times New Roman" panose="02020603050405020304" pitchFamily="18" charset="0"/>
+                <a:cs typeface="Times New Roman" panose="02020603050405020304" pitchFamily="18" charset="0"/>
+              </a:rPr>
+              <a:t>Рисунок 1 – Диаграмма вариантов использования</a:t>
+            </a:r>
+          </a:p>
+        </p:txBody>
+      </p:sp>
+      <p:pic>
+        <p:nvPicPr>
+          <p:cNvPr id="11" name="Рисунок 10">
+            <a:extLst>
+              <a:ext uri="{FF2B5EF4-FFF2-40B4-BE49-F238E27FC236}">
+                <a16:creationId xmlns:a16="http://schemas.microsoft.com/office/drawing/2014/main" id="{24342DA1-4C85-41A3-B902-5D7F8E21C7C1}"/>
+              </a:ext>
+            </a:extLst>
+          </p:cNvPr>
+          <p:cNvPicPr>
+            <a:picLocks noChangeAspect="1"/>
+          </p:cNvPicPr>
+          <p:nvPr/>
+        </p:nvPicPr>
+        <p:blipFill>
+          <a:blip r:embed="rId4">
+            <a:extLst>
+              <a:ext uri="{28A0092B-C50C-407E-A947-70E740481C1C}">
+                <a14:useLocalDpi xmlns:a14="http://schemas.microsoft.com/office/drawing/2010/main" val="0"/>
+              </a:ext>
+            </a:extLst>
+          </a:blip>
+          <a:stretch>
+            <a:fillRect/>
+          </a:stretch>
+        </p:blipFill>
+        <p:spPr>
+          <a:xfrm>
+            <a:off x="12074" y="1107853"/>
+            <a:ext cx="12179926" cy="4311872"/>
+          </a:xfrm>
+          <a:prstGeom prst="rect">
+            <a:avLst/>
+          </a:prstGeom>
+        </p:spPr>
+      </p:pic>
+    </p:spTree>
+    <p:extLst>
+      <p:ext uri="{BB962C8B-B14F-4D97-AF65-F5344CB8AC3E}">
+        <p14:creationId xmlns:p14="http://schemas.microsoft.com/office/powerpoint/2010/main" val="3755083655"/>
+      </p:ext>
+    </p:extLst>
+  </p:cSld>
+  <p:clrMapOvr>
+    <a:masterClrMapping/>
+  </p:clrMapOvr>
+</p:sld>
+</file>
+
+<file path=ppt/slides/slide7.xml><?xml version="1.0" encoding="utf-8"?>
+<p:sld xmlns:a="http://schemas.openxmlformats.org/drawingml/2006/main" xmlns:r="http://schemas.openxmlformats.org/officeDocument/2006/relationships" xmlns:p="http://schemas.openxmlformats.org/presentationml/2006/main">
+  <p:cSld>
+    <p:spTree>
+      <p:nvGrpSpPr>
+        <p:cNvPr id="1" name=""/>
+        <p:cNvGrpSpPr/>
+        <p:nvPr/>
+      </p:nvGrpSpPr>
+      <p:grpSpPr>
+        <a:xfrm>
+          <a:off x="0" y="0"/>
+          <a:ext cx="0" cy="0"/>
+          <a:chOff x="0" y="0"/>
+          <a:chExt cx="0" cy="0"/>
+        </a:xfrm>
+      </p:grpSpPr>
+      <p:pic>
+        <p:nvPicPr>
+          <p:cNvPr id="3" name="Рисунок 2"/>
+          <p:cNvPicPr>
+            <a:picLocks noChangeAspect="1"/>
+          </p:cNvPicPr>
+          <p:nvPr/>
+        </p:nvPicPr>
+        <p:blipFill>
+          <a:blip r:embed="rId2">
+            <a:extLst>
+              <a:ext uri="{28A0092B-C50C-407E-A947-70E740481C1C}">
+                <a14:useLocalDpi xmlns:a14="http://schemas.microsoft.com/office/drawing/2010/main" val="0"/>
+              </a:ext>
+            </a:extLst>
+          </a:blip>
+          <a:stretch>
+            <a:fillRect/>
+          </a:stretch>
+        </p:blipFill>
+        <p:spPr>
+          <a:xfrm>
+            <a:off x="0" y="0"/>
+            <a:ext cx="12192000" cy="6858000"/>
+          </a:xfrm>
+          <a:prstGeom prst="rect">
+            <a:avLst/>
+          </a:prstGeom>
+        </p:spPr>
+      </p:pic>
+      <p:sp>
+        <p:nvSpPr>
+          <p:cNvPr id="2" name="Заголовок 1"/>
+          <p:cNvSpPr>
+            <a:spLocks noGrp="1"/>
+          </p:cNvSpPr>
+          <p:nvPr>
+            <p:ph type="title"/>
+          </p:nvPr>
+        </p:nvSpPr>
+        <p:spPr>
+          <a:xfrm>
+            <a:off x="0" y="1"/>
+            <a:ext cx="12192000" cy="977900"/>
+          </a:xfrm>
+        </p:spPr>
+        <p:txBody>
+          <a:bodyPr/>
+          <a:lstStyle/>
+          <a:p>
+            <a:pPr algn="ctr"/>
+            <a:r>
+              <a:rPr lang="ru-RU" dirty="0">
+                <a:latin typeface="Times New Roman" panose="02020603050405020304"/>
+                <a:ea typeface="+mj-lt"/>
+                <a:cs typeface="+mj-lt"/>
+              </a:rPr>
+              <a:t>Диаграмма компонентов</a:t>
+            </a:r>
+          </a:p>
+        </p:txBody>
+      </p:sp>
+      <p:sp>
+        <p:nvSpPr>
+          <p:cNvPr id="4" name="Номер слайда 3"/>
+          <p:cNvSpPr>
+            <a:spLocks noGrp="1"/>
+          </p:cNvSpPr>
+          <p:nvPr>
+            <p:ph type="sldNum" sz="quarter" idx="12"/>
+          </p:nvPr>
+        </p:nvSpPr>
+        <p:spPr>
+          <a:xfrm>
+            <a:off x="10760676" y="6291263"/>
+            <a:ext cx="593124" cy="365125"/>
+          </a:xfrm>
+        </p:spPr>
+        <p:txBody>
+          <a:bodyPr vert="horz" lIns="91440" tIns="45720" rIns="91440" bIns="45720" rtlCol="0" anchor="ctr"/>
+          <a:lstStyle/>
+          <a:p>
+            <a:fld id="{285DC19C-03DA-4066-9FF7-D0BF1BC6D6F6}" type="slidenum">
+              <a:rPr lang="ru-RU" sz="2400">
+                <a:latin typeface="Times New Roman" panose="02020603050405020304" pitchFamily="18" charset="0"/>
+                <a:cs typeface="Times New Roman" panose="02020603050405020304" pitchFamily="18" charset="0"/>
+              </a:rPr>
+              <a:t>7</a:t>
+            </a:fld>
+            <a:endParaRPr lang="ru-RU" sz="2400" dirty="0">
+              <a:latin typeface="Times New Roman" panose="02020603050405020304" pitchFamily="18" charset="0"/>
+              <a:cs typeface="Times New Roman" panose="02020603050405020304" pitchFamily="18" charset="0"/>
+            </a:endParaRPr>
+          </a:p>
+        </p:txBody>
+      </p:sp>
+      <p:pic>
+        <p:nvPicPr>
+          <p:cNvPr id="5" name="Рисунок 4"/>
+          <p:cNvPicPr>
+            <a:picLocks noChangeAspect="1"/>
+          </p:cNvPicPr>
+          <p:nvPr/>
+        </p:nvPicPr>
+        <p:blipFill>
+          <a:blip r:embed="rId3" cstate="print">
+            <a:extLst>
+              <a:ext uri="{28A0092B-C50C-407E-A947-70E740481C1C}">
+                <a14:useLocalDpi xmlns:a14="http://schemas.microsoft.com/office/drawing/2010/main" val="0"/>
+              </a:ext>
+            </a:extLst>
+          </a:blip>
+          <a:stretch>
+            <a:fillRect/>
+          </a:stretch>
+        </p:blipFill>
+        <p:spPr>
+          <a:xfrm>
+            <a:off x="0" y="0"/>
+            <a:ext cx="2685011" cy="895703"/>
+          </a:xfrm>
+          <a:prstGeom prst="rect">
+            <a:avLst/>
+          </a:prstGeom>
+        </p:spPr>
+      </p:pic>
+      <p:sp>
+        <p:nvSpPr>
+          <p:cNvPr id="9" name="TextBox 8"/>
+          <p:cNvSpPr txBox="1"/>
+          <p:nvPr/>
+        </p:nvSpPr>
+        <p:spPr>
+          <a:xfrm>
+            <a:off x="3824653" y="6126867"/>
+            <a:ext cx="4229100" cy="369332"/>
+          </a:xfrm>
+          <a:prstGeom prst="rect">
+            <a:avLst/>
+          </a:prstGeom>
+          <a:noFill/>
+        </p:spPr>
+        <p:txBody>
+          <a:bodyPr wrap="square" rtlCol="0">
+            <a:spAutoFit/>
+          </a:bodyPr>
+          <a:lstStyle/>
+          <a:p>
+            <a:pPr algn="ctr"/>
+            <a:r>
+              <a:rPr lang="ru-RU" dirty="0">
+                <a:latin typeface="Times New Roman" panose="02020603050405020304" pitchFamily="18" charset="0"/>
+                <a:cs typeface="Times New Roman" panose="02020603050405020304" pitchFamily="18" charset="0"/>
+              </a:rPr>
+              <a:t>Рисунок 2 – Диаграмма компонентов</a:t>
+            </a:r>
+          </a:p>
+        </p:txBody>
+      </p:sp>
+      <p:pic>
+        <p:nvPicPr>
+          <p:cNvPr id="11" name="Рисунок 10">
+            <a:extLst>
+              <a:ext uri="{FF2B5EF4-FFF2-40B4-BE49-F238E27FC236}">
+                <a16:creationId xmlns:a16="http://schemas.microsoft.com/office/drawing/2014/main" id="{48DE36EB-627E-4A08-AB9E-A961BB614D28}"/>
+              </a:ext>
+            </a:extLst>
+          </p:cNvPr>
+          <p:cNvPicPr>
+            <a:picLocks noChangeAspect="1"/>
+          </p:cNvPicPr>
+          <p:nvPr/>
+        </p:nvPicPr>
+        <p:blipFill>
+          <a:blip r:embed="rId4">
+            <a:extLst>
+              <a:ext uri="{28A0092B-C50C-407E-A947-70E740481C1C}">
+                <a14:useLocalDpi xmlns:a14="http://schemas.microsoft.com/office/drawing/2010/main" val="0"/>
+              </a:ext>
+            </a:extLst>
+          </a:blip>
+          <a:stretch>
+            <a:fillRect/>
+          </a:stretch>
+        </p:blipFill>
+        <p:spPr>
+          <a:xfrm>
+            <a:off x="0" y="1585173"/>
+            <a:ext cx="12192000" cy="3687654"/>
+          </a:xfrm>
+          <a:prstGeom prst="rect">
+            <a:avLst/>
+          </a:prstGeom>
+        </p:spPr>
+      </p:pic>
+    </p:spTree>
+  </p:cSld>
+  <p:clrMapOvr>
+    <a:masterClrMapping/>
+  </p:clrMapOvr>
+</p:sld>
+</file>
+
+<file path=ppt/slides/slide8.xml><?xml version="1.0" encoding="utf-8"?>
+<p:sld xmlns:a="http://schemas.openxmlformats.org/drawingml/2006/main" xmlns:r="http://schemas.openxmlformats.org/officeDocument/2006/relationships" xmlns:p="http://schemas.openxmlformats.org/presentationml/2006/main">
+  <p:cSld>
+    <p:spTree>
+      <p:nvGrpSpPr>
+        <p:cNvPr id="1" name=""/>
+        <p:cNvGrpSpPr/>
+        <p:nvPr/>
+      </p:nvGrpSpPr>
+      <p:grpSpPr>
+        <a:xfrm>
+          <a:off x="0" y="0"/>
+          <a:ext cx="0" cy="0"/>
+          <a:chOff x="0" y="0"/>
+          <a:chExt cx="0" cy="0"/>
+        </a:xfrm>
+      </p:grpSpPr>
+      <p:pic>
+        <p:nvPicPr>
+          <p:cNvPr id="4" name="Рисунок 3"/>
+          <p:cNvPicPr>
+            <a:picLocks noChangeAspect="1"/>
+          </p:cNvPicPr>
+          <p:nvPr/>
+        </p:nvPicPr>
+        <p:blipFill>
+          <a:blip r:embed="rId2">
+            <a:extLst>
+              <a:ext uri="{28A0092B-C50C-407E-A947-70E740481C1C}">
+                <a14:useLocalDpi xmlns:a14="http://schemas.microsoft.com/office/drawing/2010/main" val="0"/>
+              </a:ext>
+            </a:extLst>
+          </a:blip>
+          <a:stretch>
+            <a:fillRect/>
+          </a:stretch>
+        </p:blipFill>
+        <p:spPr>
+          <a:xfrm>
+            <a:off x="-1" y="-1"/>
+            <a:ext cx="12191999" cy="6857999"/>
+          </a:xfrm>
+          <a:prstGeom prst="rect">
+            <a:avLst/>
+          </a:prstGeom>
+        </p:spPr>
+      </p:pic>
+      <p:sp>
+        <p:nvSpPr>
+          <p:cNvPr id="2" name="Заголовок 1"/>
+          <p:cNvSpPr>
+            <a:spLocks noGrp="1"/>
+          </p:cNvSpPr>
+          <p:nvPr>
+            <p:ph type="title"/>
+          </p:nvPr>
+        </p:nvSpPr>
+        <p:spPr>
+          <a:xfrm>
+            <a:off x="0" y="-4758"/>
+            <a:ext cx="12191999" cy="967217"/>
+          </a:xfrm>
+        </p:spPr>
+        <p:txBody>
+          <a:bodyPr/>
+          <a:lstStyle/>
+          <a:p>
+            <a:pPr algn="ctr"/>
+            <a:r>
+              <a:rPr lang="ru-RU" dirty="0">
+                <a:latin typeface="Times New Roman" panose="02020603050405020304"/>
+                <a:cs typeface="Times New Roman" panose="02020603050405020304"/>
+              </a:rPr>
+              <a:t>Диаграмма классов</a:t>
+            </a:r>
+          </a:p>
+        </p:txBody>
+      </p:sp>
+      <p:pic>
+        <p:nvPicPr>
+          <p:cNvPr id="5" name="Рисунок 4"/>
+          <p:cNvPicPr>
+            <a:picLocks noChangeAspect="1"/>
+          </p:cNvPicPr>
+          <p:nvPr/>
+        </p:nvPicPr>
+        <p:blipFill>
+          <a:blip r:embed="rId3" cstate="print">
+            <a:extLst>
+              <a:ext uri="{28A0092B-C50C-407E-A947-70E740481C1C}">
+                <a14:useLocalDpi xmlns:a14="http://schemas.microsoft.com/office/drawing/2010/main" val="0"/>
+              </a:ext>
+            </a:extLst>
+          </a:blip>
+          <a:stretch>
+            <a:fillRect/>
+          </a:stretch>
+        </p:blipFill>
+        <p:spPr>
+          <a:xfrm>
+            <a:off x="0" y="0"/>
+            <a:ext cx="2685011" cy="895703"/>
+          </a:xfrm>
+          <a:prstGeom prst="rect">
+            <a:avLst/>
+          </a:prstGeom>
+        </p:spPr>
+      </p:pic>
+      <p:sp>
+        <p:nvSpPr>
+          <p:cNvPr id="10" name="TextBox 9"/>
+          <p:cNvSpPr txBox="1"/>
+          <p:nvPr/>
+        </p:nvSpPr>
+        <p:spPr>
+          <a:xfrm>
+            <a:off x="3977051" y="6434733"/>
+            <a:ext cx="4237893" cy="369332"/>
+          </a:xfrm>
+          <a:prstGeom prst="rect">
+            <a:avLst/>
+          </a:prstGeom>
+          <a:noFill/>
+        </p:spPr>
+        <p:txBody>
+          <a:bodyPr wrap="square" rtlCol="0">
+            <a:spAutoFit/>
+          </a:bodyPr>
+          <a:lstStyle/>
+          <a:p>
+            <a:pPr algn="ctr"/>
+            <a:r>
+              <a:rPr lang="ru-RU" dirty="0">
+                <a:latin typeface="Times New Roman" panose="02020603050405020304" pitchFamily="18" charset="0"/>
+                <a:cs typeface="Times New Roman" panose="02020603050405020304" pitchFamily="18" charset="0"/>
+              </a:rPr>
+              <a:t>Рисунок 3 – Диаграмма классов</a:t>
+            </a:r>
+          </a:p>
+        </p:txBody>
+      </p:sp>
+      <p:pic>
+        <p:nvPicPr>
+          <p:cNvPr id="11" name="Рисунок 10">
+            <a:extLst>
+              <a:ext uri="{FF2B5EF4-FFF2-40B4-BE49-F238E27FC236}">
+                <a16:creationId xmlns:a16="http://schemas.microsoft.com/office/drawing/2014/main" id="{27E55D68-EE83-4581-9E0F-FC357AF41C2A}"/>
+              </a:ext>
+            </a:extLst>
+          </p:cNvPr>
+          <p:cNvPicPr>
+            <a:picLocks noChangeAspect="1"/>
+          </p:cNvPicPr>
+          <p:nvPr/>
+        </p:nvPicPr>
+        <p:blipFill>
+          <a:blip r:embed="rId4">
+            <a:extLst>
+              <a:ext uri="{28A0092B-C50C-407E-A947-70E740481C1C}">
+                <a14:useLocalDpi xmlns:a14="http://schemas.microsoft.com/office/drawing/2010/main" val="0"/>
+              </a:ext>
+            </a:extLst>
+          </a:blip>
+          <a:stretch>
+            <a:fillRect/>
+          </a:stretch>
+        </p:blipFill>
+        <p:spPr>
+          <a:xfrm>
+            <a:off x="-3" y="709554"/>
+            <a:ext cx="12192000" cy="5825133"/>
+          </a:xfrm>
+          <a:prstGeom prst="rect">
+            <a:avLst/>
+          </a:prstGeom>
+        </p:spPr>
+      </p:pic>
+      <p:sp>
+        <p:nvSpPr>
+          <p:cNvPr id="3" name="Номер слайда 2"/>
+          <p:cNvSpPr>
+            <a:spLocks noGrp="1"/>
+          </p:cNvSpPr>
+          <p:nvPr>
+            <p:ph type="sldNum" sz="quarter" idx="12"/>
+          </p:nvPr>
+        </p:nvSpPr>
+        <p:spPr>
+          <a:xfrm>
+            <a:off x="10801865" y="6281781"/>
+            <a:ext cx="593124" cy="365125"/>
+          </a:xfrm>
+        </p:spPr>
+        <p:txBody>
+          <a:bodyPr vert="horz" lIns="91440" tIns="45720" rIns="91440" bIns="45720" rtlCol="0" anchor="ctr"/>
+          <a:lstStyle/>
+          <a:p>
+            <a:fld id="{285DC19C-03DA-4066-9FF7-D0BF1BC6D6F6}" type="slidenum">
+              <a:rPr lang="ru-RU" sz="2400">
+                <a:latin typeface="Times New Roman" panose="02020603050405020304" pitchFamily="18" charset="0"/>
+                <a:cs typeface="Times New Roman" panose="02020603050405020304" pitchFamily="18" charset="0"/>
+              </a:rPr>
+              <a:t>8</a:t>
+            </a:fld>
+            <a:endParaRPr lang="ru-RU" sz="2400" dirty="0">
+              <a:latin typeface="Times New Roman" panose="02020603050405020304" pitchFamily="18" charset="0"/>
+              <a:cs typeface="Times New Roman" panose="02020603050405020304" pitchFamily="18" charset="0"/>
+            </a:endParaRPr>
+          </a:p>
+        </p:txBody>
+      </p:sp>
+    </p:spTree>
+  </p:cSld>
+  <p:clrMapOvr>
+    <a:masterClrMapping/>
+  </p:clrMapOvr>
+</p:sld>
+</file>
+
+<file path=ppt/slides/slide9.xml><?xml version="1.0" encoding="utf-8"?>
+<p:sld xmlns:a="http://schemas.openxmlformats.org/drawingml/2006/main" xmlns:r="http://schemas.openxmlformats.org/officeDocument/2006/relationships" xmlns:p="http://schemas.openxmlformats.org/presentationml/2006/main">
+  <p:cSld>
+    <p:spTree>
+      <p:nvGrpSpPr>
+        <p:cNvPr id="1" name=""/>
+        <p:cNvGrpSpPr/>
+        <p:nvPr/>
+      </p:nvGrpSpPr>
+      <p:grpSpPr>
+        <a:xfrm>
+          <a:off x="0" y="0"/>
+          <a:ext cx="0" cy="0"/>
+          <a:chOff x="0" y="0"/>
+          <a:chExt cx="0" cy="0"/>
+        </a:xfrm>
+      </p:grpSpPr>
+      <p:pic>
+        <p:nvPicPr>
+          <p:cNvPr id="4" name="Рисунок 3"/>
+          <p:cNvPicPr>
+            <a:picLocks noChangeAspect="1"/>
+          </p:cNvPicPr>
+          <p:nvPr/>
+        </p:nvPicPr>
+        <p:blipFill>
+          <a:blip r:embed="rId2">
+            <a:extLst>
+              <a:ext uri="{28A0092B-C50C-407E-A947-70E740481C1C}">
+                <a14:useLocalDpi xmlns:a14="http://schemas.microsoft.com/office/drawing/2010/main" val="0"/>
+              </a:ext>
+            </a:extLst>
+          </a:blip>
+          <a:stretch>
+            <a:fillRect/>
+          </a:stretch>
+        </p:blipFill>
+        <p:spPr>
+          <a:xfrm>
+            <a:off x="-1" y="-1"/>
+            <a:ext cx="12191999" cy="6857999"/>
+          </a:xfrm>
+          <a:prstGeom prst="rect">
+            <a:avLst/>
+          </a:prstGeom>
+        </p:spPr>
+      </p:pic>
+      <p:sp>
+        <p:nvSpPr>
+          <p:cNvPr id="2" name="Заголовок 1"/>
+          <p:cNvSpPr>
+            <a:spLocks noGrp="1"/>
+          </p:cNvSpPr>
+          <p:nvPr>
+            <p:ph type="title"/>
+          </p:nvPr>
+        </p:nvSpPr>
+        <p:spPr>
+          <a:xfrm>
+            <a:off x="0" y="-4758"/>
+            <a:ext cx="12191999" cy="967217"/>
+          </a:xfrm>
+        </p:spPr>
+        <p:txBody>
+          <a:bodyPr/>
+          <a:lstStyle/>
+          <a:p>
+            <a:pPr algn="ctr"/>
+            <a:r>
+              <a:rPr lang="ru-RU" dirty="0">
+                <a:latin typeface="Times New Roman" panose="02020603050405020304"/>
+                <a:cs typeface="Times New Roman" panose="02020603050405020304"/>
+              </a:rPr>
+              <a:t>Диаграмма классов</a:t>
+            </a:r>
+          </a:p>
+        </p:txBody>
+      </p:sp>
+      <p:sp>
+        <p:nvSpPr>
+          <p:cNvPr id="3" name="Номер слайда 2"/>
+          <p:cNvSpPr>
+            <a:spLocks noGrp="1"/>
+          </p:cNvSpPr>
+          <p:nvPr>
+            <p:ph type="sldNum" sz="quarter" idx="12"/>
+          </p:nvPr>
+        </p:nvSpPr>
+        <p:spPr>
+          <a:xfrm>
+            <a:off x="10801865" y="6281781"/>
+            <a:ext cx="593124" cy="365125"/>
+          </a:xfrm>
+        </p:spPr>
+        <p:txBody>
+          <a:bodyPr vert="horz" lIns="91440" tIns="45720" rIns="91440" bIns="45720" rtlCol="0" anchor="ctr"/>
+          <a:lstStyle/>
+          <a:p>
+            <a:fld id="{285DC19C-03DA-4066-9FF7-D0BF1BC6D6F6}" type="slidenum">
+              <a:rPr lang="ru-RU" sz="2400">
+                <a:latin typeface="Times New Roman" panose="02020603050405020304" pitchFamily="18" charset="0"/>
+                <a:cs typeface="Times New Roman" panose="02020603050405020304" pitchFamily="18" charset="0"/>
+              </a:rPr>
+              <a:t>9</a:t>
+            </a:fld>
+            <a:endParaRPr lang="ru-RU" sz="2400" dirty="0">
+              <a:latin typeface="Times New Roman" panose="02020603050405020304" pitchFamily="18" charset="0"/>
+              <a:cs typeface="Times New Roman" panose="02020603050405020304" pitchFamily="18" charset="0"/>
+            </a:endParaRPr>
+          </a:p>
+        </p:txBody>
+      </p:sp>
+      <p:pic>
+        <p:nvPicPr>
+          <p:cNvPr id="5" name="Рисунок 4"/>
+          <p:cNvPicPr>
+            <a:picLocks noChangeAspect="1"/>
+          </p:cNvPicPr>
+          <p:nvPr/>
+        </p:nvPicPr>
+        <p:blipFill>
+          <a:blip r:embed="rId3" cstate="print">
+            <a:extLst>
+              <a:ext uri="{28A0092B-C50C-407E-A947-70E740481C1C}">
+                <a14:useLocalDpi xmlns:a14="http://schemas.microsoft.com/office/drawing/2010/main" val="0"/>
+              </a:ext>
+            </a:extLst>
+          </a:blip>
+          <a:stretch>
+            <a:fillRect/>
+          </a:stretch>
+        </p:blipFill>
+        <p:spPr>
+          <a:xfrm>
+            <a:off x="0" y="0"/>
+            <a:ext cx="2685011" cy="895703"/>
+          </a:xfrm>
+          <a:prstGeom prst="rect">
+            <a:avLst/>
+          </a:prstGeom>
+        </p:spPr>
+      </p:pic>
+      <p:sp>
+        <p:nvSpPr>
+          <p:cNvPr id="10" name="TextBox 9"/>
+          <p:cNvSpPr txBox="1"/>
+          <p:nvPr/>
+        </p:nvSpPr>
+        <p:spPr>
+          <a:xfrm>
+            <a:off x="3977051" y="6434733"/>
+            <a:ext cx="4237893" cy="369332"/>
+          </a:xfrm>
+          <a:prstGeom prst="rect">
+            <a:avLst/>
+          </a:prstGeom>
+          <a:noFill/>
+        </p:spPr>
+        <p:txBody>
+          <a:bodyPr wrap="square" rtlCol="0">
+            <a:spAutoFit/>
+          </a:bodyPr>
+          <a:lstStyle/>
+          <a:p>
+            <a:pPr algn="ctr"/>
+            <a:r>
+              <a:rPr lang="ru-RU" dirty="0">
+                <a:latin typeface="Times New Roman" panose="02020603050405020304" pitchFamily="18" charset="0"/>
+                <a:cs typeface="Times New Roman" panose="02020603050405020304" pitchFamily="18" charset="0"/>
+              </a:rPr>
+              <a:t>Рисунок 3 – Диаграмма классов</a:t>
+            </a:r>
+          </a:p>
+        </p:txBody>
+      </p:sp>
+      <p:pic>
+        <p:nvPicPr>
+          <p:cNvPr id="11" name="Рисунок 10">
+            <a:extLst>
+              <a:ext uri="{FF2B5EF4-FFF2-40B4-BE49-F238E27FC236}">
+                <a16:creationId xmlns:a16="http://schemas.microsoft.com/office/drawing/2014/main" id="{27E55D68-EE83-4581-9E0F-FC357AF41C2A}"/>
+              </a:ext>
+            </a:extLst>
+          </p:cNvPr>
+          <p:cNvPicPr>
+            <a:picLocks noChangeAspect="1"/>
+          </p:cNvPicPr>
+          <p:nvPr/>
+        </p:nvPicPr>
+        <p:blipFill rotWithShape="1">
+          <a:blip r:embed="rId4">
+            <a:extLst>
+              <a:ext uri="{28A0092B-C50C-407E-A947-70E740481C1C}">
+                <a14:useLocalDpi xmlns:a14="http://schemas.microsoft.com/office/drawing/2010/main" val="0"/>
+              </a:ext>
+            </a:extLst>
+          </a:blip>
+          <a:srcRect t="36656" r="43000"/>
+          <a:stretch/>
+        </p:blipFill>
+        <p:spPr>
+          <a:xfrm>
+            <a:off x="947150" y="747344"/>
+            <a:ext cx="10297699" cy="5467681"/>
+          </a:xfrm>
+          <a:prstGeom prst="rect">
+            <a:avLst/>
+          </a:prstGeom>
+        </p:spPr>
+      </p:pic>
+    </p:spTree>
+    <p:extLst>
+      <p:ext uri="{BB962C8B-B14F-4D97-AF65-F5344CB8AC3E}">
+        <p14:creationId xmlns:p14="http://schemas.microsoft.com/office/powerpoint/2010/main" val="184069220"/>
+      </p:ext>
+    </p:extLst>
   </p:cSld>
   <p:clrMapOvr>
     <a:masterClrMapping/>

--- a/УПИС_Задание_№10/Презентация Diceville.pptx
+++ b/УПИС_Задание_№10/Презентация Diceville.pptx
@@ -5,7 +5,7 @@
     <p:sldMasterId id="2147483648" r:id="rId1"/>
   </p:sldMasterIdLst>
   <p:notesMasterIdLst>
-    <p:notesMasterId r:id="rId15"/>
+    <p:notesMasterId r:id="rId16"/>
   </p:notesMasterIdLst>
   <p:sldIdLst>
     <p:sldId id="256" r:id="rId2"/>
@@ -18,9 +18,10 @@
     <p:sldId id="262" r:id="rId9"/>
     <p:sldId id="319" r:id="rId10"/>
     <p:sldId id="320" r:id="rId11"/>
-    <p:sldId id="267" r:id="rId12"/>
-    <p:sldId id="268" r:id="rId13"/>
-    <p:sldId id="311" r:id="rId14"/>
+    <p:sldId id="321" r:id="rId12"/>
+    <p:sldId id="267" r:id="rId13"/>
+    <p:sldId id="268" r:id="rId14"/>
+    <p:sldId id="311" r:id="rId15"/>
   </p:sldIdLst>
   <p:sldSz cx="12192000" cy="6858000"/>
   <p:notesSz cx="6858000" cy="9144000"/>
@@ -4523,7 +4524,7 @@
       </p:grpSpPr>
       <p:pic>
         <p:nvPicPr>
-          <p:cNvPr id="6" name="Рисунок 5"/>
+          <p:cNvPr id="4" name="Рисунок 3"/>
           <p:cNvPicPr>
             <a:picLocks noChangeAspect="1"/>
           </p:cNvPicPr>
@@ -4543,8 +4544,8 @@
         </p:blipFill>
         <p:spPr>
           <a:xfrm>
-            <a:off x="0" y="0"/>
-            <a:ext cx="12192000" cy="6858000"/>
+            <a:off x="-1" y="-1"/>
+            <a:ext cx="12191999" cy="6857999"/>
           </a:xfrm>
           <a:prstGeom prst="rect">
             <a:avLst/>
@@ -4563,8 +4564,8 @@
         </p:nvSpPr>
         <p:spPr>
           <a:xfrm>
-            <a:off x="0" y="1"/>
-            <a:ext cx="12192000" cy="1054100"/>
+            <a:off x="0" y="-4758"/>
+            <a:ext cx="12191999" cy="967217"/>
           </a:xfrm>
         </p:spPr>
         <p:txBody>
@@ -4574,144 +4575,11 @@
             <a:pPr algn="ctr"/>
             <a:r>
               <a:rPr lang="ru-RU" dirty="0">
-                <a:latin typeface="Times New Roman" panose="02020603050405020304" charset="0"/>
-                <a:ea typeface="+mj-lt"/>
-                <a:cs typeface="Times New Roman" panose="02020603050405020304" charset="0"/>
-              </a:rPr>
-              <a:t>Перспективы развития</a:t>
-            </a:r>
-            <a:endParaRPr lang="ru-RU" dirty="0">
-              <a:latin typeface="Times New Roman" panose="02020603050405020304" charset="0"/>
-              <a:cs typeface="Times New Roman" panose="02020603050405020304" charset="0"/>
-            </a:endParaRPr>
-          </a:p>
-        </p:txBody>
-      </p:sp>
-      <p:sp>
-        <p:nvSpPr>
-          <p:cNvPr id="3" name="Объект 2"/>
-          <p:cNvSpPr>
-            <a:spLocks noGrp="1"/>
-          </p:cNvSpPr>
-          <p:nvPr>
-            <p:ph idx="1"/>
-          </p:nvPr>
-        </p:nvSpPr>
-        <p:spPr>
-          <a:xfrm>
-            <a:off x="609600" y="1739839"/>
-            <a:ext cx="10972800" cy="3835523"/>
-          </a:xfrm>
-        </p:spPr>
-        <p:txBody>
-          <a:bodyPr vert="horz" lIns="91440" tIns="45720" rIns="91440" bIns="45720" rtlCol="0" anchor="t">
-            <a:normAutofit/>
-          </a:bodyPr>
-          <a:lstStyle/>
-          <a:p>
-            <a:pPr algn="just"/>
-            <a:r>
-              <a:rPr lang="ru-RU" sz="2400" dirty="0">
-                <a:latin typeface="Times New Roman" panose="02020603050405020304" pitchFamily="18" charset="0"/>
-                <a:cs typeface="Times New Roman" panose="02020603050405020304" pitchFamily="18" charset="0"/>
-              </a:rPr>
-              <a:t>Реализация многопользовательского режима (</a:t>
-            </a:r>
-            <a:r>
-              <a:rPr lang="ru-RU" sz="2400" dirty="0" err="1">
-                <a:latin typeface="Times New Roman" panose="02020603050405020304" pitchFamily="18" charset="0"/>
-                <a:cs typeface="Times New Roman" panose="02020603050405020304" pitchFamily="18" charset="0"/>
-              </a:rPr>
-              <a:t>PvP</a:t>
-            </a:r>
-            <a:r>
-              <a:rPr lang="ru-RU" sz="2400" dirty="0">
-                <a:latin typeface="Times New Roman" panose="02020603050405020304" pitchFamily="18" charset="0"/>
-                <a:cs typeface="Times New Roman" panose="02020603050405020304" pitchFamily="18" charset="0"/>
-              </a:rPr>
-              <a:t>).</a:t>
-            </a:r>
-          </a:p>
-          <a:p>
-            <a:pPr algn="just"/>
-            <a:r>
-              <a:rPr lang="ru-RU" sz="2400" dirty="0">
-                <a:latin typeface="Times New Roman" panose="02020603050405020304" pitchFamily="18" charset="0"/>
-                <a:cs typeface="Times New Roman" panose="02020603050405020304" pitchFamily="18" charset="0"/>
-              </a:rPr>
-              <a:t>Расширение пула фракций и типов местности.</a:t>
-            </a:r>
-          </a:p>
-          <a:p>
-            <a:pPr algn="just"/>
-            <a:r>
-              <a:rPr lang="ru-RU" sz="2400" dirty="0">
-                <a:latin typeface="Times New Roman" panose="02020603050405020304" pitchFamily="18" charset="0"/>
-                <a:cs typeface="Times New Roman" panose="02020603050405020304" pitchFamily="18" charset="0"/>
-              </a:rPr>
-              <a:t>Добавление новых карт зданий</a:t>
-            </a:r>
-          </a:p>
-          <a:p>
-            <a:pPr algn="just"/>
-            <a:r>
-              <a:rPr lang="ru-RU" sz="2400" dirty="0">
-                <a:latin typeface="Times New Roman" panose="02020603050405020304" pitchFamily="18" charset="0"/>
-                <a:cs typeface="Times New Roman" panose="02020603050405020304" pitchFamily="18" charset="0"/>
-              </a:rPr>
-              <a:t>Добавления магазина со скинами кубиков</a:t>
-            </a:r>
-          </a:p>
-          <a:p>
-            <a:pPr algn="just"/>
-            <a:r>
-              <a:rPr lang="ru-RU" sz="2400" dirty="0">
-                <a:latin typeface="Times New Roman" panose="02020603050405020304" pitchFamily="18" charset="0"/>
-                <a:cs typeface="Times New Roman" panose="02020603050405020304" pitchFamily="18" charset="0"/>
-              </a:rPr>
-              <a:t>Портирование на мобильные платформы.</a:t>
-            </a:r>
-          </a:p>
-          <a:p>
-            <a:pPr algn="just"/>
-            <a:endParaRPr lang="ru-RU" sz="2000" dirty="0">
-              <a:latin typeface="Times New Roman" panose="02020603050405020304" pitchFamily="18" charset="0"/>
-              <a:cs typeface="Times New Roman" panose="02020603050405020304" pitchFamily="18" charset="0"/>
-            </a:endParaRPr>
-          </a:p>
-        </p:txBody>
-      </p:sp>
-      <p:sp>
-        <p:nvSpPr>
-          <p:cNvPr id="4" name="Номер слайда 3"/>
-          <p:cNvSpPr>
-            <a:spLocks noGrp="1"/>
-          </p:cNvSpPr>
-          <p:nvPr>
-            <p:ph type="sldNum" sz="quarter" idx="12"/>
-          </p:nvPr>
-        </p:nvSpPr>
-        <p:spPr>
-          <a:xfrm>
-            <a:off x="8648700" y="6261100"/>
-            <a:ext cx="2743200" cy="365125"/>
-          </a:xfrm>
-        </p:spPr>
-        <p:txBody>
-          <a:bodyPr/>
-          <a:lstStyle/>
-          <a:p>
-            <a:fld id="{285DC19C-03DA-4066-9FF7-D0BF1BC6D6F6}" type="slidenum">
-              <a:rPr lang="ru-RU" sz="2400" smtClean="0">
-                <a:latin typeface="Times New Roman" panose="02020603050405020304" pitchFamily="18" charset="0"/>
-                <a:cs typeface="Times New Roman" panose="02020603050405020304" pitchFamily="18" charset="0"/>
-              </a:rPr>
-              <a:t>11</a:t>
-            </a:fld>
-            <a:endParaRPr lang="ru-RU" sz="1400" dirty="0">
-              <a:latin typeface="Times New Roman" panose="02020603050405020304" pitchFamily="18" charset="0"/>
-              <a:cs typeface="Times New Roman" panose="02020603050405020304" pitchFamily="18" charset="0"/>
-            </a:endParaRPr>
+                <a:latin typeface="Times New Roman" panose="02020603050405020304"/>
+                <a:cs typeface="Times New Roman" panose="02020603050405020304"/>
+              </a:rPr>
+              <a:t>Пример работы</a:t>
+            </a:r>
           </a:p>
         </p:txBody>
       </p:sp>
@@ -4745,7 +4613,114 @@
           </a:prstGeom>
         </p:spPr>
       </p:pic>
+      <p:pic>
+        <p:nvPicPr>
+          <p:cNvPr id="11" name="Рисунок 10">
+            <a:extLst>
+              <a:ext uri="{FF2B5EF4-FFF2-40B4-BE49-F238E27FC236}">
+                <a16:creationId xmlns:a16="http://schemas.microsoft.com/office/drawing/2014/main" id="{27E55D68-EE83-4581-9E0F-FC357AF41C2A}"/>
+              </a:ext>
+            </a:extLst>
+          </p:cNvPr>
+          <p:cNvPicPr>
+            <a:picLocks noChangeAspect="1"/>
+          </p:cNvPicPr>
+          <p:nvPr/>
+        </p:nvPicPr>
+        <p:blipFill rotWithShape="1">
+          <a:blip r:embed="rId4">
+            <a:extLst>
+              <a:ext uri="{28A0092B-C50C-407E-A947-70E740481C1C}">
+                <a14:useLocalDpi xmlns:a14="http://schemas.microsoft.com/office/drawing/2010/main" val="0"/>
+              </a:ext>
+            </a:extLst>
+          </a:blip>
+          <a:srcRect l="40882" b="15870"/>
+          <a:stretch/>
+        </p:blipFill>
+        <p:spPr>
+          <a:xfrm>
+            <a:off x="2219325" y="723457"/>
+            <a:ext cx="9086850" cy="6178494"/>
+          </a:xfrm>
+          <a:prstGeom prst="rect">
+            <a:avLst/>
+          </a:prstGeom>
+        </p:spPr>
+      </p:pic>
+      <p:sp>
+        <p:nvSpPr>
+          <p:cNvPr id="3" name="Номер слайда 2"/>
+          <p:cNvSpPr>
+            <a:spLocks noGrp="1"/>
+          </p:cNvSpPr>
+          <p:nvPr>
+            <p:ph type="sldNum" sz="quarter" idx="12"/>
+          </p:nvPr>
+        </p:nvSpPr>
+        <p:spPr>
+          <a:xfrm>
+            <a:off x="10801865" y="6281781"/>
+            <a:ext cx="593124" cy="365125"/>
+          </a:xfrm>
+        </p:spPr>
+        <p:txBody>
+          <a:bodyPr vert="horz" lIns="91440" tIns="45720" rIns="91440" bIns="45720" rtlCol="0" anchor="ctr"/>
+          <a:lstStyle/>
+          <a:p>
+            <a:fld id="{285DC19C-03DA-4066-9FF7-D0BF1BC6D6F6}" type="slidenum">
+              <a:rPr lang="ru-RU" sz="2400">
+                <a:latin typeface="Times New Roman" panose="02020603050405020304" pitchFamily="18" charset="0"/>
+                <a:cs typeface="Times New Roman" panose="02020603050405020304" pitchFamily="18" charset="0"/>
+              </a:rPr>
+              <a:t>11</a:t>
+            </a:fld>
+            <a:endParaRPr lang="ru-RU" sz="2400" dirty="0">
+              <a:latin typeface="Times New Roman" panose="02020603050405020304" pitchFamily="18" charset="0"/>
+              <a:cs typeface="Times New Roman" panose="02020603050405020304" pitchFamily="18" charset="0"/>
+            </a:endParaRPr>
+          </a:p>
+        </p:txBody>
+      </p:sp>
+      <p:sp>
+        <p:nvSpPr>
+          <p:cNvPr id="10" name="TextBox 9"/>
+          <p:cNvSpPr txBox="1"/>
+          <p:nvPr/>
+        </p:nvSpPr>
+        <p:spPr>
+          <a:xfrm>
+            <a:off x="7853728" y="4464007"/>
+            <a:ext cx="4237893" cy="369332"/>
+          </a:xfrm>
+          <a:prstGeom prst="rect">
+            <a:avLst/>
+          </a:prstGeom>
+          <a:noFill/>
+        </p:spPr>
+        <p:txBody>
+          <a:bodyPr wrap="square" rtlCol="0">
+            <a:spAutoFit/>
+          </a:bodyPr>
+          <a:lstStyle/>
+          <a:p>
+            <a:pPr algn="ctr"/>
+            <a:r>
+              <a:rPr lang="ru-RU" dirty="0">
+                <a:latin typeface="Times New Roman" panose="02020603050405020304" pitchFamily="18" charset="0"/>
+                <a:cs typeface="Times New Roman" panose="02020603050405020304" pitchFamily="18" charset="0"/>
+              </a:rPr>
+              <a:t>Рисунок 3 – Диаграмма классов</a:t>
+            </a:r>
+          </a:p>
+        </p:txBody>
+      </p:sp>
     </p:spTree>
+    <p:extLst>
+      <p:ext uri="{BB962C8B-B14F-4D97-AF65-F5344CB8AC3E}">
+        <p14:creationId xmlns:p14="http://schemas.microsoft.com/office/powerpoint/2010/main" val="46241247"/>
+      </p:ext>
+    </p:extLst>
   </p:cSld>
   <p:clrMapOvr>
     <a:masterClrMapping/>
@@ -4813,7 +4788,7 @@
         <p:spPr>
           <a:xfrm>
             <a:off x="0" y="1"/>
-            <a:ext cx="12192000" cy="1092200"/>
+            <a:ext cx="12192000" cy="1054100"/>
           </a:xfrm>
         </p:spPr>
         <p:txBody>
@@ -4823,15 +4798,15 @@
             <a:pPr algn="ctr"/>
             <a:r>
               <a:rPr lang="ru-RU" dirty="0">
-                <a:latin typeface="Times New Roman" panose="02020603050405020304"/>
+                <a:latin typeface="Times New Roman" panose="02020603050405020304" charset="0"/>
                 <a:ea typeface="+mj-lt"/>
-                <a:cs typeface="+mj-lt"/>
-              </a:rPr>
-              <a:t>Заключение</a:t>
+                <a:cs typeface="Times New Roman" panose="02020603050405020304" charset="0"/>
+              </a:rPr>
+              <a:t>Перспективы развития</a:t>
             </a:r>
             <a:endParaRPr lang="ru-RU" dirty="0">
-              <a:latin typeface="Times New Roman" panose="02020603050405020304"/>
-              <a:cs typeface="Times New Roman" panose="02020603050405020304"/>
+              <a:latin typeface="Times New Roman" panose="02020603050405020304" charset="0"/>
+              <a:cs typeface="Times New Roman" panose="02020603050405020304" charset="0"/>
             </a:endParaRPr>
           </a:p>
         </p:txBody>
@@ -4848,35 +4823,37 @@
         </p:nvSpPr>
         <p:spPr>
           <a:xfrm>
-            <a:off x="838200" y="1322388"/>
-            <a:ext cx="10515600" cy="4351338"/>
+            <a:off x="609600" y="1739839"/>
+            <a:ext cx="10972800" cy="3835523"/>
           </a:xfrm>
         </p:spPr>
         <p:txBody>
           <a:bodyPr vert="horz" lIns="91440" tIns="45720" rIns="91440" bIns="45720" rtlCol="0" anchor="t">
-            <a:noAutofit/>
+            <a:normAutofit/>
           </a:bodyPr>
           <a:lstStyle/>
           <a:p>
-            <a:pPr marL="0" indent="0" algn="just">
-              <a:buNone/>
-            </a:pPr>
+            <a:pPr algn="just"/>
             <a:r>
               <a:rPr lang="ru-RU" sz="2400" dirty="0">
                 <a:latin typeface="Times New Roman" panose="02020603050405020304" pitchFamily="18" charset="0"/>
                 <a:cs typeface="Times New Roman" panose="02020603050405020304" pitchFamily="18" charset="0"/>
               </a:rPr>
-              <a:t>В ходе работы были выполнены все поставленные задачи:</a:t>
-            </a:r>
-          </a:p>
-          <a:p>
-            <a:pPr algn="just"/>
+              <a:t>Реализация многопользовательского режима (</a:t>
+            </a:r>
+            <a:r>
+              <a:rPr lang="ru-RU" sz="2400" dirty="0" err="1">
+                <a:latin typeface="Times New Roman" panose="02020603050405020304" pitchFamily="18" charset="0"/>
+                <a:cs typeface="Times New Roman" panose="02020603050405020304" pitchFamily="18" charset="0"/>
+              </a:rPr>
+              <a:t>PvP</a:t>
+            </a:r>
             <a:r>
               <a:rPr lang="ru-RU" sz="2400" dirty="0">
                 <a:latin typeface="Times New Roman" panose="02020603050405020304" pitchFamily="18" charset="0"/>
                 <a:cs typeface="Times New Roman" panose="02020603050405020304" pitchFamily="18" charset="0"/>
               </a:rPr>
-              <a:t>Проведен анализ существующих аналогов</a:t>
+              <a:t>).</a:t>
             </a:r>
           </a:p>
           <a:p>
@@ -4886,7 +4863,7 @@
                 <a:latin typeface="Times New Roman" panose="02020603050405020304" pitchFamily="18" charset="0"/>
                 <a:cs typeface="Times New Roman" panose="02020603050405020304" pitchFamily="18" charset="0"/>
               </a:rPr>
-              <a:t>Спроектирована архитектура мобильного приложения</a:t>
+              <a:t>Расширение пула фракций и типов местности.</a:t>
             </a:r>
           </a:p>
           <a:p>
@@ -4896,7 +4873,7 @@
                 <a:latin typeface="Times New Roman" panose="02020603050405020304" pitchFamily="18" charset="0"/>
                 <a:cs typeface="Times New Roman" panose="02020603050405020304" pitchFamily="18" charset="0"/>
               </a:rPr>
-              <a:t>Сформирована обучающая выборка для модели глубокого обучения</a:t>
+              <a:t>Добавление новых карт зданий</a:t>
             </a:r>
           </a:p>
           <a:p>
@@ -4906,7 +4883,7 @@
                 <a:latin typeface="Times New Roman" panose="02020603050405020304" pitchFamily="18" charset="0"/>
                 <a:cs typeface="Times New Roman" panose="02020603050405020304" pitchFamily="18" charset="0"/>
               </a:rPr>
-              <a:t>Обучена нейронная сеть для распознавания кожных заболеваний с последующей оптимизацией под мобильные устройства.</a:t>
+              <a:t>Добавления магазина со скинами кубиков</a:t>
             </a:r>
           </a:p>
           <a:p>
@@ -4916,47 +4893,12 @@
                 <a:latin typeface="Times New Roman" panose="02020603050405020304" pitchFamily="18" charset="0"/>
                 <a:cs typeface="Times New Roman" panose="02020603050405020304" pitchFamily="18" charset="0"/>
               </a:rPr>
-              <a:t>Реализовано кроссплатформенное приложение на </a:t>
-            </a:r>
-            <a:r>
-              <a:rPr lang="ru-RU" sz="2400" dirty="0" err="1">
-                <a:latin typeface="Times New Roman" panose="02020603050405020304" pitchFamily="18" charset="0"/>
-                <a:cs typeface="Times New Roman" panose="02020603050405020304" pitchFamily="18" charset="0"/>
-              </a:rPr>
-              <a:t>Flutter</a:t>
-            </a:r>
-            <a:r>
-              <a:rPr lang="ru-RU" sz="2400" dirty="0">
-                <a:latin typeface="Times New Roman" panose="02020603050405020304" pitchFamily="18" charset="0"/>
-                <a:cs typeface="Times New Roman" panose="02020603050405020304" pitchFamily="18" charset="0"/>
-              </a:rPr>
-              <a:t> с возможностью сканирования и анализа новообразований.</a:t>
+              <a:t>Портирование на мобильные платформы.</a:t>
             </a:r>
           </a:p>
           <a:p>
             <a:pPr algn="just"/>
-            <a:r>
-              <a:rPr lang="ru-RU" sz="2400" dirty="0">
-                <a:latin typeface="Times New Roman" panose="02020603050405020304" pitchFamily="18" charset="0"/>
-                <a:cs typeface="Times New Roman" panose="02020603050405020304" pitchFamily="18" charset="0"/>
-              </a:rPr>
-              <a:t>Проведено тестирование, подтвердившее диагностическую точность и стабильность работы системы.</a:t>
-            </a:r>
-          </a:p>
-          <a:p>
-            <a:pPr algn="just">
-              <a:buNone/>
-            </a:pPr>
-            <a:endParaRPr lang="ru-RU" sz="3200" dirty="0">
-              <a:latin typeface="Times New Roman" panose="02020603050405020304" pitchFamily="18" charset="0"/>
-              <a:cs typeface="Times New Roman" panose="02020603050405020304" pitchFamily="18" charset="0"/>
-            </a:endParaRPr>
-          </a:p>
-          <a:p>
-            <a:pPr marL="0" indent="0" algn="just">
-              <a:buNone/>
-            </a:pPr>
-            <a:endParaRPr lang="ru-RU" sz="3200" dirty="0">
+            <a:endParaRPr lang="ru-RU" sz="2000" dirty="0">
               <a:latin typeface="Times New Roman" panose="02020603050405020304" pitchFamily="18" charset="0"/>
               <a:cs typeface="Times New Roman" panose="02020603050405020304" pitchFamily="18" charset="0"/>
             </a:endParaRPr>
@@ -4975,22 +4917,22 @@
         </p:nvSpPr>
         <p:spPr>
           <a:xfrm>
-            <a:off x="8610600" y="6284912"/>
+            <a:off x="8648700" y="6261100"/>
             <a:ext cx="2743200" cy="365125"/>
           </a:xfrm>
         </p:spPr>
         <p:txBody>
-          <a:bodyPr vert="horz" lIns="91440" tIns="45720" rIns="91440" bIns="45720" rtlCol="0" anchor="ctr"/>
+          <a:bodyPr/>
           <a:lstStyle/>
           <a:p>
             <a:fld id="{285DC19C-03DA-4066-9FF7-D0BF1BC6D6F6}" type="slidenum">
-              <a:rPr lang="ru-RU" sz="2400">
+              <a:rPr lang="ru-RU" sz="2400" smtClean="0">
                 <a:latin typeface="Times New Roman" panose="02020603050405020304" pitchFamily="18" charset="0"/>
                 <a:cs typeface="Times New Roman" panose="02020603050405020304" pitchFamily="18" charset="0"/>
               </a:rPr>
               <a:t>12</a:t>
             </a:fld>
-            <a:endParaRPr lang="ru-RU" sz="2000" dirty="0">
+            <a:endParaRPr lang="ru-RU" sz="1400" dirty="0">
               <a:latin typeface="Times New Roman" panose="02020603050405020304" pitchFamily="18" charset="0"/>
               <a:cs typeface="Times New Roman" panose="02020603050405020304" pitchFamily="18" charset="0"/>
             </a:endParaRPr>
@@ -5036,6 +4978,297 @@
 </file>
 
 <file path=ppt/slides/slide13.xml><?xml version="1.0" encoding="utf-8"?>
+<p:sld xmlns:a="http://schemas.openxmlformats.org/drawingml/2006/main" xmlns:r="http://schemas.openxmlformats.org/officeDocument/2006/relationships" xmlns:p="http://schemas.openxmlformats.org/presentationml/2006/main">
+  <p:cSld>
+    <p:spTree>
+      <p:nvGrpSpPr>
+        <p:cNvPr id="1" name=""/>
+        <p:cNvGrpSpPr/>
+        <p:nvPr/>
+      </p:nvGrpSpPr>
+      <p:grpSpPr>
+        <a:xfrm>
+          <a:off x="0" y="0"/>
+          <a:ext cx="0" cy="0"/>
+          <a:chOff x="0" y="0"/>
+          <a:chExt cx="0" cy="0"/>
+        </a:xfrm>
+      </p:grpSpPr>
+      <p:pic>
+        <p:nvPicPr>
+          <p:cNvPr id="6" name="Рисунок 5"/>
+          <p:cNvPicPr>
+            <a:picLocks noChangeAspect="1"/>
+          </p:cNvPicPr>
+          <p:nvPr/>
+        </p:nvPicPr>
+        <p:blipFill>
+          <a:blip r:embed="rId2">
+            <a:extLst>
+              <a:ext uri="{28A0092B-C50C-407E-A947-70E740481C1C}">
+                <a14:useLocalDpi xmlns:a14="http://schemas.microsoft.com/office/drawing/2010/main" val="0"/>
+              </a:ext>
+            </a:extLst>
+          </a:blip>
+          <a:stretch>
+            <a:fillRect/>
+          </a:stretch>
+        </p:blipFill>
+        <p:spPr>
+          <a:xfrm>
+            <a:off x="0" y="0"/>
+            <a:ext cx="12192000" cy="6858000"/>
+          </a:xfrm>
+          <a:prstGeom prst="rect">
+            <a:avLst/>
+          </a:prstGeom>
+        </p:spPr>
+      </p:pic>
+      <p:sp>
+        <p:nvSpPr>
+          <p:cNvPr id="2" name="Заголовок 1"/>
+          <p:cNvSpPr>
+            <a:spLocks noGrp="1"/>
+          </p:cNvSpPr>
+          <p:nvPr>
+            <p:ph type="title"/>
+          </p:nvPr>
+        </p:nvSpPr>
+        <p:spPr>
+          <a:xfrm>
+            <a:off x="0" y="1"/>
+            <a:ext cx="12192000" cy="1092200"/>
+          </a:xfrm>
+        </p:spPr>
+        <p:txBody>
+          <a:bodyPr/>
+          <a:lstStyle/>
+          <a:p>
+            <a:pPr algn="ctr"/>
+            <a:r>
+              <a:rPr lang="ru-RU" dirty="0">
+                <a:latin typeface="Times New Roman" panose="02020603050405020304"/>
+                <a:ea typeface="+mj-lt"/>
+                <a:cs typeface="+mj-lt"/>
+              </a:rPr>
+              <a:t>Заключение</a:t>
+            </a:r>
+            <a:endParaRPr lang="ru-RU" dirty="0">
+              <a:latin typeface="Times New Roman" panose="02020603050405020304"/>
+              <a:cs typeface="Times New Roman" panose="02020603050405020304"/>
+            </a:endParaRPr>
+          </a:p>
+        </p:txBody>
+      </p:sp>
+      <p:sp>
+        <p:nvSpPr>
+          <p:cNvPr id="3" name="Объект 2"/>
+          <p:cNvSpPr>
+            <a:spLocks noGrp="1"/>
+          </p:cNvSpPr>
+          <p:nvPr>
+            <p:ph idx="1"/>
+          </p:nvPr>
+        </p:nvSpPr>
+        <p:spPr>
+          <a:xfrm>
+            <a:off x="838200" y="1322388"/>
+            <a:ext cx="10515600" cy="4351338"/>
+          </a:xfrm>
+        </p:spPr>
+        <p:txBody>
+          <a:bodyPr vert="horz" lIns="91440" tIns="45720" rIns="91440" bIns="45720" rtlCol="0" anchor="t">
+            <a:noAutofit/>
+          </a:bodyPr>
+          <a:lstStyle/>
+          <a:p>
+            <a:pPr marL="0" indent="0" algn="just">
+              <a:buNone/>
+            </a:pPr>
+            <a:r>
+              <a:rPr lang="ru-RU" sz="2400" dirty="0">
+                <a:latin typeface="Times New Roman" panose="02020603050405020304" pitchFamily="18" charset="0"/>
+                <a:cs typeface="Times New Roman" panose="02020603050405020304" pitchFamily="18" charset="0"/>
+              </a:rPr>
+              <a:t>В ходе работы были выполнены все поставленные задачи:</a:t>
+            </a:r>
+          </a:p>
+          <a:p>
+            <a:pPr marL="342900" indent="-342900" algn="just">
+              <a:buFont typeface="Arial" panose="020B0604020202020204"/>
+              <a:buChar char="•"/>
+            </a:pPr>
+            <a:r>
+              <a:rPr lang="ru-RU" sz="2400" dirty="0">
+                <a:latin typeface="Times New Roman" panose="02020603050405020304"/>
+                <a:ea typeface="+mn-lt"/>
+                <a:cs typeface="Times New Roman" panose="02020603050405020304"/>
+              </a:rPr>
+              <a:t>Провести обзор имеющихся аналогов</a:t>
+            </a:r>
+          </a:p>
+          <a:p>
+            <a:pPr marL="342900" indent="-342900" algn="just">
+              <a:buFont typeface="Arial" panose="020B0604020202020204"/>
+              <a:buChar char="•"/>
+            </a:pPr>
+            <a:r>
+              <a:rPr lang="ru-RU" sz="2400" dirty="0">
+                <a:latin typeface="Times New Roman" panose="02020603050405020304"/>
+                <a:ea typeface="+mn-lt"/>
+                <a:cs typeface="+mn-lt"/>
+              </a:rPr>
+              <a:t>Проектирование архитектуры (UML) и логики взаимодействия компонентов.</a:t>
+            </a:r>
+          </a:p>
+          <a:p>
+            <a:pPr marL="342900" indent="-342900" algn="just">
+              <a:buFont typeface="Arial" panose="020B0604020202020204"/>
+              <a:buChar char="•"/>
+            </a:pPr>
+            <a:r>
+              <a:rPr lang="ru-RU" sz="2400" dirty="0">
+                <a:latin typeface="Times New Roman" panose="02020603050405020304" pitchFamily="18" charset="0"/>
+                <a:cs typeface="Times New Roman" panose="02020603050405020304" pitchFamily="18" charset="0"/>
+              </a:rPr>
+              <a:t>Разработка модуля ИИ и игровых механик на движке </a:t>
+            </a:r>
+            <a:r>
+              <a:rPr lang="ru-RU" sz="2400" dirty="0" err="1">
+                <a:latin typeface="Times New Roman" panose="02020603050405020304" pitchFamily="18" charset="0"/>
+                <a:cs typeface="Times New Roman" panose="02020603050405020304" pitchFamily="18" charset="0"/>
+              </a:rPr>
+              <a:t>Unity</a:t>
+            </a:r>
+            <a:endParaRPr lang="ru-RU" sz="2400" dirty="0">
+              <a:latin typeface="Times New Roman" panose="02020603050405020304" pitchFamily="18" charset="0"/>
+              <a:cs typeface="Times New Roman" panose="02020603050405020304" pitchFamily="18" charset="0"/>
+            </a:endParaRPr>
+          </a:p>
+          <a:p>
+            <a:pPr marL="342900" indent="-342900" algn="just">
+              <a:buFont typeface="Arial" panose="020B0604020202020204"/>
+              <a:buChar char="•"/>
+            </a:pPr>
+            <a:r>
+              <a:rPr lang="ru-RU" sz="2400" dirty="0">
+                <a:latin typeface="Times New Roman" panose="02020603050405020304"/>
+                <a:ea typeface="+mn-lt"/>
+                <a:cs typeface="+mn-lt"/>
+              </a:rPr>
+              <a:t>Оптимизация UI/UX и проведение комплексного тестирования</a:t>
+            </a:r>
+          </a:p>
+          <a:p>
+            <a:pPr algn="just">
+              <a:buNone/>
+            </a:pPr>
+            <a:endParaRPr lang="ru-RU" sz="3200" dirty="0">
+              <a:latin typeface="Times New Roman" panose="02020603050405020304" pitchFamily="18" charset="0"/>
+              <a:cs typeface="Times New Roman" panose="02020603050405020304" pitchFamily="18" charset="0"/>
+            </a:endParaRPr>
+          </a:p>
+          <a:p>
+            <a:pPr marL="0" indent="0" algn="just">
+              <a:buNone/>
+            </a:pPr>
+            <a:r>
+              <a:rPr lang="ru-RU" sz="2400" dirty="0">
+                <a:latin typeface="Times New Roman" panose="02020603050405020304" pitchFamily="18" charset="0"/>
+                <a:cs typeface="Times New Roman" panose="02020603050405020304" pitchFamily="18" charset="0"/>
+              </a:rPr>
+              <a:t>В результате работы был реализован полноценный проект </a:t>
+            </a:r>
+            <a:r>
+              <a:rPr lang="ru-RU" sz="2400" dirty="0" err="1">
+                <a:latin typeface="Times New Roman" panose="02020603050405020304" pitchFamily="18" charset="0"/>
+                <a:cs typeface="Times New Roman" panose="02020603050405020304" pitchFamily="18" charset="0"/>
+              </a:rPr>
+              <a:t>Diceville</a:t>
+            </a:r>
+            <a:r>
+              <a:rPr lang="ru-RU" sz="2400" dirty="0">
+                <a:latin typeface="Times New Roman" panose="02020603050405020304" pitchFamily="18" charset="0"/>
+                <a:cs typeface="Times New Roman" panose="02020603050405020304" pitchFamily="18" charset="0"/>
+              </a:rPr>
+              <a:t>. Созданная архитектура позволяет легко масштабировать контент. В ближайшем будущем планируется добавление сетевого модуля и выпуск игры на мобильные устройства. Проект полностью соответствует заявленным требованиям и готов к эксплуатации</a:t>
+            </a:r>
+          </a:p>
+        </p:txBody>
+      </p:sp>
+      <p:sp>
+        <p:nvSpPr>
+          <p:cNvPr id="4" name="Номер слайда 3"/>
+          <p:cNvSpPr>
+            <a:spLocks noGrp="1"/>
+          </p:cNvSpPr>
+          <p:nvPr>
+            <p:ph type="sldNum" sz="quarter" idx="12"/>
+          </p:nvPr>
+        </p:nvSpPr>
+        <p:spPr>
+          <a:xfrm>
+            <a:off x="8610600" y="6284912"/>
+            <a:ext cx="2743200" cy="365125"/>
+          </a:xfrm>
+        </p:spPr>
+        <p:txBody>
+          <a:bodyPr vert="horz" lIns="91440" tIns="45720" rIns="91440" bIns="45720" rtlCol="0" anchor="ctr"/>
+          <a:lstStyle/>
+          <a:p>
+            <a:fld id="{285DC19C-03DA-4066-9FF7-D0BF1BC6D6F6}" type="slidenum">
+              <a:rPr lang="ru-RU" sz="2400">
+                <a:latin typeface="Times New Roman" panose="02020603050405020304" pitchFamily="18" charset="0"/>
+                <a:cs typeface="Times New Roman" panose="02020603050405020304" pitchFamily="18" charset="0"/>
+              </a:rPr>
+              <a:t>13</a:t>
+            </a:fld>
+            <a:endParaRPr lang="ru-RU" sz="2000" dirty="0">
+              <a:latin typeface="Times New Roman" panose="02020603050405020304" pitchFamily="18" charset="0"/>
+              <a:cs typeface="Times New Roman" panose="02020603050405020304" pitchFamily="18" charset="0"/>
+            </a:endParaRPr>
+          </a:p>
+        </p:txBody>
+      </p:sp>
+      <p:pic>
+        <p:nvPicPr>
+          <p:cNvPr id="5" name="Рисунок 4"/>
+          <p:cNvPicPr>
+            <a:picLocks noChangeAspect="1"/>
+          </p:cNvPicPr>
+          <p:nvPr/>
+        </p:nvPicPr>
+        <p:blipFill>
+          <a:blip r:embed="rId3" cstate="print">
+            <a:extLst>
+              <a:ext uri="{28A0092B-C50C-407E-A947-70E740481C1C}">
+                <a14:useLocalDpi xmlns:a14="http://schemas.microsoft.com/office/drawing/2010/main" val="0"/>
+              </a:ext>
+            </a:extLst>
+          </a:blip>
+          <a:stretch>
+            <a:fillRect/>
+          </a:stretch>
+        </p:blipFill>
+        <p:spPr>
+          <a:xfrm>
+            <a:off x="0" y="0"/>
+            <a:ext cx="2685011" cy="895703"/>
+          </a:xfrm>
+          <a:prstGeom prst="rect">
+            <a:avLst/>
+          </a:prstGeom>
+        </p:spPr>
+      </p:pic>
+    </p:spTree>
+  </p:cSld>
+  <p:clrMapOvr>
+    <a:masterClrMapping/>
+  </p:clrMapOvr>
+</p:sld>
+</file>
+
+<file path=ppt/slides/slide14.xml><?xml version="1.0" encoding="utf-8"?>
 <p:sld xmlns:a="http://schemas.openxmlformats.org/drawingml/2006/main" xmlns:r="http://schemas.openxmlformats.org/officeDocument/2006/relationships" xmlns:p="http://schemas.openxmlformats.org/presentationml/2006/main">
   <p:cSld>
     <p:spTree>

--- a/УПИС_Задание_№10/Презентация Diceville.pptx
+++ b/УПИС_Задание_№10/Презентация Diceville.pptx
@@ -4544,7 +4544,7 @@
         </p:blipFill>
         <p:spPr>
           <a:xfrm>
-            <a:off x="-1" y="-1"/>
+            <a:off x="-1" y="43952"/>
             <a:ext cx="12191999" cy="6857999"/>
           </a:xfrm>
           <a:prstGeom prst="rect">
@@ -4607,41 +4607,6 @@
           <a:xfrm>
             <a:off x="0" y="0"/>
             <a:ext cx="2685011" cy="895703"/>
-          </a:xfrm>
-          <a:prstGeom prst="rect">
-            <a:avLst/>
-          </a:prstGeom>
-        </p:spPr>
-      </p:pic>
-      <p:pic>
-        <p:nvPicPr>
-          <p:cNvPr id="11" name="Рисунок 10">
-            <a:extLst>
-              <a:ext uri="{FF2B5EF4-FFF2-40B4-BE49-F238E27FC236}">
-                <a16:creationId xmlns:a16="http://schemas.microsoft.com/office/drawing/2014/main" id="{27E55D68-EE83-4581-9E0F-FC357AF41C2A}"/>
-              </a:ext>
-            </a:extLst>
-          </p:cNvPr>
-          <p:cNvPicPr>
-            <a:picLocks noChangeAspect="1"/>
-          </p:cNvPicPr>
-          <p:nvPr/>
-        </p:nvPicPr>
-        <p:blipFill rotWithShape="1">
-          <a:blip r:embed="rId4">
-            <a:extLst>
-              <a:ext uri="{28A0092B-C50C-407E-A947-70E740481C1C}">
-                <a14:useLocalDpi xmlns:a14="http://schemas.microsoft.com/office/drawing/2010/main" val="0"/>
-              </a:ext>
-            </a:extLst>
-          </a:blip>
-          <a:srcRect l="40882" b="15870"/>
-          <a:stretch/>
-        </p:blipFill>
-        <p:spPr>
-          <a:xfrm>
-            <a:off x="2219325" y="723457"/>
-            <a:ext cx="9086850" cy="6178494"/>
           </a:xfrm>
           <a:prstGeom prst="rect">
             <a:avLst/>
